--- a/final-presentation/final-presentation-davis-vaughan.pptx
+++ b/final-presentation/final-presentation-davis-vaughan.pptx
@@ -5,10 +5,10 @@
     <p:sldMasterId id="2147483648" r:id="rId1"/>
   </p:sldMasterIdLst>
   <p:notesMasterIdLst>
-    <p:notesMasterId r:id="rId25"/>
+    <p:notesMasterId r:id="rId24"/>
   </p:notesMasterIdLst>
   <p:handoutMasterIdLst>
-    <p:handoutMasterId r:id="rId26"/>
+    <p:handoutMasterId r:id="rId25"/>
   </p:handoutMasterIdLst>
   <p:sldIdLst>
     <p:sldId id="256" r:id="rId2"/>
@@ -20,37 +20,36 @@
     <p:sldId id="261" r:id="rId8"/>
     <p:sldId id="262" r:id="rId9"/>
     <p:sldId id="263" r:id="rId10"/>
-    <p:sldId id="264" r:id="rId11"/>
-    <p:sldId id="265" r:id="rId12"/>
-    <p:sldId id="286" r:id="rId13"/>
-    <p:sldId id="266" r:id="rId14"/>
-    <p:sldId id="274" r:id="rId15"/>
-    <p:sldId id="285" r:id="rId16"/>
-    <p:sldId id="276" r:id="rId17"/>
-    <p:sldId id="280" r:id="rId18"/>
-    <p:sldId id="279" r:id="rId19"/>
-    <p:sldId id="281" r:id="rId20"/>
-    <p:sldId id="282" r:id="rId21"/>
-    <p:sldId id="283" r:id="rId22"/>
-    <p:sldId id="273" r:id="rId23"/>
-    <p:sldId id="284" r:id="rId24"/>
+    <p:sldId id="265" r:id="rId11"/>
+    <p:sldId id="286" r:id="rId12"/>
+    <p:sldId id="266" r:id="rId13"/>
+    <p:sldId id="274" r:id="rId14"/>
+    <p:sldId id="285" r:id="rId15"/>
+    <p:sldId id="276" r:id="rId16"/>
+    <p:sldId id="280" r:id="rId17"/>
+    <p:sldId id="279" r:id="rId18"/>
+    <p:sldId id="281" r:id="rId19"/>
+    <p:sldId id="282" r:id="rId20"/>
+    <p:sldId id="283" r:id="rId21"/>
+    <p:sldId id="273" r:id="rId22"/>
+    <p:sldId id="284" r:id="rId23"/>
   </p:sldIdLst>
   <p:sldSz cx="9144000" cy="6858000" type="screen4x3"/>
   <p:notesSz cx="6858000" cy="9144000"/>
   <p:embeddedFontLst>
     <p:embeddedFont>
       <p:font typeface="Aparajita" panose="020B0604020202020204" pitchFamily="34" charset="0"/>
-      <p:regular r:id="rId27"/>
-      <p:bold r:id="rId28"/>
-      <p:italic r:id="rId29"/>
-      <p:boldItalic r:id="rId30"/>
+      <p:regular r:id="rId26"/>
+      <p:bold r:id="rId27"/>
+      <p:italic r:id="rId28"/>
+      <p:boldItalic r:id="rId29"/>
     </p:embeddedFont>
     <p:embeddedFont>
       <p:font typeface="Calibri" panose="020F0502020204030204" pitchFamily="34" charset="0"/>
-      <p:regular r:id="rId31"/>
-      <p:bold r:id="rId32"/>
-      <p:italic r:id="rId33"/>
-      <p:boldItalic r:id="rId34"/>
+      <p:regular r:id="rId30"/>
+      <p:bold r:id="rId31"/>
+      <p:italic r:id="rId32"/>
+      <p:boldItalic r:id="rId33"/>
     </p:embeddedFont>
   </p:embeddedFontLst>
   <p:defaultTextStyle>
@@ -7289,7 +7288,7 @@
             </a:pPr>
             <a:r>
               <a:rPr lang="en-US" dirty="0" smtClean="0"/>
-              <a:t>Instantly get results that look like this:</a:t>
+              <a:t>With a little more effort…</a:t>
             </a:r>
           </a:p>
           <a:p>
@@ -7348,7 +7347,7 @@
       </p:sp>
       <p:pic>
         <p:nvPicPr>
-          <p:cNvPr id="5" name="Picture 4"/>
+          <p:cNvPr id="6" name="Picture 5"/>
           <p:cNvPicPr>
             <a:picLocks noChangeAspect="1"/>
           </p:cNvPicPr>
@@ -7368,8 +7367,8 @@
         </p:blipFill>
         <p:spPr>
           <a:xfrm>
-            <a:off x="838200" y="2514600"/>
-            <a:ext cx="7086600" cy="3221182"/>
+            <a:off x="838200" y="2500745"/>
+            <a:ext cx="7239000" cy="3290455"/>
           </a:xfrm>
           <a:prstGeom prst="rect">
             <a:avLst/>
@@ -7379,7 +7378,7 @@
     </p:spTree>
     <p:extLst>
       <p:ext uri="{BB962C8B-B14F-4D97-AF65-F5344CB8AC3E}">
-        <p14:creationId xmlns:p14="http://schemas.microsoft.com/office/powerpoint/2010/main" val="2283176206"/>
+        <p14:creationId xmlns:p14="http://schemas.microsoft.com/office/powerpoint/2010/main" val="4065466066"/>
       </p:ext>
     </p:extLst>
   </p:cSld>
@@ -7433,13 +7432,109 @@
             </a:pPr>
             <a:r>
               <a:rPr lang="en-US" i="1" dirty="0" smtClean="0"/>
-              <a:t>Waterfall graphs – Let R do the work for you</a:t>
-            </a:r>
-          </a:p>
-          <a:p>
-            <a:pPr marL="228600" lvl="1" indent="0">
+              <a:t>IRR calculations</a:t>
+            </a:r>
+          </a:p>
+          <a:p>
+            <a:pPr marL="0" indent="0">
               <a:buNone/>
             </a:pPr>
+            <a:endParaRPr lang="en-US" i="1" dirty="0"/>
+          </a:p>
+          <a:p>
+            <a:pPr>
+              <a:spcAft>
+                <a:spcPts val="0"/>
+              </a:spcAft>
+              <a:buFont typeface="Wingdings" panose="05000000000000000000" pitchFamily="2" charset="2"/>
+              <a:buChar char="§"/>
+            </a:pPr>
+            <a:r>
+              <a:rPr lang="en-US" i="1" dirty="0" smtClean="0"/>
+              <a:t>Project:</a:t>
+            </a:r>
+          </a:p>
+          <a:p>
+            <a:pPr lvl="1">
+              <a:spcAft>
+                <a:spcPts val="0"/>
+              </a:spcAft>
+              <a:buFont typeface="Wingdings" panose="05000000000000000000" pitchFamily="2" charset="2"/>
+              <a:buChar char="§"/>
+            </a:pPr>
+            <a:endParaRPr lang="en-US" i="1" dirty="0" smtClean="0"/>
+          </a:p>
+          <a:p>
+            <a:pPr lvl="1">
+              <a:buFont typeface="Wingdings" panose="05000000000000000000" pitchFamily="2" charset="2"/>
+              <a:buChar char="§"/>
+            </a:pPr>
+            <a:r>
+              <a:rPr lang="en-US" dirty="0" smtClean="0"/>
+              <a:t>Calculate IRR for 2400 potential economic scenarios </a:t>
+            </a:r>
+          </a:p>
+          <a:p>
+            <a:pPr lvl="3">
+              <a:buFont typeface="Wingdings" panose="05000000000000000000" pitchFamily="2" charset="2"/>
+              <a:buChar char="§"/>
+            </a:pPr>
+            <a:r>
+              <a:rPr lang="en-US" dirty="0" smtClean="0"/>
+              <a:t>12 Lincoln products, 200 scenarios each</a:t>
+            </a:r>
+          </a:p>
+          <a:p>
+            <a:pPr lvl="3">
+              <a:buFont typeface="Wingdings" panose="05000000000000000000" pitchFamily="2" charset="2"/>
+              <a:buChar char="§"/>
+            </a:pPr>
+            <a:r>
+              <a:rPr lang="en-US" dirty="0" smtClean="0"/>
+              <a:t>40 years of predicted distributable earnings per scenario (cash flows)</a:t>
+            </a:r>
+          </a:p>
+          <a:p>
+            <a:pPr lvl="3">
+              <a:spcAft>
+                <a:spcPts val="0"/>
+              </a:spcAft>
+              <a:buFont typeface="Wingdings" panose="05000000000000000000" pitchFamily="2" charset="2"/>
+              <a:buChar char="§"/>
+            </a:pPr>
+            <a:r>
+              <a:rPr lang="en-US" dirty="0" smtClean="0"/>
+              <a:t>1 GAAP Equity value per product (initial investment)</a:t>
+            </a:r>
+          </a:p>
+          <a:p>
+            <a:pPr lvl="1">
+              <a:spcAft>
+                <a:spcPts val="0"/>
+              </a:spcAft>
+              <a:buFont typeface="Wingdings" panose="05000000000000000000" pitchFamily="2" charset="2"/>
+              <a:buChar char="§"/>
+            </a:pPr>
+            <a:endParaRPr lang="en-US" dirty="0" smtClean="0"/>
+          </a:p>
+          <a:p>
+            <a:pPr lvl="1">
+              <a:spcAft>
+                <a:spcPts val="0"/>
+              </a:spcAft>
+              <a:buFont typeface="Wingdings" panose="05000000000000000000" pitchFamily="2" charset="2"/>
+              <a:buChar char="§"/>
+            </a:pPr>
+            <a:r>
+              <a:rPr lang="en-US" dirty="0" smtClean="0"/>
+              <a:t>Calculation has too many conditions for Excel’s IRR function. Goal Seek needed.</a:t>
+            </a:r>
+          </a:p>
+          <a:p>
+            <a:pPr lvl="1">
+              <a:buFont typeface="Wingdings" panose="05000000000000000000" pitchFamily="2" charset="2"/>
+              <a:buChar char="§"/>
+            </a:pPr>
             <a:endParaRPr lang="en-US" dirty="0"/>
           </a:p>
           <a:p>
@@ -7447,16 +7542,21 @@
               <a:buFont typeface="Wingdings" panose="05000000000000000000" pitchFamily="2" charset="2"/>
               <a:buChar char="§"/>
             </a:pPr>
-            <a:r>
-              <a:rPr lang="en-US" dirty="0" smtClean="0"/>
-              <a:t>With a little more effort…</a:t>
-            </a:r>
-          </a:p>
-          <a:p>
-            <a:pPr marL="228600" lvl="1" indent="0">
-              <a:buNone/>
-            </a:pPr>
-            <a:endParaRPr lang="en-US" dirty="0"/>
+            <a:endParaRPr lang="en-US" i="1" dirty="0" smtClean="0"/>
+          </a:p>
+          <a:p>
+            <a:pPr lvl="1">
+              <a:buFont typeface="Wingdings" panose="05000000000000000000" pitchFamily="2" charset="2"/>
+              <a:buChar char="§"/>
+            </a:pPr>
+            <a:endParaRPr lang="en-US" i="1" dirty="0"/>
+          </a:p>
+          <a:p>
+            <a:pPr lvl="1">
+              <a:buFont typeface="Wingdings" panose="05000000000000000000" pitchFamily="2" charset="2"/>
+              <a:buChar char="§"/>
+            </a:pPr>
+            <a:endParaRPr lang="en-US" dirty="0" smtClean="0"/>
           </a:p>
         </p:txBody>
       </p:sp>
@@ -7500,46 +7600,16 @@
           <a:p>
             <a:r>
               <a:rPr lang="en-US" dirty="0" smtClean="0"/>
-              <a:t>Visualizations</a:t>
+              <a:t>speed</a:t>
             </a:r>
             <a:endParaRPr lang="en-US" dirty="0"/>
           </a:p>
         </p:txBody>
       </p:sp>
-      <p:pic>
-        <p:nvPicPr>
-          <p:cNvPr id="6" name="Picture 5"/>
-          <p:cNvPicPr>
-            <a:picLocks noChangeAspect="1"/>
-          </p:cNvPicPr>
-          <p:nvPr/>
-        </p:nvPicPr>
-        <p:blipFill>
-          <a:blip r:embed="rId2" cstate="print">
-            <a:extLst>
-              <a:ext uri="{28A0092B-C50C-407E-A947-70E740481C1C}">
-                <a14:useLocalDpi xmlns:a14="http://schemas.microsoft.com/office/drawing/2010/main" val="0"/>
-              </a:ext>
-            </a:extLst>
-          </a:blip>
-          <a:stretch>
-            <a:fillRect/>
-          </a:stretch>
-        </p:blipFill>
-        <p:spPr>
-          <a:xfrm>
-            <a:off x="838200" y="2500745"/>
-            <a:ext cx="7239000" cy="3290455"/>
-          </a:xfrm>
-          <a:prstGeom prst="rect">
-            <a:avLst/>
-          </a:prstGeom>
-        </p:spPr>
-      </p:pic>
     </p:spTree>
     <p:extLst>
       <p:ext uri="{BB962C8B-B14F-4D97-AF65-F5344CB8AC3E}">
-        <p14:creationId xmlns:p14="http://schemas.microsoft.com/office/powerpoint/2010/main" val="4065466066"/>
+        <p14:creationId xmlns:p14="http://schemas.microsoft.com/office/powerpoint/2010/main" val="3019645721"/>
       </p:ext>
     </p:extLst>
   </p:cSld>
@@ -7703,6 +7773,38 @@
               <a:buFont typeface="Wingdings" panose="05000000000000000000" pitchFamily="2" charset="2"/>
               <a:buChar char="§"/>
             </a:pPr>
+            <a:r>
+              <a:rPr lang="en-US" b="1" dirty="0" smtClean="0"/>
+              <a:t>3 hours </a:t>
+            </a:r>
+            <a:r>
+              <a:rPr lang="en-US" dirty="0" smtClean="0"/>
+              <a:t>to run all 2400 scenarios</a:t>
+            </a:r>
+          </a:p>
+          <a:p>
+            <a:pPr lvl="1">
+              <a:buFont typeface="Wingdings" panose="05000000000000000000" pitchFamily="2" charset="2"/>
+              <a:buChar char="§"/>
+            </a:pPr>
+            <a:endParaRPr lang="en-US" dirty="0"/>
+          </a:p>
+          <a:p>
+            <a:pPr lvl="1">
+              <a:buFont typeface="Wingdings" panose="05000000000000000000" pitchFamily="2" charset="2"/>
+              <a:buChar char="§"/>
+            </a:pPr>
+            <a:r>
+              <a:rPr lang="en-US" dirty="0" smtClean="0"/>
+              <a:t>Can R do this faster?</a:t>
+            </a:r>
+            <a:endParaRPr lang="en-US" dirty="0"/>
+          </a:p>
+          <a:p>
+            <a:pPr lvl="1">
+              <a:buFont typeface="Wingdings" panose="05000000000000000000" pitchFamily="2" charset="2"/>
+              <a:buChar char="§"/>
+            </a:pPr>
             <a:endParaRPr lang="en-US" i="1" dirty="0" smtClean="0"/>
           </a:p>
           <a:p>
@@ -7770,7 +7872,7 @@
     </p:spTree>
     <p:extLst>
       <p:ext uri="{BB962C8B-B14F-4D97-AF65-F5344CB8AC3E}">
-        <p14:creationId xmlns:p14="http://schemas.microsoft.com/office/powerpoint/2010/main" val="3019645721"/>
+        <p14:creationId xmlns:p14="http://schemas.microsoft.com/office/powerpoint/2010/main" val="1870389015"/>
       </p:ext>
     </p:extLst>
   </p:cSld>
@@ -7843,16 +7945,15 @@
             </a:pPr>
             <a:r>
               <a:rPr lang="en-US" i="1" dirty="0" smtClean="0"/>
-              <a:t>Project:</a:t>
-            </a:r>
-          </a:p>
-          <a:p>
-            <a:pPr lvl="1">
+              <a:t>Solution:</a:t>
+            </a:r>
+          </a:p>
+          <a:p>
+            <a:pPr marL="228600" lvl="1" indent="0">
               <a:spcAft>
                 <a:spcPts val="0"/>
               </a:spcAft>
-              <a:buFont typeface="Wingdings" panose="05000000000000000000" pitchFamily="2" charset="2"/>
-              <a:buChar char="§"/>
+              <a:buNone/>
             </a:pPr>
             <a:endParaRPr lang="en-US" i="1" dirty="0" smtClean="0"/>
           </a:p>
@@ -7863,7 +7964,7 @@
             </a:pPr>
             <a:r>
               <a:rPr lang="en-US" dirty="0" smtClean="0"/>
-              <a:t>Calculate IRR for 2400 potential economic scenarios </a:t>
+              <a:t>Optimization problem – For each of the 2400 scenarios, minimize:</a:t>
             </a:r>
           </a:p>
           <a:p>
@@ -7872,18 +7973,36 @@
               <a:buChar char="§"/>
             </a:pPr>
             <a:r>
-              <a:rPr lang="en-US" dirty="0" smtClean="0"/>
-              <a:t>12 Lincoln products, 200 scenarios each</a:t>
-            </a:r>
+              <a:rPr lang="en-US" sz="2000" dirty="0" smtClean="0">
+                <a:latin typeface="Aparajita" panose="020B0604020202020204" pitchFamily="34" charset="0"/>
+                <a:cs typeface="Aparajita" panose="020B0604020202020204" pitchFamily="34" charset="0"/>
+              </a:rPr>
+              <a:t>PV(distributable earnings) – </a:t>
+            </a:r>
+            <a:r>
+              <a:rPr lang="en-US" sz="2000" dirty="0" err="1" smtClean="0">
+                <a:latin typeface="Aparajita" panose="020B0604020202020204" pitchFamily="34" charset="0"/>
+                <a:cs typeface="Aparajita" panose="020B0604020202020204" pitchFamily="34" charset="0"/>
+              </a:rPr>
+              <a:t>GAAP_equity</a:t>
+            </a:r>
+            <a:r>
+              <a:rPr lang="en-US" i="1" dirty="0"/>
+              <a:t>	</a:t>
+            </a:r>
+            <a:endParaRPr lang="en-US" i="1" dirty="0" smtClean="0"/>
           </a:p>
           <a:p>
             <a:pPr lvl="3">
-              <a:buFont typeface="Wingdings" panose="05000000000000000000" pitchFamily="2" charset="2"/>
-              <a:buChar char="§"/>
-            </a:pPr>
-            <a:r>
-              <a:rPr lang="en-US" dirty="0" smtClean="0"/>
-              <a:t>40 years of predicted distributable earnings per scenario (cash flows)</a:t>
+              <a:spcAft>
+                <a:spcPts val="1200"/>
+              </a:spcAft>
+              <a:buFont typeface="Wingdings" panose="05000000000000000000" pitchFamily="2" charset="2"/>
+              <a:buChar char="§"/>
+            </a:pPr>
+            <a:r>
+              <a:rPr lang="en-US" dirty="0" smtClean="0"/>
+              <a:t>By varying the IRR to discount with</a:t>
             </a:r>
           </a:p>
           <a:p>
@@ -7896,91 +8015,25 @@
             </a:pPr>
             <a:r>
               <a:rPr lang="en-US" dirty="0" smtClean="0"/>
-              <a:t>1 GAAP Equity value per product (initial investment)</a:t>
-            </a:r>
-          </a:p>
-          <a:p>
-            <a:pPr lvl="1">
+              <a:t>Use the R function, </a:t>
+            </a:r>
+            <a:r>
+              <a:rPr lang="en-US" sz="2000" dirty="0" smtClean="0">
+                <a:latin typeface="Aparajita" panose="020B0604020202020204" pitchFamily="34" charset="0"/>
+                <a:cs typeface="Aparajita" panose="020B0604020202020204" pitchFamily="34" charset="0"/>
+              </a:rPr>
+              <a:t> optimize()</a:t>
+            </a:r>
+            <a:endParaRPr lang="en-US" dirty="0"/>
+          </a:p>
+          <a:p>
+            <a:pPr marL="228600" lvl="1" indent="0">
               <a:spcAft>
                 <a:spcPts val="0"/>
               </a:spcAft>
-              <a:buFont typeface="Wingdings" panose="05000000000000000000" pitchFamily="2" charset="2"/>
-              <a:buChar char="§"/>
-            </a:pPr>
-            <a:endParaRPr lang="en-US" dirty="0" smtClean="0"/>
-          </a:p>
-          <a:p>
-            <a:pPr lvl="1">
-              <a:spcAft>
-                <a:spcPts val="0"/>
-              </a:spcAft>
-              <a:buFont typeface="Wingdings" panose="05000000000000000000" pitchFamily="2" charset="2"/>
-              <a:buChar char="§"/>
-            </a:pPr>
-            <a:r>
-              <a:rPr lang="en-US" dirty="0" smtClean="0"/>
-              <a:t>Calculation has too many conditions for Excel’s IRR function. Goal Seek needed.</a:t>
-            </a:r>
-          </a:p>
-          <a:p>
-            <a:pPr lvl="1">
-              <a:buFont typeface="Wingdings" panose="05000000000000000000" pitchFamily="2" charset="2"/>
-              <a:buChar char="§"/>
-            </a:pPr>
-            <a:endParaRPr lang="en-US" dirty="0"/>
-          </a:p>
-          <a:p>
-            <a:pPr lvl="1">
-              <a:buFont typeface="Wingdings" panose="05000000000000000000" pitchFamily="2" charset="2"/>
-              <a:buChar char="§"/>
-            </a:pPr>
-            <a:r>
-              <a:rPr lang="en-US" b="1" dirty="0" smtClean="0"/>
-              <a:t>3 hours </a:t>
-            </a:r>
-            <a:r>
-              <a:rPr lang="en-US" dirty="0" smtClean="0"/>
-              <a:t>to run all 2400 scenarios</a:t>
-            </a:r>
-          </a:p>
-          <a:p>
-            <a:pPr lvl="1">
-              <a:buFont typeface="Wingdings" panose="05000000000000000000" pitchFamily="2" charset="2"/>
-              <a:buChar char="§"/>
-            </a:pPr>
-            <a:endParaRPr lang="en-US" dirty="0"/>
-          </a:p>
-          <a:p>
-            <a:pPr lvl="1">
-              <a:buFont typeface="Wingdings" panose="05000000000000000000" pitchFamily="2" charset="2"/>
-              <a:buChar char="§"/>
-            </a:pPr>
-            <a:r>
-              <a:rPr lang="en-US" dirty="0" smtClean="0"/>
-              <a:t>Can R do this faster?</a:t>
-            </a:r>
-            <a:endParaRPr lang="en-US" dirty="0"/>
-          </a:p>
-          <a:p>
-            <a:pPr lvl="1">
-              <a:buFont typeface="Wingdings" panose="05000000000000000000" pitchFamily="2" charset="2"/>
-              <a:buChar char="§"/>
+              <a:buNone/>
             </a:pPr>
             <a:endParaRPr lang="en-US" i="1" dirty="0" smtClean="0"/>
-          </a:p>
-          <a:p>
-            <a:pPr lvl="1">
-              <a:buFont typeface="Wingdings" panose="05000000000000000000" pitchFamily="2" charset="2"/>
-              <a:buChar char="§"/>
-            </a:pPr>
-            <a:endParaRPr lang="en-US" i="1" dirty="0"/>
-          </a:p>
-          <a:p>
-            <a:pPr lvl="1">
-              <a:buFont typeface="Wingdings" panose="05000000000000000000" pitchFamily="2" charset="2"/>
-              <a:buChar char="§"/>
-            </a:pPr>
-            <a:endParaRPr lang="en-US" dirty="0" smtClean="0"/>
           </a:p>
         </p:txBody>
       </p:sp>
@@ -8033,7 +8086,7 @@
     </p:spTree>
     <p:extLst>
       <p:ext uri="{BB962C8B-B14F-4D97-AF65-F5344CB8AC3E}">
-        <p14:creationId xmlns:p14="http://schemas.microsoft.com/office/powerpoint/2010/main" val="1870389015"/>
+        <p14:creationId xmlns:p14="http://schemas.microsoft.com/office/powerpoint/2010/main" val="3908515491"/>
       </p:ext>
     </p:extLst>
   </p:cSld>
@@ -8196,6 +8249,91 @@
             </a:pPr>
             <a:endParaRPr lang="en-US" i="1" dirty="0" smtClean="0"/>
           </a:p>
+          <a:p>
+            <a:pPr lvl="1">
+              <a:spcAft>
+                <a:spcPts val="0"/>
+              </a:spcAft>
+              <a:buFont typeface="Wingdings" panose="05000000000000000000" pitchFamily="2" charset="2"/>
+              <a:buChar char="§"/>
+            </a:pPr>
+            <a:r>
+              <a:rPr lang="en-US" dirty="0" smtClean="0"/>
+              <a:t>3 hours  -&gt;  </a:t>
+            </a:r>
+            <a:r>
+              <a:rPr lang="en-US" b="1" dirty="0" smtClean="0"/>
+              <a:t>9 seconds in R</a:t>
+            </a:r>
+          </a:p>
+          <a:p>
+            <a:pPr lvl="1">
+              <a:spcAft>
+                <a:spcPts val="0"/>
+              </a:spcAft>
+              <a:buFont typeface="Wingdings" panose="05000000000000000000" pitchFamily="2" charset="2"/>
+              <a:buChar char="§"/>
+            </a:pPr>
+            <a:endParaRPr lang="en-US" dirty="0" smtClean="0"/>
+          </a:p>
+          <a:p>
+            <a:pPr lvl="1">
+              <a:spcAft>
+                <a:spcPts val="0"/>
+              </a:spcAft>
+              <a:buFont typeface="Wingdings" panose="05000000000000000000" pitchFamily="2" charset="2"/>
+              <a:buChar char="§"/>
+            </a:pPr>
+            <a:r>
+              <a:rPr lang="en-US" dirty="0" smtClean="0"/>
+              <a:t>Calculations are </a:t>
+            </a:r>
+            <a:r>
+              <a:rPr lang="en-US" i="1" dirty="0" err="1" smtClean="0"/>
+              <a:t>vectorized</a:t>
+            </a:r>
+            <a:r>
+              <a:rPr lang="en-US" i="1" dirty="0" smtClean="0"/>
+              <a:t> </a:t>
+            </a:r>
+            <a:r>
+              <a:rPr lang="en-US" dirty="0" smtClean="0"/>
+              <a:t>and run </a:t>
+            </a:r>
+            <a:r>
+              <a:rPr lang="en-US" i="1" dirty="0" smtClean="0"/>
+              <a:t>in parallel</a:t>
+            </a:r>
+          </a:p>
+          <a:p>
+            <a:pPr lvl="1">
+              <a:spcAft>
+                <a:spcPts val="0"/>
+              </a:spcAft>
+              <a:buFont typeface="Wingdings" panose="05000000000000000000" pitchFamily="2" charset="2"/>
+              <a:buChar char="§"/>
+            </a:pPr>
+            <a:endParaRPr lang="en-US" i="1" dirty="0"/>
+          </a:p>
+          <a:p>
+            <a:pPr lvl="1">
+              <a:spcAft>
+                <a:spcPts val="0"/>
+              </a:spcAft>
+              <a:buFont typeface="Wingdings" panose="05000000000000000000" pitchFamily="2" charset="2"/>
+              <a:buChar char="§"/>
+            </a:pPr>
+            <a:r>
+              <a:rPr lang="en-US" dirty="0" smtClean="0">
+                <a:hlinkClick r:id="rId2"/>
+              </a:rPr>
+              <a:t>Report</a:t>
+            </a:r>
+            <a:r>
+              <a:rPr lang="en-US" dirty="0" smtClean="0"/>
+              <a:t> generated at the end of each run</a:t>
+            </a:r>
+          </a:p>
         </p:txBody>
       </p:sp>
       <p:sp>
@@ -8247,7 +8385,7 @@
     </p:spTree>
     <p:extLst>
       <p:ext uri="{BB962C8B-B14F-4D97-AF65-F5344CB8AC3E}">
-        <p14:creationId xmlns:p14="http://schemas.microsoft.com/office/powerpoint/2010/main" val="3908515491"/>
+        <p14:creationId xmlns:p14="http://schemas.microsoft.com/office/powerpoint/2010/main" val="3233308965"/>
       </p:ext>
     </p:extLst>
   </p:cSld>
@@ -8301,7 +8439,7 @@
             </a:pPr>
             <a:r>
               <a:rPr lang="en-US" i="1" dirty="0" smtClean="0"/>
-              <a:t>IRR calculations</a:t>
+              <a:t>Input efficiency</a:t>
             </a:r>
           </a:p>
           <a:p>
@@ -8320,7 +8458,7 @@
             </a:pPr>
             <a:r>
               <a:rPr lang="en-US" i="1" dirty="0" smtClean="0"/>
-              <a:t>Solution:</a:t>
+              <a:t>Project:</a:t>
             </a:r>
           </a:p>
           <a:p>
@@ -8334,54 +8472,6 @@
           </a:p>
           <a:p>
             <a:pPr lvl="1">
-              <a:buFont typeface="Wingdings" panose="05000000000000000000" pitchFamily="2" charset="2"/>
-              <a:buChar char="§"/>
-            </a:pPr>
-            <a:r>
-              <a:rPr lang="en-US" dirty="0" smtClean="0"/>
-              <a:t>Optimization problem – For each of the 2400 scenarios, minimize:</a:t>
-            </a:r>
-          </a:p>
-          <a:p>
-            <a:pPr lvl="3">
-              <a:buFont typeface="Wingdings" panose="05000000000000000000" pitchFamily="2" charset="2"/>
-              <a:buChar char="§"/>
-            </a:pPr>
-            <a:r>
-              <a:rPr lang="en-US" sz="2000" dirty="0" smtClean="0">
-                <a:latin typeface="Aparajita" panose="020B0604020202020204" pitchFamily="34" charset="0"/>
-                <a:cs typeface="Aparajita" panose="020B0604020202020204" pitchFamily="34" charset="0"/>
-              </a:rPr>
-              <a:t>PV(distributable earnings) – </a:t>
-            </a:r>
-            <a:r>
-              <a:rPr lang="en-US" sz="2000" dirty="0" err="1" smtClean="0">
-                <a:latin typeface="Aparajita" panose="020B0604020202020204" pitchFamily="34" charset="0"/>
-                <a:cs typeface="Aparajita" panose="020B0604020202020204" pitchFamily="34" charset="0"/>
-              </a:rPr>
-              <a:t>GAAP_equity</a:t>
-            </a:r>
-            <a:r>
-              <a:rPr lang="en-US" i="1" dirty="0"/>
-              <a:t>	</a:t>
-            </a:r>
-            <a:endParaRPr lang="en-US" i="1" dirty="0" smtClean="0"/>
-          </a:p>
-          <a:p>
-            <a:pPr lvl="3">
-              <a:spcAft>
-                <a:spcPts val="1200"/>
-              </a:spcAft>
-              <a:buFont typeface="Wingdings" panose="05000000000000000000" pitchFamily="2" charset="2"/>
-              <a:buChar char="§"/>
-            </a:pPr>
-            <a:r>
-              <a:rPr lang="en-US" dirty="0" smtClean="0"/>
-              <a:t>By varying the IRR to discount with</a:t>
-            </a:r>
-          </a:p>
-          <a:p>
-            <a:pPr lvl="3">
               <a:spcAft>
                 <a:spcPts val="0"/>
               </a:spcAft>
@@ -8389,26 +8479,69 @@
               <a:buChar char="§"/>
             </a:pPr>
             <a:r>
-              <a:rPr lang="en-US" dirty="0" smtClean="0"/>
-              <a:t>Use the R function, </a:t>
-            </a:r>
-            <a:r>
-              <a:rPr lang="en-US" sz="2000" dirty="0" smtClean="0">
-                <a:latin typeface="Aparajita" panose="020B0604020202020204" pitchFamily="34" charset="0"/>
-                <a:cs typeface="Aparajita" panose="020B0604020202020204" pitchFamily="34" charset="0"/>
-              </a:rPr>
-              <a:t> optimize()</a:t>
-            </a:r>
+              <a:rPr lang="en-US" i="1" dirty="0" smtClean="0"/>
+              <a:t>Efficiency – </a:t>
+            </a:r>
+            <a:r>
+              <a:rPr lang="en-US" dirty="0" smtClean="0"/>
+              <a:t>Each line of business has 1 atb2 file containing model assumptions</a:t>
+            </a:r>
+          </a:p>
+          <a:p>
+            <a:pPr lvl="1">
+              <a:spcAft>
+                <a:spcPts val="0"/>
+              </a:spcAft>
+              <a:buFont typeface="Wingdings" panose="05000000000000000000" pitchFamily="2" charset="2"/>
+              <a:buChar char="§"/>
+            </a:pPr>
             <a:endParaRPr lang="en-US" dirty="0"/>
           </a:p>
           <a:p>
-            <a:pPr marL="228600" lvl="1" indent="0">
+            <a:pPr lvl="2">
+              <a:spcAft>
+                <a:spcPts val="0"/>
+              </a:spcAft>
+              <a:buFont typeface="Wingdings" panose="05000000000000000000" pitchFamily="2" charset="2"/>
+              <a:buChar char="§"/>
+            </a:pPr>
+            <a:r>
+              <a:rPr lang="en-US" dirty="0" smtClean="0"/>
+              <a:t>Some assumptions are updated regularly, others are never touched</a:t>
+            </a:r>
+          </a:p>
+          <a:p>
+            <a:pPr lvl="2">
+              <a:spcAft>
+                <a:spcPts val="0"/>
+              </a:spcAft>
+              <a:buFont typeface="Wingdings" panose="05000000000000000000" pitchFamily="2" charset="2"/>
+              <a:buChar char="§"/>
+            </a:pPr>
+            <a:endParaRPr lang="en-US" dirty="0"/>
+          </a:p>
+          <a:p>
+            <a:pPr lvl="2">
+              <a:spcAft>
+                <a:spcPts val="0"/>
+              </a:spcAft>
+              <a:buFont typeface="Wingdings" panose="05000000000000000000" pitchFamily="2" charset="2"/>
+              <a:buChar char="§"/>
+            </a:pPr>
+            <a:r>
+              <a:rPr lang="en-US" dirty="0" smtClean="0"/>
+              <a:t>Separate updated tables from static tables to make assumption updating easier</a:t>
+            </a:r>
+            <a:endParaRPr lang="en-US" dirty="0"/>
+          </a:p>
+          <a:p>
+            <a:pPr marL="457200" lvl="2" indent="0">
               <a:spcAft>
                 <a:spcPts val="0"/>
               </a:spcAft>
               <a:buNone/>
             </a:pPr>
-            <a:endParaRPr lang="en-US" i="1" dirty="0" smtClean="0"/>
+            <a:endParaRPr lang="en-US" dirty="0" smtClean="0"/>
           </a:p>
           <a:p>
             <a:pPr lvl="1">
@@ -8419,12 +8552,8 @@
               <a:buChar char="§"/>
             </a:pPr>
             <a:r>
-              <a:rPr lang="en-US" dirty="0" smtClean="0"/>
-              <a:t>3 hours  -&gt;  </a:t>
-            </a:r>
-            <a:r>
-              <a:rPr lang="en-US" b="1" dirty="0" smtClean="0"/>
-              <a:t>9 seconds in R</a:t>
+              <a:rPr lang="en-US" i="1" dirty="0" smtClean="0"/>
+              <a:t>Flexibility</a:t>
             </a:r>
           </a:p>
           <a:p>
@@ -8435,7 +8564,54 @@
               <a:buFont typeface="Wingdings" panose="05000000000000000000" pitchFamily="2" charset="2"/>
               <a:buChar char="§"/>
             </a:pPr>
-            <a:endParaRPr lang="en-US" dirty="0" smtClean="0"/>
+            <a:endParaRPr lang="en-US" i="1" dirty="0"/>
+          </a:p>
+          <a:p>
+            <a:pPr lvl="2">
+              <a:spcAft>
+                <a:spcPts val="0"/>
+              </a:spcAft>
+              <a:buFont typeface="Wingdings" panose="05000000000000000000" pitchFamily="2" charset="2"/>
+              <a:buChar char="§"/>
+            </a:pPr>
+            <a:r>
+              <a:rPr lang="en-US" dirty="0" smtClean="0"/>
+              <a:t>Needs to work for multiple lines of business</a:t>
+            </a:r>
+          </a:p>
+          <a:p>
+            <a:pPr lvl="2">
+              <a:spcAft>
+                <a:spcPts val="0"/>
+              </a:spcAft>
+              <a:buFont typeface="Wingdings" panose="05000000000000000000" pitchFamily="2" charset="2"/>
+              <a:buChar char="§"/>
+            </a:pPr>
+            <a:endParaRPr lang="en-US" i="1" dirty="0" smtClean="0"/>
+          </a:p>
+          <a:p>
+            <a:pPr lvl="2">
+              <a:spcAft>
+                <a:spcPts val="0"/>
+              </a:spcAft>
+              <a:buFont typeface="Wingdings" panose="05000000000000000000" pitchFamily="2" charset="2"/>
+              <a:buChar char="§"/>
+            </a:pPr>
+            <a:r>
+              <a:rPr lang="en-US" dirty="0" smtClean="0"/>
+              <a:t>Iterative process</a:t>
+            </a:r>
+            <a:endParaRPr lang="en-US" dirty="0"/>
+          </a:p>
+          <a:p>
+            <a:pPr lvl="2">
+              <a:spcAft>
+                <a:spcPts val="0"/>
+              </a:spcAft>
+              <a:buFont typeface="Wingdings" panose="05000000000000000000" pitchFamily="2" charset="2"/>
+              <a:buChar char="§"/>
+            </a:pPr>
+            <a:endParaRPr lang="en-US" i="1" dirty="0" smtClean="0"/>
           </a:p>
           <a:p>
             <a:pPr lvl="1">
@@ -8445,55 +8621,17 @@
               <a:buFont typeface="Wingdings" panose="05000000000000000000" pitchFamily="2" charset="2"/>
               <a:buChar char="§"/>
             </a:pPr>
-            <a:r>
-              <a:rPr lang="en-US" dirty="0" smtClean="0"/>
-              <a:t>Calculations are </a:t>
-            </a:r>
-            <a:r>
-              <a:rPr lang="en-US" i="1" dirty="0" err="1" smtClean="0"/>
-              <a:t>vectorized</a:t>
-            </a:r>
-            <a:r>
-              <a:rPr lang="en-US" i="1" dirty="0" smtClean="0"/>
-              <a:t> </a:t>
-            </a:r>
-            <a:r>
-              <a:rPr lang="en-US" dirty="0" smtClean="0"/>
-              <a:t>and run </a:t>
-            </a:r>
-            <a:r>
-              <a:rPr lang="en-US" i="1" dirty="0" smtClean="0"/>
-              <a:t>in parallel</a:t>
-            </a:r>
-          </a:p>
-          <a:p>
-            <a:pPr lvl="1">
+            <a:endParaRPr lang="en-US" i="1" dirty="0"/>
+          </a:p>
+          <a:p>
+            <a:pPr lvl="2">
               <a:spcAft>
                 <a:spcPts val="0"/>
               </a:spcAft>
               <a:buFont typeface="Wingdings" panose="05000000000000000000" pitchFamily="2" charset="2"/>
               <a:buChar char="§"/>
             </a:pPr>
-            <a:endParaRPr lang="en-US" i="1" dirty="0"/>
-          </a:p>
-          <a:p>
-            <a:pPr lvl="1">
-              <a:spcAft>
-                <a:spcPts val="0"/>
-              </a:spcAft>
-              <a:buFont typeface="Wingdings" panose="05000000000000000000" pitchFamily="2" charset="2"/>
-              <a:buChar char="§"/>
-            </a:pPr>
-            <a:r>
-              <a:rPr lang="en-US" dirty="0" smtClean="0">
-                <a:hlinkClick r:id="rId2"/>
-              </a:rPr>
-              <a:t>Report</a:t>
-            </a:r>
-            <a:r>
-              <a:rPr lang="en-US" dirty="0" smtClean="0"/>
-              <a:t> generated at the end of each run</a:t>
-            </a:r>
+            <a:endParaRPr lang="en-US" dirty="0" smtClean="0"/>
           </a:p>
         </p:txBody>
       </p:sp>
@@ -8537,7 +8675,7 @@
           <a:p>
             <a:r>
               <a:rPr lang="en-US" dirty="0" smtClean="0"/>
-              <a:t>speed</a:t>
+              <a:t>MG-ALFA</a:t>
             </a:r>
             <a:endParaRPr lang="en-US" dirty="0"/>
           </a:p>
@@ -8546,7 +8684,7 @@
     </p:spTree>
     <p:extLst>
       <p:ext uri="{BB962C8B-B14F-4D97-AF65-F5344CB8AC3E}">
-        <p14:creationId xmlns:p14="http://schemas.microsoft.com/office/powerpoint/2010/main" val="3233308965"/>
+        <p14:creationId xmlns:p14="http://schemas.microsoft.com/office/powerpoint/2010/main" val="2912860542"/>
       </p:ext>
     </p:extLst>
   </p:cSld>
@@ -8582,305 +8720,6 @@
       </p:grpSpPr>
       <p:sp>
         <p:nvSpPr>
-          <p:cNvPr id="2" name="Content Placeholder 1"/>
-          <p:cNvSpPr>
-            <a:spLocks noGrp="1"/>
-          </p:cNvSpPr>
-          <p:nvPr>
-            <p:ph idx="1"/>
-          </p:nvPr>
-        </p:nvSpPr>
-        <p:spPr/>
-        <p:txBody>
-          <a:bodyPr/>
-          <a:lstStyle/>
-          <a:p>
-            <a:pPr marL="0" indent="0">
-              <a:buNone/>
-            </a:pPr>
-            <a:r>
-              <a:rPr lang="en-US" i="1" dirty="0" smtClean="0"/>
-              <a:t>Input efficiency</a:t>
-            </a:r>
-          </a:p>
-          <a:p>
-            <a:pPr marL="0" indent="0">
-              <a:buNone/>
-            </a:pPr>
-            <a:endParaRPr lang="en-US" i="1" dirty="0"/>
-          </a:p>
-          <a:p>
-            <a:pPr>
-              <a:spcAft>
-                <a:spcPts val="0"/>
-              </a:spcAft>
-              <a:buFont typeface="Wingdings" panose="05000000000000000000" pitchFamily="2" charset="2"/>
-              <a:buChar char="§"/>
-            </a:pPr>
-            <a:r>
-              <a:rPr lang="en-US" i="1" dirty="0" smtClean="0"/>
-              <a:t>Project:</a:t>
-            </a:r>
-          </a:p>
-          <a:p>
-            <a:pPr marL="228600" lvl="1" indent="0">
-              <a:spcAft>
-                <a:spcPts val="0"/>
-              </a:spcAft>
-              <a:buNone/>
-            </a:pPr>
-            <a:endParaRPr lang="en-US" i="1" dirty="0" smtClean="0"/>
-          </a:p>
-          <a:p>
-            <a:pPr lvl="1">
-              <a:spcAft>
-                <a:spcPts val="0"/>
-              </a:spcAft>
-              <a:buFont typeface="Wingdings" panose="05000000000000000000" pitchFamily="2" charset="2"/>
-              <a:buChar char="§"/>
-            </a:pPr>
-            <a:r>
-              <a:rPr lang="en-US" i="1" dirty="0" smtClean="0"/>
-              <a:t>Efficiency – </a:t>
-            </a:r>
-            <a:r>
-              <a:rPr lang="en-US" dirty="0" smtClean="0"/>
-              <a:t>Each line of business has 1 atb2 file containing model assumptions</a:t>
-            </a:r>
-          </a:p>
-          <a:p>
-            <a:pPr lvl="1">
-              <a:spcAft>
-                <a:spcPts val="0"/>
-              </a:spcAft>
-              <a:buFont typeface="Wingdings" panose="05000000000000000000" pitchFamily="2" charset="2"/>
-              <a:buChar char="§"/>
-            </a:pPr>
-            <a:endParaRPr lang="en-US" dirty="0"/>
-          </a:p>
-          <a:p>
-            <a:pPr lvl="2">
-              <a:spcAft>
-                <a:spcPts val="0"/>
-              </a:spcAft>
-              <a:buFont typeface="Wingdings" panose="05000000000000000000" pitchFamily="2" charset="2"/>
-              <a:buChar char="§"/>
-            </a:pPr>
-            <a:r>
-              <a:rPr lang="en-US" dirty="0" smtClean="0"/>
-              <a:t>Some assumptions are updated regularly, others are never touched</a:t>
-            </a:r>
-          </a:p>
-          <a:p>
-            <a:pPr lvl="2">
-              <a:spcAft>
-                <a:spcPts val="0"/>
-              </a:spcAft>
-              <a:buFont typeface="Wingdings" panose="05000000000000000000" pitchFamily="2" charset="2"/>
-              <a:buChar char="§"/>
-            </a:pPr>
-            <a:endParaRPr lang="en-US" dirty="0"/>
-          </a:p>
-          <a:p>
-            <a:pPr lvl="2">
-              <a:spcAft>
-                <a:spcPts val="0"/>
-              </a:spcAft>
-              <a:buFont typeface="Wingdings" panose="05000000000000000000" pitchFamily="2" charset="2"/>
-              <a:buChar char="§"/>
-            </a:pPr>
-            <a:r>
-              <a:rPr lang="en-US" dirty="0" smtClean="0"/>
-              <a:t>Separate updated tables from static tables to make assumption updating easier</a:t>
-            </a:r>
-            <a:endParaRPr lang="en-US" dirty="0"/>
-          </a:p>
-          <a:p>
-            <a:pPr marL="457200" lvl="2" indent="0">
-              <a:spcAft>
-                <a:spcPts val="0"/>
-              </a:spcAft>
-              <a:buNone/>
-            </a:pPr>
-            <a:endParaRPr lang="en-US" dirty="0" smtClean="0"/>
-          </a:p>
-          <a:p>
-            <a:pPr lvl="1">
-              <a:spcAft>
-                <a:spcPts val="0"/>
-              </a:spcAft>
-              <a:buFont typeface="Wingdings" panose="05000000000000000000" pitchFamily="2" charset="2"/>
-              <a:buChar char="§"/>
-            </a:pPr>
-            <a:r>
-              <a:rPr lang="en-US" i="1" dirty="0" smtClean="0"/>
-              <a:t>Flexibility</a:t>
-            </a:r>
-          </a:p>
-          <a:p>
-            <a:pPr lvl="1">
-              <a:spcAft>
-                <a:spcPts val="0"/>
-              </a:spcAft>
-              <a:buFont typeface="Wingdings" panose="05000000000000000000" pitchFamily="2" charset="2"/>
-              <a:buChar char="§"/>
-            </a:pPr>
-            <a:endParaRPr lang="en-US" i="1" dirty="0"/>
-          </a:p>
-          <a:p>
-            <a:pPr lvl="2">
-              <a:spcAft>
-                <a:spcPts val="0"/>
-              </a:spcAft>
-              <a:buFont typeface="Wingdings" panose="05000000000000000000" pitchFamily="2" charset="2"/>
-              <a:buChar char="§"/>
-            </a:pPr>
-            <a:r>
-              <a:rPr lang="en-US" dirty="0" smtClean="0"/>
-              <a:t>Needs to work for multiple lines of business</a:t>
-            </a:r>
-          </a:p>
-          <a:p>
-            <a:pPr lvl="2">
-              <a:spcAft>
-                <a:spcPts val="0"/>
-              </a:spcAft>
-              <a:buFont typeface="Wingdings" panose="05000000000000000000" pitchFamily="2" charset="2"/>
-              <a:buChar char="§"/>
-            </a:pPr>
-            <a:endParaRPr lang="en-US" i="1" dirty="0" smtClean="0"/>
-          </a:p>
-          <a:p>
-            <a:pPr lvl="2">
-              <a:spcAft>
-                <a:spcPts val="0"/>
-              </a:spcAft>
-              <a:buFont typeface="Wingdings" panose="05000000000000000000" pitchFamily="2" charset="2"/>
-              <a:buChar char="§"/>
-            </a:pPr>
-            <a:r>
-              <a:rPr lang="en-US" dirty="0" smtClean="0"/>
-              <a:t>Iterative process</a:t>
-            </a:r>
-            <a:endParaRPr lang="en-US" dirty="0"/>
-          </a:p>
-          <a:p>
-            <a:pPr lvl="2">
-              <a:spcAft>
-                <a:spcPts val="0"/>
-              </a:spcAft>
-              <a:buFont typeface="Wingdings" panose="05000000000000000000" pitchFamily="2" charset="2"/>
-              <a:buChar char="§"/>
-            </a:pPr>
-            <a:endParaRPr lang="en-US" i="1" dirty="0" smtClean="0"/>
-          </a:p>
-          <a:p>
-            <a:pPr lvl="1">
-              <a:spcAft>
-                <a:spcPts val="0"/>
-              </a:spcAft>
-              <a:buFont typeface="Wingdings" panose="05000000000000000000" pitchFamily="2" charset="2"/>
-              <a:buChar char="§"/>
-            </a:pPr>
-            <a:endParaRPr lang="en-US" i="1" dirty="0"/>
-          </a:p>
-          <a:p>
-            <a:pPr lvl="2">
-              <a:spcAft>
-                <a:spcPts val="0"/>
-              </a:spcAft>
-              <a:buFont typeface="Wingdings" panose="05000000000000000000" pitchFamily="2" charset="2"/>
-              <a:buChar char="§"/>
-            </a:pPr>
-            <a:endParaRPr lang="en-US" dirty="0" smtClean="0"/>
-          </a:p>
-        </p:txBody>
-      </p:sp>
-      <p:sp>
-        <p:nvSpPr>
-          <p:cNvPr id="3" name="Slide Number Placeholder 2"/>
-          <p:cNvSpPr>
-            <a:spLocks noGrp="1"/>
-          </p:cNvSpPr>
-          <p:nvPr>
-            <p:ph type="sldNum" sz="quarter" idx="12"/>
-          </p:nvPr>
-        </p:nvSpPr>
-        <p:spPr/>
-        <p:txBody>
-          <a:bodyPr/>
-          <a:lstStyle/>
-          <a:p>
-            <a:fld id="{E49B4C36-CA85-496D-A067-FC602A1FD8AC}" type="slidenum">
-              <a:rPr lang="en-US" smtClean="0"/>
-              <a:t>16</a:t>
-            </a:fld>
-            <a:endParaRPr lang="en-US"/>
-          </a:p>
-        </p:txBody>
-      </p:sp>
-      <p:sp>
-        <p:nvSpPr>
-          <p:cNvPr id="4" name="Title 3"/>
-          <p:cNvSpPr>
-            <a:spLocks noGrp="1"/>
-          </p:cNvSpPr>
-          <p:nvPr>
-            <p:ph type="title"/>
-          </p:nvPr>
-        </p:nvSpPr>
-        <p:spPr/>
-        <p:txBody>
-          <a:bodyPr/>
-          <a:lstStyle/>
-          <a:p>
-            <a:r>
-              <a:rPr lang="en-US" dirty="0" smtClean="0"/>
-              <a:t>MG-ALFA</a:t>
-            </a:r>
-            <a:endParaRPr lang="en-US" dirty="0"/>
-          </a:p>
-        </p:txBody>
-      </p:sp>
-    </p:spTree>
-    <p:extLst>
-      <p:ext uri="{BB962C8B-B14F-4D97-AF65-F5344CB8AC3E}">
-        <p14:creationId xmlns:p14="http://schemas.microsoft.com/office/powerpoint/2010/main" val="2912860542"/>
-      </p:ext>
-    </p:extLst>
-  </p:cSld>
-  <p:clrMapOvr>
-    <a:masterClrMapping/>
-  </p:clrMapOvr>
-  <p:timing>
-    <p:tnLst>
-      <p:par>
-        <p:cTn id="1" dur="indefinite" restart="never" nodeType="tmRoot"/>
-      </p:par>
-    </p:tnLst>
-  </p:timing>
-</p:sld>
-</file>
-
-<file path=ppt/slides/slide17.xml><?xml version="1.0" encoding="utf-8"?>
-<p:sld xmlns:a="http://schemas.openxmlformats.org/drawingml/2006/main" xmlns:r="http://schemas.openxmlformats.org/officeDocument/2006/relationships" xmlns:p="http://schemas.openxmlformats.org/presentationml/2006/main">
-  <p:cSld>
-    <p:spTree>
-      <p:nvGrpSpPr>
-        <p:cNvPr id="1" name=""/>
-        <p:cNvGrpSpPr/>
-        <p:nvPr/>
-      </p:nvGrpSpPr>
-      <p:grpSpPr>
-        <a:xfrm>
-          <a:off x="0" y="0"/>
-          <a:ext cx="0" cy="0"/>
-          <a:chOff x="0" y="0"/>
-          <a:chExt cx="0" cy="0"/>
-        </a:xfrm>
-      </p:grpSpPr>
-      <p:sp>
-        <p:nvSpPr>
           <p:cNvPr id="34" name="Rounded Rectangle 33"/>
           <p:cNvSpPr/>
           <p:nvPr/>
@@ -9065,7 +8904,7 @@
           <a:p>
             <a:fld id="{E49B4C36-CA85-496D-A067-FC602A1FD8AC}" type="slidenum">
               <a:rPr lang="en-US" smtClean="0"/>
-              <a:t>17</a:t>
+              <a:t>16</a:t>
             </a:fld>
             <a:endParaRPr lang="en-US"/>
           </a:p>
@@ -9776,7 +9615,7 @@
 </p:sld>
 </file>
 
-<file path=ppt/slides/slide18.xml><?xml version="1.0" encoding="utf-8"?>
+<file path=ppt/slides/slide17.xml><?xml version="1.0" encoding="utf-8"?>
 <p:sld xmlns:a="http://schemas.openxmlformats.org/drawingml/2006/main" xmlns:r="http://schemas.openxmlformats.org/officeDocument/2006/relationships" xmlns:p="http://schemas.openxmlformats.org/presentationml/2006/main">
   <p:cSld>
     <p:spTree>
@@ -9979,7 +9818,7 @@
           <a:p>
             <a:fld id="{E49B4C36-CA85-496D-A067-FC602A1FD8AC}" type="slidenum">
               <a:rPr lang="en-US" smtClean="0"/>
-              <a:t>18</a:t>
+              <a:t>17</a:t>
             </a:fld>
             <a:endParaRPr lang="en-US"/>
           </a:p>
@@ -10774,6 +10613,241 @@
 </p:sld>
 </file>
 
+<file path=ppt/slides/slide18.xml><?xml version="1.0" encoding="utf-8"?>
+<p:sld xmlns:a="http://schemas.openxmlformats.org/drawingml/2006/main" xmlns:r="http://schemas.openxmlformats.org/officeDocument/2006/relationships" xmlns:p="http://schemas.openxmlformats.org/presentationml/2006/main">
+  <p:cSld>
+    <p:spTree>
+      <p:nvGrpSpPr>
+        <p:cNvPr id="1" name=""/>
+        <p:cNvGrpSpPr/>
+        <p:nvPr/>
+      </p:nvGrpSpPr>
+      <p:grpSpPr>
+        <a:xfrm>
+          <a:off x="0" y="0"/>
+          <a:ext cx="0" cy="0"/>
+          <a:chOff x="0" y="0"/>
+          <a:chExt cx="0" cy="0"/>
+        </a:xfrm>
+      </p:grpSpPr>
+      <p:sp>
+        <p:nvSpPr>
+          <p:cNvPr id="3" name="Slide Number Placeholder 2"/>
+          <p:cNvSpPr>
+            <a:spLocks noGrp="1"/>
+          </p:cNvSpPr>
+          <p:nvPr>
+            <p:ph type="sldNum" sz="quarter" idx="12"/>
+          </p:nvPr>
+        </p:nvSpPr>
+        <p:spPr/>
+        <p:txBody>
+          <a:bodyPr/>
+          <a:lstStyle/>
+          <a:p>
+            <a:fld id="{E49B4C36-CA85-496D-A067-FC602A1FD8AC}" type="slidenum">
+              <a:rPr lang="en-US" smtClean="0"/>
+              <a:t>18</a:t>
+            </a:fld>
+            <a:endParaRPr lang="en-US"/>
+          </a:p>
+        </p:txBody>
+      </p:sp>
+      <p:sp>
+        <p:nvSpPr>
+          <p:cNvPr id="4" name="Title 3"/>
+          <p:cNvSpPr>
+            <a:spLocks noGrp="1"/>
+          </p:cNvSpPr>
+          <p:nvPr>
+            <p:ph type="title"/>
+          </p:nvPr>
+        </p:nvSpPr>
+        <p:spPr/>
+        <p:txBody>
+          <a:bodyPr/>
+          <a:lstStyle/>
+          <a:p>
+            <a:r>
+              <a:rPr lang="en-US" dirty="0" smtClean="0"/>
+              <a:t>speed</a:t>
+            </a:r>
+            <a:endParaRPr lang="en-US" dirty="0"/>
+          </a:p>
+        </p:txBody>
+      </p:sp>
+      <p:sp>
+        <p:nvSpPr>
+          <p:cNvPr id="10" name="Content Placeholder 1"/>
+          <p:cNvSpPr>
+            <a:spLocks noGrp="1"/>
+          </p:cNvSpPr>
+          <p:nvPr>
+            <p:ph idx="1"/>
+          </p:nvPr>
+        </p:nvSpPr>
+        <p:spPr>
+          <a:xfrm>
+            <a:off x="320040" y="1142999"/>
+            <a:ext cx="8503920" cy="4800600"/>
+          </a:xfrm>
+        </p:spPr>
+        <p:txBody>
+          <a:bodyPr/>
+          <a:lstStyle/>
+          <a:p>
+            <a:pPr marL="0" indent="0">
+              <a:buNone/>
+            </a:pPr>
+            <a:r>
+              <a:rPr lang="en-US" i="1" dirty="0"/>
+              <a:t>Direct connections to databases</a:t>
+            </a:r>
+          </a:p>
+          <a:p>
+            <a:pPr marL="0" indent="0">
+              <a:buNone/>
+            </a:pPr>
+            <a:endParaRPr lang="en-US" i="1" dirty="0"/>
+          </a:p>
+          <a:p>
+            <a:pPr>
+              <a:spcAft>
+                <a:spcPts val="0"/>
+              </a:spcAft>
+              <a:buFont typeface="Wingdings" panose="05000000000000000000" pitchFamily="2" charset="2"/>
+              <a:buChar char="§"/>
+            </a:pPr>
+            <a:r>
+              <a:rPr lang="en-US" i="1" dirty="0" smtClean="0"/>
+              <a:t>Project:</a:t>
+            </a:r>
+          </a:p>
+          <a:p>
+            <a:pPr marL="228600" lvl="1" indent="0">
+              <a:spcAft>
+                <a:spcPts val="0"/>
+              </a:spcAft>
+              <a:buNone/>
+            </a:pPr>
+            <a:endParaRPr lang="en-US" i="1" dirty="0" smtClean="0"/>
+          </a:p>
+          <a:p>
+            <a:pPr lvl="1">
+              <a:buFont typeface="Wingdings" panose="05000000000000000000" pitchFamily="2" charset="2"/>
+              <a:buChar char="§"/>
+            </a:pPr>
+            <a:r>
+              <a:rPr lang="en-US" dirty="0" smtClean="0"/>
+              <a:t>Tackling a problem we all have. Working with databases from Excel/VBA isn’t fun.</a:t>
+            </a:r>
+          </a:p>
+          <a:p>
+            <a:pPr lvl="1">
+              <a:buFont typeface="Wingdings" panose="05000000000000000000" pitchFamily="2" charset="2"/>
+              <a:buChar char="§"/>
+            </a:pPr>
+            <a:endParaRPr lang="en-US" dirty="0" smtClean="0"/>
+          </a:p>
+          <a:p>
+            <a:pPr lvl="1">
+              <a:buFont typeface="Wingdings" panose="05000000000000000000" pitchFamily="2" charset="2"/>
+              <a:buChar char="§"/>
+            </a:pPr>
+            <a:r>
+              <a:rPr lang="en-US" dirty="0" smtClean="0"/>
+              <a:t>Great support in R for connecting to </a:t>
+            </a:r>
+            <a:r>
+              <a:rPr lang="en-US" i="1" dirty="0" smtClean="0"/>
+              <a:t>any</a:t>
+            </a:r>
+            <a:r>
+              <a:rPr lang="en-US" dirty="0" smtClean="0"/>
+              <a:t> type of database</a:t>
+            </a:r>
+          </a:p>
+          <a:p>
+            <a:pPr lvl="1">
+              <a:buFont typeface="Wingdings" panose="05000000000000000000" pitchFamily="2" charset="2"/>
+              <a:buChar char="§"/>
+            </a:pPr>
+            <a:endParaRPr lang="en-US" dirty="0"/>
+          </a:p>
+          <a:p>
+            <a:pPr lvl="3">
+              <a:buFont typeface="Wingdings" panose="05000000000000000000" pitchFamily="2" charset="2"/>
+              <a:buChar char="§"/>
+            </a:pPr>
+            <a:r>
+              <a:rPr lang="en-US" dirty="0" smtClean="0"/>
+              <a:t>There just needs to be a “SQL translation” </a:t>
+            </a:r>
+          </a:p>
+          <a:p>
+            <a:pPr lvl="1">
+              <a:buFont typeface="Wingdings" panose="05000000000000000000" pitchFamily="2" charset="2"/>
+              <a:buChar char="§"/>
+            </a:pPr>
+            <a:endParaRPr lang="en-US" dirty="0"/>
+          </a:p>
+          <a:p>
+            <a:pPr lvl="3">
+              <a:buFont typeface="Wingdings" panose="05000000000000000000" pitchFamily="2" charset="2"/>
+              <a:buChar char="§"/>
+            </a:pPr>
+            <a:r>
+              <a:rPr lang="en-US" dirty="0" smtClean="0"/>
+              <a:t>Added that SQL translation for Access </a:t>
+            </a:r>
+          </a:p>
+          <a:p>
+            <a:pPr marL="685800" lvl="3" indent="0">
+              <a:buNone/>
+            </a:pPr>
+            <a:endParaRPr lang="en-US" dirty="0" smtClean="0"/>
+          </a:p>
+          <a:p>
+            <a:pPr lvl="1">
+              <a:buFont typeface="Wingdings" panose="05000000000000000000" pitchFamily="2" charset="2"/>
+              <a:buChar char="§"/>
+            </a:pPr>
+            <a:r>
+              <a:rPr lang="en-US" dirty="0" smtClean="0">
+                <a:hlinkClick r:id="rId2"/>
+              </a:rPr>
+              <a:t>Let’s have some fun</a:t>
+            </a:r>
+            <a:endParaRPr lang="en-US" dirty="0"/>
+          </a:p>
+          <a:p>
+            <a:pPr marL="685800" lvl="3" indent="0">
+              <a:buNone/>
+            </a:pPr>
+            <a:endParaRPr lang="en-US" dirty="0" smtClean="0"/>
+          </a:p>
+        </p:txBody>
+      </p:sp>
+    </p:spTree>
+    <p:extLst>
+      <p:ext uri="{BB962C8B-B14F-4D97-AF65-F5344CB8AC3E}">
+        <p14:creationId xmlns:p14="http://schemas.microsoft.com/office/powerpoint/2010/main" val="4151441797"/>
+      </p:ext>
+    </p:extLst>
+  </p:cSld>
+  <p:clrMapOvr>
+    <a:masterClrMapping/>
+  </p:clrMapOvr>
+  <p:timing>
+    <p:tnLst>
+      <p:par>
+        <p:cTn id="1" dur="indefinite" restart="never" nodeType="tmRoot"/>
+      </p:par>
+    </p:tnLst>
+  </p:timing>
+</p:sld>
+</file>
+
 <file path=ppt/slides/slide19.xml><?xml version="1.0" encoding="utf-8"?>
 <p:sld xmlns:a="http://schemas.openxmlformats.org/drawingml/2006/main" xmlns:r="http://schemas.openxmlformats.org/officeDocument/2006/relationships" xmlns:p="http://schemas.openxmlformats.org/presentationml/2006/main">
   <p:cSld>
@@ -10793,6 +10867,53 @@
       </p:grpSpPr>
       <p:sp>
         <p:nvSpPr>
+          <p:cNvPr id="2" name="Content Placeholder 1"/>
+          <p:cNvSpPr>
+            <a:spLocks noGrp="1"/>
+          </p:cNvSpPr>
+          <p:nvPr>
+            <p:ph idx="1"/>
+          </p:nvPr>
+        </p:nvSpPr>
+        <p:spPr/>
+        <p:txBody>
+          <a:bodyPr/>
+          <a:lstStyle/>
+          <a:p>
+            <a:pPr marL="0" indent="0">
+              <a:buNone/>
+            </a:pPr>
+            <a:r>
+              <a:rPr lang="en-US" i="1" dirty="0" smtClean="0"/>
+              <a:t>Direct connections to databases</a:t>
+            </a:r>
+          </a:p>
+          <a:p>
+            <a:pPr marL="0" indent="0">
+              <a:buNone/>
+            </a:pPr>
+            <a:endParaRPr lang="en-US" i="1" dirty="0"/>
+          </a:p>
+          <a:p>
+            <a:pPr>
+              <a:buFont typeface="Wingdings" panose="05000000000000000000" pitchFamily="2" charset="2"/>
+              <a:buChar char="§"/>
+            </a:pPr>
+            <a:r>
+              <a:rPr lang="en-US" i="1" dirty="0" smtClean="0"/>
+              <a:t>Benefits:</a:t>
+            </a:r>
+          </a:p>
+          <a:p>
+            <a:pPr marL="228600" lvl="1" indent="0">
+              <a:buNone/>
+            </a:pPr>
+            <a:endParaRPr lang="en-US" i="1" dirty="0"/>
+          </a:p>
+        </p:txBody>
+      </p:sp>
+      <p:sp>
+        <p:nvSpPr>
           <p:cNvPr id="3" name="Slide Number Placeholder 2"/>
           <p:cNvSpPr>
             <a:spLocks noGrp="1"/>
@@ -10830,169 +10951,76 @@
           <a:lstStyle/>
           <a:p>
             <a:r>
-              <a:rPr lang="en-US" dirty="0" smtClean="0"/>
+              <a:rPr lang="en-US" dirty="0"/>
               <a:t>speed</a:t>
             </a:r>
-            <a:endParaRPr lang="en-US" dirty="0"/>
-          </a:p>
-        </p:txBody>
-      </p:sp>
-      <p:sp>
-        <p:nvSpPr>
-          <p:cNvPr id="10" name="Content Placeholder 1"/>
-          <p:cNvSpPr>
-            <a:spLocks noGrp="1"/>
-          </p:cNvSpPr>
-          <p:nvPr>
-            <p:ph idx="1"/>
-          </p:nvPr>
-        </p:nvSpPr>
+          </a:p>
+        </p:txBody>
+      </p:sp>
+      <p:pic>
+        <p:nvPicPr>
+          <p:cNvPr id="5" name="Picture 4"/>
+          <p:cNvPicPr>
+            <a:picLocks noChangeAspect="1"/>
+          </p:cNvPicPr>
+          <p:nvPr/>
+        </p:nvPicPr>
+        <p:blipFill>
+          <a:blip r:embed="rId2">
+            <a:extLst>
+              <a:ext uri="{28A0092B-C50C-407E-A947-70E740481C1C}">
+                <a14:useLocalDpi xmlns:a14="http://schemas.microsoft.com/office/drawing/2010/main" val="0"/>
+              </a:ext>
+            </a:extLst>
+          </a:blip>
+          <a:stretch>
+            <a:fillRect/>
+          </a:stretch>
+        </p:blipFill>
         <p:spPr>
           <a:xfrm>
-            <a:off x="320040" y="1142999"/>
-            <a:ext cx="8503920" cy="4800600"/>
-          </a:xfrm>
+            <a:off x="457201" y="2514600"/>
+            <a:ext cx="5236756" cy="2686212"/>
+          </a:xfrm>
+          <a:prstGeom prst="rect">
+            <a:avLst/>
+          </a:prstGeom>
         </p:spPr>
-        <p:txBody>
-          <a:bodyPr/>
-          <a:lstStyle/>
-          <a:p>
-            <a:pPr marL="0" indent="0">
-              <a:buNone/>
-            </a:pPr>
-            <a:r>
-              <a:rPr lang="en-US" i="1" dirty="0"/>
-              <a:t>Direct connections to databases</a:t>
-            </a:r>
-          </a:p>
-          <a:p>
-            <a:pPr marL="0" indent="0">
-              <a:buNone/>
-            </a:pPr>
-            <a:endParaRPr lang="en-US" i="1" dirty="0"/>
-          </a:p>
-          <a:p>
-            <a:pPr>
-              <a:spcAft>
-                <a:spcPts val="0"/>
-              </a:spcAft>
-              <a:buFont typeface="Wingdings" panose="05000000000000000000" pitchFamily="2" charset="2"/>
-              <a:buChar char="§"/>
-            </a:pPr>
-            <a:r>
-              <a:rPr lang="en-US" i="1" dirty="0" smtClean="0"/>
-              <a:t>Project:</a:t>
-            </a:r>
-          </a:p>
-          <a:p>
-            <a:pPr marL="228600" lvl="1" indent="0">
-              <a:spcAft>
-                <a:spcPts val="0"/>
-              </a:spcAft>
-              <a:buNone/>
-            </a:pPr>
-            <a:endParaRPr lang="en-US" i="1" dirty="0" smtClean="0"/>
-          </a:p>
-          <a:p>
-            <a:pPr lvl="1">
-              <a:buFont typeface="Wingdings" panose="05000000000000000000" pitchFamily="2" charset="2"/>
-              <a:buChar char="§"/>
-            </a:pPr>
-            <a:r>
-              <a:rPr lang="en-US" dirty="0" smtClean="0"/>
-              <a:t>Tackling a problem we all have. Working with databases from Excel/VBA isn’t fun.</a:t>
-            </a:r>
-          </a:p>
-          <a:p>
-            <a:pPr lvl="1">
-              <a:buFont typeface="Wingdings" panose="05000000000000000000" pitchFamily="2" charset="2"/>
-              <a:buChar char="§"/>
-            </a:pPr>
-            <a:endParaRPr lang="en-US" dirty="0" smtClean="0"/>
-          </a:p>
-          <a:p>
-            <a:pPr lvl="1">
-              <a:buFont typeface="Wingdings" panose="05000000000000000000" pitchFamily="2" charset="2"/>
-              <a:buChar char="§"/>
-            </a:pPr>
-            <a:r>
-              <a:rPr lang="en-US" dirty="0" smtClean="0"/>
-              <a:t>Great support in R for connecting to </a:t>
-            </a:r>
-            <a:r>
-              <a:rPr lang="en-US" i="1" dirty="0" smtClean="0"/>
-              <a:t>any</a:t>
-            </a:r>
-            <a:r>
-              <a:rPr lang="en-US" dirty="0" smtClean="0"/>
-              <a:t> type of database</a:t>
-            </a:r>
-          </a:p>
-          <a:p>
-            <a:pPr lvl="1">
-              <a:buFont typeface="Wingdings" panose="05000000000000000000" pitchFamily="2" charset="2"/>
-              <a:buChar char="§"/>
-            </a:pPr>
-            <a:endParaRPr lang="en-US" dirty="0"/>
-          </a:p>
-          <a:p>
-            <a:pPr lvl="3">
-              <a:buFont typeface="Wingdings" panose="05000000000000000000" pitchFamily="2" charset="2"/>
-              <a:buChar char="§"/>
-            </a:pPr>
-            <a:r>
-              <a:rPr lang="en-US" dirty="0" smtClean="0"/>
-              <a:t>There just needs to be a “SQL translation” </a:t>
-            </a:r>
-          </a:p>
-          <a:p>
-            <a:pPr lvl="1">
-              <a:buFont typeface="Wingdings" panose="05000000000000000000" pitchFamily="2" charset="2"/>
-              <a:buChar char="§"/>
-            </a:pPr>
-            <a:endParaRPr lang="en-US" dirty="0"/>
-          </a:p>
-          <a:p>
-            <a:pPr lvl="3">
-              <a:buFont typeface="Wingdings" panose="05000000000000000000" pitchFamily="2" charset="2"/>
-              <a:buChar char="§"/>
-            </a:pPr>
-            <a:r>
-              <a:rPr lang="en-US" dirty="0" smtClean="0"/>
-              <a:t>Added that SQL translation for Access </a:t>
-            </a:r>
-          </a:p>
-          <a:p>
-            <a:pPr marL="685800" lvl="3" indent="0">
-              <a:buNone/>
-            </a:pPr>
-            <a:endParaRPr lang="en-US" dirty="0" smtClean="0"/>
-          </a:p>
-          <a:p>
-            <a:pPr lvl="1">
-              <a:buFont typeface="Wingdings" panose="05000000000000000000" pitchFamily="2" charset="2"/>
-              <a:buChar char="§"/>
-            </a:pPr>
-            <a:r>
-              <a:rPr lang="en-US" dirty="0" smtClean="0">
-                <a:hlinkClick r:id="rId2"/>
-              </a:rPr>
-              <a:t>Let’s have some fun</a:t>
-            </a:r>
-            <a:endParaRPr lang="en-US" dirty="0"/>
-          </a:p>
-          <a:p>
-            <a:pPr marL="685800" lvl="3" indent="0">
-              <a:buNone/>
-            </a:pPr>
-            <a:endParaRPr lang="en-US" dirty="0" smtClean="0"/>
-          </a:p>
-        </p:txBody>
-      </p:sp>
+      </p:pic>
+      <p:pic>
+        <p:nvPicPr>
+          <p:cNvPr id="6" name="Picture 5"/>
+          <p:cNvPicPr>
+            <a:picLocks noChangeAspect="1"/>
+          </p:cNvPicPr>
+          <p:nvPr/>
+        </p:nvPicPr>
+        <p:blipFill>
+          <a:blip r:embed="rId3">
+            <a:extLst>
+              <a:ext uri="{28A0092B-C50C-407E-A947-70E740481C1C}">
+                <a14:useLocalDpi xmlns:a14="http://schemas.microsoft.com/office/drawing/2010/main" val="0"/>
+              </a:ext>
+            </a:extLst>
+          </a:blip>
+          <a:stretch>
+            <a:fillRect/>
+          </a:stretch>
+        </p:blipFill>
+        <p:spPr>
+          <a:xfrm>
+            <a:off x="6248400" y="2514600"/>
+            <a:ext cx="2247900" cy="2247900"/>
+          </a:xfrm>
+          <a:prstGeom prst="rect">
+            <a:avLst/>
+          </a:prstGeom>
+        </p:spPr>
+      </p:pic>
     </p:spTree>
     <p:extLst>
       <p:ext uri="{BB962C8B-B14F-4D97-AF65-F5344CB8AC3E}">
-        <p14:creationId xmlns:p14="http://schemas.microsoft.com/office/powerpoint/2010/main" val="4151441797"/>
+        <p14:creationId xmlns:p14="http://schemas.microsoft.com/office/powerpoint/2010/main" val="224078259"/>
       </p:ext>
     </p:extLst>
   </p:cSld>
@@ -11249,7 +11277,7 @@
               <a:buNone/>
             </a:pPr>
             <a:r>
-              <a:rPr lang="en-US" i="1" dirty="0" smtClean="0"/>
+              <a:rPr lang="en-US" i="1" dirty="0"/>
               <a:t>Direct connections to databases</a:t>
             </a:r>
           </a:p>
@@ -11295,195 +11323,6 @@
             <a:fld id="{E49B4C36-CA85-496D-A067-FC602A1FD8AC}" type="slidenum">
               <a:rPr lang="en-US" smtClean="0"/>
               <a:t>20</a:t>
-            </a:fld>
-            <a:endParaRPr lang="en-US"/>
-          </a:p>
-        </p:txBody>
-      </p:sp>
-      <p:sp>
-        <p:nvSpPr>
-          <p:cNvPr id="4" name="Title 3"/>
-          <p:cNvSpPr>
-            <a:spLocks noGrp="1"/>
-          </p:cNvSpPr>
-          <p:nvPr>
-            <p:ph type="title"/>
-          </p:nvPr>
-        </p:nvSpPr>
-        <p:spPr/>
-        <p:txBody>
-          <a:bodyPr/>
-          <a:lstStyle/>
-          <a:p>
-            <a:r>
-              <a:rPr lang="en-US" dirty="0"/>
-              <a:t>speed</a:t>
-            </a:r>
-          </a:p>
-        </p:txBody>
-      </p:sp>
-      <p:pic>
-        <p:nvPicPr>
-          <p:cNvPr id="5" name="Picture 4"/>
-          <p:cNvPicPr>
-            <a:picLocks noChangeAspect="1"/>
-          </p:cNvPicPr>
-          <p:nvPr/>
-        </p:nvPicPr>
-        <p:blipFill>
-          <a:blip r:embed="rId2">
-            <a:extLst>
-              <a:ext uri="{28A0092B-C50C-407E-A947-70E740481C1C}">
-                <a14:useLocalDpi xmlns:a14="http://schemas.microsoft.com/office/drawing/2010/main" val="0"/>
-              </a:ext>
-            </a:extLst>
-          </a:blip>
-          <a:stretch>
-            <a:fillRect/>
-          </a:stretch>
-        </p:blipFill>
-        <p:spPr>
-          <a:xfrm>
-            <a:off x="457201" y="2514600"/>
-            <a:ext cx="5236756" cy="2686212"/>
-          </a:xfrm>
-          <a:prstGeom prst="rect">
-            <a:avLst/>
-          </a:prstGeom>
-        </p:spPr>
-      </p:pic>
-      <p:pic>
-        <p:nvPicPr>
-          <p:cNvPr id="6" name="Picture 5"/>
-          <p:cNvPicPr>
-            <a:picLocks noChangeAspect="1"/>
-          </p:cNvPicPr>
-          <p:nvPr/>
-        </p:nvPicPr>
-        <p:blipFill>
-          <a:blip r:embed="rId3">
-            <a:extLst>
-              <a:ext uri="{28A0092B-C50C-407E-A947-70E740481C1C}">
-                <a14:useLocalDpi xmlns:a14="http://schemas.microsoft.com/office/drawing/2010/main" val="0"/>
-              </a:ext>
-            </a:extLst>
-          </a:blip>
-          <a:stretch>
-            <a:fillRect/>
-          </a:stretch>
-        </p:blipFill>
-        <p:spPr>
-          <a:xfrm>
-            <a:off x="6248400" y="2514600"/>
-            <a:ext cx="2247900" cy="2247900"/>
-          </a:xfrm>
-          <a:prstGeom prst="rect">
-            <a:avLst/>
-          </a:prstGeom>
-        </p:spPr>
-      </p:pic>
-    </p:spTree>
-    <p:extLst>
-      <p:ext uri="{BB962C8B-B14F-4D97-AF65-F5344CB8AC3E}">
-        <p14:creationId xmlns:p14="http://schemas.microsoft.com/office/powerpoint/2010/main" val="224078259"/>
-      </p:ext>
-    </p:extLst>
-  </p:cSld>
-  <p:clrMapOvr>
-    <a:masterClrMapping/>
-  </p:clrMapOvr>
-  <p:timing>
-    <p:tnLst>
-      <p:par>
-        <p:cTn id="1" dur="indefinite" restart="never" nodeType="tmRoot"/>
-      </p:par>
-    </p:tnLst>
-  </p:timing>
-</p:sld>
-</file>
-
-<file path=ppt/slides/slide21.xml><?xml version="1.0" encoding="utf-8"?>
-<p:sld xmlns:a="http://schemas.openxmlformats.org/drawingml/2006/main" xmlns:r="http://schemas.openxmlformats.org/officeDocument/2006/relationships" xmlns:p="http://schemas.openxmlformats.org/presentationml/2006/main">
-  <p:cSld>
-    <p:spTree>
-      <p:nvGrpSpPr>
-        <p:cNvPr id="1" name=""/>
-        <p:cNvGrpSpPr/>
-        <p:nvPr/>
-      </p:nvGrpSpPr>
-      <p:grpSpPr>
-        <a:xfrm>
-          <a:off x="0" y="0"/>
-          <a:ext cx="0" cy="0"/>
-          <a:chOff x="0" y="0"/>
-          <a:chExt cx="0" cy="0"/>
-        </a:xfrm>
-      </p:grpSpPr>
-      <p:sp>
-        <p:nvSpPr>
-          <p:cNvPr id="2" name="Content Placeholder 1"/>
-          <p:cNvSpPr>
-            <a:spLocks noGrp="1"/>
-          </p:cNvSpPr>
-          <p:nvPr>
-            <p:ph idx="1"/>
-          </p:nvPr>
-        </p:nvSpPr>
-        <p:spPr/>
-        <p:txBody>
-          <a:bodyPr/>
-          <a:lstStyle/>
-          <a:p>
-            <a:pPr marL="0" indent="0">
-              <a:buNone/>
-            </a:pPr>
-            <a:r>
-              <a:rPr lang="en-US" i="1" dirty="0"/>
-              <a:t>Direct connections to databases</a:t>
-            </a:r>
-          </a:p>
-          <a:p>
-            <a:pPr marL="0" indent="0">
-              <a:buNone/>
-            </a:pPr>
-            <a:endParaRPr lang="en-US" i="1" dirty="0"/>
-          </a:p>
-          <a:p>
-            <a:pPr>
-              <a:buFont typeface="Wingdings" panose="05000000000000000000" pitchFamily="2" charset="2"/>
-              <a:buChar char="§"/>
-            </a:pPr>
-            <a:r>
-              <a:rPr lang="en-US" i="1" dirty="0" smtClean="0"/>
-              <a:t>Benefits:</a:t>
-            </a:r>
-          </a:p>
-          <a:p>
-            <a:pPr marL="228600" lvl="1" indent="0">
-              <a:buNone/>
-            </a:pPr>
-            <a:endParaRPr lang="en-US" i="1" dirty="0"/>
-          </a:p>
-        </p:txBody>
-      </p:sp>
-      <p:sp>
-        <p:nvSpPr>
-          <p:cNvPr id="3" name="Slide Number Placeholder 2"/>
-          <p:cNvSpPr>
-            <a:spLocks noGrp="1"/>
-          </p:cNvSpPr>
-          <p:nvPr>
-            <p:ph type="sldNum" sz="quarter" idx="12"/>
-          </p:nvPr>
-        </p:nvSpPr>
-        <p:spPr/>
-        <p:txBody>
-          <a:bodyPr/>
-          <a:lstStyle/>
-          <a:p>
-            <a:fld id="{E49B4C36-CA85-496D-A067-FC602A1FD8AC}" type="slidenum">
-              <a:rPr lang="en-US" smtClean="0"/>
-              <a:t>21</a:t>
             </a:fld>
             <a:endParaRPr lang="en-US"/>
           </a:p>
@@ -11693,7 +11532,7 @@
 </p:sld>
 </file>
 
-<file path=ppt/slides/slide22.xml><?xml version="1.0" encoding="utf-8"?>
+<file path=ppt/slides/slide21.xml><?xml version="1.0" encoding="utf-8"?>
 <p:sld xmlns:a="http://schemas.openxmlformats.org/drawingml/2006/main" xmlns:r="http://schemas.openxmlformats.org/officeDocument/2006/relationships" xmlns:p="http://schemas.openxmlformats.org/presentationml/2006/main">
   <p:cSld>
     <p:spTree>
@@ -11860,7 +11699,7 @@
           <a:p>
             <a:fld id="{E49B4C36-CA85-496D-A067-FC602A1FD8AC}" type="slidenum">
               <a:rPr lang="en-US" smtClean="0"/>
-              <a:t>22</a:t>
+              <a:t>21</a:t>
             </a:fld>
             <a:endParaRPr lang="en-US"/>
           </a:p>
@@ -11939,7 +11778,7 @@
 </p:sld>
 </file>
 
-<file path=ppt/slides/slide23.xml><?xml version="1.0" encoding="utf-8"?>
+<file path=ppt/slides/slide22.xml><?xml version="1.0" encoding="utf-8"?>
 <p:sld xmlns:a="http://schemas.openxmlformats.org/drawingml/2006/main" xmlns:r="http://schemas.openxmlformats.org/officeDocument/2006/relationships" xmlns:p="http://schemas.openxmlformats.org/presentationml/2006/main">
   <p:cSld>
     <p:spTree>
@@ -13065,50 +12904,6 @@
               <a:buChar char="§"/>
             </a:pPr>
             <a:endParaRPr lang="en-US" dirty="0"/>
-          </a:p>
-          <a:p>
-            <a:pPr lvl="1">
-              <a:spcAft>
-                <a:spcPts val="1200"/>
-              </a:spcAft>
-              <a:buFont typeface="Wingdings" panose="05000000000000000000" pitchFamily="2" charset="2"/>
-              <a:buChar char="§"/>
-            </a:pPr>
-            <a:r>
-              <a:rPr lang="en-US" i="1" dirty="0" smtClean="0"/>
-              <a:t>Fully reproducible </a:t>
-            </a:r>
-            <a:r>
-              <a:rPr lang="en-US" dirty="0" smtClean="0"/>
-              <a:t>– Easily step through the intermediate data cleaning steps.</a:t>
-            </a:r>
-            <a:endParaRPr lang="en-US" dirty="0"/>
-          </a:p>
-          <a:p>
-            <a:pPr lvl="4">
-              <a:spcAft>
-                <a:spcPts val="1200"/>
-              </a:spcAft>
-              <a:buFont typeface="Wingdings" panose="05000000000000000000" pitchFamily="2" charset="2"/>
-              <a:buChar char="§"/>
-            </a:pPr>
-            <a:r>
-              <a:rPr lang="en-US" dirty="0" smtClean="0"/>
-              <a:t>Well-documented code, easy to understand</a:t>
-            </a:r>
-          </a:p>
-          <a:p>
-            <a:pPr lvl="4">
-              <a:spcAft>
-                <a:spcPts val="1200"/>
-              </a:spcAft>
-              <a:buFont typeface="Wingdings" panose="05000000000000000000" pitchFamily="2" charset="2"/>
-              <a:buChar char="§"/>
-            </a:pPr>
-            <a:r>
-              <a:rPr lang="en-US" i="1" dirty="0" smtClean="0"/>
-              <a:t>Not trying to understand a complex formula reference in an Excel document</a:t>
-            </a:r>
           </a:p>
         </p:txBody>
       </p:sp>

--- a/final-presentation/final-presentation-davis-vaughan.pptx
+++ b/final-presentation/final-presentation-davis-vaughan.pptx
@@ -5,10 +5,10 @@
     <p:sldMasterId id="2147483648" r:id="rId1"/>
   </p:sldMasterIdLst>
   <p:notesMasterIdLst>
-    <p:notesMasterId r:id="rId24"/>
+    <p:notesMasterId r:id="rId25"/>
   </p:notesMasterIdLst>
   <p:handoutMasterIdLst>
-    <p:handoutMasterId r:id="rId25"/>
+    <p:handoutMasterId r:id="rId26"/>
   </p:handoutMasterIdLst>
   <p:sldIdLst>
     <p:sldId id="256" r:id="rId2"/>
@@ -29,27 +29,28 @@
     <p:sldId id="280" r:id="rId17"/>
     <p:sldId id="279" r:id="rId18"/>
     <p:sldId id="281" r:id="rId19"/>
-    <p:sldId id="282" r:id="rId20"/>
-    <p:sldId id="283" r:id="rId21"/>
-    <p:sldId id="273" r:id="rId22"/>
-    <p:sldId id="284" r:id="rId23"/>
+    <p:sldId id="288" r:id="rId20"/>
+    <p:sldId id="282" r:id="rId21"/>
+    <p:sldId id="283" r:id="rId22"/>
+    <p:sldId id="273" r:id="rId23"/>
+    <p:sldId id="284" r:id="rId24"/>
   </p:sldIdLst>
   <p:sldSz cx="9144000" cy="6858000" type="screen4x3"/>
   <p:notesSz cx="6858000" cy="9144000"/>
   <p:embeddedFontLst>
     <p:embeddedFont>
-      <p:font typeface="Aparajita" panose="020B0604020202020204" pitchFamily="34" charset="0"/>
-      <p:regular r:id="rId26"/>
-      <p:bold r:id="rId27"/>
-      <p:italic r:id="rId28"/>
-      <p:boldItalic r:id="rId29"/>
+      <p:font typeface="Calibri" panose="020F0502020204030204" pitchFamily="34" charset="0"/>
+      <p:regular r:id="rId27"/>
+      <p:bold r:id="rId28"/>
+      <p:italic r:id="rId29"/>
+      <p:boldItalic r:id="rId30"/>
     </p:embeddedFont>
     <p:embeddedFont>
-      <p:font typeface="Calibri" panose="020F0502020204030204" pitchFamily="34" charset="0"/>
-      <p:regular r:id="rId30"/>
-      <p:bold r:id="rId31"/>
-      <p:italic r:id="rId32"/>
-      <p:boldItalic r:id="rId33"/>
+      <p:font typeface="Aparajita" panose="020B0604020202020204" pitchFamily="34" charset="0"/>
+      <p:regular r:id="rId31"/>
+      <p:bold r:id="rId32"/>
+      <p:italic r:id="rId33"/>
+      <p:boldItalic r:id="rId34"/>
     </p:embeddedFont>
   </p:embeddedFontLst>
   <p:defaultTextStyle>
@@ -232,7 +233,7 @@
           <a:p>
             <a:fld id="{8842975B-7FDA-46E0-824B-94BBC253277E}" type="datetimeFigureOut">
               <a:rPr lang="en-US" smtClean="0"/>
-              <a:t>7/21/2017</a:t>
+              <a:t>7/24/2017</a:t>
             </a:fld>
             <a:endParaRPr lang="en-US"/>
           </a:p>
@@ -420,7 +421,7 @@
           <a:p>
             <a:fld id="{D03BB3A9-8F42-45F7-91DC-AC49755E9D08}" type="datetimeFigureOut">
               <a:rPr lang="en-US" smtClean="0"/>
-              <a:t>7/21/2017</a:t>
+              <a:t>7/24/2017</a:t>
             </a:fld>
             <a:endParaRPr lang="en-US"/>
           </a:p>
@@ -10801,31 +10802,6 @@
               <a:t>Added that SQL translation for Access </a:t>
             </a:r>
           </a:p>
-          <a:p>
-            <a:pPr marL="685800" lvl="3" indent="0">
-              <a:buNone/>
-            </a:pPr>
-            <a:endParaRPr lang="en-US" dirty="0" smtClean="0"/>
-          </a:p>
-          <a:p>
-            <a:pPr lvl="1">
-              <a:buFont typeface="Wingdings" panose="05000000000000000000" pitchFamily="2" charset="2"/>
-              <a:buChar char="§"/>
-            </a:pPr>
-            <a:r>
-              <a:rPr lang="en-US" dirty="0" smtClean="0">
-                <a:hlinkClick r:id="rId2"/>
-              </a:rPr>
-              <a:t>Let’s have some fun</a:t>
-            </a:r>
-            <a:endParaRPr lang="en-US" dirty="0"/>
-          </a:p>
-          <a:p>
-            <a:pPr marL="685800" lvl="3" indent="0">
-              <a:buNone/>
-            </a:pPr>
-            <a:endParaRPr lang="en-US" dirty="0" smtClean="0"/>
-          </a:p>
         </p:txBody>
       </p:sp>
     </p:spTree>
@@ -10867,53 +10843,6 @@
       </p:grpSpPr>
       <p:sp>
         <p:nvSpPr>
-          <p:cNvPr id="2" name="Content Placeholder 1"/>
-          <p:cNvSpPr>
-            <a:spLocks noGrp="1"/>
-          </p:cNvSpPr>
-          <p:nvPr>
-            <p:ph idx="1"/>
-          </p:nvPr>
-        </p:nvSpPr>
-        <p:spPr/>
-        <p:txBody>
-          <a:bodyPr/>
-          <a:lstStyle/>
-          <a:p>
-            <a:pPr marL="0" indent="0">
-              <a:buNone/>
-            </a:pPr>
-            <a:r>
-              <a:rPr lang="en-US" i="1" dirty="0" smtClean="0"/>
-              <a:t>Direct connections to databases</a:t>
-            </a:r>
-          </a:p>
-          <a:p>
-            <a:pPr marL="0" indent="0">
-              <a:buNone/>
-            </a:pPr>
-            <a:endParaRPr lang="en-US" i="1" dirty="0"/>
-          </a:p>
-          <a:p>
-            <a:pPr>
-              <a:buFont typeface="Wingdings" panose="05000000000000000000" pitchFamily="2" charset="2"/>
-              <a:buChar char="§"/>
-            </a:pPr>
-            <a:r>
-              <a:rPr lang="en-US" i="1" dirty="0" smtClean="0"/>
-              <a:t>Benefits:</a:t>
-            </a:r>
-          </a:p>
-          <a:p>
-            <a:pPr marL="228600" lvl="1" indent="0">
-              <a:buNone/>
-            </a:pPr>
-            <a:endParaRPr lang="en-US" i="1" dirty="0"/>
-          </a:p>
-        </p:txBody>
-      </p:sp>
-      <p:sp>
-        <p:nvSpPr>
           <p:cNvPr id="3" name="Slide Number Placeholder 2"/>
           <p:cNvSpPr>
             <a:spLocks noGrp="1"/>
@@ -10951,76 +10880,169 @@
           <a:lstStyle/>
           <a:p>
             <a:r>
-              <a:rPr lang="en-US" dirty="0"/>
+              <a:rPr lang="en-US" dirty="0" smtClean="0"/>
               <a:t>speed</a:t>
             </a:r>
-          </a:p>
-        </p:txBody>
-      </p:sp>
-      <p:pic>
-        <p:nvPicPr>
-          <p:cNvPr id="5" name="Picture 4"/>
-          <p:cNvPicPr>
-            <a:picLocks noChangeAspect="1"/>
-          </p:cNvPicPr>
-          <p:nvPr/>
-        </p:nvPicPr>
-        <p:blipFill>
-          <a:blip r:embed="rId2">
-            <a:extLst>
-              <a:ext uri="{28A0092B-C50C-407E-A947-70E740481C1C}">
-                <a14:useLocalDpi xmlns:a14="http://schemas.microsoft.com/office/drawing/2010/main" val="0"/>
-              </a:ext>
-            </a:extLst>
-          </a:blip>
-          <a:stretch>
-            <a:fillRect/>
-          </a:stretch>
-        </p:blipFill>
+            <a:endParaRPr lang="en-US" dirty="0"/>
+          </a:p>
+        </p:txBody>
+      </p:sp>
+      <p:sp>
+        <p:nvSpPr>
+          <p:cNvPr id="10" name="Content Placeholder 1"/>
+          <p:cNvSpPr>
+            <a:spLocks noGrp="1"/>
+          </p:cNvSpPr>
+          <p:nvPr>
+            <p:ph idx="1"/>
+          </p:nvPr>
+        </p:nvSpPr>
         <p:spPr>
           <a:xfrm>
-            <a:off x="457201" y="2514600"/>
-            <a:ext cx="5236756" cy="2686212"/>
-          </a:xfrm>
-          <a:prstGeom prst="rect">
-            <a:avLst/>
-          </a:prstGeom>
+            <a:off x="320040" y="1142999"/>
+            <a:ext cx="8503920" cy="4800600"/>
+          </a:xfrm>
         </p:spPr>
-      </p:pic>
-      <p:pic>
-        <p:nvPicPr>
-          <p:cNvPr id="6" name="Picture 5"/>
-          <p:cNvPicPr>
-            <a:picLocks noChangeAspect="1"/>
-          </p:cNvPicPr>
-          <p:nvPr/>
-        </p:nvPicPr>
-        <p:blipFill>
-          <a:blip r:embed="rId3">
-            <a:extLst>
-              <a:ext uri="{28A0092B-C50C-407E-A947-70E740481C1C}">
-                <a14:useLocalDpi xmlns:a14="http://schemas.microsoft.com/office/drawing/2010/main" val="0"/>
-              </a:ext>
-            </a:extLst>
-          </a:blip>
-          <a:stretch>
-            <a:fillRect/>
-          </a:stretch>
-        </p:blipFill>
-        <p:spPr>
-          <a:xfrm>
-            <a:off x="6248400" y="2514600"/>
-            <a:ext cx="2247900" cy="2247900"/>
-          </a:xfrm>
-          <a:prstGeom prst="rect">
-            <a:avLst/>
-          </a:prstGeom>
-        </p:spPr>
-      </p:pic>
+        <p:txBody>
+          <a:bodyPr/>
+          <a:lstStyle/>
+          <a:p>
+            <a:pPr marL="0" indent="0">
+              <a:buNone/>
+            </a:pPr>
+            <a:r>
+              <a:rPr lang="en-US" i="1" dirty="0"/>
+              <a:t>Direct connections to databases</a:t>
+            </a:r>
+          </a:p>
+          <a:p>
+            <a:pPr marL="0" indent="0">
+              <a:buNone/>
+            </a:pPr>
+            <a:endParaRPr lang="en-US" i="1" dirty="0"/>
+          </a:p>
+          <a:p>
+            <a:pPr>
+              <a:spcAft>
+                <a:spcPts val="0"/>
+              </a:spcAft>
+              <a:buFont typeface="Wingdings" panose="05000000000000000000" pitchFamily="2" charset="2"/>
+              <a:buChar char="§"/>
+            </a:pPr>
+            <a:r>
+              <a:rPr lang="en-US" i="1" dirty="0" smtClean="0"/>
+              <a:t>Project:</a:t>
+            </a:r>
+          </a:p>
+          <a:p>
+            <a:pPr marL="228600" lvl="1" indent="0">
+              <a:spcAft>
+                <a:spcPts val="0"/>
+              </a:spcAft>
+              <a:buNone/>
+            </a:pPr>
+            <a:endParaRPr lang="en-US" i="1" dirty="0" smtClean="0"/>
+          </a:p>
+          <a:p>
+            <a:pPr lvl="1">
+              <a:buFont typeface="Wingdings" panose="05000000000000000000" pitchFamily="2" charset="2"/>
+              <a:buChar char="§"/>
+            </a:pPr>
+            <a:r>
+              <a:rPr lang="en-US" dirty="0" smtClean="0"/>
+              <a:t>Tackling a problem we all have. Working with databases from Excel/VBA isn’t fun.</a:t>
+            </a:r>
+          </a:p>
+          <a:p>
+            <a:pPr lvl="1">
+              <a:buFont typeface="Wingdings" panose="05000000000000000000" pitchFamily="2" charset="2"/>
+              <a:buChar char="§"/>
+            </a:pPr>
+            <a:endParaRPr lang="en-US" dirty="0" smtClean="0"/>
+          </a:p>
+          <a:p>
+            <a:pPr lvl="1">
+              <a:buFont typeface="Wingdings" panose="05000000000000000000" pitchFamily="2" charset="2"/>
+              <a:buChar char="§"/>
+            </a:pPr>
+            <a:r>
+              <a:rPr lang="en-US" dirty="0" smtClean="0"/>
+              <a:t>Great support in R for connecting to </a:t>
+            </a:r>
+            <a:r>
+              <a:rPr lang="en-US" i="1" dirty="0" smtClean="0"/>
+              <a:t>any</a:t>
+            </a:r>
+            <a:r>
+              <a:rPr lang="en-US" dirty="0" smtClean="0"/>
+              <a:t> type of database</a:t>
+            </a:r>
+          </a:p>
+          <a:p>
+            <a:pPr lvl="1">
+              <a:buFont typeface="Wingdings" panose="05000000000000000000" pitchFamily="2" charset="2"/>
+              <a:buChar char="§"/>
+            </a:pPr>
+            <a:endParaRPr lang="en-US" dirty="0"/>
+          </a:p>
+          <a:p>
+            <a:pPr lvl="3">
+              <a:buFont typeface="Wingdings" panose="05000000000000000000" pitchFamily="2" charset="2"/>
+              <a:buChar char="§"/>
+            </a:pPr>
+            <a:r>
+              <a:rPr lang="en-US" dirty="0" smtClean="0"/>
+              <a:t>There just needs to be a “SQL translation” </a:t>
+            </a:r>
+          </a:p>
+          <a:p>
+            <a:pPr lvl="1">
+              <a:buFont typeface="Wingdings" panose="05000000000000000000" pitchFamily="2" charset="2"/>
+              <a:buChar char="§"/>
+            </a:pPr>
+            <a:endParaRPr lang="en-US" dirty="0"/>
+          </a:p>
+          <a:p>
+            <a:pPr lvl="3">
+              <a:buFont typeface="Wingdings" panose="05000000000000000000" pitchFamily="2" charset="2"/>
+              <a:buChar char="§"/>
+            </a:pPr>
+            <a:r>
+              <a:rPr lang="en-US" dirty="0" smtClean="0"/>
+              <a:t>Added that SQL translation for Access </a:t>
+            </a:r>
+          </a:p>
+          <a:p>
+            <a:pPr marL="685800" lvl="3" indent="0">
+              <a:buNone/>
+            </a:pPr>
+            <a:endParaRPr lang="en-US" dirty="0" smtClean="0"/>
+          </a:p>
+          <a:p>
+            <a:pPr lvl="1">
+              <a:buFont typeface="Wingdings" panose="05000000000000000000" pitchFamily="2" charset="2"/>
+              <a:buChar char="§"/>
+            </a:pPr>
+            <a:r>
+              <a:rPr lang="en-US" dirty="0" smtClean="0">
+                <a:hlinkClick r:id="rId2"/>
+              </a:rPr>
+              <a:t>Let’s have some fun</a:t>
+            </a:r>
+            <a:endParaRPr lang="en-US" dirty="0"/>
+          </a:p>
+          <a:p>
+            <a:pPr marL="685800" lvl="3" indent="0">
+              <a:buNone/>
+            </a:pPr>
+            <a:endParaRPr lang="en-US" dirty="0" smtClean="0"/>
+          </a:p>
+        </p:txBody>
+      </p:sp>
     </p:spTree>
     <p:extLst>
       <p:ext uri="{BB962C8B-B14F-4D97-AF65-F5344CB8AC3E}">
-        <p14:creationId xmlns:p14="http://schemas.microsoft.com/office/powerpoint/2010/main" val="224078259"/>
+        <p14:creationId xmlns:p14="http://schemas.microsoft.com/office/powerpoint/2010/main" val="3364505904"/>
       </p:ext>
     </p:extLst>
   </p:cSld>
@@ -11090,7 +11112,9 @@
         </p:nvSpPr>
         <p:spPr/>
         <p:txBody>
-          <a:bodyPr/>
+          <a:bodyPr>
+            <a:normAutofit fontScale="92500" lnSpcReduction="10000"/>
+          </a:bodyPr>
           <a:lstStyle/>
           <a:p>
             <a:pPr>
@@ -11110,6 +11134,33 @@
             <a:r>
               <a:rPr lang="en-US" dirty="0" smtClean="0"/>
               <a:t>Mathematical Finance</a:t>
+            </a:r>
+          </a:p>
+          <a:p>
+            <a:pPr marL="347472" lvl="1" indent="0">
+              <a:buNone/>
+            </a:pPr>
+            <a:endParaRPr lang="en-US" dirty="0" smtClean="0"/>
+          </a:p>
+          <a:p>
+            <a:pPr>
+              <a:buFont typeface="Wingdings" panose="05000000000000000000" pitchFamily="2" charset="2"/>
+              <a:buChar char="§"/>
+            </a:pPr>
+            <a:r>
+              <a:rPr lang="en-US" dirty="0" smtClean="0"/>
+              <a:t>Exams</a:t>
+            </a:r>
+            <a:endParaRPr lang="en-US" dirty="0"/>
+          </a:p>
+          <a:p>
+            <a:pPr lvl="1">
+              <a:buFont typeface="Wingdings" panose="05000000000000000000" pitchFamily="2" charset="2"/>
+              <a:buChar char="§"/>
+            </a:pPr>
+            <a:r>
+              <a:rPr lang="en-US" dirty="0" smtClean="0"/>
+              <a:t>P &amp; FM</a:t>
             </a:r>
           </a:p>
           <a:p>
@@ -11277,7 +11328,7 @@
               <a:buNone/>
             </a:pPr>
             <a:r>
-              <a:rPr lang="en-US" i="1" dirty="0"/>
+              <a:rPr lang="en-US" i="1" dirty="0" smtClean="0"/>
               <a:t>Direct connections to databases</a:t>
             </a:r>
           </a:p>
@@ -11323,6 +11374,195 @@
             <a:fld id="{E49B4C36-CA85-496D-A067-FC602A1FD8AC}" type="slidenum">
               <a:rPr lang="en-US" smtClean="0"/>
               <a:t>20</a:t>
+            </a:fld>
+            <a:endParaRPr lang="en-US"/>
+          </a:p>
+        </p:txBody>
+      </p:sp>
+      <p:sp>
+        <p:nvSpPr>
+          <p:cNvPr id="4" name="Title 3"/>
+          <p:cNvSpPr>
+            <a:spLocks noGrp="1"/>
+          </p:cNvSpPr>
+          <p:nvPr>
+            <p:ph type="title"/>
+          </p:nvPr>
+        </p:nvSpPr>
+        <p:spPr/>
+        <p:txBody>
+          <a:bodyPr/>
+          <a:lstStyle/>
+          <a:p>
+            <a:r>
+              <a:rPr lang="en-US" dirty="0"/>
+              <a:t>speed</a:t>
+            </a:r>
+          </a:p>
+        </p:txBody>
+      </p:sp>
+      <p:pic>
+        <p:nvPicPr>
+          <p:cNvPr id="5" name="Picture 4"/>
+          <p:cNvPicPr>
+            <a:picLocks noChangeAspect="1"/>
+          </p:cNvPicPr>
+          <p:nvPr/>
+        </p:nvPicPr>
+        <p:blipFill>
+          <a:blip r:embed="rId2">
+            <a:extLst>
+              <a:ext uri="{28A0092B-C50C-407E-A947-70E740481C1C}">
+                <a14:useLocalDpi xmlns:a14="http://schemas.microsoft.com/office/drawing/2010/main" val="0"/>
+              </a:ext>
+            </a:extLst>
+          </a:blip>
+          <a:stretch>
+            <a:fillRect/>
+          </a:stretch>
+        </p:blipFill>
+        <p:spPr>
+          <a:xfrm>
+            <a:off x="457201" y="2514600"/>
+            <a:ext cx="5236756" cy="2686212"/>
+          </a:xfrm>
+          <a:prstGeom prst="rect">
+            <a:avLst/>
+          </a:prstGeom>
+        </p:spPr>
+      </p:pic>
+      <p:pic>
+        <p:nvPicPr>
+          <p:cNvPr id="6" name="Picture 5"/>
+          <p:cNvPicPr>
+            <a:picLocks noChangeAspect="1"/>
+          </p:cNvPicPr>
+          <p:nvPr/>
+        </p:nvPicPr>
+        <p:blipFill>
+          <a:blip r:embed="rId3">
+            <a:extLst>
+              <a:ext uri="{28A0092B-C50C-407E-A947-70E740481C1C}">
+                <a14:useLocalDpi xmlns:a14="http://schemas.microsoft.com/office/drawing/2010/main" val="0"/>
+              </a:ext>
+            </a:extLst>
+          </a:blip>
+          <a:stretch>
+            <a:fillRect/>
+          </a:stretch>
+        </p:blipFill>
+        <p:spPr>
+          <a:xfrm>
+            <a:off x="6248400" y="2514600"/>
+            <a:ext cx="2247900" cy="2247900"/>
+          </a:xfrm>
+          <a:prstGeom prst="rect">
+            <a:avLst/>
+          </a:prstGeom>
+        </p:spPr>
+      </p:pic>
+    </p:spTree>
+    <p:extLst>
+      <p:ext uri="{BB962C8B-B14F-4D97-AF65-F5344CB8AC3E}">
+        <p14:creationId xmlns:p14="http://schemas.microsoft.com/office/powerpoint/2010/main" val="224078259"/>
+      </p:ext>
+    </p:extLst>
+  </p:cSld>
+  <p:clrMapOvr>
+    <a:masterClrMapping/>
+  </p:clrMapOvr>
+  <p:timing>
+    <p:tnLst>
+      <p:par>
+        <p:cTn id="1" dur="indefinite" restart="never" nodeType="tmRoot"/>
+      </p:par>
+    </p:tnLst>
+  </p:timing>
+</p:sld>
+</file>
+
+<file path=ppt/slides/slide21.xml><?xml version="1.0" encoding="utf-8"?>
+<p:sld xmlns:a="http://schemas.openxmlformats.org/drawingml/2006/main" xmlns:r="http://schemas.openxmlformats.org/officeDocument/2006/relationships" xmlns:p="http://schemas.openxmlformats.org/presentationml/2006/main">
+  <p:cSld>
+    <p:spTree>
+      <p:nvGrpSpPr>
+        <p:cNvPr id="1" name=""/>
+        <p:cNvGrpSpPr/>
+        <p:nvPr/>
+      </p:nvGrpSpPr>
+      <p:grpSpPr>
+        <a:xfrm>
+          <a:off x="0" y="0"/>
+          <a:ext cx="0" cy="0"/>
+          <a:chOff x="0" y="0"/>
+          <a:chExt cx="0" cy="0"/>
+        </a:xfrm>
+      </p:grpSpPr>
+      <p:sp>
+        <p:nvSpPr>
+          <p:cNvPr id="2" name="Content Placeholder 1"/>
+          <p:cNvSpPr>
+            <a:spLocks noGrp="1"/>
+          </p:cNvSpPr>
+          <p:nvPr>
+            <p:ph idx="1"/>
+          </p:nvPr>
+        </p:nvSpPr>
+        <p:spPr/>
+        <p:txBody>
+          <a:bodyPr/>
+          <a:lstStyle/>
+          <a:p>
+            <a:pPr marL="0" indent="0">
+              <a:buNone/>
+            </a:pPr>
+            <a:r>
+              <a:rPr lang="en-US" i="1" dirty="0"/>
+              <a:t>Direct connections to databases</a:t>
+            </a:r>
+          </a:p>
+          <a:p>
+            <a:pPr marL="0" indent="0">
+              <a:buNone/>
+            </a:pPr>
+            <a:endParaRPr lang="en-US" i="1" dirty="0"/>
+          </a:p>
+          <a:p>
+            <a:pPr>
+              <a:buFont typeface="Wingdings" panose="05000000000000000000" pitchFamily="2" charset="2"/>
+              <a:buChar char="§"/>
+            </a:pPr>
+            <a:r>
+              <a:rPr lang="en-US" i="1" dirty="0" smtClean="0"/>
+              <a:t>Benefits:</a:t>
+            </a:r>
+          </a:p>
+          <a:p>
+            <a:pPr marL="228600" lvl="1" indent="0">
+              <a:buNone/>
+            </a:pPr>
+            <a:endParaRPr lang="en-US" i="1" dirty="0"/>
+          </a:p>
+        </p:txBody>
+      </p:sp>
+      <p:sp>
+        <p:nvSpPr>
+          <p:cNvPr id="3" name="Slide Number Placeholder 2"/>
+          <p:cNvSpPr>
+            <a:spLocks noGrp="1"/>
+          </p:cNvSpPr>
+          <p:nvPr>
+            <p:ph type="sldNum" sz="quarter" idx="12"/>
+          </p:nvPr>
+        </p:nvSpPr>
+        <p:spPr/>
+        <p:txBody>
+          <a:bodyPr/>
+          <a:lstStyle/>
+          <a:p>
+            <a:fld id="{E49B4C36-CA85-496D-A067-FC602A1FD8AC}" type="slidenum">
+              <a:rPr lang="en-US" smtClean="0"/>
+              <a:t>21</a:t>
             </a:fld>
             <a:endParaRPr lang="en-US"/>
           </a:p>
@@ -11532,7 +11772,7 @@
 </p:sld>
 </file>
 
-<file path=ppt/slides/slide21.xml><?xml version="1.0" encoding="utf-8"?>
+<file path=ppt/slides/slide22.xml><?xml version="1.0" encoding="utf-8"?>
 <p:sld xmlns:a="http://schemas.openxmlformats.org/drawingml/2006/main" xmlns:r="http://schemas.openxmlformats.org/officeDocument/2006/relationships" xmlns:p="http://schemas.openxmlformats.org/presentationml/2006/main">
   <p:cSld>
     <p:spTree>
@@ -11699,7 +11939,7 @@
           <a:p>
             <a:fld id="{E49B4C36-CA85-496D-A067-FC602A1FD8AC}" type="slidenum">
               <a:rPr lang="en-US" smtClean="0"/>
-              <a:t>21</a:t>
+              <a:t>22</a:t>
             </a:fld>
             <a:endParaRPr lang="en-US"/>
           </a:p>
@@ -11778,7 +12018,7 @@
 </p:sld>
 </file>
 
-<file path=ppt/slides/slide22.xml><?xml version="1.0" encoding="utf-8"?>
+<file path=ppt/slides/slide23.xml><?xml version="1.0" encoding="utf-8"?>
 <p:sld xmlns:a="http://schemas.openxmlformats.org/drawingml/2006/main" xmlns:r="http://schemas.openxmlformats.org/officeDocument/2006/relationships" xmlns:p="http://schemas.openxmlformats.org/presentationml/2006/main">
   <p:cSld>
     <p:spTree>

--- a/final-presentation/final-presentation-davis-vaughan.pptx
+++ b/final-presentation/final-presentation-davis-vaughan.pptx
@@ -5,10 +5,10 @@
     <p:sldMasterId id="2147483648" r:id="rId1"/>
   </p:sldMasterIdLst>
   <p:notesMasterIdLst>
-    <p:notesMasterId r:id="rId25"/>
+    <p:notesMasterId r:id="rId24"/>
   </p:notesMasterIdLst>
   <p:handoutMasterIdLst>
-    <p:handoutMasterId r:id="rId26"/>
+    <p:handoutMasterId r:id="rId25"/>
   </p:handoutMasterIdLst>
   <p:sldIdLst>
     <p:sldId id="256" r:id="rId2"/>
@@ -18,39 +18,38 @@
     <p:sldId id="287" r:id="rId6"/>
     <p:sldId id="267" r:id="rId7"/>
     <p:sldId id="261" r:id="rId8"/>
-    <p:sldId id="262" r:id="rId9"/>
-    <p:sldId id="263" r:id="rId10"/>
-    <p:sldId id="265" r:id="rId11"/>
-    <p:sldId id="286" r:id="rId12"/>
-    <p:sldId id="266" r:id="rId13"/>
-    <p:sldId id="274" r:id="rId14"/>
-    <p:sldId id="285" r:id="rId15"/>
-    <p:sldId id="276" r:id="rId16"/>
-    <p:sldId id="280" r:id="rId17"/>
-    <p:sldId id="279" r:id="rId18"/>
-    <p:sldId id="281" r:id="rId19"/>
-    <p:sldId id="288" r:id="rId20"/>
-    <p:sldId id="282" r:id="rId21"/>
-    <p:sldId id="283" r:id="rId22"/>
-    <p:sldId id="273" r:id="rId23"/>
-    <p:sldId id="284" r:id="rId24"/>
+    <p:sldId id="289" r:id="rId9"/>
+    <p:sldId id="290" r:id="rId10"/>
+    <p:sldId id="262" r:id="rId11"/>
+    <p:sldId id="263" r:id="rId12"/>
+    <p:sldId id="265" r:id="rId13"/>
+    <p:sldId id="292" r:id="rId14"/>
+    <p:sldId id="266" r:id="rId15"/>
+    <p:sldId id="285" r:id="rId16"/>
+    <p:sldId id="294" r:id="rId17"/>
+    <p:sldId id="276" r:id="rId18"/>
+    <p:sldId id="280" r:id="rId19"/>
+    <p:sldId id="281" r:id="rId20"/>
+    <p:sldId id="293" r:id="rId21"/>
+    <p:sldId id="273" r:id="rId22"/>
+    <p:sldId id="284" r:id="rId23"/>
   </p:sldIdLst>
   <p:sldSz cx="9144000" cy="6858000" type="screen4x3"/>
   <p:notesSz cx="6858000" cy="9144000"/>
   <p:embeddedFontLst>
     <p:embeddedFont>
       <p:font typeface="Calibri" panose="020F0502020204030204" pitchFamily="34" charset="0"/>
-      <p:regular r:id="rId27"/>
-      <p:bold r:id="rId28"/>
-      <p:italic r:id="rId29"/>
-      <p:boldItalic r:id="rId30"/>
+      <p:regular r:id="rId26"/>
+      <p:bold r:id="rId27"/>
+      <p:italic r:id="rId28"/>
+      <p:boldItalic r:id="rId29"/>
     </p:embeddedFont>
     <p:embeddedFont>
       <p:font typeface="Aparajita" panose="020B0604020202020204" pitchFamily="34" charset="0"/>
-      <p:regular r:id="rId31"/>
-      <p:bold r:id="rId32"/>
-      <p:italic r:id="rId33"/>
-      <p:boldItalic r:id="rId34"/>
+      <p:regular r:id="rId30"/>
+      <p:bold r:id="rId31"/>
+      <p:italic r:id="rId32"/>
+      <p:boldItalic r:id="rId33"/>
     </p:embeddedFont>
   </p:embeddedFontLst>
   <p:defaultTextStyle>
@@ -233,7 +232,7 @@
           <a:p>
             <a:fld id="{8842975B-7FDA-46E0-824B-94BBC253277E}" type="datetimeFigureOut">
               <a:rPr lang="en-US" smtClean="0"/>
-              <a:t>7/24/2017</a:t>
+              <a:t>7/26/2017</a:t>
             </a:fld>
             <a:endParaRPr lang="en-US"/>
           </a:p>
@@ -421,7 +420,7 @@
           <a:p>
             <a:fld id="{D03BB3A9-8F42-45F7-91DC-AC49755E9D08}" type="datetimeFigureOut">
               <a:rPr lang="en-US" smtClean="0"/>
-              <a:t>7/24/2017</a:t>
+              <a:t>7/26/2017</a:t>
             </a:fld>
             <a:endParaRPr lang="en-US"/>
           </a:p>
@@ -7273,7 +7272,7 @@
             </a:pPr>
             <a:r>
               <a:rPr lang="en-US" i="1" dirty="0" smtClean="0"/>
-              <a:t>Waterfall graphs – Let R do the work for you</a:t>
+              <a:t>Waterfall graphs</a:t>
             </a:r>
           </a:p>
           <a:p>
@@ -7289,14 +7288,72 @@
             </a:pPr>
             <a:r>
               <a:rPr lang="en-US" dirty="0" smtClean="0"/>
-              <a:t>With a little more effort…</a:t>
+              <a:t>Loved by senior management</a:t>
+            </a:r>
+          </a:p>
+          <a:p>
+            <a:pPr lvl="1">
+              <a:buFont typeface="Wingdings" panose="05000000000000000000" pitchFamily="2" charset="2"/>
+              <a:buChar char="§"/>
+            </a:pPr>
+            <a:endParaRPr lang="en-US" i="1" dirty="0"/>
+          </a:p>
+          <a:p>
+            <a:pPr lvl="1">
+              <a:buFont typeface="Wingdings" panose="05000000000000000000" pitchFamily="2" charset="2"/>
+              <a:buChar char="§"/>
+            </a:pPr>
+            <a:r>
+              <a:rPr lang="en-US" dirty="0" smtClean="0"/>
+              <a:t>Difficult to </a:t>
+            </a:r>
+            <a:r>
+              <a:rPr lang="en-US" dirty="0" smtClean="0"/>
+              <a:t>create</a:t>
+            </a:r>
+          </a:p>
+          <a:p>
+            <a:pPr lvl="1">
+              <a:buFont typeface="Wingdings" panose="05000000000000000000" pitchFamily="2" charset="2"/>
+              <a:buChar char="§"/>
+            </a:pPr>
+            <a:endParaRPr lang="en-US" dirty="0"/>
+          </a:p>
+          <a:p>
+            <a:pPr lvl="1">
+              <a:buFont typeface="Wingdings" panose="05000000000000000000" pitchFamily="2" charset="2"/>
+              <a:buChar char="§"/>
+            </a:pPr>
+            <a:r>
+              <a:rPr lang="en-US" dirty="0" smtClean="0"/>
+              <a:t>Manipulate an </a:t>
             </a:r>
           </a:p>
           <a:p>
             <a:pPr marL="228600" lvl="1" indent="0">
               <a:buNone/>
             </a:pPr>
-            <a:endParaRPr lang="en-US" dirty="0"/>
+            <a:r>
+              <a:rPr lang="en-US" dirty="0"/>
+              <a:t> </a:t>
+            </a:r>
+            <a:r>
+              <a:rPr lang="en-US" dirty="0" smtClean="0"/>
+              <a:t>    Excel bar graph</a:t>
+            </a:r>
+            <a:endParaRPr lang="en-US" dirty="0" smtClean="0"/>
+          </a:p>
+          <a:p>
+            <a:pPr marL="228600" lvl="1" indent="0">
+              <a:buNone/>
+            </a:pPr>
+            <a:endParaRPr lang="en-US" i="1" dirty="0"/>
+          </a:p>
+          <a:p>
+            <a:pPr marL="228600" lvl="1" indent="0">
+              <a:buNone/>
+            </a:pPr>
+            <a:endParaRPr lang="en-US" dirty="0" smtClean="0"/>
           </a:p>
         </p:txBody>
       </p:sp>
@@ -7318,6 +7375,435 @@
             <a:fld id="{E49B4C36-CA85-496D-A067-FC602A1FD8AC}" type="slidenum">
               <a:rPr lang="en-US" smtClean="0"/>
               <a:t>10</a:t>
+            </a:fld>
+            <a:endParaRPr lang="en-US"/>
+          </a:p>
+        </p:txBody>
+      </p:sp>
+      <p:sp>
+        <p:nvSpPr>
+          <p:cNvPr id="4" name="Title 3"/>
+          <p:cNvSpPr>
+            <a:spLocks noGrp="1"/>
+          </p:cNvSpPr>
+          <p:nvPr>
+            <p:ph type="title"/>
+          </p:nvPr>
+        </p:nvSpPr>
+        <p:spPr/>
+        <p:txBody>
+          <a:bodyPr/>
+          <a:lstStyle/>
+          <a:p>
+            <a:r>
+              <a:rPr lang="en-US" dirty="0" smtClean="0"/>
+              <a:t>Visualizations</a:t>
+            </a:r>
+            <a:endParaRPr lang="en-US" dirty="0"/>
+          </a:p>
+        </p:txBody>
+      </p:sp>
+      <p:pic>
+        <p:nvPicPr>
+          <p:cNvPr id="5" name="Picture 4"/>
+          <p:cNvPicPr>
+            <a:picLocks noChangeAspect="1"/>
+          </p:cNvPicPr>
+          <p:nvPr/>
+        </p:nvPicPr>
+        <p:blipFill>
+          <a:blip r:embed="rId2">
+            <a:extLst>
+              <a:ext uri="{28A0092B-C50C-407E-A947-70E740481C1C}">
+                <a14:useLocalDpi xmlns:a14="http://schemas.microsoft.com/office/drawing/2010/main" val="0"/>
+              </a:ext>
+            </a:extLst>
+          </a:blip>
+          <a:stretch>
+            <a:fillRect/>
+          </a:stretch>
+        </p:blipFill>
+        <p:spPr>
+          <a:xfrm>
+            <a:off x="2743200" y="2514600"/>
+            <a:ext cx="5867400" cy="3243470"/>
+          </a:xfrm>
+          <a:prstGeom prst="rect">
+            <a:avLst/>
+          </a:prstGeom>
+        </p:spPr>
+      </p:pic>
+    </p:spTree>
+    <p:extLst>
+      <p:ext uri="{BB962C8B-B14F-4D97-AF65-F5344CB8AC3E}">
+        <p14:creationId xmlns:p14="http://schemas.microsoft.com/office/powerpoint/2010/main" val="4015479969"/>
+      </p:ext>
+    </p:extLst>
+  </p:cSld>
+  <p:clrMapOvr>
+    <a:masterClrMapping/>
+  </p:clrMapOvr>
+  <p:timing>
+    <p:tnLst>
+      <p:par>
+        <p:cTn id="1" dur="indefinite" restart="never" nodeType="tmRoot"/>
+      </p:par>
+    </p:tnLst>
+  </p:timing>
+</p:sld>
+</file>
+
+<file path=ppt/slides/slide11.xml><?xml version="1.0" encoding="utf-8"?>
+<p:sld xmlns:a="http://schemas.openxmlformats.org/drawingml/2006/main" xmlns:r="http://schemas.openxmlformats.org/officeDocument/2006/relationships" xmlns:p="http://schemas.openxmlformats.org/presentationml/2006/main">
+  <p:cSld>
+    <p:spTree>
+      <p:nvGrpSpPr>
+        <p:cNvPr id="1" name=""/>
+        <p:cNvGrpSpPr/>
+        <p:nvPr/>
+      </p:nvGrpSpPr>
+      <p:grpSpPr>
+        <a:xfrm>
+          <a:off x="0" y="0"/>
+          <a:ext cx="0" cy="0"/>
+          <a:chOff x="0" y="0"/>
+          <a:chExt cx="0" cy="0"/>
+        </a:xfrm>
+      </p:grpSpPr>
+      <p:sp>
+        <p:nvSpPr>
+          <p:cNvPr id="2" name="Content Placeholder 1"/>
+          <p:cNvSpPr>
+            <a:spLocks noGrp="1"/>
+          </p:cNvSpPr>
+          <p:nvPr>
+            <p:ph idx="1"/>
+          </p:nvPr>
+        </p:nvSpPr>
+        <p:spPr/>
+        <p:txBody>
+          <a:bodyPr/>
+          <a:lstStyle/>
+          <a:p>
+            <a:pPr marL="0" indent="0">
+              <a:buNone/>
+            </a:pPr>
+            <a:r>
+              <a:rPr lang="en-US" i="1" dirty="0" smtClean="0"/>
+              <a:t>Waterfall graphs – Let R do the work for you</a:t>
+            </a:r>
+          </a:p>
+          <a:p>
+            <a:pPr marL="228600" lvl="1" indent="0">
+              <a:buNone/>
+            </a:pPr>
+            <a:endParaRPr lang="en-US" dirty="0"/>
+          </a:p>
+          <a:p>
+            <a:pPr lvl="1">
+              <a:buFont typeface="Wingdings" panose="05000000000000000000" pitchFamily="2" charset="2"/>
+              <a:buChar char="§"/>
+            </a:pPr>
+            <a:r>
+              <a:rPr lang="en-US" dirty="0" smtClean="0"/>
+              <a:t>Pass in Excel data that looks like this:</a:t>
+            </a:r>
+          </a:p>
+          <a:p>
+            <a:pPr lvl="1">
+              <a:buFont typeface="Wingdings" panose="05000000000000000000" pitchFamily="2" charset="2"/>
+              <a:buChar char="§"/>
+            </a:pPr>
+            <a:endParaRPr lang="en-US" dirty="0"/>
+          </a:p>
+          <a:p>
+            <a:pPr lvl="1">
+              <a:buFont typeface="Wingdings" panose="05000000000000000000" pitchFamily="2" charset="2"/>
+              <a:buChar char="§"/>
+            </a:pPr>
+            <a:endParaRPr lang="en-US" dirty="0" smtClean="0"/>
+          </a:p>
+          <a:p>
+            <a:pPr lvl="1">
+              <a:buFont typeface="Wingdings" panose="05000000000000000000" pitchFamily="2" charset="2"/>
+              <a:buChar char="§"/>
+            </a:pPr>
+            <a:endParaRPr lang="en-US" dirty="0"/>
+          </a:p>
+          <a:p>
+            <a:pPr lvl="1">
+              <a:buFont typeface="Wingdings" panose="05000000000000000000" pitchFamily="2" charset="2"/>
+              <a:buChar char="§"/>
+            </a:pPr>
+            <a:endParaRPr lang="en-US" dirty="0" smtClean="0"/>
+          </a:p>
+          <a:p>
+            <a:pPr lvl="1">
+              <a:buFont typeface="Wingdings" panose="05000000000000000000" pitchFamily="2" charset="2"/>
+              <a:buChar char="§"/>
+            </a:pPr>
+            <a:endParaRPr lang="en-US" dirty="0"/>
+          </a:p>
+          <a:p>
+            <a:pPr lvl="1">
+              <a:buFont typeface="Wingdings" panose="05000000000000000000" pitchFamily="2" charset="2"/>
+              <a:buChar char="§"/>
+            </a:pPr>
+            <a:endParaRPr lang="en-US" dirty="0" smtClean="0"/>
+          </a:p>
+          <a:p>
+            <a:pPr lvl="1">
+              <a:buFont typeface="Wingdings" panose="05000000000000000000" pitchFamily="2" charset="2"/>
+              <a:buChar char="§"/>
+            </a:pPr>
+            <a:endParaRPr lang="en-US" dirty="0"/>
+          </a:p>
+          <a:p>
+            <a:pPr lvl="1">
+              <a:buFont typeface="Wingdings" panose="05000000000000000000" pitchFamily="2" charset="2"/>
+              <a:buChar char="§"/>
+            </a:pPr>
+            <a:endParaRPr lang="en-US" dirty="0" smtClean="0"/>
+          </a:p>
+          <a:p>
+            <a:pPr lvl="1">
+              <a:buFont typeface="Wingdings" panose="05000000000000000000" pitchFamily="2" charset="2"/>
+              <a:buChar char="§"/>
+            </a:pPr>
+            <a:endParaRPr lang="en-US" dirty="0"/>
+          </a:p>
+          <a:p>
+            <a:pPr lvl="1">
+              <a:buFont typeface="Wingdings" panose="05000000000000000000" pitchFamily="2" charset="2"/>
+              <a:buChar char="§"/>
+            </a:pPr>
+            <a:r>
+              <a:rPr lang="en-US" dirty="0" smtClean="0"/>
+              <a:t>Call the waterfall function:   </a:t>
+            </a:r>
+            <a:r>
+              <a:rPr lang="en-US" dirty="0" err="1" smtClean="0">
+                <a:latin typeface="Aparajita" panose="020B0604020202020204" pitchFamily="34" charset="0"/>
+                <a:cs typeface="Aparajita" panose="020B0604020202020204" pitchFamily="34" charset="0"/>
+              </a:rPr>
+              <a:t>lfg_waterfall</a:t>
+            </a:r>
+            <a:r>
+              <a:rPr lang="en-US" i="1" dirty="0" smtClean="0">
+                <a:latin typeface="Aparajita" panose="020B0604020202020204" pitchFamily="34" charset="0"/>
+                <a:cs typeface="Aparajita" panose="020B0604020202020204" pitchFamily="34" charset="0"/>
+              </a:rPr>
+              <a:t>(</a:t>
+            </a:r>
+            <a:r>
+              <a:rPr lang="en-US" i="1" dirty="0" err="1" smtClean="0">
+                <a:latin typeface="Aparajita" panose="020B0604020202020204" pitchFamily="34" charset="0"/>
+                <a:cs typeface="Aparajita" panose="020B0604020202020204" pitchFamily="34" charset="0"/>
+              </a:rPr>
+              <a:t>excel_</a:t>
+            </a:r>
+            <a:r>
+              <a:rPr lang="en-US" i="1" dirty="0" err="1" smtClean="0">
+                <a:latin typeface="Aparajita" panose="020B0604020202020204" pitchFamily="34" charset="0"/>
+                <a:cs typeface="Aparajita" panose="020B0604020202020204" pitchFamily="34" charset="0"/>
+              </a:rPr>
+              <a:t>data</a:t>
+            </a:r>
+            <a:r>
+              <a:rPr lang="en-US" dirty="0" smtClean="0">
+                <a:latin typeface="Aparajita" panose="020B0604020202020204" pitchFamily="34" charset="0"/>
+                <a:cs typeface="Aparajita" panose="020B0604020202020204" pitchFamily="34" charset="0"/>
+              </a:rPr>
+              <a:t>)</a:t>
+            </a:r>
+          </a:p>
+          <a:p>
+            <a:pPr marL="228600" lvl="1" indent="0">
+              <a:buNone/>
+            </a:pPr>
+            <a:endParaRPr lang="en-US" dirty="0"/>
+          </a:p>
+        </p:txBody>
+      </p:sp>
+      <p:sp>
+        <p:nvSpPr>
+          <p:cNvPr id="3" name="Slide Number Placeholder 2"/>
+          <p:cNvSpPr>
+            <a:spLocks noGrp="1"/>
+          </p:cNvSpPr>
+          <p:nvPr>
+            <p:ph type="sldNum" sz="quarter" idx="12"/>
+          </p:nvPr>
+        </p:nvSpPr>
+        <p:spPr/>
+        <p:txBody>
+          <a:bodyPr/>
+          <a:lstStyle/>
+          <a:p>
+            <a:fld id="{E49B4C36-CA85-496D-A067-FC602A1FD8AC}" type="slidenum">
+              <a:rPr lang="en-US" smtClean="0"/>
+              <a:t>11</a:t>
+            </a:fld>
+            <a:endParaRPr lang="en-US"/>
+          </a:p>
+        </p:txBody>
+      </p:sp>
+      <p:sp>
+        <p:nvSpPr>
+          <p:cNvPr id="4" name="Title 3"/>
+          <p:cNvSpPr>
+            <a:spLocks noGrp="1"/>
+          </p:cNvSpPr>
+          <p:nvPr>
+            <p:ph type="title"/>
+          </p:nvPr>
+        </p:nvSpPr>
+        <p:spPr/>
+        <p:txBody>
+          <a:bodyPr/>
+          <a:lstStyle/>
+          <a:p>
+            <a:r>
+              <a:rPr lang="en-US" dirty="0" smtClean="0"/>
+              <a:t>Visualizations</a:t>
+            </a:r>
+            <a:endParaRPr lang="en-US" dirty="0"/>
+          </a:p>
+        </p:txBody>
+      </p:sp>
+      <p:pic>
+        <p:nvPicPr>
+          <p:cNvPr id="10" name="Picture 9"/>
+          <p:cNvPicPr>
+            <a:picLocks noChangeAspect="1"/>
+          </p:cNvPicPr>
+          <p:nvPr/>
+        </p:nvPicPr>
+        <p:blipFill>
+          <a:blip r:embed="rId2">
+            <a:extLst>
+              <a:ext uri="{28A0092B-C50C-407E-A947-70E740481C1C}">
+                <a14:useLocalDpi xmlns:a14="http://schemas.microsoft.com/office/drawing/2010/main" val="0"/>
+              </a:ext>
+            </a:extLst>
+          </a:blip>
+          <a:stretch>
+            <a:fillRect/>
+          </a:stretch>
+        </p:blipFill>
+        <p:spPr>
+          <a:xfrm>
+            <a:off x="2133600" y="2410687"/>
+            <a:ext cx="4549180" cy="2697301"/>
+          </a:xfrm>
+          <a:prstGeom prst="rect">
+            <a:avLst/>
+          </a:prstGeom>
+        </p:spPr>
+      </p:pic>
+    </p:spTree>
+    <p:extLst>
+      <p:ext uri="{BB962C8B-B14F-4D97-AF65-F5344CB8AC3E}">
+        <p14:creationId xmlns:p14="http://schemas.microsoft.com/office/powerpoint/2010/main" val="3366750866"/>
+      </p:ext>
+    </p:extLst>
+  </p:cSld>
+  <p:clrMapOvr>
+    <a:masterClrMapping/>
+  </p:clrMapOvr>
+  <p:timing>
+    <p:tnLst>
+      <p:par>
+        <p:cTn id="1" dur="indefinite" restart="never" nodeType="tmRoot"/>
+      </p:par>
+    </p:tnLst>
+  </p:timing>
+</p:sld>
+</file>
+
+<file path=ppt/slides/slide12.xml><?xml version="1.0" encoding="utf-8"?>
+<p:sld xmlns:a="http://schemas.openxmlformats.org/drawingml/2006/main" xmlns:r="http://schemas.openxmlformats.org/officeDocument/2006/relationships" xmlns:p="http://schemas.openxmlformats.org/presentationml/2006/main">
+  <p:cSld>
+    <p:spTree>
+      <p:nvGrpSpPr>
+        <p:cNvPr id="1" name=""/>
+        <p:cNvGrpSpPr/>
+        <p:nvPr/>
+      </p:nvGrpSpPr>
+      <p:grpSpPr>
+        <a:xfrm>
+          <a:off x="0" y="0"/>
+          <a:ext cx="0" cy="0"/>
+          <a:chOff x="0" y="0"/>
+          <a:chExt cx="0" cy="0"/>
+        </a:xfrm>
+      </p:grpSpPr>
+      <p:sp>
+        <p:nvSpPr>
+          <p:cNvPr id="2" name="Content Placeholder 1"/>
+          <p:cNvSpPr>
+            <a:spLocks noGrp="1"/>
+          </p:cNvSpPr>
+          <p:nvPr>
+            <p:ph idx="1"/>
+          </p:nvPr>
+        </p:nvSpPr>
+        <p:spPr/>
+        <p:txBody>
+          <a:bodyPr/>
+          <a:lstStyle/>
+          <a:p>
+            <a:pPr marL="0" indent="0">
+              <a:buNone/>
+            </a:pPr>
+            <a:r>
+              <a:rPr lang="en-US" i="1" dirty="0" smtClean="0"/>
+              <a:t>Waterfall graphs – Let R do the work for you</a:t>
+            </a:r>
+          </a:p>
+          <a:p>
+            <a:pPr marL="228600" lvl="1" indent="0">
+              <a:buNone/>
+            </a:pPr>
+            <a:endParaRPr lang="en-US" dirty="0"/>
+          </a:p>
+          <a:p>
+            <a:pPr lvl="1">
+              <a:buFont typeface="Wingdings" panose="05000000000000000000" pitchFamily="2" charset="2"/>
+              <a:buChar char="§"/>
+            </a:pPr>
+            <a:r>
+              <a:rPr lang="en-US" dirty="0" smtClean="0"/>
+              <a:t>Instantly get results like this</a:t>
+            </a:r>
+            <a:endParaRPr lang="en-US" dirty="0" smtClean="0"/>
+          </a:p>
+          <a:p>
+            <a:pPr marL="228600" lvl="1" indent="0">
+              <a:buNone/>
+            </a:pPr>
+            <a:endParaRPr lang="en-US" dirty="0"/>
+          </a:p>
+        </p:txBody>
+      </p:sp>
+      <p:sp>
+        <p:nvSpPr>
+          <p:cNvPr id="3" name="Slide Number Placeholder 2"/>
+          <p:cNvSpPr>
+            <a:spLocks noGrp="1"/>
+          </p:cNvSpPr>
+          <p:nvPr>
+            <p:ph type="sldNum" sz="quarter" idx="12"/>
+          </p:nvPr>
+        </p:nvSpPr>
+        <p:spPr/>
+        <p:txBody>
+          <a:bodyPr/>
+          <a:lstStyle/>
+          <a:p>
+            <a:fld id="{E49B4C36-CA85-496D-A067-FC602A1FD8AC}" type="slidenum">
+              <a:rPr lang="en-US" smtClean="0"/>
+              <a:t>12</a:t>
             </a:fld>
             <a:endParaRPr lang="en-US"/>
           </a:p>
@@ -7396,500 +7882,6 @@
 </p:sld>
 </file>
 
-<file path=ppt/slides/slide11.xml><?xml version="1.0" encoding="utf-8"?>
-<p:sld xmlns:a="http://schemas.openxmlformats.org/drawingml/2006/main" xmlns:r="http://schemas.openxmlformats.org/officeDocument/2006/relationships" xmlns:p="http://schemas.openxmlformats.org/presentationml/2006/main">
-  <p:cSld>
-    <p:spTree>
-      <p:nvGrpSpPr>
-        <p:cNvPr id="1" name=""/>
-        <p:cNvGrpSpPr/>
-        <p:nvPr/>
-      </p:nvGrpSpPr>
-      <p:grpSpPr>
-        <a:xfrm>
-          <a:off x="0" y="0"/>
-          <a:ext cx="0" cy="0"/>
-          <a:chOff x="0" y="0"/>
-          <a:chExt cx="0" cy="0"/>
-        </a:xfrm>
-      </p:grpSpPr>
-      <p:sp>
-        <p:nvSpPr>
-          <p:cNvPr id="2" name="Content Placeholder 1"/>
-          <p:cNvSpPr>
-            <a:spLocks noGrp="1"/>
-          </p:cNvSpPr>
-          <p:nvPr>
-            <p:ph idx="1"/>
-          </p:nvPr>
-        </p:nvSpPr>
-        <p:spPr/>
-        <p:txBody>
-          <a:bodyPr/>
-          <a:lstStyle/>
-          <a:p>
-            <a:pPr marL="0" indent="0">
-              <a:buNone/>
-            </a:pPr>
-            <a:r>
-              <a:rPr lang="en-US" i="1" dirty="0" smtClean="0"/>
-              <a:t>IRR calculations</a:t>
-            </a:r>
-          </a:p>
-          <a:p>
-            <a:pPr marL="0" indent="0">
-              <a:buNone/>
-            </a:pPr>
-            <a:endParaRPr lang="en-US" i="1" dirty="0"/>
-          </a:p>
-          <a:p>
-            <a:pPr>
-              <a:spcAft>
-                <a:spcPts val="0"/>
-              </a:spcAft>
-              <a:buFont typeface="Wingdings" panose="05000000000000000000" pitchFamily="2" charset="2"/>
-              <a:buChar char="§"/>
-            </a:pPr>
-            <a:r>
-              <a:rPr lang="en-US" i="1" dirty="0" smtClean="0"/>
-              <a:t>Project:</a:t>
-            </a:r>
-          </a:p>
-          <a:p>
-            <a:pPr lvl="1">
-              <a:spcAft>
-                <a:spcPts val="0"/>
-              </a:spcAft>
-              <a:buFont typeface="Wingdings" panose="05000000000000000000" pitchFamily="2" charset="2"/>
-              <a:buChar char="§"/>
-            </a:pPr>
-            <a:endParaRPr lang="en-US" i="1" dirty="0" smtClean="0"/>
-          </a:p>
-          <a:p>
-            <a:pPr lvl="1">
-              <a:buFont typeface="Wingdings" panose="05000000000000000000" pitchFamily="2" charset="2"/>
-              <a:buChar char="§"/>
-            </a:pPr>
-            <a:r>
-              <a:rPr lang="en-US" dirty="0" smtClean="0"/>
-              <a:t>Calculate IRR for 2400 potential economic scenarios </a:t>
-            </a:r>
-          </a:p>
-          <a:p>
-            <a:pPr lvl="3">
-              <a:buFont typeface="Wingdings" panose="05000000000000000000" pitchFamily="2" charset="2"/>
-              <a:buChar char="§"/>
-            </a:pPr>
-            <a:r>
-              <a:rPr lang="en-US" dirty="0" smtClean="0"/>
-              <a:t>12 Lincoln products, 200 scenarios each</a:t>
-            </a:r>
-          </a:p>
-          <a:p>
-            <a:pPr lvl="3">
-              <a:buFont typeface="Wingdings" panose="05000000000000000000" pitchFamily="2" charset="2"/>
-              <a:buChar char="§"/>
-            </a:pPr>
-            <a:r>
-              <a:rPr lang="en-US" dirty="0" smtClean="0"/>
-              <a:t>40 years of predicted distributable earnings per scenario (cash flows)</a:t>
-            </a:r>
-          </a:p>
-          <a:p>
-            <a:pPr lvl="3">
-              <a:spcAft>
-                <a:spcPts val="0"/>
-              </a:spcAft>
-              <a:buFont typeface="Wingdings" panose="05000000000000000000" pitchFamily="2" charset="2"/>
-              <a:buChar char="§"/>
-            </a:pPr>
-            <a:r>
-              <a:rPr lang="en-US" dirty="0" smtClean="0"/>
-              <a:t>1 GAAP Equity value per product (initial investment)</a:t>
-            </a:r>
-          </a:p>
-          <a:p>
-            <a:pPr lvl="1">
-              <a:spcAft>
-                <a:spcPts val="0"/>
-              </a:spcAft>
-              <a:buFont typeface="Wingdings" panose="05000000000000000000" pitchFamily="2" charset="2"/>
-              <a:buChar char="§"/>
-            </a:pPr>
-            <a:endParaRPr lang="en-US" dirty="0" smtClean="0"/>
-          </a:p>
-          <a:p>
-            <a:pPr lvl="1">
-              <a:spcAft>
-                <a:spcPts val="0"/>
-              </a:spcAft>
-              <a:buFont typeface="Wingdings" panose="05000000000000000000" pitchFamily="2" charset="2"/>
-              <a:buChar char="§"/>
-            </a:pPr>
-            <a:r>
-              <a:rPr lang="en-US" dirty="0" smtClean="0"/>
-              <a:t>Calculation has too many conditions for Excel’s IRR function. Goal Seek needed.</a:t>
-            </a:r>
-          </a:p>
-          <a:p>
-            <a:pPr lvl="1">
-              <a:buFont typeface="Wingdings" panose="05000000000000000000" pitchFamily="2" charset="2"/>
-              <a:buChar char="§"/>
-            </a:pPr>
-            <a:endParaRPr lang="en-US" dirty="0"/>
-          </a:p>
-          <a:p>
-            <a:pPr lvl="1">
-              <a:buFont typeface="Wingdings" panose="05000000000000000000" pitchFamily="2" charset="2"/>
-              <a:buChar char="§"/>
-            </a:pPr>
-            <a:endParaRPr lang="en-US" i="1" dirty="0" smtClean="0"/>
-          </a:p>
-          <a:p>
-            <a:pPr lvl="1">
-              <a:buFont typeface="Wingdings" panose="05000000000000000000" pitchFamily="2" charset="2"/>
-              <a:buChar char="§"/>
-            </a:pPr>
-            <a:endParaRPr lang="en-US" i="1" dirty="0"/>
-          </a:p>
-          <a:p>
-            <a:pPr lvl="1">
-              <a:buFont typeface="Wingdings" panose="05000000000000000000" pitchFamily="2" charset="2"/>
-              <a:buChar char="§"/>
-            </a:pPr>
-            <a:endParaRPr lang="en-US" dirty="0" smtClean="0"/>
-          </a:p>
-        </p:txBody>
-      </p:sp>
-      <p:sp>
-        <p:nvSpPr>
-          <p:cNvPr id="3" name="Slide Number Placeholder 2"/>
-          <p:cNvSpPr>
-            <a:spLocks noGrp="1"/>
-          </p:cNvSpPr>
-          <p:nvPr>
-            <p:ph type="sldNum" sz="quarter" idx="12"/>
-          </p:nvPr>
-        </p:nvSpPr>
-        <p:spPr/>
-        <p:txBody>
-          <a:bodyPr/>
-          <a:lstStyle/>
-          <a:p>
-            <a:fld id="{E49B4C36-CA85-496D-A067-FC602A1FD8AC}" type="slidenum">
-              <a:rPr lang="en-US" smtClean="0"/>
-              <a:t>11</a:t>
-            </a:fld>
-            <a:endParaRPr lang="en-US"/>
-          </a:p>
-        </p:txBody>
-      </p:sp>
-      <p:sp>
-        <p:nvSpPr>
-          <p:cNvPr id="4" name="Title 3"/>
-          <p:cNvSpPr>
-            <a:spLocks noGrp="1"/>
-          </p:cNvSpPr>
-          <p:nvPr>
-            <p:ph type="title"/>
-          </p:nvPr>
-        </p:nvSpPr>
-        <p:spPr/>
-        <p:txBody>
-          <a:bodyPr/>
-          <a:lstStyle/>
-          <a:p>
-            <a:r>
-              <a:rPr lang="en-US" dirty="0" smtClean="0"/>
-              <a:t>speed</a:t>
-            </a:r>
-            <a:endParaRPr lang="en-US" dirty="0"/>
-          </a:p>
-        </p:txBody>
-      </p:sp>
-    </p:spTree>
-    <p:extLst>
-      <p:ext uri="{BB962C8B-B14F-4D97-AF65-F5344CB8AC3E}">
-        <p14:creationId xmlns:p14="http://schemas.microsoft.com/office/powerpoint/2010/main" val="3019645721"/>
-      </p:ext>
-    </p:extLst>
-  </p:cSld>
-  <p:clrMapOvr>
-    <a:masterClrMapping/>
-  </p:clrMapOvr>
-  <p:timing>
-    <p:tnLst>
-      <p:par>
-        <p:cTn id="1" dur="indefinite" restart="never" nodeType="tmRoot"/>
-      </p:par>
-    </p:tnLst>
-  </p:timing>
-</p:sld>
-</file>
-
-<file path=ppt/slides/slide12.xml><?xml version="1.0" encoding="utf-8"?>
-<p:sld xmlns:a="http://schemas.openxmlformats.org/drawingml/2006/main" xmlns:r="http://schemas.openxmlformats.org/officeDocument/2006/relationships" xmlns:p="http://schemas.openxmlformats.org/presentationml/2006/main">
-  <p:cSld>
-    <p:spTree>
-      <p:nvGrpSpPr>
-        <p:cNvPr id="1" name=""/>
-        <p:cNvGrpSpPr/>
-        <p:nvPr/>
-      </p:nvGrpSpPr>
-      <p:grpSpPr>
-        <a:xfrm>
-          <a:off x="0" y="0"/>
-          <a:ext cx="0" cy="0"/>
-          <a:chOff x="0" y="0"/>
-          <a:chExt cx="0" cy="0"/>
-        </a:xfrm>
-      </p:grpSpPr>
-      <p:sp>
-        <p:nvSpPr>
-          <p:cNvPr id="2" name="Content Placeholder 1"/>
-          <p:cNvSpPr>
-            <a:spLocks noGrp="1"/>
-          </p:cNvSpPr>
-          <p:nvPr>
-            <p:ph idx="1"/>
-          </p:nvPr>
-        </p:nvSpPr>
-        <p:spPr/>
-        <p:txBody>
-          <a:bodyPr/>
-          <a:lstStyle/>
-          <a:p>
-            <a:pPr marL="0" indent="0">
-              <a:buNone/>
-            </a:pPr>
-            <a:r>
-              <a:rPr lang="en-US" i="1" dirty="0" smtClean="0"/>
-              <a:t>IRR calculations</a:t>
-            </a:r>
-          </a:p>
-          <a:p>
-            <a:pPr marL="0" indent="0">
-              <a:buNone/>
-            </a:pPr>
-            <a:endParaRPr lang="en-US" i="1" dirty="0"/>
-          </a:p>
-          <a:p>
-            <a:pPr>
-              <a:spcAft>
-                <a:spcPts val="0"/>
-              </a:spcAft>
-              <a:buFont typeface="Wingdings" panose="05000000000000000000" pitchFamily="2" charset="2"/>
-              <a:buChar char="§"/>
-            </a:pPr>
-            <a:r>
-              <a:rPr lang="en-US" i="1" dirty="0" smtClean="0"/>
-              <a:t>Project:</a:t>
-            </a:r>
-          </a:p>
-          <a:p>
-            <a:pPr lvl="1">
-              <a:spcAft>
-                <a:spcPts val="0"/>
-              </a:spcAft>
-              <a:buFont typeface="Wingdings" panose="05000000000000000000" pitchFamily="2" charset="2"/>
-              <a:buChar char="§"/>
-            </a:pPr>
-            <a:endParaRPr lang="en-US" i="1" dirty="0" smtClean="0"/>
-          </a:p>
-          <a:p>
-            <a:pPr lvl="1">
-              <a:buFont typeface="Wingdings" panose="05000000000000000000" pitchFamily="2" charset="2"/>
-              <a:buChar char="§"/>
-            </a:pPr>
-            <a:r>
-              <a:rPr lang="en-US" dirty="0" smtClean="0"/>
-              <a:t>Calculate IRR for 2400 potential economic scenarios </a:t>
-            </a:r>
-          </a:p>
-          <a:p>
-            <a:pPr lvl="3">
-              <a:buFont typeface="Wingdings" panose="05000000000000000000" pitchFamily="2" charset="2"/>
-              <a:buChar char="§"/>
-            </a:pPr>
-            <a:r>
-              <a:rPr lang="en-US" dirty="0" smtClean="0"/>
-              <a:t>12 Lincoln products, 200 scenarios each</a:t>
-            </a:r>
-          </a:p>
-          <a:p>
-            <a:pPr lvl="3">
-              <a:buFont typeface="Wingdings" panose="05000000000000000000" pitchFamily="2" charset="2"/>
-              <a:buChar char="§"/>
-            </a:pPr>
-            <a:r>
-              <a:rPr lang="en-US" dirty="0" smtClean="0"/>
-              <a:t>40 years of predicted distributable earnings per scenario (cash flows)</a:t>
-            </a:r>
-          </a:p>
-          <a:p>
-            <a:pPr lvl="3">
-              <a:spcAft>
-                <a:spcPts val="0"/>
-              </a:spcAft>
-              <a:buFont typeface="Wingdings" panose="05000000000000000000" pitchFamily="2" charset="2"/>
-              <a:buChar char="§"/>
-            </a:pPr>
-            <a:r>
-              <a:rPr lang="en-US" dirty="0" smtClean="0"/>
-              <a:t>1 GAAP Equity value per product (initial investment)</a:t>
-            </a:r>
-          </a:p>
-          <a:p>
-            <a:pPr lvl="1">
-              <a:spcAft>
-                <a:spcPts val="0"/>
-              </a:spcAft>
-              <a:buFont typeface="Wingdings" panose="05000000000000000000" pitchFamily="2" charset="2"/>
-              <a:buChar char="§"/>
-            </a:pPr>
-            <a:endParaRPr lang="en-US" dirty="0" smtClean="0"/>
-          </a:p>
-          <a:p>
-            <a:pPr lvl="1">
-              <a:spcAft>
-                <a:spcPts val="0"/>
-              </a:spcAft>
-              <a:buFont typeface="Wingdings" panose="05000000000000000000" pitchFamily="2" charset="2"/>
-              <a:buChar char="§"/>
-            </a:pPr>
-            <a:r>
-              <a:rPr lang="en-US" dirty="0" smtClean="0"/>
-              <a:t>Calculation has too many conditions for Excel’s IRR function. Goal Seek needed.</a:t>
-            </a:r>
-          </a:p>
-          <a:p>
-            <a:pPr lvl="1">
-              <a:buFont typeface="Wingdings" panose="05000000000000000000" pitchFamily="2" charset="2"/>
-              <a:buChar char="§"/>
-            </a:pPr>
-            <a:endParaRPr lang="en-US" dirty="0"/>
-          </a:p>
-          <a:p>
-            <a:pPr lvl="1">
-              <a:buFont typeface="Wingdings" panose="05000000000000000000" pitchFamily="2" charset="2"/>
-              <a:buChar char="§"/>
-            </a:pPr>
-            <a:r>
-              <a:rPr lang="en-US" b="1" dirty="0" smtClean="0"/>
-              <a:t>3 hours </a:t>
-            </a:r>
-            <a:r>
-              <a:rPr lang="en-US" dirty="0" smtClean="0"/>
-              <a:t>to run all 2400 scenarios</a:t>
-            </a:r>
-          </a:p>
-          <a:p>
-            <a:pPr lvl="1">
-              <a:buFont typeface="Wingdings" panose="05000000000000000000" pitchFamily="2" charset="2"/>
-              <a:buChar char="§"/>
-            </a:pPr>
-            <a:endParaRPr lang="en-US" dirty="0"/>
-          </a:p>
-          <a:p>
-            <a:pPr lvl="1">
-              <a:buFont typeface="Wingdings" panose="05000000000000000000" pitchFamily="2" charset="2"/>
-              <a:buChar char="§"/>
-            </a:pPr>
-            <a:r>
-              <a:rPr lang="en-US" dirty="0" smtClean="0"/>
-              <a:t>Can R do this faster?</a:t>
-            </a:r>
-            <a:endParaRPr lang="en-US" dirty="0"/>
-          </a:p>
-          <a:p>
-            <a:pPr lvl="1">
-              <a:buFont typeface="Wingdings" panose="05000000000000000000" pitchFamily="2" charset="2"/>
-              <a:buChar char="§"/>
-            </a:pPr>
-            <a:endParaRPr lang="en-US" i="1" dirty="0" smtClean="0"/>
-          </a:p>
-          <a:p>
-            <a:pPr lvl="1">
-              <a:buFont typeface="Wingdings" panose="05000000000000000000" pitchFamily="2" charset="2"/>
-              <a:buChar char="§"/>
-            </a:pPr>
-            <a:endParaRPr lang="en-US" i="1" dirty="0"/>
-          </a:p>
-          <a:p>
-            <a:pPr lvl="1">
-              <a:buFont typeface="Wingdings" panose="05000000000000000000" pitchFamily="2" charset="2"/>
-              <a:buChar char="§"/>
-            </a:pPr>
-            <a:endParaRPr lang="en-US" dirty="0" smtClean="0"/>
-          </a:p>
-        </p:txBody>
-      </p:sp>
-      <p:sp>
-        <p:nvSpPr>
-          <p:cNvPr id="3" name="Slide Number Placeholder 2"/>
-          <p:cNvSpPr>
-            <a:spLocks noGrp="1"/>
-          </p:cNvSpPr>
-          <p:nvPr>
-            <p:ph type="sldNum" sz="quarter" idx="12"/>
-          </p:nvPr>
-        </p:nvSpPr>
-        <p:spPr/>
-        <p:txBody>
-          <a:bodyPr/>
-          <a:lstStyle/>
-          <a:p>
-            <a:fld id="{E49B4C36-CA85-496D-A067-FC602A1FD8AC}" type="slidenum">
-              <a:rPr lang="en-US" smtClean="0"/>
-              <a:t>12</a:t>
-            </a:fld>
-            <a:endParaRPr lang="en-US"/>
-          </a:p>
-        </p:txBody>
-      </p:sp>
-      <p:sp>
-        <p:nvSpPr>
-          <p:cNvPr id="4" name="Title 3"/>
-          <p:cNvSpPr>
-            <a:spLocks noGrp="1"/>
-          </p:cNvSpPr>
-          <p:nvPr>
-            <p:ph type="title"/>
-          </p:nvPr>
-        </p:nvSpPr>
-        <p:spPr/>
-        <p:txBody>
-          <a:bodyPr/>
-          <a:lstStyle/>
-          <a:p>
-            <a:r>
-              <a:rPr lang="en-US" dirty="0" smtClean="0"/>
-              <a:t>speed</a:t>
-            </a:r>
-            <a:endParaRPr lang="en-US" dirty="0"/>
-          </a:p>
-        </p:txBody>
-      </p:sp>
-    </p:spTree>
-    <p:extLst>
-      <p:ext uri="{BB962C8B-B14F-4D97-AF65-F5344CB8AC3E}">
-        <p14:creationId xmlns:p14="http://schemas.microsoft.com/office/powerpoint/2010/main" val="1870389015"/>
-      </p:ext>
-    </p:extLst>
-  </p:cSld>
-  <p:clrMapOvr>
-    <a:masterClrMapping/>
-  </p:clrMapOvr>
-  <p:timing>
-    <p:tnLst>
-      <p:par>
-        <p:cTn id="1" dur="indefinite" restart="never" nodeType="tmRoot"/>
-      </p:par>
-    </p:tnLst>
-  </p:timing>
-</p:sld>
-</file>
-
 <file path=ppt/slides/slide13.xml><?xml version="1.0" encoding="utf-8"?>
 <p:sld xmlns:a="http://schemas.openxmlformats.org/drawingml/2006/main" xmlns:r="http://schemas.openxmlformats.org/officeDocument/2006/relationships" xmlns:p="http://schemas.openxmlformats.org/presentationml/2006/main">
   <p:cSld>
@@ -7946,15 +7938,16 @@
             </a:pPr>
             <a:r>
               <a:rPr lang="en-US" i="1" dirty="0" smtClean="0"/>
-              <a:t>Solution:</a:t>
-            </a:r>
-          </a:p>
-          <a:p>
-            <a:pPr marL="228600" lvl="1" indent="0">
+              <a:t>Project:</a:t>
+            </a:r>
+          </a:p>
+          <a:p>
+            <a:pPr lvl="1">
               <a:spcAft>
                 <a:spcPts val="0"/>
               </a:spcAft>
-              <a:buNone/>
+              <a:buFont typeface="Wingdings" panose="05000000000000000000" pitchFamily="2" charset="2"/>
+              <a:buChar char="§"/>
             </a:pPr>
             <a:endParaRPr lang="en-US" i="1" dirty="0" smtClean="0"/>
           </a:p>
@@ -7965,49 +7958,40 @@
             </a:pPr>
             <a:r>
               <a:rPr lang="en-US" dirty="0" smtClean="0"/>
-              <a:t>Optimization problem – For each of the 2400 scenarios, minimize:</a:t>
+              <a:t>Calculate IRR for 2400 potential economic scenarios </a:t>
             </a:r>
           </a:p>
           <a:p>
             <a:pPr lvl="3">
-              <a:buFont typeface="Wingdings" panose="05000000000000000000" pitchFamily="2" charset="2"/>
-              <a:buChar char="§"/>
-            </a:pPr>
-            <a:r>
-              <a:rPr lang="en-US" sz="2000" dirty="0" smtClean="0">
-                <a:latin typeface="Aparajita" panose="020B0604020202020204" pitchFamily="34" charset="0"/>
-                <a:cs typeface="Aparajita" panose="020B0604020202020204" pitchFamily="34" charset="0"/>
-              </a:rPr>
-              <a:t>PV(distributable earnings) – </a:t>
-            </a:r>
-            <a:r>
-              <a:rPr lang="en-US" sz="2000" dirty="0" err="1" smtClean="0">
-                <a:latin typeface="Aparajita" panose="020B0604020202020204" pitchFamily="34" charset="0"/>
-                <a:cs typeface="Aparajita" panose="020B0604020202020204" pitchFamily="34" charset="0"/>
-              </a:rPr>
-              <a:t>GAAP_equity</a:t>
-            </a:r>
-            <a:r>
-              <a:rPr lang="en-US" i="1" dirty="0"/>
-              <a:t>	</a:t>
-            </a:r>
-            <a:endParaRPr lang="en-US" i="1" dirty="0" smtClean="0"/>
+              <a:spcBef>
+                <a:spcPts val="600"/>
+              </a:spcBef>
+              <a:buFont typeface="Wingdings" panose="05000000000000000000" pitchFamily="2" charset="2"/>
+              <a:buChar char="§"/>
+            </a:pPr>
+            <a:r>
+              <a:rPr lang="en-US" dirty="0" smtClean="0"/>
+              <a:t>12 Lincoln products, 200 scenarios each</a:t>
+            </a:r>
           </a:p>
           <a:p>
             <a:pPr lvl="3">
-              <a:spcAft>
-                <a:spcPts val="1200"/>
-              </a:spcAft>
-              <a:buFont typeface="Wingdings" panose="05000000000000000000" pitchFamily="2" charset="2"/>
-              <a:buChar char="§"/>
-            </a:pPr>
-            <a:r>
-              <a:rPr lang="en-US" dirty="0" smtClean="0"/>
-              <a:t>By varying the IRR to discount with</a:t>
+              <a:spcBef>
+                <a:spcPts val="600"/>
+              </a:spcBef>
+              <a:buFont typeface="Wingdings" panose="05000000000000000000" pitchFamily="2" charset="2"/>
+              <a:buChar char="§"/>
+            </a:pPr>
+            <a:r>
+              <a:rPr lang="en-US" dirty="0" smtClean="0"/>
+              <a:t>40 years of predicted distributable earnings per scenario (cash flows)</a:t>
             </a:r>
           </a:p>
           <a:p>
             <a:pPr lvl="3">
+              <a:spcBef>
+                <a:spcPts val="600"/>
+              </a:spcBef>
               <a:spcAft>
                 <a:spcPts val="0"/>
               </a:spcAft>
@@ -8016,25 +8000,59 @@
             </a:pPr>
             <a:r>
               <a:rPr lang="en-US" dirty="0" smtClean="0"/>
-              <a:t>Use the R function, </a:t>
-            </a:r>
-            <a:r>
-              <a:rPr lang="en-US" sz="2000" dirty="0" smtClean="0">
-                <a:latin typeface="Aparajita" panose="020B0604020202020204" pitchFamily="34" charset="0"/>
-                <a:cs typeface="Aparajita" panose="020B0604020202020204" pitchFamily="34" charset="0"/>
-              </a:rPr>
-              <a:t> optimize()</a:t>
-            </a:r>
-            <a:endParaRPr lang="en-US" dirty="0"/>
-          </a:p>
-          <a:p>
-            <a:pPr marL="228600" lvl="1" indent="0">
+              <a:t>1 GAAP Equity value per product (initial investment)</a:t>
+            </a:r>
+          </a:p>
+          <a:p>
+            <a:pPr lvl="1">
               <a:spcAft>
                 <a:spcPts val="0"/>
               </a:spcAft>
+              <a:buFont typeface="Wingdings" panose="05000000000000000000" pitchFamily="2" charset="2"/>
+              <a:buChar char="§"/>
+            </a:pPr>
+            <a:endParaRPr lang="en-US" dirty="0" smtClean="0"/>
+          </a:p>
+          <a:p>
+            <a:pPr lvl="1">
+              <a:spcAft>
+                <a:spcPts val="0"/>
+              </a:spcAft>
+              <a:buFont typeface="Wingdings" panose="05000000000000000000" pitchFamily="2" charset="2"/>
+              <a:buChar char="§"/>
+            </a:pPr>
+            <a:r>
+              <a:rPr lang="en-US" dirty="0" smtClean="0"/>
+              <a:t>Too many </a:t>
+            </a:r>
+            <a:r>
+              <a:rPr lang="en-US" dirty="0" smtClean="0"/>
+              <a:t>conditions for Excel’s IRR function. Goal </a:t>
+            </a:r>
+            <a:r>
+              <a:rPr lang="en-US" dirty="0" smtClean="0"/>
+              <a:t>Seek?</a:t>
+            </a:r>
+          </a:p>
+          <a:p>
+            <a:pPr marL="228600" lvl="1" indent="0">
               <a:buNone/>
             </a:pPr>
             <a:endParaRPr lang="en-US" i="1" dirty="0" smtClean="0"/>
+          </a:p>
+          <a:p>
+            <a:pPr lvl="1">
+              <a:buFont typeface="Wingdings" panose="05000000000000000000" pitchFamily="2" charset="2"/>
+              <a:buChar char="§"/>
+            </a:pPr>
+            <a:endParaRPr lang="en-US" i="1" dirty="0"/>
+          </a:p>
+          <a:p>
+            <a:pPr lvl="1">
+              <a:buFont typeface="Wingdings" panose="05000000000000000000" pitchFamily="2" charset="2"/>
+              <a:buChar char="§"/>
+            </a:pPr>
+            <a:endParaRPr lang="en-US" dirty="0" smtClean="0"/>
           </a:p>
         </p:txBody>
       </p:sp>
@@ -8087,7 +8105,7 @@
     </p:spTree>
     <p:extLst>
       <p:ext uri="{BB962C8B-B14F-4D97-AF65-F5344CB8AC3E}">
-        <p14:creationId xmlns:p14="http://schemas.microsoft.com/office/powerpoint/2010/main" val="3908515491"/>
+        <p14:creationId xmlns:p14="http://schemas.microsoft.com/office/powerpoint/2010/main" val="3112596303"/>
       </p:ext>
     </p:extLst>
   </p:cSld>
@@ -8160,7 +8178,100 @@
             </a:pPr>
             <a:r>
               <a:rPr lang="en-US" i="1" dirty="0" smtClean="0"/>
-              <a:t>Solution:</a:t>
+              <a:t>Project:</a:t>
+            </a:r>
+          </a:p>
+          <a:p>
+            <a:pPr lvl="1">
+              <a:spcAft>
+                <a:spcPts val="0"/>
+              </a:spcAft>
+              <a:buFont typeface="Wingdings" panose="05000000000000000000" pitchFamily="2" charset="2"/>
+              <a:buChar char="§"/>
+            </a:pPr>
+            <a:endParaRPr lang="en-US" i="1" dirty="0" smtClean="0"/>
+          </a:p>
+          <a:p>
+            <a:pPr lvl="1">
+              <a:buFont typeface="Wingdings" panose="05000000000000000000" pitchFamily="2" charset="2"/>
+              <a:buChar char="§"/>
+            </a:pPr>
+            <a:r>
+              <a:rPr lang="en-US" dirty="0" smtClean="0"/>
+              <a:t>Calculate IRR for 2400 potential economic scenarios </a:t>
+            </a:r>
+          </a:p>
+          <a:p>
+            <a:pPr lvl="3">
+              <a:spcBef>
+                <a:spcPts val="600"/>
+              </a:spcBef>
+              <a:buFont typeface="Wingdings" panose="05000000000000000000" pitchFamily="2" charset="2"/>
+              <a:buChar char="§"/>
+            </a:pPr>
+            <a:r>
+              <a:rPr lang="en-US" dirty="0" smtClean="0"/>
+              <a:t>12 Lincoln products, 200 scenarios each</a:t>
+            </a:r>
+          </a:p>
+          <a:p>
+            <a:pPr lvl="3">
+              <a:spcBef>
+                <a:spcPts val="600"/>
+              </a:spcBef>
+              <a:buFont typeface="Wingdings" panose="05000000000000000000" pitchFamily="2" charset="2"/>
+              <a:buChar char="§"/>
+            </a:pPr>
+            <a:r>
+              <a:rPr lang="en-US" dirty="0" smtClean="0"/>
+              <a:t>40 years of predicted distributable earnings per scenario (cash flows)</a:t>
+            </a:r>
+          </a:p>
+          <a:p>
+            <a:pPr lvl="3">
+              <a:spcBef>
+                <a:spcPts val="600"/>
+              </a:spcBef>
+              <a:spcAft>
+                <a:spcPts val="0"/>
+              </a:spcAft>
+              <a:buFont typeface="Wingdings" panose="05000000000000000000" pitchFamily="2" charset="2"/>
+              <a:buChar char="§"/>
+            </a:pPr>
+            <a:r>
+              <a:rPr lang="en-US" dirty="0" smtClean="0"/>
+              <a:t>1 GAAP Equity value per product (initial investment)</a:t>
+            </a:r>
+          </a:p>
+          <a:p>
+            <a:pPr lvl="1">
+              <a:spcAft>
+                <a:spcPts val="0"/>
+              </a:spcAft>
+              <a:buFont typeface="Wingdings" panose="05000000000000000000" pitchFamily="2" charset="2"/>
+              <a:buChar char="§"/>
+            </a:pPr>
+            <a:endParaRPr lang="en-US" dirty="0" smtClean="0"/>
+          </a:p>
+          <a:p>
+            <a:pPr lvl="1">
+              <a:spcAft>
+                <a:spcPts val="0"/>
+              </a:spcAft>
+              <a:buFont typeface="Wingdings" panose="05000000000000000000" pitchFamily="2" charset="2"/>
+              <a:buChar char="§"/>
+            </a:pPr>
+            <a:r>
+              <a:rPr lang="en-US" dirty="0" smtClean="0"/>
+              <a:t>Too many </a:t>
+            </a:r>
+            <a:r>
+              <a:rPr lang="en-US" dirty="0" smtClean="0"/>
+              <a:t>conditions for Excel’s IRR function. Goal </a:t>
+            </a:r>
+            <a:r>
+              <a:rPr lang="en-US" dirty="0" smtClean="0"/>
+              <a:t>Seek?</a:t>
             </a:r>
           </a:p>
           <a:p>
@@ -8170,85 +8281,7 @@
               </a:spcAft>
               <a:buNone/>
             </a:pPr>
-            <a:endParaRPr lang="en-US" i="1" dirty="0" smtClean="0"/>
-          </a:p>
-          <a:p>
-            <a:pPr lvl="1">
-              <a:buFont typeface="Wingdings" panose="05000000000000000000" pitchFamily="2" charset="2"/>
-              <a:buChar char="§"/>
-            </a:pPr>
-            <a:r>
-              <a:rPr lang="en-US" dirty="0" smtClean="0"/>
-              <a:t>Optimization problem – For each of the 2400 scenarios, minimize:</a:t>
-            </a:r>
-          </a:p>
-          <a:p>
-            <a:pPr lvl="3">
-              <a:buFont typeface="Wingdings" panose="05000000000000000000" pitchFamily="2" charset="2"/>
-              <a:buChar char="§"/>
-            </a:pPr>
-            <a:r>
-              <a:rPr lang="en-US" sz="2000" dirty="0" smtClean="0">
-                <a:latin typeface="Aparajita" panose="020B0604020202020204" pitchFamily="34" charset="0"/>
-                <a:cs typeface="Aparajita" panose="020B0604020202020204" pitchFamily="34" charset="0"/>
-              </a:rPr>
-              <a:t>PV(distributable earnings) – </a:t>
-            </a:r>
-            <a:r>
-              <a:rPr lang="en-US" sz="2000" dirty="0" err="1" smtClean="0">
-                <a:latin typeface="Aparajita" panose="020B0604020202020204" pitchFamily="34" charset="0"/>
-                <a:cs typeface="Aparajita" panose="020B0604020202020204" pitchFamily="34" charset="0"/>
-              </a:rPr>
-              <a:t>GAAP_equity</a:t>
-            </a:r>
-            <a:r>
-              <a:rPr lang="en-US" i="1" dirty="0"/>
-              <a:t>	</a:t>
-            </a:r>
-            <a:endParaRPr lang="en-US" i="1" dirty="0" smtClean="0"/>
-          </a:p>
-          <a:p>
-            <a:pPr lvl="3">
-              <a:spcAft>
-                <a:spcPts val="1200"/>
-              </a:spcAft>
-              <a:buFont typeface="Wingdings" panose="05000000000000000000" pitchFamily="2" charset="2"/>
-              <a:buChar char="§"/>
-            </a:pPr>
-            <a:r>
-              <a:rPr lang="en-US" dirty="0" smtClean="0"/>
-              <a:t>By varying the IRR to discount with</a:t>
-            </a:r>
-          </a:p>
-          <a:p>
-            <a:pPr lvl="3">
-              <a:spcAft>
-                <a:spcPts val="0"/>
-              </a:spcAft>
-              <a:buFont typeface="Wingdings" panose="05000000000000000000" pitchFamily="2" charset="2"/>
-              <a:buChar char="§"/>
-            </a:pPr>
-            <a:r>
-              <a:rPr lang="en-US" dirty="0" smtClean="0"/>
-              <a:t>Use the R function, </a:t>
-            </a:r>
-            <a:r>
-              <a:rPr lang="en-US" sz="2000" dirty="0" smtClean="0">
-                <a:latin typeface="Aparajita" panose="020B0604020202020204" pitchFamily="34" charset="0"/>
-                <a:cs typeface="Aparajita" panose="020B0604020202020204" pitchFamily="34" charset="0"/>
-              </a:rPr>
-              <a:t> optimize()</a:t>
-            </a:r>
             <a:endParaRPr lang="en-US" dirty="0"/>
-          </a:p>
-          <a:p>
-            <a:pPr marL="228600" lvl="1" indent="0">
-              <a:spcAft>
-                <a:spcPts val="0"/>
-              </a:spcAft>
-              <a:buNone/>
-            </a:pPr>
-            <a:endParaRPr lang="en-US" i="1" dirty="0" smtClean="0"/>
           </a:p>
           <a:p>
             <a:pPr lvl="1">
@@ -8259,12 +8292,12 @@
               <a:buChar char="§"/>
             </a:pPr>
             <a:r>
-              <a:rPr lang="en-US" dirty="0" smtClean="0"/>
-              <a:t>3 hours  -&gt;  </a:t>
-            </a:r>
-            <a:r>
               <a:rPr lang="en-US" b="1" dirty="0" smtClean="0"/>
-              <a:t>9 seconds in R</a:t>
+              <a:t>3 hours </a:t>
+            </a:r>
+            <a:r>
+              <a:rPr lang="en-US" dirty="0" smtClean="0"/>
+              <a:t>to run all 2400 scenarios</a:t>
             </a:r>
           </a:p>
           <a:p>
@@ -8275,7 +8308,7 @@
               <a:buFont typeface="Wingdings" panose="05000000000000000000" pitchFamily="2" charset="2"/>
               <a:buChar char="§"/>
             </a:pPr>
-            <a:endParaRPr lang="en-US" dirty="0" smtClean="0"/>
+            <a:endParaRPr lang="en-US" dirty="0"/>
           </a:p>
           <a:p>
             <a:pPr lvl="1">
@@ -8287,30 +8320,19 @@
             </a:pPr>
             <a:r>
               <a:rPr lang="en-US" dirty="0" smtClean="0"/>
-              <a:t>Calculations are </a:t>
-            </a:r>
-            <a:r>
-              <a:rPr lang="en-US" i="1" dirty="0" err="1" smtClean="0"/>
-              <a:t>vectorized</a:t>
-            </a:r>
-            <a:r>
-              <a:rPr lang="en-US" i="1" dirty="0" smtClean="0"/>
-              <a:t> </a:t>
-            </a:r>
-            <a:r>
-              <a:rPr lang="en-US" dirty="0" smtClean="0"/>
-              <a:t>and run </a:t>
-            </a:r>
-            <a:r>
-              <a:rPr lang="en-US" i="1" dirty="0" smtClean="0"/>
-              <a:t>in parallel</a:t>
-            </a:r>
+              <a:t>Can R do this faster?</a:t>
+            </a:r>
+            <a:endParaRPr lang="en-US" dirty="0"/>
           </a:p>
           <a:p>
             <a:pPr lvl="1">
-              <a:spcAft>
-                <a:spcPts val="0"/>
-              </a:spcAft>
+              <a:buFont typeface="Wingdings" panose="05000000000000000000" pitchFamily="2" charset="2"/>
+              <a:buChar char="§"/>
+            </a:pPr>
+            <a:endParaRPr lang="en-US" i="1" dirty="0" smtClean="0"/>
+          </a:p>
+          <a:p>
+            <a:pPr lvl="1">
               <a:buFont typeface="Wingdings" panose="05000000000000000000" pitchFamily="2" charset="2"/>
               <a:buChar char="§"/>
             </a:pPr>
@@ -8318,22 +8340,10 @@
           </a:p>
           <a:p>
             <a:pPr lvl="1">
-              <a:spcAft>
-                <a:spcPts val="0"/>
-              </a:spcAft>
-              <a:buFont typeface="Wingdings" panose="05000000000000000000" pitchFamily="2" charset="2"/>
-              <a:buChar char="§"/>
-            </a:pPr>
-            <a:r>
-              <a:rPr lang="en-US" dirty="0" smtClean="0">
-                <a:hlinkClick r:id="rId2"/>
-              </a:rPr>
-              <a:t>Report</a:t>
-            </a:r>
-            <a:r>
-              <a:rPr lang="en-US" dirty="0" smtClean="0"/>
-              <a:t> generated at the end of each run</a:t>
-            </a:r>
+              <a:buFont typeface="Wingdings" panose="05000000000000000000" pitchFamily="2" charset="2"/>
+              <a:buChar char="§"/>
+            </a:pPr>
+            <a:endParaRPr lang="en-US" dirty="0" smtClean="0"/>
           </a:p>
         </p:txBody>
       </p:sp>
@@ -8386,7 +8396,7 @@
     </p:spTree>
     <p:extLst>
       <p:ext uri="{BB962C8B-B14F-4D97-AF65-F5344CB8AC3E}">
-        <p14:creationId xmlns:p14="http://schemas.microsoft.com/office/powerpoint/2010/main" val="3233308965"/>
+        <p14:creationId xmlns:p14="http://schemas.microsoft.com/office/powerpoint/2010/main" val="1870389015"/>
       </p:ext>
     </p:extLst>
   </p:cSld>
@@ -8440,7 +8450,7 @@
             </a:pPr>
             <a:r>
               <a:rPr lang="en-US" i="1" dirty="0" smtClean="0"/>
-              <a:t>Input efficiency</a:t>
+              <a:t>IRR calculations</a:t>
             </a:r>
           </a:p>
           <a:p>
@@ -8459,7 +8469,7 @@
             </a:pPr>
             <a:r>
               <a:rPr lang="en-US" i="1" dirty="0" smtClean="0"/>
-              <a:t>Project:</a:t>
+              <a:t>Solution:</a:t>
             </a:r>
           </a:p>
           <a:p>
@@ -8474,165 +8484,81 @@
           <a:p>
             <a:pPr lvl="1">
               <a:spcAft>
-                <a:spcPts val="0"/>
+                <a:spcPts val="1200"/>
               </a:spcAft>
               <a:buFont typeface="Wingdings" panose="05000000000000000000" pitchFamily="2" charset="2"/>
               <a:buChar char="§"/>
             </a:pPr>
             <a:r>
-              <a:rPr lang="en-US" i="1" dirty="0" smtClean="0"/>
-              <a:t>Efficiency – </a:t>
-            </a:r>
-            <a:r>
-              <a:rPr lang="en-US" dirty="0" smtClean="0"/>
-              <a:t>Each line of business has 1 atb2 file containing model assumptions</a:t>
-            </a:r>
-          </a:p>
-          <a:p>
-            <a:pPr lvl="1">
+              <a:rPr lang="en-US" dirty="0" smtClean="0"/>
+              <a:t>Optimization problem – For each of the 2400 scenarios, minimize:</a:t>
+            </a:r>
+          </a:p>
+          <a:p>
+            <a:pPr lvl="3">
               <a:spcAft>
-                <a:spcPts val="0"/>
+                <a:spcPts val="1200"/>
               </a:spcAft>
               <a:buFont typeface="Wingdings" panose="05000000000000000000" pitchFamily="2" charset="2"/>
               <a:buChar char="§"/>
             </a:pPr>
+            <a:r>
+              <a:rPr lang="en-US" sz="2000" dirty="0" smtClean="0">
+                <a:latin typeface="Aparajita" panose="020B0604020202020204" pitchFamily="34" charset="0"/>
+                <a:cs typeface="Aparajita" panose="020B0604020202020204" pitchFamily="34" charset="0"/>
+              </a:rPr>
+              <a:t>PV(distributable earnings) – </a:t>
+            </a:r>
+            <a:r>
+              <a:rPr lang="en-US" sz="2000" dirty="0" err="1" smtClean="0">
+                <a:latin typeface="Aparajita" panose="020B0604020202020204" pitchFamily="34" charset="0"/>
+                <a:cs typeface="Aparajita" panose="020B0604020202020204" pitchFamily="34" charset="0"/>
+              </a:rPr>
+              <a:t>GAAP_equity</a:t>
+            </a:r>
+            <a:r>
+              <a:rPr lang="en-US" i="1" dirty="0"/>
+              <a:t>	</a:t>
+            </a:r>
+            <a:endParaRPr lang="en-US" i="1" dirty="0" smtClean="0"/>
+          </a:p>
+          <a:p>
+            <a:pPr lvl="3">
+              <a:spcAft>
+                <a:spcPts val="1200"/>
+              </a:spcAft>
+              <a:buFont typeface="Wingdings" panose="05000000000000000000" pitchFamily="2" charset="2"/>
+              <a:buChar char="§"/>
+            </a:pPr>
+            <a:r>
+              <a:rPr lang="en-US" dirty="0" smtClean="0"/>
+              <a:t>By varying the IRR to discount with</a:t>
+            </a:r>
+          </a:p>
+          <a:p>
+            <a:pPr lvl="3">
+              <a:buFont typeface="Wingdings" panose="05000000000000000000" pitchFamily="2" charset="2"/>
+              <a:buChar char="§"/>
+            </a:pPr>
+            <a:r>
+              <a:rPr lang="en-US" dirty="0" smtClean="0"/>
+              <a:t>Use the R function, </a:t>
+            </a:r>
+            <a:r>
+              <a:rPr lang="en-US" sz="2000" dirty="0" smtClean="0">
+                <a:latin typeface="Aparajita" panose="020B0604020202020204" pitchFamily="34" charset="0"/>
+                <a:cs typeface="Aparajita" panose="020B0604020202020204" pitchFamily="34" charset="0"/>
+              </a:rPr>
+              <a:t> optimize</a:t>
+            </a:r>
+            <a:r>
+              <a:rPr lang="en-US" sz="2000" dirty="0" smtClean="0">
+                <a:latin typeface="Aparajita" panose="020B0604020202020204" pitchFamily="34" charset="0"/>
+                <a:cs typeface="Aparajita" panose="020B0604020202020204" pitchFamily="34" charset="0"/>
+              </a:rPr>
+              <a:t>()</a:t>
+            </a:r>
             <a:endParaRPr lang="en-US" dirty="0"/>
-          </a:p>
-          <a:p>
-            <a:pPr lvl="2">
-              <a:spcAft>
-                <a:spcPts val="0"/>
-              </a:spcAft>
-              <a:buFont typeface="Wingdings" panose="05000000000000000000" pitchFamily="2" charset="2"/>
-              <a:buChar char="§"/>
-            </a:pPr>
-            <a:r>
-              <a:rPr lang="en-US" dirty="0" smtClean="0"/>
-              <a:t>Some assumptions are updated regularly, others are never touched</a:t>
-            </a:r>
-          </a:p>
-          <a:p>
-            <a:pPr lvl="2">
-              <a:spcAft>
-                <a:spcPts val="0"/>
-              </a:spcAft>
-              <a:buFont typeface="Wingdings" panose="05000000000000000000" pitchFamily="2" charset="2"/>
-              <a:buChar char="§"/>
-            </a:pPr>
-            <a:endParaRPr lang="en-US" dirty="0"/>
-          </a:p>
-          <a:p>
-            <a:pPr lvl="2">
-              <a:spcAft>
-                <a:spcPts val="0"/>
-              </a:spcAft>
-              <a:buFont typeface="Wingdings" panose="05000000000000000000" pitchFamily="2" charset="2"/>
-              <a:buChar char="§"/>
-            </a:pPr>
-            <a:r>
-              <a:rPr lang="en-US" dirty="0" smtClean="0"/>
-              <a:t>Separate updated tables from static tables to make assumption updating easier</a:t>
-            </a:r>
-            <a:endParaRPr lang="en-US" dirty="0"/>
-          </a:p>
-          <a:p>
-            <a:pPr marL="457200" lvl="2" indent="0">
-              <a:spcAft>
-                <a:spcPts val="0"/>
-              </a:spcAft>
-              <a:buNone/>
-            </a:pPr>
-            <a:endParaRPr lang="en-US" dirty="0" smtClean="0"/>
-          </a:p>
-          <a:p>
-            <a:pPr lvl="1">
-              <a:spcAft>
-                <a:spcPts val="0"/>
-              </a:spcAft>
-              <a:buFont typeface="Wingdings" panose="05000000000000000000" pitchFamily="2" charset="2"/>
-              <a:buChar char="§"/>
-            </a:pPr>
-            <a:r>
-              <a:rPr lang="en-US" i="1" dirty="0" smtClean="0"/>
-              <a:t>Flexibility</a:t>
-            </a:r>
-          </a:p>
-          <a:p>
-            <a:pPr lvl="1">
-              <a:spcAft>
-                <a:spcPts val="0"/>
-              </a:spcAft>
-              <a:buFont typeface="Wingdings" panose="05000000000000000000" pitchFamily="2" charset="2"/>
-              <a:buChar char="§"/>
-            </a:pPr>
-            <a:endParaRPr lang="en-US" i="1" dirty="0"/>
-          </a:p>
-          <a:p>
-            <a:pPr lvl="2">
-              <a:spcAft>
-                <a:spcPts val="0"/>
-              </a:spcAft>
-              <a:buFont typeface="Wingdings" panose="05000000000000000000" pitchFamily="2" charset="2"/>
-              <a:buChar char="§"/>
-            </a:pPr>
-            <a:r>
-              <a:rPr lang="en-US" dirty="0" smtClean="0"/>
-              <a:t>Needs to work for multiple lines of business</a:t>
-            </a:r>
-          </a:p>
-          <a:p>
-            <a:pPr lvl="2">
-              <a:spcAft>
-                <a:spcPts val="0"/>
-              </a:spcAft>
-              <a:buFont typeface="Wingdings" panose="05000000000000000000" pitchFamily="2" charset="2"/>
-              <a:buChar char="§"/>
-            </a:pPr>
-            <a:endParaRPr lang="en-US" i="1" dirty="0" smtClean="0"/>
-          </a:p>
-          <a:p>
-            <a:pPr lvl="2">
-              <a:spcAft>
-                <a:spcPts val="0"/>
-              </a:spcAft>
-              <a:buFont typeface="Wingdings" panose="05000000000000000000" pitchFamily="2" charset="2"/>
-              <a:buChar char="§"/>
-            </a:pPr>
-            <a:r>
-              <a:rPr lang="en-US" dirty="0" smtClean="0"/>
-              <a:t>Iterative process</a:t>
-            </a:r>
-            <a:endParaRPr lang="en-US" dirty="0"/>
-          </a:p>
-          <a:p>
-            <a:pPr lvl="2">
-              <a:spcAft>
-                <a:spcPts val="0"/>
-              </a:spcAft>
-              <a:buFont typeface="Wingdings" panose="05000000000000000000" pitchFamily="2" charset="2"/>
-              <a:buChar char="§"/>
-            </a:pPr>
-            <a:endParaRPr lang="en-US" i="1" dirty="0" smtClean="0"/>
-          </a:p>
-          <a:p>
-            <a:pPr lvl="1">
-              <a:spcAft>
-                <a:spcPts val="0"/>
-              </a:spcAft>
-              <a:buFont typeface="Wingdings" panose="05000000000000000000" pitchFamily="2" charset="2"/>
-              <a:buChar char="§"/>
-            </a:pPr>
-            <a:endParaRPr lang="en-US" i="1" dirty="0"/>
-          </a:p>
-          <a:p>
-            <a:pPr lvl="2">
-              <a:spcAft>
-                <a:spcPts val="0"/>
-              </a:spcAft>
-              <a:buFont typeface="Wingdings" panose="05000000000000000000" pitchFamily="2" charset="2"/>
-              <a:buChar char="§"/>
-            </a:pPr>
-            <a:endParaRPr lang="en-US" dirty="0" smtClean="0"/>
           </a:p>
         </p:txBody>
       </p:sp>
@@ -8654,6 +8580,583 @@
             <a:fld id="{E49B4C36-CA85-496D-A067-FC602A1FD8AC}" type="slidenum">
               <a:rPr lang="en-US" smtClean="0"/>
               <a:t>15</a:t>
+            </a:fld>
+            <a:endParaRPr lang="en-US"/>
+          </a:p>
+        </p:txBody>
+      </p:sp>
+      <p:sp>
+        <p:nvSpPr>
+          <p:cNvPr id="4" name="Title 3"/>
+          <p:cNvSpPr>
+            <a:spLocks noGrp="1"/>
+          </p:cNvSpPr>
+          <p:nvPr>
+            <p:ph type="title"/>
+          </p:nvPr>
+        </p:nvSpPr>
+        <p:spPr/>
+        <p:txBody>
+          <a:bodyPr/>
+          <a:lstStyle/>
+          <a:p>
+            <a:r>
+              <a:rPr lang="en-US" dirty="0" smtClean="0"/>
+              <a:t>speed</a:t>
+            </a:r>
+            <a:endParaRPr lang="en-US" dirty="0"/>
+          </a:p>
+        </p:txBody>
+      </p:sp>
+    </p:spTree>
+    <p:extLst>
+      <p:ext uri="{BB962C8B-B14F-4D97-AF65-F5344CB8AC3E}">
+        <p14:creationId xmlns:p14="http://schemas.microsoft.com/office/powerpoint/2010/main" val="3233308965"/>
+      </p:ext>
+    </p:extLst>
+  </p:cSld>
+  <p:clrMapOvr>
+    <a:masterClrMapping/>
+  </p:clrMapOvr>
+  <p:timing>
+    <p:tnLst>
+      <p:par>
+        <p:cTn id="1" dur="indefinite" restart="never" nodeType="tmRoot"/>
+      </p:par>
+    </p:tnLst>
+  </p:timing>
+</p:sld>
+</file>
+
+<file path=ppt/slides/slide16.xml><?xml version="1.0" encoding="utf-8"?>
+<p:sld xmlns:a="http://schemas.openxmlformats.org/drawingml/2006/main" xmlns:r="http://schemas.openxmlformats.org/officeDocument/2006/relationships" xmlns:p="http://schemas.openxmlformats.org/presentationml/2006/main">
+  <p:cSld>
+    <p:spTree>
+      <p:nvGrpSpPr>
+        <p:cNvPr id="1" name=""/>
+        <p:cNvGrpSpPr/>
+        <p:nvPr/>
+      </p:nvGrpSpPr>
+      <p:grpSpPr>
+        <a:xfrm>
+          <a:off x="0" y="0"/>
+          <a:ext cx="0" cy="0"/>
+          <a:chOff x="0" y="0"/>
+          <a:chExt cx="0" cy="0"/>
+        </a:xfrm>
+      </p:grpSpPr>
+      <p:sp>
+        <p:nvSpPr>
+          <p:cNvPr id="2" name="Content Placeholder 1"/>
+          <p:cNvSpPr>
+            <a:spLocks noGrp="1"/>
+          </p:cNvSpPr>
+          <p:nvPr>
+            <p:ph idx="1"/>
+          </p:nvPr>
+        </p:nvSpPr>
+        <p:spPr/>
+        <p:txBody>
+          <a:bodyPr/>
+          <a:lstStyle/>
+          <a:p>
+            <a:pPr marL="0" indent="0">
+              <a:buNone/>
+            </a:pPr>
+            <a:r>
+              <a:rPr lang="en-US" i="1" dirty="0" smtClean="0"/>
+              <a:t>IRR calculations</a:t>
+            </a:r>
+          </a:p>
+          <a:p>
+            <a:pPr marL="0" indent="0">
+              <a:buNone/>
+            </a:pPr>
+            <a:endParaRPr lang="en-US" i="1" dirty="0"/>
+          </a:p>
+          <a:p>
+            <a:pPr>
+              <a:spcAft>
+                <a:spcPts val="0"/>
+              </a:spcAft>
+              <a:buFont typeface="Wingdings" panose="05000000000000000000" pitchFamily="2" charset="2"/>
+              <a:buChar char="§"/>
+            </a:pPr>
+            <a:r>
+              <a:rPr lang="en-US" i="1" dirty="0" smtClean="0"/>
+              <a:t>Solution:</a:t>
+            </a:r>
+          </a:p>
+          <a:p>
+            <a:pPr marL="228600" lvl="1" indent="0">
+              <a:spcAft>
+                <a:spcPts val="0"/>
+              </a:spcAft>
+              <a:buNone/>
+            </a:pPr>
+            <a:endParaRPr lang="en-US" i="1" dirty="0" smtClean="0"/>
+          </a:p>
+          <a:p>
+            <a:pPr lvl="1">
+              <a:spcAft>
+                <a:spcPts val="1200"/>
+              </a:spcAft>
+              <a:buFont typeface="Wingdings" panose="05000000000000000000" pitchFamily="2" charset="2"/>
+              <a:buChar char="§"/>
+            </a:pPr>
+            <a:r>
+              <a:rPr lang="en-US" dirty="0" smtClean="0"/>
+              <a:t>Optimization problem – For each of the 2400 scenarios, minimize:</a:t>
+            </a:r>
+          </a:p>
+          <a:p>
+            <a:pPr lvl="3">
+              <a:spcAft>
+                <a:spcPts val="1200"/>
+              </a:spcAft>
+              <a:buFont typeface="Wingdings" panose="05000000000000000000" pitchFamily="2" charset="2"/>
+              <a:buChar char="§"/>
+            </a:pPr>
+            <a:r>
+              <a:rPr lang="en-US" sz="2000" dirty="0" smtClean="0">
+                <a:latin typeface="Aparajita" panose="020B0604020202020204" pitchFamily="34" charset="0"/>
+                <a:cs typeface="Aparajita" panose="020B0604020202020204" pitchFamily="34" charset="0"/>
+              </a:rPr>
+              <a:t>PV(distributable earnings) – </a:t>
+            </a:r>
+            <a:r>
+              <a:rPr lang="en-US" sz="2000" dirty="0" err="1" smtClean="0">
+                <a:latin typeface="Aparajita" panose="020B0604020202020204" pitchFamily="34" charset="0"/>
+                <a:cs typeface="Aparajita" panose="020B0604020202020204" pitchFamily="34" charset="0"/>
+              </a:rPr>
+              <a:t>GAAP_equity</a:t>
+            </a:r>
+            <a:r>
+              <a:rPr lang="en-US" i="1" dirty="0"/>
+              <a:t>	</a:t>
+            </a:r>
+            <a:endParaRPr lang="en-US" i="1" dirty="0" smtClean="0"/>
+          </a:p>
+          <a:p>
+            <a:pPr lvl="3">
+              <a:spcAft>
+                <a:spcPts val="1200"/>
+              </a:spcAft>
+              <a:buFont typeface="Wingdings" panose="05000000000000000000" pitchFamily="2" charset="2"/>
+              <a:buChar char="§"/>
+            </a:pPr>
+            <a:r>
+              <a:rPr lang="en-US" dirty="0" smtClean="0"/>
+              <a:t>By varying the IRR to discount with</a:t>
+            </a:r>
+          </a:p>
+          <a:p>
+            <a:pPr lvl="3">
+              <a:buFont typeface="Wingdings" panose="05000000000000000000" pitchFamily="2" charset="2"/>
+              <a:buChar char="§"/>
+            </a:pPr>
+            <a:r>
+              <a:rPr lang="en-US" dirty="0" smtClean="0"/>
+              <a:t>Use the R function, </a:t>
+            </a:r>
+            <a:r>
+              <a:rPr lang="en-US" sz="2000" dirty="0" smtClean="0">
+                <a:latin typeface="Aparajita" panose="020B0604020202020204" pitchFamily="34" charset="0"/>
+                <a:cs typeface="Aparajita" panose="020B0604020202020204" pitchFamily="34" charset="0"/>
+              </a:rPr>
+              <a:t> optimize()</a:t>
+            </a:r>
+            <a:endParaRPr lang="en-US" dirty="0"/>
+          </a:p>
+          <a:p>
+            <a:pPr marL="228600" lvl="1" indent="0">
+              <a:spcAft>
+                <a:spcPts val="0"/>
+              </a:spcAft>
+              <a:buNone/>
+            </a:pPr>
+            <a:endParaRPr lang="en-US" i="1" dirty="0" smtClean="0"/>
+          </a:p>
+          <a:p>
+            <a:pPr lvl="1">
+              <a:spcAft>
+                <a:spcPts val="0"/>
+              </a:spcAft>
+              <a:buFont typeface="Wingdings" panose="05000000000000000000" pitchFamily="2" charset="2"/>
+              <a:buChar char="§"/>
+            </a:pPr>
+            <a:r>
+              <a:rPr lang="en-US" dirty="0" smtClean="0"/>
+              <a:t>3 hours  -&gt;  </a:t>
+            </a:r>
+            <a:r>
+              <a:rPr lang="en-US" b="1" dirty="0" smtClean="0"/>
+              <a:t>9 seconds in R</a:t>
+            </a:r>
+          </a:p>
+          <a:p>
+            <a:pPr lvl="1">
+              <a:spcAft>
+                <a:spcPts val="0"/>
+              </a:spcAft>
+              <a:buFont typeface="Wingdings" panose="05000000000000000000" pitchFamily="2" charset="2"/>
+              <a:buChar char="§"/>
+            </a:pPr>
+            <a:endParaRPr lang="en-US" dirty="0" smtClean="0"/>
+          </a:p>
+          <a:p>
+            <a:pPr lvl="1">
+              <a:spcAft>
+                <a:spcPts val="0"/>
+              </a:spcAft>
+              <a:buFont typeface="Wingdings" panose="05000000000000000000" pitchFamily="2" charset="2"/>
+              <a:buChar char="§"/>
+            </a:pPr>
+            <a:r>
+              <a:rPr lang="en-US" dirty="0" smtClean="0"/>
+              <a:t>Calculations are </a:t>
+            </a:r>
+            <a:r>
+              <a:rPr lang="en-US" i="1" dirty="0" err="1" smtClean="0"/>
+              <a:t>vectorized</a:t>
+            </a:r>
+            <a:r>
+              <a:rPr lang="en-US" i="1" dirty="0" smtClean="0"/>
+              <a:t> </a:t>
+            </a:r>
+            <a:r>
+              <a:rPr lang="en-US" dirty="0" smtClean="0"/>
+              <a:t>and run </a:t>
+            </a:r>
+            <a:r>
+              <a:rPr lang="en-US" i="1" dirty="0" smtClean="0"/>
+              <a:t>in </a:t>
+            </a:r>
+            <a:r>
+              <a:rPr lang="en-US" i="1" dirty="0" smtClean="0"/>
+              <a:t>parallel</a:t>
+            </a:r>
+            <a:endParaRPr lang="en-US" i="1" dirty="0" smtClean="0"/>
+          </a:p>
+        </p:txBody>
+      </p:sp>
+      <p:sp>
+        <p:nvSpPr>
+          <p:cNvPr id="3" name="Slide Number Placeholder 2"/>
+          <p:cNvSpPr>
+            <a:spLocks noGrp="1"/>
+          </p:cNvSpPr>
+          <p:nvPr>
+            <p:ph type="sldNum" sz="quarter" idx="12"/>
+          </p:nvPr>
+        </p:nvSpPr>
+        <p:spPr/>
+        <p:txBody>
+          <a:bodyPr/>
+          <a:lstStyle/>
+          <a:p>
+            <a:fld id="{E49B4C36-CA85-496D-A067-FC602A1FD8AC}" type="slidenum">
+              <a:rPr lang="en-US" smtClean="0"/>
+              <a:t>16</a:t>
+            </a:fld>
+            <a:endParaRPr lang="en-US"/>
+          </a:p>
+        </p:txBody>
+      </p:sp>
+      <p:sp>
+        <p:nvSpPr>
+          <p:cNvPr id="4" name="Title 3"/>
+          <p:cNvSpPr>
+            <a:spLocks noGrp="1"/>
+          </p:cNvSpPr>
+          <p:nvPr>
+            <p:ph type="title"/>
+          </p:nvPr>
+        </p:nvSpPr>
+        <p:spPr/>
+        <p:txBody>
+          <a:bodyPr/>
+          <a:lstStyle/>
+          <a:p>
+            <a:r>
+              <a:rPr lang="en-US" dirty="0" smtClean="0"/>
+              <a:t>speed</a:t>
+            </a:r>
+            <a:endParaRPr lang="en-US" dirty="0"/>
+          </a:p>
+        </p:txBody>
+      </p:sp>
+    </p:spTree>
+    <p:extLst>
+      <p:ext uri="{BB962C8B-B14F-4D97-AF65-F5344CB8AC3E}">
+        <p14:creationId xmlns:p14="http://schemas.microsoft.com/office/powerpoint/2010/main" val="3489709715"/>
+      </p:ext>
+    </p:extLst>
+  </p:cSld>
+  <p:clrMapOvr>
+    <a:masterClrMapping/>
+  </p:clrMapOvr>
+  <p:timing>
+    <p:tnLst>
+      <p:par>
+        <p:cTn id="1" dur="indefinite" restart="never" nodeType="tmRoot"/>
+      </p:par>
+    </p:tnLst>
+  </p:timing>
+</p:sld>
+</file>
+
+<file path=ppt/slides/slide17.xml><?xml version="1.0" encoding="utf-8"?>
+<p:sld xmlns:a="http://schemas.openxmlformats.org/drawingml/2006/main" xmlns:r="http://schemas.openxmlformats.org/officeDocument/2006/relationships" xmlns:p="http://schemas.openxmlformats.org/presentationml/2006/main">
+  <p:cSld>
+    <p:spTree>
+      <p:nvGrpSpPr>
+        <p:cNvPr id="1" name=""/>
+        <p:cNvGrpSpPr/>
+        <p:nvPr/>
+      </p:nvGrpSpPr>
+      <p:grpSpPr>
+        <a:xfrm>
+          <a:off x="0" y="0"/>
+          <a:ext cx="0" cy="0"/>
+          <a:chOff x="0" y="0"/>
+          <a:chExt cx="0" cy="0"/>
+        </a:xfrm>
+      </p:grpSpPr>
+      <p:sp>
+        <p:nvSpPr>
+          <p:cNvPr id="2" name="Content Placeholder 1"/>
+          <p:cNvSpPr>
+            <a:spLocks noGrp="1"/>
+          </p:cNvSpPr>
+          <p:nvPr>
+            <p:ph idx="1"/>
+          </p:nvPr>
+        </p:nvSpPr>
+        <p:spPr/>
+        <p:txBody>
+          <a:bodyPr/>
+          <a:lstStyle/>
+          <a:p>
+            <a:pPr marL="0" indent="0">
+              <a:buNone/>
+            </a:pPr>
+            <a:r>
+              <a:rPr lang="en-US" i="1" dirty="0" smtClean="0"/>
+              <a:t>Input efficiency</a:t>
+            </a:r>
+          </a:p>
+          <a:p>
+            <a:pPr marL="0" indent="0">
+              <a:buNone/>
+            </a:pPr>
+            <a:endParaRPr lang="en-US" i="1" dirty="0"/>
+          </a:p>
+          <a:p>
+            <a:pPr>
+              <a:spcAft>
+                <a:spcPts val="0"/>
+              </a:spcAft>
+              <a:buFont typeface="Wingdings" panose="05000000000000000000" pitchFamily="2" charset="2"/>
+              <a:buChar char="§"/>
+            </a:pPr>
+            <a:r>
+              <a:rPr lang="en-US" i="1" dirty="0" smtClean="0"/>
+              <a:t>Project:</a:t>
+            </a:r>
+          </a:p>
+          <a:p>
+            <a:pPr marL="228600" lvl="1" indent="0">
+              <a:spcAft>
+                <a:spcPts val="0"/>
+              </a:spcAft>
+              <a:buNone/>
+            </a:pPr>
+            <a:endParaRPr lang="en-US" i="1" dirty="0" smtClean="0"/>
+          </a:p>
+          <a:p>
+            <a:pPr lvl="1">
+              <a:spcAft>
+                <a:spcPts val="0"/>
+              </a:spcAft>
+              <a:buFont typeface="Wingdings" panose="05000000000000000000" pitchFamily="2" charset="2"/>
+              <a:buChar char="§"/>
+            </a:pPr>
+            <a:r>
+              <a:rPr lang="en-US" i="1" dirty="0" smtClean="0"/>
+              <a:t>Efficiency – </a:t>
+            </a:r>
+            <a:r>
+              <a:rPr lang="en-US" dirty="0" smtClean="0"/>
+              <a:t>Each line of business has 1 atb2 file containing model assumptions</a:t>
+            </a:r>
+          </a:p>
+          <a:p>
+            <a:pPr lvl="1">
+              <a:spcAft>
+                <a:spcPts val="0"/>
+              </a:spcAft>
+              <a:buFont typeface="Wingdings" panose="05000000000000000000" pitchFamily="2" charset="2"/>
+              <a:buChar char="§"/>
+            </a:pPr>
+            <a:endParaRPr lang="en-US" dirty="0"/>
+          </a:p>
+          <a:p>
+            <a:pPr lvl="2">
+              <a:spcAft>
+                <a:spcPts val="0"/>
+              </a:spcAft>
+              <a:buFont typeface="Wingdings" panose="05000000000000000000" pitchFamily="2" charset="2"/>
+              <a:buChar char="§"/>
+            </a:pPr>
+            <a:r>
+              <a:rPr lang="en-US" dirty="0" smtClean="0"/>
+              <a:t>Some assumptions are updated regularly, others are never touched</a:t>
+            </a:r>
+          </a:p>
+          <a:p>
+            <a:pPr lvl="2">
+              <a:spcAft>
+                <a:spcPts val="0"/>
+              </a:spcAft>
+              <a:buFont typeface="Wingdings" panose="05000000000000000000" pitchFamily="2" charset="2"/>
+              <a:buChar char="§"/>
+            </a:pPr>
+            <a:endParaRPr lang="en-US" dirty="0"/>
+          </a:p>
+          <a:p>
+            <a:pPr lvl="2">
+              <a:spcAft>
+                <a:spcPts val="0"/>
+              </a:spcAft>
+              <a:buFont typeface="Wingdings" panose="05000000000000000000" pitchFamily="2" charset="2"/>
+              <a:buChar char="§"/>
+            </a:pPr>
+            <a:r>
+              <a:rPr lang="en-US" dirty="0" smtClean="0"/>
+              <a:t>Separate updated tables from static tables to make assumption updating easier</a:t>
+            </a:r>
+            <a:endParaRPr lang="en-US" dirty="0"/>
+          </a:p>
+          <a:p>
+            <a:pPr marL="457200" lvl="2" indent="0">
+              <a:spcAft>
+                <a:spcPts val="0"/>
+              </a:spcAft>
+              <a:buNone/>
+            </a:pPr>
+            <a:endParaRPr lang="en-US" dirty="0" smtClean="0"/>
+          </a:p>
+          <a:p>
+            <a:pPr lvl="1">
+              <a:spcAft>
+                <a:spcPts val="0"/>
+              </a:spcAft>
+              <a:buFont typeface="Wingdings" panose="05000000000000000000" pitchFamily="2" charset="2"/>
+              <a:buChar char="§"/>
+            </a:pPr>
+            <a:r>
+              <a:rPr lang="en-US" i="1" dirty="0" smtClean="0"/>
+              <a:t>Flexibility</a:t>
+            </a:r>
+          </a:p>
+          <a:p>
+            <a:pPr lvl="1">
+              <a:spcAft>
+                <a:spcPts val="0"/>
+              </a:spcAft>
+              <a:buFont typeface="Wingdings" panose="05000000000000000000" pitchFamily="2" charset="2"/>
+              <a:buChar char="§"/>
+            </a:pPr>
+            <a:endParaRPr lang="en-US" i="1" dirty="0"/>
+          </a:p>
+          <a:p>
+            <a:pPr lvl="2">
+              <a:spcAft>
+                <a:spcPts val="0"/>
+              </a:spcAft>
+              <a:buFont typeface="Wingdings" panose="05000000000000000000" pitchFamily="2" charset="2"/>
+              <a:buChar char="§"/>
+            </a:pPr>
+            <a:r>
+              <a:rPr lang="en-US" dirty="0" smtClean="0"/>
+              <a:t>Needs to work for multiple lines of business</a:t>
+            </a:r>
+          </a:p>
+          <a:p>
+            <a:pPr lvl="2">
+              <a:spcAft>
+                <a:spcPts val="0"/>
+              </a:spcAft>
+              <a:buFont typeface="Wingdings" panose="05000000000000000000" pitchFamily="2" charset="2"/>
+              <a:buChar char="§"/>
+            </a:pPr>
+            <a:endParaRPr lang="en-US" i="1" dirty="0" smtClean="0"/>
+          </a:p>
+          <a:p>
+            <a:pPr lvl="2">
+              <a:spcAft>
+                <a:spcPts val="0"/>
+              </a:spcAft>
+              <a:buFont typeface="Wingdings" panose="05000000000000000000" pitchFamily="2" charset="2"/>
+              <a:buChar char="§"/>
+            </a:pPr>
+            <a:r>
+              <a:rPr lang="en-US" dirty="0" smtClean="0"/>
+              <a:t>Iterative process</a:t>
+            </a:r>
+            <a:endParaRPr lang="en-US" dirty="0"/>
+          </a:p>
+          <a:p>
+            <a:pPr lvl="2">
+              <a:spcAft>
+                <a:spcPts val="0"/>
+              </a:spcAft>
+              <a:buFont typeface="Wingdings" panose="05000000000000000000" pitchFamily="2" charset="2"/>
+              <a:buChar char="§"/>
+            </a:pPr>
+            <a:endParaRPr lang="en-US" i="1" dirty="0" smtClean="0"/>
+          </a:p>
+          <a:p>
+            <a:pPr lvl="1">
+              <a:spcAft>
+                <a:spcPts val="0"/>
+              </a:spcAft>
+              <a:buFont typeface="Wingdings" panose="05000000000000000000" pitchFamily="2" charset="2"/>
+              <a:buChar char="§"/>
+            </a:pPr>
+            <a:endParaRPr lang="en-US" i="1" dirty="0"/>
+          </a:p>
+          <a:p>
+            <a:pPr lvl="2">
+              <a:spcAft>
+                <a:spcPts val="0"/>
+              </a:spcAft>
+              <a:buFont typeface="Wingdings" panose="05000000000000000000" pitchFamily="2" charset="2"/>
+              <a:buChar char="§"/>
+            </a:pPr>
+            <a:endParaRPr lang="en-US" dirty="0" smtClean="0"/>
+          </a:p>
+        </p:txBody>
+      </p:sp>
+      <p:sp>
+        <p:nvSpPr>
+          <p:cNvPr id="3" name="Slide Number Placeholder 2"/>
+          <p:cNvSpPr>
+            <a:spLocks noGrp="1"/>
+          </p:cNvSpPr>
+          <p:nvPr>
+            <p:ph type="sldNum" sz="quarter" idx="12"/>
+          </p:nvPr>
+        </p:nvSpPr>
+        <p:spPr/>
+        <p:txBody>
+          <a:bodyPr/>
+          <a:lstStyle/>
+          <a:p>
+            <a:fld id="{E49B4C36-CA85-496D-A067-FC602A1FD8AC}" type="slidenum">
+              <a:rPr lang="en-US" smtClean="0"/>
+              <a:t>17</a:t>
             </a:fld>
             <a:endParaRPr lang="en-US"/>
           </a:p>
@@ -8702,7 +9205,7 @@
 </p:sld>
 </file>
 
-<file path=ppt/slides/slide16.xml><?xml version="1.0" encoding="utf-8"?>
+<file path=ppt/slides/slide18.xml><?xml version="1.0" encoding="utf-8"?>
 <p:sld xmlns:a="http://schemas.openxmlformats.org/drawingml/2006/main" xmlns:r="http://schemas.openxmlformats.org/officeDocument/2006/relationships" xmlns:p="http://schemas.openxmlformats.org/presentationml/2006/main">
   <p:cSld>
     <p:spTree>
@@ -8905,7 +9408,7 @@
           <a:p>
             <a:fld id="{E49B4C36-CA85-496D-A067-FC602A1FD8AC}" type="slidenum">
               <a:rPr lang="en-US" smtClean="0"/>
-              <a:t>16</a:t>
+              <a:t>18</a:t>
             </a:fld>
             <a:endParaRPr lang="en-US"/>
           </a:p>
@@ -9616,1214 +10119,6 @@
 </p:sld>
 </file>
 
-<file path=ppt/slides/slide17.xml><?xml version="1.0" encoding="utf-8"?>
-<p:sld xmlns:a="http://schemas.openxmlformats.org/drawingml/2006/main" xmlns:r="http://schemas.openxmlformats.org/officeDocument/2006/relationships" xmlns:p="http://schemas.openxmlformats.org/presentationml/2006/main">
-  <p:cSld>
-    <p:spTree>
-      <p:nvGrpSpPr>
-        <p:cNvPr id="1" name=""/>
-        <p:cNvGrpSpPr/>
-        <p:nvPr/>
-      </p:nvGrpSpPr>
-      <p:grpSpPr>
-        <a:xfrm>
-          <a:off x="0" y="0"/>
-          <a:ext cx="0" cy="0"/>
-          <a:chOff x="0" y="0"/>
-          <a:chExt cx="0" cy="0"/>
-        </a:xfrm>
-      </p:grpSpPr>
-      <p:sp>
-        <p:nvSpPr>
-          <p:cNvPr id="34" name="Rounded Rectangle 33"/>
-          <p:cNvSpPr/>
-          <p:nvPr/>
-        </p:nvSpPr>
-        <p:spPr>
-          <a:xfrm>
-            <a:off x="762000" y="1600200"/>
-            <a:ext cx="1905000" cy="4339290"/>
-          </a:xfrm>
-          <a:prstGeom prst="roundRect">
-            <a:avLst/>
-          </a:prstGeom>
-          <a:solidFill>
-            <a:srgbClr val="98002E"/>
-          </a:solidFill>
-        </p:spPr>
-        <p:style>
-          <a:lnRef idx="1">
-            <a:schemeClr val="accent1"/>
-          </a:lnRef>
-          <a:fillRef idx="3">
-            <a:schemeClr val="accent1"/>
-          </a:fillRef>
-          <a:effectRef idx="2">
-            <a:schemeClr val="accent1"/>
-          </a:effectRef>
-          <a:fontRef idx="minor">
-            <a:schemeClr val="lt1"/>
-          </a:fontRef>
-        </p:style>
-        <p:txBody>
-          <a:bodyPr rtlCol="0" anchor="ctr"/>
-          <a:lstStyle/>
-          <a:p>
-            <a:pPr algn="ctr"/>
-            <a:endParaRPr lang="en-US">
-              <a:solidFill>
-                <a:schemeClr val="tx2">
-                  <a:lumMod val="40000"/>
-                  <a:lumOff val="60000"/>
-                </a:schemeClr>
-              </a:solidFill>
-            </a:endParaRPr>
-          </a:p>
-        </p:txBody>
-      </p:sp>
-      <p:sp>
-        <p:nvSpPr>
-          <p:cNvPr id="33" name="Rounded Rectangle 32"/>
-          <p:cNvSpPr/>
-          <p:nvPr/>
-        </p:nvSpPr>
-        <p:spPr>
-          <a:xfrm>
-            <a:off x="4959350" y="1600200"/>
-            <a:ext cx="1905000" cy="4339290"/>
-          </a:xfrm>
-          <a:prstGeom prst="roundRect">
-            <a:avLst/>
-          </a:prstGeom>
-          <a:solidFill>
-            <a:srgbClr val="98002E"/>
-          </a:solidFill>
-        </p:spPr>
-        <p:style>
-          <a:lnRef idx="1">
-            <a:schemeClr val="accent1"/>
-          </a:lnRef>
-          <a:fillRef idx="3">
-            <a:schemeClr val="accent1"/>
-          </a:fillRef>
-          <a:effectRef idx="2">
-            <a:schemeClr val="accent1"/>
-          </a:effectRef>
-          <a:fontRef idx="minor">
-            <a:schemeClr val="lt1"/>
-          </a:fontRef>
-        </p:style>
-        <p:txBody>
-          <a:bodyPr rtlCol="0" anchor="ctr"/>
-          <a:lstStyle/>
-          <a:p>
-            <a:pPr algn="ctr"/>
-            <a:endParaRPr lang="en-US">
-              <a:solidFill>
-                <a:srgbClr val="98002E"/>
-              </a:solidFill>
-            </a:endParaRPr>
-          </a:p>
-        </p:txBody>
-      </p:sp>
-      <p:cxnSp>
-        <p:nvCxnSpPr>
-          <p:cNvPr id="19" name="Straight Connector 18"/>
-          <p:cNvCxnSpPr>
-            <a:endCxn id="7" idx="1"/>
-          </p:cNvCxnSpPr>
-          <p:nvPr/>
-        </p:nvCxnSpPr>
-        <p:spPr>
-          <a:xfrm>
-            <a:off x="1714500" y="3877572"/>
-            <a:ext cx="1485900" cy="8628"/>
-          </a:xfrm>
-          <a:prstGeom prst="line">
-            <a:avLst/>
-          </a:prstGeom>
-          <a:ln>
-            <a:tailEnd type="triangle"/>
-          </a:ln>
-          <a:effectLst/>
-        </p:spPr>
-        <p:style>
-          <a:lnRef idx="2">
-            <a:schemeClr val="accent1"/>
-          </a:lnRef>
-          <a:fillRef idx="0">
-            <a:schemeClr val="accent1"/>
-          </a:fillRef>
-          <a:effectRef idx="1">
-            <a:schemeClr val="accent1"/>
-          </a:effectRef>
-          <a:fontRef idx="minor">
-            <a:schemeClr val="tx1"/>
-          </a:fontRef>
-        </p:style>
-      </p:cxnSp>
-      <p:sp>
-        <p:nvSpPr>
-          <p:cNvPr id="2" name="Content Placeholder 1"/>
-          <p:cNvSpPr>
-            <a:spLocks noGrp="1"/>
-          </p:cNvSpPr>
-          <p:nvPr>
-            <p:ph idx="1"/>
-          </p:nvPr>
-        </p:nvSpPr>
-        <p:spPr/>
-        <p:txBody>
-          <a:bodyPr/>
-          <a:lstStyle/>
-          <a:p>
-            <a:pPr marL="0" indent="0">
-              <a:buNone/>
-            </a:pPr>
-            <a:r>
-              <a:rPr lang="en-US" i="1" dirty="0" smtClean="0"/>
-              <a:t>Input efficiency</a:t>
-            </a:r>
-          </a:p>
-          <a:p>
-            <a:pPr marL="0" indent="0">
-              <a:buNone/>
-            </a:pPr>
-            <a:endParaRPr lang="en-US" i="1" dirty="0"/>
-          </a:p>
-          <a:p>
-            <a:pPr marL="228600" lvl="1" indent="0">
-              <a:spcAft>
-                <a:spcPts val="0"/>
-              </a:spcAft>
-              <a:buNone/>
-            </a:pPr>
-            <a:endParaRPr lang="en-US" i="1" dirty="0" smtClean="0"/>
-          </a:p>
-        </p:txBody>
-      </p:sp>
-      <p:sp>
-        <p:nvSpPr>
-          <p:cNvPr id="3" name="Slide Number Placeholder 2"/>
-          <p:cNvSpPr>
-            <a:spLocks noGrp="1"/>
-          </p:cNvSpPr>
-          <p:nvPr>
-            <p:ph type="sldNum" sz="quarter" idx="12"/>
-          </p:nvPr>
-        </p:nvSpPr>
-        <p:spPr/>
-        <p:txBody>
-          <a:bodyPr/>
-          <a:lstStyle/>
-          <a:p>
-            <a:fld id="{E49B4C36-CA85-496D-A067-FC602A1FD8AC}" type="slidenum">
-              <a:rPr lang="en-US" smtClean="0"/>
-              <a:t>17</a:t>
-            </a:fld>
-            <a:endParaRPr lang="en-US"/>
-          </a:p>
-        </p:txBody>
-      </p:sp>
-      <p:sp>
-        <p:nvSpPr>
-          <p:cNvPr id="4" name="Title 3"/>
-          <p:cNvSpPr>
-            <a:spLocks noGrp="1"/>
-          </p:cNvSpPr>
-          <p:nvPr>
-            <p:ph type="title"/>
-          </p:nvPr>
-        </p:nvSpPr>
-        <p:spPr/>
-        <p:txBody>
-          <a:bodyPr/>
-          <a:lstStyle/>
-          <a:p>
-            <a:r>
-              <a:rPr lang="en-US" dirty="0" smtClean="0"/>
-              <a:t>MG-ALFA</a:t>
-            </a:r>
-            <a:endParaRPr lang="en-US" dirty="0"/>
-          </a:p>
-        </p:txBody>
-      </p:sp>
-      <p:sp>
-        <p:nvSpPr>
-          <p:cNvPr id="5" name="Rectangle 4"/>
-          <p:cNvSpPr/>
-          <p:nvPr/>
-        </p:nvSpPr>
-        <p:spPr>
-          <a:xfrm>
-            <a:off x="1143000" y="2743200"/>
-            <a:ext cx="1143000" cy="609600"/>
-          </a:xfrm>
-          <a:prstGeom prst="rect">
-            <a:avLst/>
-          </a:prstGeom>
-        </p:spPr>
-        <p:style>
-          <a:lnRef idx="1">
-            <a:schemeClr val="accent1"/>
-          </a:lnRef>
-          <a:fillRef idx="3">
-            <a:schemeClr val="accent1"/>
-          </a:fillRef>
-          <a:effectRef idx="2">
-            <a:schemeClr val="accent1"/>
-          </a:effectRef>
-          <a:fontRef idx="minor">
-            <a:schemeClr val="lt1"/>
-          </a:fontRef>
-        </p:style>
-        <p:txBody>
-          <a:bodyPr rtlCol="0" anchor="ctr"/>
-          <a:lstStyle/>
-          <a:p>
-            <a:pPr algn="ctr"/>
-            <a:r>
-              <a:rPr lang="en-US" dirty="0" smtClean="0"/>
-              <a:t>Tables</a:t>
-            </a:r>
-            <a:endParaRPr lang="en-US" dirty="0"/>
-          </a:p>
-        </p:txBody>
-      </p:sp>
-      <p:sp>
-        <p:nvSpPr>
-          <p:cNvPr id="6" name="Rectangle 5"/>
-          <p:cNvSpPr/>
-          <p:nvPr/>
-        </p:nvSpPr>
-        <p:spPr>
-          <a:xfrm>
-            <a:off x="1142999" y="4038600"/>
-            <a:ext cx="1143000" cy="609600"/>
-          </a:xfrm>
-          <a:prstGeom prst="rect">
-            <a:avLst/>
-          </a:prstGeom>
-        </p:spPr>
-        <p:style>
-          <a:lnRef idx="1">
-            <a:schemeClr val="accent1"/>
-          </a:lnRef>
-          <a:fillRef idx="3">
-            <a:schemeClr val="accent1"/>
-          </a:fillRef>
-          <a:effectRef idx="2">
-            <a:schemeClr val="accent1"/>
-          </a:effectRef>
-          <a:fontRef idx="minor">
-            <a:schemeClr val="lt1"/>
-          </a:fontRef>
-        </p:style>
-        <p:txBody>
-          <a:bodyPr rtlCol="0" anchor="ctr"/>
-          <a:lstStyle/>
-          <a:p>
-            <a:pPr algn="ctr"/>
-            <a:r>
-              <a:rPr lang="en-US" dirty="0" smtClean="0"/>
-              <a:t>Mapping</a:t>
-            </a:r>
-            <a:endParaRPr lang="en-US" dirty="0"/>
-          </a:p>
-        </p:txBody>
-      </p:sp>
-      <p:sp>
-        <p:nvSpPr>
-          <p:cNvPr id="7" name="Rectangle 6"/>
-          <p:cNvSpPr/>
-          <p:nvPr/>
-        </p:nvSpPr>
-        <p:spPr>
-          <a:xfrm>
-            <a:off x="3200400" y="3581400"/>
-            <a:ext cx="1143000" cy="609600"/>
-          </a:xfrm>
-          <a:prstGeom prst="rect">
-            <a:avLst/>
-          </a:prstGeom>
-          <a:solidFill>
-            <a:srgbClr val="377193"/>
-          </a:solidFill>
-        </p:spPr>
-        <p:style>
-          <a:lnRef idx="1">
-            <a:schemeClr val="accent1"/>
-          </a:lnRef>
-          <a:fillRef idx="3">
-            <a:schemeClr val="accent1"/>
-          </a:fillRef>
-          <a:effectRef idx="2">
-            <a:schemeClr val="accent1"/>
-          </a:effectRef>
-          <a:fontRef idx="minor">
-            <a:schemeClr val="lt1"/>
-          </a:fontRef>
-        </p:style>
-        <p:txBody>
-          <a:bodyPr rtlCol="0" anchor="ctr"/>
-          <a:lstStyle/>
-          <a:p>
-            <a:pPr algn="ctr"/>
-            <a:r>
-              <a:rPr lang="en-US" dirty="0" smtClean="0"/>
-              <a:t>R</a:t>
-            </a:r>
-            <a:endParaRPr lang="en-US" dirty="0"/>
-          </a:p>
-        </p:txBody>
-      </p:sp>
-      <p:sp>
-        <p:nvSpPr>
-          <p:cNvPr id="8" name="Rectangle 7"/>
-          <p:cNvSpPr/>
-          <p:nvPr/>
-        </p:nvSpPr>
-        <p:spPr>
-          <a:xfrm>
-            <a:off x="5340350" y="2438400"/>
-            <a:ext cx="1143000" cy="609600"/>
-          </a:xfrm>
-          <a:prstGeom prst="rect">
-            <a:avLst/>
-          </a:prstGeom>
-        </p:spPr>
-        <p:style>
-          <a:lnRef idx="1">
-            <a:schemeClr val="accent1"/>
-          </a:lnRef>
-          <a:fillRef idx="3">
-            <a:schemeClr val="accent1"/>
-          </a:fillRef>
-          <a:effectRef idx="2">
-            <a:schemeClr val="accent1"/>
-          </a:effectRef>
-          <a:fontRef idx="minor">
-            <a:schemeClr val="lt1"/>
-          </a:fontRef>
-        </p:style>
-        <p:txBody>
-          <a:bodyPr rtlCol="0" anchor="ctr"/>
-          <a:lstStyle/>
-          <a:p>
-            <a:pPr algn="ctr"/>
-            <a:r>
-              <a:rPr lang="en-US" dirty="0" smtClean="0"/>
-              <a:t>Regularly Updated</a:t>
-            </a:r>
-            <a:endParaRPr lang="en-US" dirty="0"/>
-          </a:p>
-        </p:txBody>
-      </p:sp>
-      <p:sp>
-        <p:nvSpPr>
-          <p:cNvPr id="9" name="Rectangle 8"/>
-          <p:cNvSpPr/>
-          <p:nvPr/>
-        </p:nvSpPr>
-        <p:spPr>
-          <a:xfrm>
-            <a:off x="5340350" y="3572772"/>
-            <a:ext cx="1143000" cy="609600"/>
-          </a:xfrm>
-          <a:prstGeom prst="rect">
-            <a:avLst/>
-          </a:prstGeom>
-        </p:spPr>
-        <p:style>
-          <a:lnRef idx="1">
-            <a:schemeClr val="accent1"/>
-          </a:lnRef>
-          <a:fillRef idx="3">
-            <a:schemeClr val="accent1"/>
-          </a:fillRef>
-          <a:effectRef idx="2">
-            <a:schemeClr val="accent1"/>
-          </a:effectRef>
-          <a:fontRef idx="minor">
-            <a:schemeClr val="lt1"/>
-          </a:fontRef>
-        </p:style>
-        <p:txBody>
-          <a:bodyPr rtlCol="0" anchor="ctr"/>
-          <a:lstStyle/>
-          <a:p>
-            <a:pPr algn="ctr"/>
-            <a:r>
-              <a:rPr lang="en-US" dirty="0" smtClean="0"/>
-              <a:t>Static</a:t>
-            </a:r>
-            <a:endParaRPr lang="en-US" dirty="0"/>
-          </a:p>
-        </p:txBody>
-      </p:sp>
-      <p:sp>
-        <p:nvSpPr>
-          <p:cNvPr id="10" name="Rectangle 9"/>
-          <p:cNvSpPr/>
-          <p:nvPr/>
-        </p:nvSpPr>
-        <p:spPr>
-          <a:xfrm>
-            <a:off x="5340350" y="4699591"/>
-            <a:ext cx="1143000" cy="609600"/>
-          </a:xfrm>
-          <a:prstGeom prst="rect">
-            <a:avLst/>
-          </a:prstGeom>
-        </p:spPr>
-        <p:style>
-          <a:lnRef idx="1">
-            <a:schemeClr val="accent1"/>
-          </a:lnRef>
-          <a:fillRef idx="3">
-            <a:schemeClr val="accent1"/>
-          </a:fillRef>
-          <a:effectRef idx="2">
-            <a:schemeClr val="accent1"/>
-          </a:effectRef>
-          <a:fontRef idx="minor">
-            <a:schemeClr val="lt1"/>
-          </a:fontRef>
-        </p:style>
-        <p:txBody>
-          <a:bodyPr rtlCol="0" anchor="ctr"/>
-          <a:lstStyle/>
-          <a:p>
-            <a:pPr algn="ctr"/>
-            <a:r>
-              <a:rPr lang="en-US" dirty="0" smtClean="0"/>
-              <a:t>Not Used</a:t>
-            </a:r>
-            <a:endParaRPr lang="en-US" dirty="0"/>
-          </a:p>
-        </p:txBody>
-      </p:sp>
-      <p:cxnSp>
-        <p:nvCxnSpPr>
-          <p:cNvPr id="17" name="Straight Connector 16"/>
-          <p:cNvCxnSpPr>
-            <a:stCxn id="5" idx="2"/>
-            <a:endCxn id="6" idx="0"/>
-          </p:cNvCxnSpPr>
-          <p:nvPr/>
-        </p:nvCxnSpPr>
-        <p:spPr>
-          <a:xfrm flipH="1">
-            <a:off x="1714499" y="3352800"/>
-            <a:ext cx="1" cy="685800"/>
-          </a:xfrm>
-          <a:prstGeom prst="line">
-            <a:avLst/>
-          </a:prstGeom>
-          <a:effectLst/>
-        </p:spPr>
-        <p:style>
-          <a:lnRef idx="2">
-            <a:schemeClr val="accent1"/>
-          </a:lnRef>
-          <a:fillRef idx="0">
-            <a:schemeClr val="accent1"/>
-          </a:fillRef>
-          <a:effectRef idx="1">
-            <a:schemeClr val="accent1"/>
-          </a:effectRef>
-          <a:fontRef idx="minor">
-            <a:schemeClr val="tx1"/>
-          </a:fontRef>
-        </p:style>
-      </p:cxnSp>
-      <p:pic>
-        <p:nvPicPr>
-          <p:cNvPr id="21" name="Picture 20"/>
-          <p:cNvPicPr>
-            <a:picLocks noChangeAspect="1"/>
-          </p:cNvPicPr>
-          <p:nvPr/>
-        </p:nvPicPr>
-        <p:blipFill>
-          <a:blip r:embed="rId2">
-            <a:extLst>
-              <a:ext uri="{28A0092B-C50C-407E-A947-70E740481C1C}">
-                <a14:useLocalDpi xmlns:a14="http://schemas.microsoft.com/office/drawing/2010/main" val="0"/>
-              </a:ext>
-            </a:extLst>
-          </a:blip>
-          <a:stretch>
-            <a:fillRect/>
-          </a:stretch>
-        </p:blipFill>
-        <p:spPr>
-          <a:xfrm>
-            <a:off x="859441" y="4876800"/>
-            <a:ext cx="1710117" cy="851511"/>
-          </a:xfrm>
-          <a:prstGeom prst="rect">
-            <a:avLst/>
-          </a:prstGeom>
-          <a:effectLst>
-            <a:softEdge rad="0"/>
-          </a:effectLst>
-        </p:spPr>
-      </p:pic>
-      <p:cxnSp>
-        <p:nvCxnSpPr>
-          <p:cNvPr id="22" name="Straight Connector 21"/>
-          <p:cNvCxnSpPr>
-            <a:stCxn id="7" idx="3"/>
-            <a:endCxn id="9" idx="1"/>
-          </p:cNvCxnSpPr>
-          <p:nvPr/>
-        </p:nvCxnSpPr>
-        <p:spPr>
-          <a:xfrm flipV="1">
-            <a:off x="4343400" y="3877572"/>
-            <a:ext cx="996950" cy="8628"/>
-          </a:xfrm>
-          <a:prstGeom prst="line">
-            <a:avLst/>
-          </a:prstGeom>
-          <a:ln>
-            <a:tailEnd type="triangle"/>
-          </a:ln>
-          <a:effectLst/>
-        </p:spPr>
-        <p:style>
-          <a:lnRef idx="2">
-            <a:schemeClr val="accent1"/>
-          </a:lnRef>
-          <a:fillRef idx="0">
-            <a:schemeClr val="accent1"/>
-          </a:fillRef>
-          <a:effectRef idx="1">
-            <a:schemeClr val="accent1"/>
-          </a:effectRef>
-          <a:fontRef idx="minor">
-            <a:schemeClr val="tx1"/>
-          </a:fontRef>
-        </p:style>
-      </p:cxnSp>
-      <p:cxnSp>
-        <p:nvCxnSpPr>
-          <p:cNvPr id="27" name="Straight Arrow Connector 26"/>
-          <p:cNvCxnSpPr>
-            <a:endCxn id="8" idx="1"/>
-          </p:cNvCxnSpPr>
-          <p:nvPr/>
-        </p:nvCxnSpPr>
-        <p:spPr>
-          <a:xfrm rot="5400000" flipH="1" flipV="1">
-            <a:off x="4533900" y="3086100"/>
-            <a:ext cx="1149350" cy="463550"/>
-          </a:xfrm>
-          <a:prstGeom prst="bentConnector2">
-            <a:avLst/>
-          </a:prstGeom>
-          <a:ln>
-            <a:tailEnd type="triangle"/>
-          </a:ln>
-        </p:spPr>
-        <p:style>
-          <a:lnRef idx="2">
-            <a:schemeClr val="accent1"/>
-          </a:lnRef>
-          <a:fillRef idx="0">
-            <a:schemeClr val="accent1"/>
-          </a:fillRef>
-          <a:effectRef idx="1">
-            <a:schemeClr val="accent1"/>
-          </a:effectRef>
-          <a:fontRef idx="minor">
-            <a:schemeClr val="tx1"/>
-          </a:fontRef>
-        </p:style>
-      </p:cxnSp>
-      <p:cxnSp>
-        <p:nvCxnSpPr>
-          <p:cNvPr id="31" name="Straight Arrow Connector 26"/>
-          <p:cNvCxnSpPr/>
-          <p:nvPr/>
-        </p:nvCxnSpPr>
-        <p:spPr>
-          <a:xfrm rot="16200000" flipH="1">
-            <a:off x="4540404" y="4213969"/>
-            <a:ext cx="1126817" cy="454025"/>
-          </a:xfrm>
-          <a:prstGeom prst="bentConnector2">
-            <a:avLst/>
-          </a:prstGeom>
-          <a:ln>
-            <a:tailEnd type="triangle"/>
-          </a:ln>
-        </p:spPr>
-        <p:style>
-          <a:lnRef idx="2">
-            <a:schemeClr val="accent1"/>
-          </a:lnRef>
-          <a:fillRef idx="0">
-            <a:schemeClr val="accent1"/>
-          </a:fillRef>
-          <a:effectRef idx="1">
-            <a:schemeClr val="accent1"/>
-          </a:effectRef>
-          <a:fontRef idx="minor">
-            <a:schemeClr val="tx1"/>
-          </a:fontRef>
-        </p:style>
-      </p:cxnSp>
-      <p:sp>
-        <p:nvSpPr>
-          <p:cNvPr id="38" name="TextBox 37"/>
-          <p:cNvSpPr txBox="1"/>
-          <p:nvPr/>
-        </p:nvSpPr>
-        <p:spPr>
-          <a:xfrm>
-            <a:off x="1143000" y="1764268"/>
-            <a:ext cx="1143000" cy="369332"/>
-          </a:xfrm>
-          <a:prstGeom prst="rect">
-            <a:avLst/>
-          </a:prstGeom>
-          <a:noFill/>
-        </p:spPr>
-        <p:txBody>
-          <a:bodyPr wrap="square" rtlCol="0">
-            <a:spAutoFit/>
-          </a:bodyPr>
-          <a:lstStyle/>
-          <a:p>
-            <a:pPr algn="ctr"/>
-            <a:r>
-              <a:rPr lang="en-US" dirty="0" smtClean="0">
-                <a:solidFill>
-                  <a:schemeClr val="bg1"/>
-                </a:solidFill>
-              </a:rPr>
-              <a:t>Inputs</a:t>
-            </a:r>
-            <a:endParaRPr lang="en-US" dirty="0">
-              <a:solidFill>
-                <a:schemeClr val="bg1"/>
-              </a:solidFill>
-            </a:endParaRPr>
-          </a:p>
-        </p:txBody>
-      </p:sp>
-      <p:sp>
-        <p:nvSpPr>
-          <p:cNvPr id="39" name="TextBox 38"/>
-          <p:cNvSpPr txBox="1"/>
-          <p:nvPr/>
-        </p:nvSpPr>
-        <p:spPr>
-          <a:xfrm>
-            <a:off x="5035550" y="1764268"/>
-            <a:ext cx="1752600" cy="369332"/>
-          </a:xfrm>
-          <a:prstGeom prst="rect">
-            <a:avLst/>
-          </a:prstGeom>
-          <a:noFill/>
-        </p:spPr>
-        <p:txBody>
-          <a:bodyPr wrap="square" rtlCol="0">
-            <a:spAutoFit/>
-          </a:bodyPr>
-          <a:lstStyle/>
-          <a:p>
-            <a:pPr algn="ctr"/>
-            <a:r>
-              <a:rPr lang="en-US" dirty="0" smtClean="0">
-                <a:solidFill>
-                  <a:schemeClr val="bg1"/>
-                </a:solidFill>
-              </a:rPr>
-              <a:t>Excel atb2 files</a:t>
-            </a:r>
-            <a:endParaRPr lang="en-US" dirty="0">
-              <a:solidFill>
-                <a:schemeClr val="bg1"/>
-              </a:solidFill>
-            </a:endParaRPr>
-          </a:p>
-        </p:txBody>
-      </p:sp>
-      <p:sp>
-        <p:nvSpPr>
-          <p:cNvPr id="42" name="Rectangle 41"/>
-          <p:cNvSpPr/>
-          <p:nvPr/>
-        </p:nvSpPr>
-        <p:spPr>
-          <a:xfrm>
-            <a:off x="7696200" y="3572772"/>
-            <a:ext cx="1143000" cy="609600"/>
-          </a:xfrm>
-          <a:prstGeom prst="rect">
-            <a:avLst/>
-          </a:prstGeom>
-          <a:solidFill>
-            <a:srgbClr val="377193"/>
-          </a:solidFill>
-        </p:spPr>
-        <p:style>
-          <a:lnRef idx="1">
-            <a:schemeClr val="accent1"/>
-          </a:lnRef>
-          <a:fillRef idx="3">
-            <a:schemeClr val="accent1"/>
-          </a:fillRef>
-          <a:effectRef idx="2">
-            <a:schemeClr val="accent1"/>
-          </a:effectRef>
-          <a:fontRef idx="minor">
-            <a:schemeClr val="lt1"/>
-          </a:fontRef>
-        </p:style>
-        <p:txBody>
-          <a:bodyPr rtlCol="0" anchor="ctr"/>
-          <a:lstStyle/>
-          <a:p>
-            <a:pPr algn="ctr"/>
-            <a:r>
-              <a:rPr lang="en-US" dirty="0" smtClean="0"/>
-              <a:t>ALFA</a:t>
-            </a:r>
-            <a:endParaRPr lang="en-US" dirty="0"/>
-          </a:p>
-        </p:txBody>
-      </p:sp>
-      <p:cxnSp>
-        <p:nvCxnSpPr>
-          <p:cNvPr id="45" name="Straight Connector 44"/>
-          <p:cNvCxnSpPr>
-            <a:endCxn id="42" idx="1"/>
-          </p:cNvCxnSpPr>
-          <p:nvPr/>
-        </p:nvCxnSpPr>
-        <p:spPr>
-          <a:xfrm>
-            <a:off x="6483350" y="2743200"/>
-            <a:ext cx="1212850" cy="1134372"/>
-          </a:xfrm>
-          <a:prstGeom prst="bentConnector3">
-            <a:avLst>
-              <a:gd name="adj1" fmla="val 39005"/>
-            </a:avLst>
-          </a:prstGeom>
-          <a:ln>
-            <a:tailEnd type="triangle"/>
-          </a:ln>
-          <a:effectLst/>
-        </p:spPr>
-        <p:style>
-          <a:lnRef idx="2">
-            <a:schemeClr val="accent1"/>
-          </a:lnRef>
-          <a:fillRef idx="0">
-            <a:schemeClr val="accent1"/>
-          </a:fillRef>
-          <a:effectRef idx="1">
-            <a:schemeClr val="accent1"/>
-          </a:effectRef>
-          <a:fontRef idx="minor">
-            <a:schemeClr val="tx1"/>
-          </a:fontRef>
-        </p:style>
-      </p:cxnSp>
-      <p:cxnSp>
-        <p:nvCxnSpPr>
-          <p:cNvPr id="47" name="Straight Connector 46"/>
-          <p:cNvCxnSpPr>
-            <a:endCxn id="42" idx="1"/>
-          </p:cNvCxnSpPr>
-          <p:nvPr/>
-        </p:nvCxnSpPr>
-        <p:spPr>
-          <a:xfrm flipV="1">
-            <a:off x="6483350" y="3877572"/>
-            <a:ext cx="1212850" cy="1126820"/>
-          </a:xfrm>
-          <a:prstGeom prst="bentConnector3">
-            <a:avLst>
-              <a:gd name="adj1" fmla="val 39005"/>
-            </a:avLst>
-          </a:prstGeom>
-          <a:ln>
-            <a:tailEnd type="triangle"/>
-          </a:ln>
-          <a:effectLst/>
-        </p:spPr>
-        <p:style>
-          <a:lnRef idx="2">
-            <a:schemeClr val="accent1"/>
-          </a:lnRef>
-          <a:fillRef idx="0">
-            <a:schemeClr val="accent1"/>
-          </a:fillRef>
-          <a:effectRef idx="1">
-            <a:schemeClr val="accent1"/>
-          </a:effectRef>
-          <a:fontRef idx="minor">
-            <a:schemeClr val="tx1"/>
-          </a:fontRef>
-        </p:style>
-      </p:cxnSp>
-      <p:cxnSp>
-        <p:nvCxnSpPr>
-          <p:cNvPr id="54" name="Straight Connector 53"/>
-          <p:cNvCxnSpPr>
-            <a:endCxn id="42" idx="1"/>
-          </p:cNvCxnSpPr>
-          <p:nvPr/>
-        </p:nvCxnSpPr>
-        <p:spPr>
-          <a:xfrm flipV="1">
-            <a:off x="6497964" y="3877572"/>
-            <a:ext cx="1198236" cy="1"/>
-          </a:xfrm>
-          <a:prstGeom prst="line">
-            <a:avLst/>
-          </a:prstGeom>
-          <a:ln>
-            <a:tailEnd type="triangle"/>
-          </a:ln>
-          <a:effectLst/>
-        </p:spPr>
-        <p:style>
-          <a:lnRef idx="2">
-            <a:schemeClr val="accent1"/>
-          </a:lnRef>
-          <a:fillRef idx="0">
-            <a:schemeClr val="accent1"/>
-          </a:fillRef>
-          <a:effectRef idx="1">
-            <a:schemeClr val="accent1"/>
-          </a:effectRef>
-          <a:fontRef idx="minor">
-            <a:schemeClr val="tx1"/>
-          </a:fontRef>
-        </p:style>
-      </p:cxnSp>
-      <p:sp>
-        <p:nvSpPr>
-          <p:cNvPr id="25" name="Curved Down Arrow 24"/>
-          <p:cNvSpPr/>
-          <p:nvPr/>
-        </p:nvSpPr>
-        <p:spPr>
-          <a:xfrm>
-            <a:off x="2857499" y="2514600"/>
-            <a:ext cx="1984375" cy="1039122"/>
-          </a:xfrm>
-          <a:prstGeom prst="curvedDownArrow">
-            <a:avLst/>
-          </a:prstGeom>
-        </p:spPr>
-        <p:style>
-          <a:lnRef idx="1">
-            <a:schemeClr val="accent1"/>
-          </a:lnRef>
-          <a:fillRef idx="3">
-            <a:schemeClr val="accent1"/>
-          </a:fillRef>
-          <a:effectRef idx="2">
-            <a:schemeClr val="accent1"/>
-          </a:effectRef>
-          <a:fontRef idx="minor">
-            <a:schemeClr val="lt1"/>
-          </a:fontRef>
-        </p:style>
-        <p:txBody>
-          <a:bodyPr rtlCol="0" anchor="ctr"/>
-          <a:lstStyle/>
-          <a:p>
-            <a:pPr algn="ctr"/>
-            <a:endParaRPr lang="en-US">
-              <a:solidFill>
-                <a:schemeClr val="tx1"/>
-              </a:solidFill>
-            </a:endParaRPr>
-          </a:p>
-        </p:txBody>
-      </p:sp>
-      <p:sp>
-        <p:nvSpPr>
-          <p:cNvPr id="28" name="Curved Down Arrow 27"/>
-          <p:cNvSpPr/>
-          <p:nvPr/>
-        </p:nvSpPr>
-        <p:spPr>
-          <a:xfrm rot="10800000">
-            <a:off x="2779712" y="4270069"/>
-            <a:ext cx="1984375" cy="1039122"/>
-          </a:xfrm>
-          <a:prstGeom prst="curvedDownArrow">
-            <a:avLst/>
-          </a:prstGeom>
-        </p:spPr>
-        <p:style>
-          <a:lnRef idx="1">
-            <a:schemeClr val="accent1"/>
-          </a:lnRef>
-          <a:fillRef idx="3">
-            <a:schemeClr val="accent1"/>
-          </a:fillRef>
-          <a:effectRef idx="2">
-            <a:schemeClr val="accent1"/>
-          </a:effectRef>
-          <a:fontRef idx="minor">
-            <a:schemeClr val="lt1"/>
-          </a:fontRef>
-        </p:style>
-        <p:txBody>
-          <a:bodyPr rtlCol="0" anchor="ctr"/>
-          <a:lstStyle/>
-          <a:p>
-            <a:pPr algn="ctr"/>
-            <a:endParaRPr lang="en-US">
-              <a:solidFill>
-                <a:schemeClr val="tx1"/>
-              </a:solidFill>
-            </a:endParaRPr>
-          </a:p>
-        </p:txBody>
-      </p:sp>
-    </p:spTree>
-    <p:extLst>
-      <p:ext uri="{BB962C8B-B14F-4D97-AF65-F5344CB8AC3E}">
-        <p14:creationId xmlns:p14="http://schemas.microsoft.com/office/powerpoint/2010/main" val="1599092668"/>
-      </p:ext>
-    </p:extLst>
-  </p:cSld>
-  <p:clrMapOvr>
-    <a:masterClrMapping/>
-  </p:clrMapOvr>
-  <p:timing>
-    <p:tnLst>
-      <p:par>
-        <p:cTn id="1" dur="indefinite" restart="never" nodeType="tmRoot"/>
-      </p:par>
-    </p:tnLst>
-  </p:timing>
-</p:sld>
-</file>
-
-<file path=ppt/slides/slide18.xml><?xml version="1.0" encoding="utf-8"?>
-<p:sld xmlns:a="http://schemas.openxmlformats.org/drawingml/2006/main" xmlns:r="http://schemas.openxmlformats.org/officeDocument/2006/relationships" xmlns:p="http://schemas.openxmlformats.org/presentationml/2006/main">
-  <p:cSld>
-    <p:spTree>
-      <p:nvGrpSpPr>
-        <p:cNvPr id="1" name=""/>
-        <p:cNvGrpSpPr/>
-        <p:nvPr/>
-      </p:nvGrpSpPr>
-      <p:grpSpPr>
-        <a:xfrm>
-          <a:off x="0" y="0"/>
-          <a:ext cx="0" cy="0"/>
-          <a:chOff x="0" y="0"/>
-          <a:chExt cx="0" cy="0"/>
-        </a:xfrm>
-      </p:grpSpPr>
-      <p:sp>
-        <p:nvSpPr>
-          <p:cNvPr id="3" name="Slide Number Placeholder 2"/>
-          <p:cNvSpPr>
-            <a:spLocks noGrp="1"/>
-          </p:cNvSpPr>
-          <p:nvPr>
-            <p:ph type="sldNum" sz="quarter" idx="12"/>
-          </p:nvPr>
-        </p:nvSpPr>
-        <p:spPr/>
-        <p:txBody>
-          <a:bodyPr/>
-          <a:lstStyle/>
-          <a:p>
-            <a:fld id="{E49B4C36-CA85-496D-A067-FC602A1FD8AC}" type="slidenum">
-              <a:rPr lang="en-US" smtClean="0"/>
-              <a:t>18</a:t>
-            </a:fld>
-            <a:endParaRPr lang="en-US"/>
-          </a:p>
-        </p:txBody>
-      </p:sp>
-      <p:sp>
-        <p:nvSpPr>
-          <p:cNvPr id="4" name="Title 3"/>
-          <p:cNvSpPr>
-            <a:spLocks noGrp="1"/>
-          </p:cNvSpPr>
-          <p:nvPr>
-            <p:ph type="title"/>
-          </p:nvPr>
-        </p:nvSpPr>
-        <p:spPr/>
-        <p:txBody>
-          <a:bodyPr/>
-          <a:lstStyle/>
-          <a:p>
-            <a:r>
-              <a:rPr lang="en-US" dirty="0" smtClean="0"/>
-              <a:t>speed</a:t>
-            </a:r>
-            <a:endParaRPr lang="en-US" dirty="0"/>
-          </a:p>
-        </p:txBody>
-      </p:sp>
-      <p:sp>
-        <p:nvSpPr>
-          <p:cNvPr id="10" name="Content Placeholder 1"/>
-          <p:cNvSpPr>
-            <a:spLocks noGrp="1"/>
-          </p:cNvSpPr>
-          <p:nvPr>
-            <p:ph idx="1"/>
-          </p:nvPr>
-        </p:nvSpPr>
-        <p:spPr>
-          <a:xfrm>
-            <a:off x="320040" y="1142999"/>
-            <a:ext cx="8503920" cy="4800600"/>
-          </a:xfrm>
-        </p:spPr>
-        <p:txBody>
-          <a:bodyPr/>
-          <a:lstStyle/>
-          <a:p>
-            <a:pPr marL="0" indent="0">
-              <a:buNone/>
-            </a:pPr>
-            <a:r>
-              <a:rPr lang="en-US" i="1" dirty="0"/>
-              <a:t>Direct connections to databases</a:t>
-            </a:r>
-          </a:p>
-          <a:p>
-            <a:pPr marL="0" indent="0">
-              <a:buNone/>
-            </a:pPr>
-            <a:endParaRPr lang="en-US" i="1" dirty="0"/>
-          </a:p>
-          <a:p>
-            <a:pPr>
-              <a:spcAft>
-                <a:spcPts val="0"/>
-              </a:spcAft>
-              <a:buFont typeface="Wingdings" panose="05000000000000000000" pitchFamily="2" charset="2"/>
-              <a:buChar char="§"/>
-            </a:pPr>
-            <a:r>
-              <a:rPr lang="en-US" i="1" dirty="0" smtClean="0"/>
-              <a:t>Project:</a:t>
-            </a:r>
-          </a:p>
-          <a:p>
-            <a:pPr marL="228600" lvl="1" indent="0">
-              <a:spcAft>
-                <a:spcPts val="0"/>
-              </a:spcAft>
-              <a:buNone/>
-            </a:pPr>
-            <a:endParaRPr lang="en-US" i="1" dirty="0" smtClean="0"/>
-          </a:p>
-          <a:p>
-            <a:pPr lvl="1">
-              <a:buFont typeface="Wingdings" panose="05000000000000000000" pitchFamily="2" charset="2"/>
-              <a:buChar char="§"/>
-            </a:pPr>
-            <a:r>
-              <a:rPr lang="en-US" dirty="0" smtClean="0"/>
-              <a:t>Tackling a problem we all have. Working with databases from Excel/VBA isn’t fun.</a:t>
-            </a:r>
-          </a:p>
-          <a:p>
-            <a:pPr lvl="1">
-              <a:buFont typeface="Wingdings" panose="05000000000000000000" pitchFamily="2" charset="2"/>
-              <a:buChar char="§"/>
-            </a:pPr>
-            <a:endParaRPr lang="en-US" dirty="0" smtClean="0"/>
-          </a:p>
-          <a:p>
-            <a:pPr lvl="1">
-              <a:buFont typeface="Wingdings" panose="05000000000000000000" pitchFamily="2" charset="2"/>
-              <a:buChar char="§"/>
-            </a:pPr>
-            <a:r>
-              <a:rPr lang="en-US" dirty="0" smtClean="0"/>
-              <a:t>Great support in R for connecting to </a:t>
-            </a:r>
-            <a:r>
-              <a:rPr lang="en-US" i="1" dirty="0" smtClean="0"/>
-              <a:t>any</a:t>
-            </a:r>
-            <a:r>
-              <a:rPr lang="en-US" dirty="0" smtClean="0"/>
-              <a:t> type of database</a:t>
-            </a:r>
-          </a:p>
-          <a:p>
-            <a:pPr lvl="1">
-              <a:buFont typeface="Wingdings" panose="05000000000000000000" pitchFamily="2" charset="2"/>
-              <a:buChar char="§"/>
-            </a:pPr>
-            <a:endParaRPr lang="en-US" dirty="0"/>
-          </a:p>
-          <a:p>
-            <a:pPr lvl="3">
-              <a:buFont typeface="Wingdings" panose="05000000000000000000" pitchFamily="2" charset="2"/>
-              <a:buChar char="§"/>
-            </a:pPr>
-            <a:r>
-              <a:rPr lang="en-US" dirty="0" smtClean="0"/>
-              <a:t>There just needs to be a “SQL translation” </a:t>
-            </a:r>
-          </a:p>
-          <a:p>
-            <a:pPr lvl="1">
-              <a:buFont typeface="Wingdings" panose="05000000000000000000" pitchFamily="2" charset="2"/>
-              <a:buChar char="§"/>
-            </a:pPr>
-            <a:endParaRPr lang="en-US" dirty="0"/>
-          </a:p>
-          <a:p>
-            <a:pPr lvl="3">
-              <a:buFont typeface="Wingdings" panose="05000000000000000000" pitchFamily="2" charset="2"/>
-              <a:buChar char="§"/>
-            </a:pPr>
-            <a:r>
-              <a:rPr lang="en-US" dirty="0" smtClean="0"/>
-              <a:t>Added that SQL translation for Access </a:t>
-            </a:r>
-          </a:p>
-        </p:txBody>
-      </p:sp>
-    </p:spTree>
-    <p:extLst>
-      <p:ext uri="{BB962C8B-B14F-4D97-AF65-F5344CB8AC3E}">
-        <p14:creationId xmlns:p14="http://schemas.microsoft.com/office/powerpoint/2010/main" val="4151441797"/>
-      </p:ext>
-    </p:extLst>
-  </p:cSld>
-  <p:clrMapOvr>
-    <a:masterClrMapping/>
-  </p:clrMapOvr>
-  <p:timing>
-    <p:tnLst>
-      <p:par>
-        <p:cTn id="1" dur="indefinite" restart="never" nodeType="tmRoot"/>
-      </p:par>
-    </p:tnLst>
-  </p:timing>
-</p:sld>
-</file>
-
 <file path=ppt/slides/slide19.xml><?xml version="1.0" encoding="utf-8"?>
 <p:sld xmlns:a="http://schemas.openxmlformats.org/drawingml/2006/main" xmlns:r="http://schemas.openxmlformats.org/officeDocument/2006/relationships" xmlns:p="http://schemas.openxmlformats.org/presentationml/2006/main">
   <p:cSld>
@@ -10945,16 +10240,66 @@
           </a:p>
           <a:p>
             <a:pPr lvl="1">
-              <a:buFont typeface="Wingdings" panose="05000000000000000000" pitchFamily="2" charset="2"/>
-              <a:buChar char="§"/>
-            </a:pPr>
-            <a:r>
-              <a:rPr lang="en-US" dirty="0" smtClean="0"/>
-              <a:t>Tackling a problem we all have. Working with databases from Excel/VBA isn’t fun.</a:t>
-            </a:r>
+              <a:spcAft>
+                <a:spcPts val="0"/>
+              </a:spcAft>
+              <a:buFont typeface="Wingdings" panose="05000000000000000000" pitchFamily="2" charset="2"/>
+              <a:buChar char="§"/>
+            </a:pPr>
+            <a:r>
+              <a:rPr lang="en-US" dirty="0" smtClean="0"/>
+              <a:t>Investigating a </a:t>
+            </a:r>
+            <a:r>
+              <a:rPr lang="en-US" dirty="0" smtClean="0"/>
+              <a:t>problem </a:t>
+            </a:r>
+            <a:r>
+              <a:rPr lang="en-US" dirty="0" smtClean="0"/>
+              <a:t>many of us</a:t>
+            </a:r>
+            <a:r>
+              <a:rPr lang="en-US" dirty="0" smtClean="0"/>
+              <a:t> have: </a:t>
+            </a:r>
+          </a:p>
+          <a:p>
+            <a:pPr lvl="3">
+              <a:spcAft>
+                <a:spcPts val="0"/>
+              </a:spcAft>
+              <a:buFont typeface="Wingdings" panose="05000000000000000000" pitchFamily="2" charset="2"/>
+              <a:buChar char="§"/>
+            </a:pPr>
+            <a:endParaRPr lang="en-US" dirty="0"/>
+          </a:p>
+          <a:p>
+            <a:pPr lvl="3">
+              <a:spcAft>
+                <a:spcPts val="0"/>
+              </a:spcAft>
+              <a:buFont typeface="Wingdings" panose="05000000000000000000" pitchFamily="2" charset="2"/>
+              <a:buChar char="§"/>
+            </a:pPr>
+            <a:r>
+              <a:rPr lang="en-US" i="1" dirty="0" smtClean="0"/>
+              <a:t>Working </a:t>
+            </a:r>
+            <a:r>
+              <a:rPr lang="en-US" i="1" dirty="0" smtClean="0"/>
+              <a:t>with databases from Excel/VBA isn’t </a:t>
+            </a:r>
+            <a:r>
+              <a:rPr lang="en-US" i="1" dirty="0" smtClean="0"/>
+              <a:t>fun or fast.</a:t>
+            </a:r>
+            <a:endParaRPr lang="en-US" i="1" dirty="0" smtClean="0"/>
           </a:p>
           <a:p>
             <a:pPr lvl="1">
+              <a:spcAft>
+                <a:spcPts val="0"/>
+              </a:spcAft>
               <a:buFont typeface="Wingdings" panose="05000000000000000000" pitchFamily="2" charset="2"/>
               <a:buChar char="§"/>
             </a:pPr>
@@ -10962,6 +10307,9 @@
           </a:p>
           <a:p>
             <a:pPr lvl="1">
+              <a:spcAft>
+                <a:spcPts val="0"/>
+              </a:spcAft>
               <a:buFont typeface="Wingdings" panose="05000000000000000000" pitchFamily="2" charset="2"/>
               <a:buChar char="§"/>
             </a:pPr>
@@ -10975,8 +10323,13 @@
             </a:r>
             <a:r>
               <a:rPr lang="en-US" dirty="0" smtClean="0"/>
-              <a:t> type of database</a:t>
-            </a:r>
+              <a:t> type of </a:t>
+            </a:r>
+            <a:r>
+              <a:rPr lang="en-US" dirty="0" smtClean="0"/>
+              <a:t>database</a:t>
+            </a:r>
+            <a:endParaRPr lang="en-US" dirty="0" smtClean="0"/>
           </a:p>
           <a:p>
             <a:pPr lvl="1">
@@ -10987,16 +10340,31 @@
           </a:p>
           <a:p>
             <a:pPr lvl="3">
-              <a:buFont typeface="Wingdings" panose="05000000000000000000" pitchFamily="2" charset="2"/>
-              <a:buChar char="§"/>
-            </a:pPr>
-            <a:r>
-              <a:rPr lang="en-US" dirty="0" smtClean="0"/>
-              <a:t>There just needs to be a “SQL translation” </a:t>
-            </a:r>
+              <a:spcAft>
+                <a:spcPts val="0"/>
+              </a:spcAft>
+              <a:buFont typeface="Wingdings" panose="05000000000000000000" pitchFamily="2" charset="2"/>
+              <a:buChar char="§"/>
+            </a:pPr>
+            <a:r>
+              <a:rPr lang="en-US" dirty="0" smtClean="0"/>
+              <a:t>“</a:t>
+            </a:r>
+            <a:r>
+              <a:rPr lang="en-US" dirty="0" smtClean="0"/>
+              <a:t>SQL translation” </a:t>
+            </a:r>
+            <a:r>
+              <a:rPr lang="en-US" dirty="0" smtClean="0"/>
+              <a:t>required</a:t>
+            </a:r>
+            <a:endParaRPr lang="en-US" dirty="0" smtClean="0"/>
           </a:p>
           <a:p>
             <a:pPr lvl="1">
+              <a:spcAft>
+                <a:spcPts val="0"/>
+              </a:spcAft>
               <a:buFont typeface="Wingdings" panose="05000000000000000000" pitchFamily="2" charset="2"/>
               <a:buChar char="§"/>
             </a:pPr>
@@ -11004,6 +10372,9 @@
           </a:p>
           <a:p>
             <a:pPr lvl="3">
+              <a:spcAft>
+                <a:spcPts val="0"/>
+              </a:spcAft>
               <a:buFont typeface="Wingdings" panose="05000000000000000000" pitchFamily="2" charset="2"/>
               <a:buChar char="§"/>
             </a:pPr>
@@ -11011,25 +10382,6 @@
               <a:rPr lang="en-US" dirty="0" smtClean="0"/>
               <a:t>Added that SQL translation for Access </a:t>
             </a:r>
-          </a:p>
-          <a:p>
-            <a:pPr marL="685800" lvl="3" indent="0">
-              <a:buNone/>
-            </a:pPr>
-            <a:endParaRPr lang="en-US" dirty="0" smtClean="0"/>
-          </a:p>
-          <a:p>
-            <a:pPr lvl="1">
-              <a:buFont typeface="Wingdings" panose="05000000000000000000" pitchFamily="2" charset="2"/>
-              <a:buChar char="§"/>
-            </a:pPr>
-            <a:r>
-              <a:rPr lang="en-US" dirty="0" smtClean="0">
-                <a:hlinkClick r:id="rId2"/>
-              </a:rPr>
-              <a:t>Let’s have some fun</a:t>
-            </a:r>
-            <a:endParaRPr lang="en-US" dirty="0"/>
           </a:p>
           <a:p>
             <a:pPr marL="685800" lvl="3" indent="0">
@@ -11042,7 +10394,7 @@
     </p:spTree>
     <p:extLst>
       <p:ext uri="{BB962C8B-B14F-4D97-AF65-F5344CB8AC3E}">
-        <p14:creationId xmlns:p14="http://schemas.microsoft.com/office/powerpoint/2010/main" val="3364505904"/>
+        <p14:creationId xmlns:p14="http://schemas.microsoft.com/office/powerpoint/2010/main" val="4151441797"/>
       </p:ext>
     </p:extLst>
   </p:cSld>
@@ -11311,53 +10663,6 @@
       </p:grpSpPr>
       <p:sp>
         <p:nvSpPr>
-          <p:cNvPr id="2" name="Content Placeholder 1"/>
-          <p:cNvSpPr>
-            <a:spLocks noGrp="1"/>
-          </p:cNvSpPr>
-          <p:nvPr>
-            <p:ph idx="1"/>
-          </p:nvPr>
-        </p:nvSpPr>
-        <p:spPr/>
-        <p:txBody>
-          <a:bodyPr/>
-          <a:lstStyle/>
-          <a:p>
-            <a:pPr marL="0" indent="0">
-              <a:buNone/>
-            </a:pPr>
-            <a:r>
-              <a:rPr lang="en-US" i="1" dirty="0" smtClean="0"/>
-              <a:t>Direct connections to databases</a:t>
-            </a:r>
-          </a:p>
-          <a:p>
-            <a:pPr marL="0" indent="0">
-              <a:buNone/>
-            </a:pPr>
-            <a:endParaRPr lang="en-US" i="1" dirty="0"/>
-          </a:p>
-          <a:p>
-            <a:pPr>
-              <a:buFont typeface="Wingdings" panose="05000000000000000000" pitchFamily="2" charset="2"/>
-              <a:buChar char="§"/>
-            </a:pPr>
-            <a:r>
-              <a:rPr lang="en-US" i="1" dirty="0" smtClean="0"/>
-              <a:t>Benefits:</a:t>
-            </a:r>
-          </a:p>
-          <a:p>
-            <a:pPr marL="228600" lvl="1" indent="0">
-              <a:buNone/>
-            </a:pPr>
-            <a:endParaRPr lang="en-US" i="1" dirty="0"/>
-          </a:p>
-        </p:txBody>
-      </p:sp>
-      <p:sp>
-        <p:nvSpPr>
           <p:cNvPr id="3" name="Slide Number Placeholder 2"/>
           <p:cNvSpPr>
             <a:spLocks noGrp="1"/>
@@ -11395,76 +10700,252 @@
           <a:lstStyle/>
           <a:p>
             <a:r>
-              <a:rPr lang="en-US" dirty="0"/>
+              <a:rPr lang="en-US" dirty="0" smtClean="0"/>
               <a:t>speed</a:t>
             </a:r>
-          </a:p>
-        </p:txBody>
-      </p:sp>
-      <p:pic>
-        <p:nvPicPr>
-          <p:cNvPr id="5" name="Picture 4"/>
-          <p:cNvPicPr>
-            <a:picLocks noChangeAspect="1"/>
-          </p:cNvPicPr>
-          <p:nvPr/>
-        </p:nvPicPr>
-        <p:blipFill>
-          <a:blip r:embed="rId2">
-            <a:extLst>
-              <a:ext uri="{28A0092B-C50C-407E-A947-70E740481C1C}">
-                <a14:useLocalDpi xmlns:a14="http://schemas.microsoft.com/office/drawing/2010/main" val="0"/>
-              </a:ext>
-            </a:extLst>
-          </a:blip>
-          <a:stretch>
-            <a:fillRect/>
-          </a:stretch>
-        </p:blipFill>
+            <a:endParaRPr lang="en-US" dirty="0"/>
+          </a:p>
+        </p:txBody>
+      </p:sp>
+      <p:sp>
+        <p:nvSpPr>
+          <p:cNvPr id="10" name="Content Placeholder 1"/>
+          <p:cNvSpPr>
+            <a:spLocks noGrp="1"/>
+          </p:cNvSpPr>
+          <p:nvPr>
+            <p:ph idx="1"/>
+          </p:nvPr>
+        </p:nvSpPr>
         <p:spPr>
           <a:xfrm>
-            <a:off x="457201" y="2514600"/>
-            <a:ext cx="5236756" cy="2686212"/>
+            <a:off x="320040" y="1142999"/>
+            <a:ext cx="8503920" cy="4800600"/>
           </a:xfrm>
-          <a:prstGeom prst="rect">
-            <a:avLst/>
-          </a:prstGeom>
         </p:spPr>
-      </p:pic>
-      <p:pic>
-        <p:nvPicPr>
-          <p:cNvPr id="6" name="Picture 5"/>
-          <p:cNvPicPr>
-            <a:picLocks noChangeAspect="1"/>
-          </p:cNvPicPr>
-          <p:nvPr/>
-        </p:nvPicPr>
-        <p:blipFill>
-          <a:blip r:embed="rId3">
-            <a:extLst>
-              <a:ext uri="{28A0092B-C50C-407E-A947-70E740481C1C}">
-                <a14:useLocalDpi xmlns:a14="http://schemas.microsoft.com/office/drawing/2010/main" val="0"/>
-              </a:ext>
-            </a:extLst>
-          </a:blip>
-          <a:stretch>
-            <a:fillRect/>
-          </a:stretch>
-        </p:blipFill>
-        <p:spPr>
-          <a:xfrm>
-            <a:off x="6248400" y="2514600"/>
-            <a:ext cx="2247900" cy="2247900"/>
-          </a:xfrm>
-          <a:prstGeom prst="rect">
-            <a:avLst/>
-          </a:prstGeom>
-        </p:spPr>
-      </p:pic>
+        <p:txBody>
+          <a:bodyPr/>
+          <a:lstStyle/>
+          <a:p>
+            <a:pPr marL="0" indent="0">
+              <a:buNone/>
+            </a:pPr>
+            <a:r>
+              <a:rPr lang="en-US" i="1" dirty="0"/>
+              <a:t>Direct connections to databases</a:t>
+            </a:r>
+          </a:p>
+          <a:p>
+            <a:pPr marL="0" indent="0">
+              <a:buNone/>
+            </a:pPr>
+            <a:endParaRPr lang="en-US" i="1" dirty="0"/>
+          </a:p>
+          <a:p>
+            <a:pPr>
+              <a:spcAft>
+                <a:spcPts val="0"/>
+              </a:spcAft>
+              <a:buFont typeface="Wingdings" panose="05000000000000000000" pitchFamily="2" charset="2"/>
+              <a:buChar char="§"/>
+            </a:pPr>
+            <a:r>
+              <a:rPr lang="en-US" i="1" dirty="0" smtClean="0"/>
+              <a:t>Project:</a:t>
+            </a:r>
+          </a:p>
+          <a:p>
+            <a:pPr marL="228600" lvl="1" indent="0">
+              <a:spcAft>
+                <a:spcPts val="0"/>
+              </a:spcAft>
+              <a:buNone/>
+            </a:pPr>
+            <a:endParaRPr lang="en-US" i="1" dirty="0" smtClean="0"/>
+          </a:p>
+          <a:p>
+            <a:pPr lvl="1">
+              <a:spcAft>
+                <a:spcPts val="0"/>
+              </a:spcAft>
+              <a:buFont typeface="Wingdings" panose="05000000000000000000" pitchFamily="2" charset="2"/>
+              <a:buChar char="§"/>
+            </a:pPr>
+            <a:r>
+              <a:rPr lang="en-US" dirty="0" smtClean="0"/>
+              <a:t>Investigating a </a:t>
+            </a:r>
+            <a:r>
+              <a:rPr lang="en-US" dirty="0" smtClean="0"/>
+              <a:t>problem </a:t>
+            </a:r>
+            <a:r>
+              <a:rPr lang="en-US" dirty="0" smtClean="0"/>
+              <a:t>many of us</a:t>
+            </a:r>
+            <a:r>
+              <a:rPr lang="en-US" dirty="0" smtClean="0"/>
+              <a:t> have: </a:t>
+            </a:r>
+          </a:p>
+          <a:p>
+            <a:pPr lvl="3">
+              <a:spcAft>
+                <a:spcPts val="0"/>
+              </a:spcAft>
+              <a:buFont typeface="Wingdings" panose="05000000000000000000" pitchFamily="2" charset="2"/>
+              <a:buChar char="§"/>
+            </a:pPr>
+            <a:endParaRPr lang="en-US" dirty="0"/>
+          </a:p>
+          <a:p>
+            <a:pPr lvl="3">
+              <a:spcAft>
+                <a:spcPts val="0"/>
+              </a:spcAft>
+              <a:buFont typeface="Wingdings" panose="05000000000000000000" pitchFamily="2" charset="2"/>
+              <a:buChar char="§"/>
+            </a:pPr>
+            <a:r>
+              <a:rPr lang="en-US" i="1" dirty="0" smtClean="0"/>
+              <a:t>Working </a:t>
+            </a:r>
+            <a:r>
+              <a:rPr lang="en-US" i="1" dirty="0" smtClean="0"/>
+              <a:t>with databases from Excel/VBA isn’t </a:t>
+            </a:r>
+            <a:r>
+              <a:rPr lang="en-US" i="1" dirty="0" smtClean="0"/>
+              <a:t>fun or fast.</a:t>
+            </a:r>
+            <a:endParaRPr lang="en-US" i="1" dirty="0" smtClean="0"/>
+          </a:p>
+          <a:p>
+            <a:pPr lvl="1">
+              <a:spcAft>
+                <a:spcPts val="0"/>
+              </a:spcAft>
+              <a:buFont typeface="Wingdings" panose="05000000000000000000" pitchFamily="2" charset="2"/>
+              <a:buChar char="§"/>
+            </a:pPr>
+            <a:endParaRPr lang="en-US" dirty="0" smtClean="0"/>
+          </a:p>
+          <a:p>
+            <a:pPr lvl="1">
+              <a:spcAft>
+                <a:spcPts val="0"/>
+              </a:spcAft>
+              <a:buFont typeface="Wingdings" panose="05000000000000000000" pitchFamily="2" charset="2"/>
+              <a:buChar char="§"/>
+            </a:pPr>
+            <a:r>
+              <a:rPr lang="en-US" dirty="0" smtClean="0"/>
+              <a:t>Great support in R for connecting to </a:t>
+            </a:r>
+            <a:r>
+              <a:rPr lang="en-US" i="1" dirty="0" smtClean="0"/>
+              <a:t>any</a:t>
+            </a:r>
+            <a:r>
+              <a:rPr lang="en-US" dirty="0" smtClean="0"/>
+              <a:t> type of </a:t>
+            </a:r>
+            <a:r>
+              <a:rPr lang="en-US" dirty="0" smtClean="0"/>
+              <a:t>database</a:t>
+            </a:r>
+            <a:endParaRPr lang="en-US" dirty="0" smtClean="0"/>
+          </a:p>
+          <a:p>
+            <a:pPr lvl="1">
+              <a:buFont typeface="Wingdings" panose="05000000000000000000" pitchFamily="2" charset="2"/>
+              <a:buChar char="§"/>
+            </a:pPr>
+            <a:endParaRPr lang="en-US" dirty="0"/>
+          </a:p>
+          <a:p>
+            <a:pPr lvl="3">
+              <a:spcAft>
+                <a:spcPts val="0"/>
+              </a:spcAft>
+              <a:buFont typeface="Wingdings" panose="05000000000000000000" pitchFamily="2" charset="2"/>
+              <a:buChar char="§"/>
+            </a:pPr>
+            <a:r>
+              <a:rPr lang="en-US" dirty="0" smtClean="0"/>
+              <a:t>“</a:t>
+            </a:r>
+            <a:r>
+              <a:rPr lang="en-US" dirty="0" smtClean="0"/>
+              <a:t>SQL translation” </a:t>
+            </a:r>
+            <a:r>
+              <a:rPr lang="en-US" dirty="0" smtClean="0"/>
+              <a:t>required</a:t>
+            </a:r>
+            <a:endParaRPr lang="en-US" dirty="0" smtClean="0"/>
+          </a:p>
+          <a:p>
+            <a:pPr lvl="1">
+              <a:spcAft>
+                <a:spcPts val="0"/>
+              </a:spcAft>
+              <a:buFont typeface="Wingdings" panose="05000000000000000000" pitchFamily="2" charset="2"/>
+              <a:buChar char="§"/>
+            </a:pPr>
+            <a:endParaRPr lang="en-US" dirty="0"/>
+          </a:p>
+          <a:p>
+            <a:pPr lvl="3">
+              <a:spcAft>
+                <a:spcPts val="0"/>
+              </a:spcAft>
+              <a:buFont typeface="Wingdings" panose="05000000000000000000" pitchFamily="2" charset="2"/>
+              <a:buChar char="§"/>
+            </a:pPr>
+            <a:r>
+              <a:rPr lang="en-US" dirty="0" smtClean="0"/>
+              <a:t>Added that SQL translation for Access </a:t>
+            </a:r>
+          </a:p>
+          <a:p>
+            <a:pPr marL="685800" lvl="3" indent="0">
+              <a:buNone/>
+            </a:pPr>
+            <a:endParaRPr lang="en-US" dirty="0" smtClean="0"/>
+          </a:p>
+          <a:p>
+            <a:pPr lvl="1">
+              <a:buFont typeface="Wingdings" panose="05000000000000000000" pitchFamily="2" charset="2"/>
+              <a:buChar char="§"/>
+            </a:pPr>
+            <a:r>
+              <a:rPr lang="en-US" dirty="0">
+                <a:hlinkClick r:id="rId2"/>
+              </a:rPr>
+              <a:t>Let’s have some </a:t>
+            </a:r>
+            <a:r>
+              <a:rPr lang="en-US" dirty="0" smtClean="0">
+                <a:hlinkClick r:id="rId2"/>
+              </a:rPr>
+              <a:t>fun</a:t>
+            </a:r>
+            <a:endParaRPr lang="en-US" dirty="0" smtClean="0"/>
+          </a:p>
+          <a:p>
+            <a:pPr lvl="3">
+              <a:buFont typeface="Wingdings" panose="05000000000000000000" pitchFamily="2" charset="2"/>
+              <a:buChar char="§"/>
+            </a:pPr>
+            <a:endParaRPr lang="en-US" dirty="0" smtClean="0"/>
+          </a:p>
+        </p:txBody>
+      </p:sp>
     </p:spTree>
     <p:extLst>
       <p:ext uri="{BB962C8B-B14F-4D97-AF65-F5344CB8AC3E}">
-        <p14:creationId xmlns:p14="http://schemas.microsoft.com/office/powerpoint/2010/main" val="224078259"/>
+        <p14:creationId xmlns:p14="http://schemas.microsoft.com/office/powerpoint/2010/main" val="1585707474"/>
       </p:ext>
     </p:extLst>
   </p:cSld>
@@ -11517,31 +10998,117 @@
               <a:buNone/>
             </a:pPr>
             <a:r>
-              <a:rPr lang="en-US" i="1" dirty="0"/>
-              <a:t>Direct connections to databases</a:t>
+              <a:rPr lang="en-US" i="1" dirty="0" smtClean="0"/>
+              <a:t>SOA Predictive Analytics Exam for ASA’s</a:t>
             </a:r>
           </a:p>
           <a:p>
             <a:pPr marL="0" indent="0">
               <a:buNone/>
             </a:pPr>
+            <a:endParaRPr lang="en-US" i="1" dirty="0" smtClean="0"/>
+          </a:p>
+          <a:p>
+            <a:pPr marL="0" indent="0">
+              <a:buNone/>
+            </a:pPr>
             <a:endParaRPr lang="en-US" i="1" dirty="0"/>
           </a:p>
           <a:p>
+            <a:pPr marL="0" indent="0">
+              <a:buNone/>
+            </a:pPr>
+            <a:endParaRPr lang="en-US" i="1" dirty="0"/>
+          </a:p>
+          <a:p>
             <a:pPr>
               <a:buFont typeface="Wingdings" panose="05000000000000000000" pitchFamily="2" charset="2"/>
               <a:buChar char="§"/>
             </a:pPr>
+            <a:endParaRPr lang="en-US" i="1" dirty="0" smtClean="0"/>
+          </a:p>
+          <a:p>
+            <a:pPr>
+              <a:buFont typeface="Wingdings" panose="05000000000000000000" pitchFamily="2" charset="2"/>
+              <a:buChar char="§"/>
+            </a:pPr>
+            <a:endParaRPr lang="en-US" i="1" dirty="0"/>
+          </a:p>
+          <a:p>
+            <a:pPr marL="0" indent="0">
+              <a:buNone/>
+            </a:pPr>
+            <a:endParaRPr lang="en-US" i="1" dirty="0" smtClean="0"/>
+          </a:p>
+          <a:p>
+            <a:pPr>
+              <a:buFont typeface="Wingdings" panose="05000000000000000000" pitchFamily="2" charset="2"/>
+              <a:buChar char="§"/>
+            </a:pPr>
+            <a:endParaRPr lang="en-US" i="1" dirty="0" smtClean="0"/>
+          </a:p>
+          <a:p>
+            <a:pPr>
+              <a:buFont typeface="Wingdings" panose="05000000000000000000" pitchFamily="2" charset="2"/>
+              <a:buChar char="§"/>
+            </a:pPr>
+            <a:endParaRPr lang="en-US" i="1" dirty="0"/>
+          </a:p>
+          <a:p>
+            <a:pPr>
+              <a:buFont typeface="Wingdings" panose="05000000000000000000" pitchFamily="2" charset="2"/>
+              <a:buChar char="§"/>
+            </a:pPr>
+            <a:endParaRPr lang="en-US" i="1" dirty="0" smtClean="0"/>
+          </a:p>
+          <a:p>
+            <a:pPr>
+              <a:buFont typeface="Wingdings" panose="05000000000000000000" pitchFamily="2" charset="2"/>
+              <a:buChar char="§"/>
+            </a:pPr>
             <a:r>
               <a:rPr lang="en-US" i="1" dirty="0" smtClean="0"/>
-              <a:t>Benefits:</a:t>
-            </a:r>
-          </a:p>
-          <a:p>
-            <a:pPr marL="228600" lvl="1" indent="0">
-              <a:buNone/>
-            </a:pPr>
+              <a:t>Big picture:</a:t>
+            </a:r>
+          </a:p>
+          <a:p>
+            <a:pPr lvl="1">
+              <a:buFont typeface="Wingdings" panose="05000000000000000000" pitchFamily="2" charset="2"/>
+              <a:buChar char="§"/>
+            </a:pPr>
+            <a:r>
+              <a:rPr lang="en-US" i="1" dirty="0" smtClean="0"/>
+              <a:t>At Lincoln you are going to have an influx of interns with these skills! </a:t>
+            </a:r>
             <a:endParaRPr lang="en-US" i="1" dirty="0"/>
+          </a:p>
+          <a:p>
+            <a:pPr>
+              <a:buFont typeface="Wingdings" panose="05000000000000000000" pitchFamily="2" charset="2"/>
+              <a:buChar char="§"/>
+            </a:pPr>
+            <a:endParaRPr lang="en-US" i="1" dirty="0" smtClean="0"/>
+          </a:p>
+          <a:p>
+            <a:pPr lvl="1">
+              <a:buFont typeface="Wingdings" panose="05000000000000000000" pitchFamily="2" charset="2"/>
+              <a:buChar char="§"/>
+            </a:pPr>
+            <a:endParaRPr lang="en-US" i="1" dirty="0" smtClean="0"/>
+          </a:p>
+          <a:p>
+            <a:pPr lvl="1">
+              <a:buFont typeface="Wingdings" panose="05000000000000000000" pitchFamily="2" charset="2"/>
+              <a:buChar char="§"/>
+            </a:pPr>
+            <a:endParaRPr lang="en-US" i="1" dirty="0"/>
+          </a:p>
+          <a:p>
+            <a:pPr lvl="1">
+              <a:buFont typeface="Wingdings" panose="05000000000000000000" pitchFamily="2" charset="2"/>
+              <a:buChar char="§"/>
+            </a:pPr>
+            <a:endParaRPr lang="en-US" dirty="0" smtClean="0"/>
           </a:p>
         </p:txBody>
       </p:sp>
@@ -11563,383 +11130,6 @@
             <a:fld id="{E49B4C36-CA85-496D-A067-FC602A1FD8AC}" type="slidenum">
               <a:rPr lang="en-US" smtClean="0"/>
               <a:t>21</a:t>
-            </a:fld>
-            <a:endParaRPr lang="en-US"/>
-          </a:p>
-        </p:txBody>
-      </p:sp>
-      <p:sp>
-        <p:nvSpPr>
-          <p:cNvPr id="4" name="Title 3"/>
-          <p:cNvSpPr>
-            <a:spLocks noGrp="1"/>
-          </p:cNvSpPr>
-          <p:nvPr>
-            <p:ph type="title"/>
-          </p:nvPr>
-        </p:nvSpPr>
-        <p:spPr/>
-        <p:txBody>
-          <a:bodyPr/>
-          <a:lstStyle/>
-          <a:p>
-            <a:r>
-              <a:rPr lang="en-US" dirty="0"/>
-              <a:t>speed</a:t>
-            </a:r>
-          </a:p>
-        </p:txBody>
-      </p:sp>
-      <p:pic>
-        <p:nvPicPr>
-          <p:cNvPr id="5" name="Picture 4"/>
-          <p:cNvPicPr>
-            <a:picLocks noChangeAspect="1"/>
-          </p:cNvPicPr>
-          <p:nvPr/>
-        </p:nvPicPr>
-        <p:blipFill>
-          <a:blip r:embed="rId2">
-            <a:extLst>
-              <a:ext uri="{28A0092B-C50C-407E-A947-70E740481C1C}">
-                <a14:useLocalDpi xmlns:a14="http://schemas.microsoft.com/office/drawing/2010/main" val="0"/>
-              </a:ext>
-            </a:extLst>
-          </a:blip>
-          <a:stretch>
-            <a:fillRect/>
-          </a:stretch>
-        </p:blipFill>
-        <p:spPr>
-          <a:xfrm>
-            <a:off x="457201" y="2514600"/>
-            <a:ext cx="5236756" cy="2686212"/>
-          </a:xfrm>
-          <a:prstGeom prst="rect">
-            <a:avLst/>
-          </a:prstGeom>
-        </p:spPr>
-      </p:pic>
-      <p:pic>
-        <p:nvPicPr>
-          <p:cNvPr id="6" name="Picture 5"/>
-          <p:cNvPicPr>
-            <a:picLocks noChangeAspect="1"/>
-          </p:cNvPicPr>
-          <p:nvPr/>
-        </p:nvPicPr>
-        <p:blipFill>
-          <a:blip r:embed="rId3">
-            <a:extLst>
-              <a:ext uri="{28A0092B-C50C-407E-A947-70E740481C1C}">
-                <a14:useLocalDpi xmlns:a14="http://schemas.microsoft.com/office/drawing/2010/main" val="0"/>
-              </a:ext>
-            </a:extLst>
-          </a:blip>
-          <a:stretch>
-            <a:fillRect/>
-          </a:stretch>
-        </p:blipFill>
-        <p:spPr>
-          <a:xfrm>
-            <a:off x="6248400" y="2514600"/>
-            <a:ext cx="2247900" cy="2247900"/>
-          </a:xfrm>
-          <a:prstGeom prst="rect">
-            <a:avLst/>
-          </a:prstGeom>
-        </p:spPr>
-      </p:pic>
-      <p:sp>
-        <p:nvSpPr>
-          <p:cNvPr id="11" name="Multiply 10"/>
-          <p:cNvSpPr/>
-          <p:nvPr/>
-        </p:nvSpPr>
-        <p:spPr>
-          <a:xfrm>
-            <a:off x="5562600" y="2667000"/>
-            <a:ext cx="3276600" cy="1463040"/>
-          </a:xfrm>
-          <a:prstGeom prst="mathMultiply">
-            <a:avLst/>
-          </a:prstGeom>
-          <a:solidFill>
-            <a:srgbClr val="FF0000"/>
-          </a:solidFill>
-          <a:ln w="0"/>
-          <a:effectLst>
-            <a:glow>
-              <a:schemeClr val="accent1">
-                <a:alpha val="0"/>
-              </a:schemeClr>
-            </a:glow>
-            <a:outerShdw blurRad="40000" dist="23000" dir="5400000" rotWithShape="0">
-              <a:srgbClr val="000000">
-                <a:alpha val="0"/>
-              </a:srgbClr>
-            </a:outerShdw>
-            <a:reflection endPos="0" dist="50800" dir="5400000" sy="-100000" algn="bl" rotWithShape="0"/>
-          </a:effectLst>
-        </p:spPr>
-        <p:style>
-          <a:lnRef idx="1">
-            <a:schemeClr val="accent1"/>
-          </a:lnRef>
-          <a:fillRef idx="3">
-            <a:schemeClr val="accent1"/>
-          </a:fillRef>
-          <a:effectRef idx="2">
-            <a:schemeClr val="accent1"/>
-          </a:effectRef>
-          <a:fontRef idx="minor">
-            <a:schemeClr val="lt1"/>
-          </a:fontRef>
-        </p:style>
-        <p:txBody>
-          <a:bodyPr rtlCol="0" anchor="ctr"/>
-          <a:lstStyle/>
-          <a:p>
-            <a:pPr algn="ctr"/>
-            <a:endParaRPr lang="en-US">
-              <a:solidFill>
-                <a:srgbClr val="FF0000"/>
-              </a:solidFill>
-            </a:endParaRPr>
-          </a:p>
-        </p:txBody>
-      </p:sp>
-      <p:sp>
-        <p:nvSpPr>
-          <p:cNvPr id="12" name="TextBox 11"/>
-          <p:cNvSpPr txBox="1"/>
-          <p:nvPr/>
-        </p:nvSpPr>
-        <p:spPr>
-          <a:xfrm>
-            <a:off x="6248400" y="4214347"/>
-            <a:ext cx="2247900" cy="523220"/>
-          </a:xfrm>
-          <a:prstGeom prst="rect">
-            <a:avLst/>
-          </a:prstGeom>
-          <a:noFill/>
-        </p:spPr>
-        <p:txBody>
-          <a:bodyPr wrap="square" rtlCol="0">
-            <a:spAutoFit/>
-          </a:bodyPr>
-          <a:lstStyle/>
-          <a:p>
-            <a:pPr algn="ctr"/>
-            <a:r>
-              <a:rPr lang="en-US" sz="2800" dirty="0" smtClean="0"/>
-              <a:t>Please</a:t>
-            </a:r>
-            <a:r>
-              <a:rPr lang="en-US" sz="2800" dirty="0" smtClean="0">
-                <a:solidFill>
-                  <a:srgbClr val="FF0000"/>
-                </a:solidFill>
-              </a:rPr>
-              <a:t> </a:t>
-            </a:r>
-            <a:r>
-              <a:rPr lang="en-US" sz="2800" dirty="0" smtClean="0"/>
-              <a:t>Don’t</a:t>
-            </a:r>
-            <a:endParaRPr lang="en-US" sz="2800" dirty="0"/>
-          </a:p>
-        </p:txBody>
-      </p:sp>
-    </p:spTree>
-    <p:extLst>
-      <p:ext uri="{BB962C8B-B14F-4D97-AF65-F5344CB8AC3E}">
-        <p14:creationId xmlns:p14="http://schemas.microsoft.com/office/powerpoint/2010/main" val="1712146923"/>
-      </p:ext>
-    </p:extLst>
-  </p:cSld>
-  <p:clrMapOvr>
-    <a:masterClrMapping/>
-  </p:clrMapOvr>
-  <p:timing>
-    <p:tnLst>
-      <p:par>
-        <p:cTn id="1" dur="indefinite" restart="never" nodeType="tmRoot"/>
-      </p:par>
-    </p:tnLst>
-  </p:timing>
-</p:sld>
-</file>
-
-<file path=ppt/slides/slide22.xml><?xml version="1.0" encoding="utf-8"?>
-<p:sld xmlns:a="http://schemas.openxmlformats.org/drawingml/2006/main" xmlns:r="http://schemas.openxmlformats.org/officeDocument/2006/relationships" xmlns:p="http://schemas.openxmlformats.org/presentationml/2006/main">
-  <p:cSld>
-    <p:spTree>
-      <p:nvGrpSpPr>
-        <p:cNvPr id="1" name=""/>
-        <p:cNvGrpSpPr/>
-        <p:nvPr/>
-      </p:nvGrpSpPr>
-      <p:grpSpPr>
-        <a:xfrm>
-          <a:off x="0" y="0"/>
-          <a:ext cx="0" cy="0"/>
-          <a:chOff x="0" y="0"/>
-          <a:chExt cx="0" cy="0"/>
-        </a:xfrm>
-      </p:grpSpPr>
-      <p:sp>
-        <p:nvSpPr>
-          <p:cNvPr id="2" name="Content Placeholder 1"/>
-          <p:cNvSpPr>
-            <a:spLocks noGrp="1"/>
-          </p:cNvSpPr>
-          <p:nvPr>
-            <p:ph idx="1"/>
-          </p:nvPr>
-        </p:nvSpPr>
-        <p:spPr/>
-        <p:txBody>
-          <a:bodyPr/>
-          <a:lstStyle/>
-          <a:p>
-            <a:pPr marL="0" indent="0">
-              <a:buNone/>
-            </a:pPr>
-            <a:r>
-              <a:rPr lang="en-US" i="1" dirty="0" smtClean="0"/>
-              <a:t>SOA Predictive Analytics Exam for ASA’s</a:t>
-            </a:r>
-          </a:p>
-          <a:p>
-            <a:pPr marL="0" indent="0">
-              <a:buNone/>
-            </a:pPr>
-            <a:endParaRPr lang="en-US" i="1" dirty="0" smtClean="0"/>
-          </a:p>
-          <a:p>
-            <a:pPr marL="0" indent="0">
-              <a:buNone/>
-            </a:pPr>
-            <a:endParaRPr lang="en-US" i="1" dirty="0"/>
-          </a:p>
-          <a:p>
-            <a:pPr marL="0" indent="0">
-              <a:buNone/>
-            </a:pPr>
-            <a:endParaRPr lang="en-US" i="1" dirty="0"/>
-          </a:p>
-          <a:p>
-            <a:pPr>
-              <a:buFont typeface="Wingdings" panose="05000000000000000000" pitchFamily="2" charset="2"/>
-              <a:buChar char="§"/>
-            </a:pPr>
-            <a:endParaRPr lang="en-US" i="1" dirty="0" smtClean="0"/>
-          </a:p>
-          <a:p>
-            <a:pPr>
-              <a:buFont typeface="Wingdings" panose="05000000000000000000" pitchFamily="2" charset="2"/>
-              <a:buChar char="§"/>
-            </a:pPr>
-            <a:endParaRPr lang="en-US" i="1" dirty="0"/>
-          </a:p>
-          <a:p>
-            <a:pPr marL="0" indent="0">
-              <a:buNone/>
-            </a:pPr>
-            <a:endParaRPr lang="en-US" i="1" dirty="0" smtClean="0"/>
-          </a:p>
-          <a:p>
-            <a:pPr>
-              <a:buFont typeface="Wingdings" panose="05000000000000000000" pitchFamily="2" charset="2"/>
-              <a:buChar char="§"/>
-            </a:pPr>
-            <a:endParaRPr lang="en-US" i="1" dirty="0" smtClean="0"/>
-          </a:p>
-          <a:p>
-            <a:pPr>
-              <a:buFont typeface="Wingdings" panose="05000000000000000000" pitchFamily="2" charset="2"/>
-              <a:buChar char="§"/>
-            </a:pPr>
-            <a:endParaRPr lang="en-US" i="1" dirty="0"/>
-          </a:p>
-          <a:p>
-            <a:pPr>
-              <a:buFont typeface="Wingdings" panose="05000000000000000000" pitchFamily="2" charset="2"/>
-              <a:buChar char="§"/>
-            </a:pPr>
-            <a:endParaRPr lang="en-US" i="1" dirty="0" smtClean="0"/>
-          </a:p>
-          <a:p>
-            <a:pPr>
-              <a:buFont typeface="Wingdings" panose="05000000000000000000" pitchFamily="2" charset="2"/>
-              <a:buChar char="§"/>
-            </a:pPr>
-            <a:r>
-              <a:rPr lang="en-US" i="1" dirty="0" smtClean="0"/>
-              <a:t>Big picture:</a:t>
-            </a:r>
-          </a:p>
-          <a:p>
-            <a:pPr lvl="1">
-              <a:buFont typeface="Wingdings" panose="05000000000000000000" pitchFamily="2" charset="2"/>
-              <a:buChar char="§"/>
-            </a:pPr>
-            <a:r>
-              <a:rPr lang="en-US" i="1" dirty="0" smtClean="0"/>
-              <a:t>At Lincoln you are going to have an influx of interns with these skills! </a:t>
-            </a:r>
-            <a:endParaRPr lang="en-US" i="1" dirty="0"/>
-          </a:p>
-          <a:p>
-            <a:pPr>
-              <a:buFont typeface="Wingdings" panose="05000000000000000000" pitchFamily="2" charset="2"/>
-              <a:buChar char="§"/>
-            </a:pPr>
-            <a:endParaRPr lang="en-US" i="1" dirty="0" smtClean="0"/>
-          </a:p>
-          <a:p>
-            <a:pPr lvl="1">
-              <a:buFont typeface="Wingdings" panose="05000000000000000000" pitchFamily="2" charset="2"/>
-              <a:buChar char="§"/>
-            </a:pPr>
-            <a:endParaRPr lang="en-US" i="1" dirty="0" smtClean="0"/>
-          </a:p>
-          <a:p>
-            <a:pPr lvl="1">
-              <a:buFont typeface="Wingdings" panose="05000000000000000000" pitchFamily="2" charset="2"/>
-              <a:buChar char="§"/>
-            </a:pPr>
-            <a:endParaRPr lang="en-US" i="1" dirty="0"/>
-          </a:p>
-          <a:p>
-            <a:pPr lvl="1">
-              <a:buFont typeface="Wingdings" panose="05000000000000000000" pitchFamily="2" charset="2"/>
-              <a:buChar char="§"/>
-            </a:pPr>
-            <a:endParaRPr lang="en-US" dirty="0" smtClean="0"/>
-          </a:p>
-        </p:txBody>
-      </p:sp>
-      <p:sp>
-        <p:nvSpPr>
-          <p:cNvPr id="3" name="Slide Number Placeholder 2"/>
-          <p:cNvSpPr>
-            <a:spLocks noGrp="1"/>
-          </p:cNvSpPr>
-          <p:nvPr>
-            <p:ph type="sldNum" sz="quarter" idx="12"/>
-          </p:nvPr>
-        </p:nvSpPr>
-        <p:spPr/>
-        <p:txBody>
-          <a:bodyPr/>
-          <a:lstStyle/>
-          <a:p>
-            <a:fld id="{E49B4C36-CA85-496D-A067-FC602A1FD8AC}" type="slidenum">
-              <a:rPr lang="en-US" smtClean="0"/>
-              <a:t>22</a:t>
             </a:fld>
             <a:endParaRPr lang="en-US"/>
           </a:p>
@@ -12018,7 +11208,7 @@
 </p:sld>
 </file>
 
-<file path=ppt/slides/slide23.xml><?xml version="1.0" encoding="utf-8"?>
+<file path=ppt/slides/slide22.xml><?xml version="1.0" encoding="utf-8"?>
 <p:sld xmlns:a="http://schemas.openxmlformats.org/drawingml/2006/main" xmlns:r="http://schemas.openxmlformats.org/officeDocument/2006/relationships" xmlns:p="http://schemas.openxmlformats.org/presentationml/2006/main">
   <p:cSld>
     <p:spTree>
@@ -12096,10 +11286,18 @@
               <a:buFont typeface="Wingdings" panose="05000000000000000000" pitchFamily="2" charset="2"/>
               <a:buChar char="§"/>
             </a:pPr>
+            <a:endParaRPr lang="en-US" sz="1800" dirty="0" smtClean="0"/>
+          </a:p>
+          <a:p>
+            <a:pPr>
+              <a:buFont typeface="Wingdings" panose="05000000000000000000" pitchFamily="2" charset="2"/>
+              <a:buChar char="§"/>
+            </a:pPr>
             <a:r>
               <a:rPr lang="en-US" sz="1800" dirty="0" smtClean="0"/>
               <a:t>Dashboards</a:t>
             </a:r>
+            <a:endParaRPr lang="en-US" sz="1800" dirty="0" smtClean="0"/>
           </a:p>
           <a:p>
             <a:pPr lvl="1">
@@ -12133,6 +11331,12 @@
             <a:pPr marL="228600" lvl="1" indent="0">
               <a:buNone/>
             </a:pPr>
+            <a:endParaRPr lang="en-US" dirty="0" smtClean="0"/>
+          </a:p>
+          <a:p>
+            <a:pPr marL="228600" lvl="1" indent="0">
+              <a:buNone/>
+            </a:pPr>
             <a:endParaRPr lang="en-US" dirty="0"/>
           </a:p>
           <a:p>
@@ -12172,28 +11376,6 @@
               <a:buNone/>
             </a:pPr>
             <a:endParaRPr lang="en-US" dirty="0" smtClean="0"/>
-          </a:p>
-          <a:p>
-            <a:pPr>
-              <a:buFont typeface="Wingdings" panose="05000000000000000000" pitchFamily="2" charset="2"/>
-              <a:buChar char="§"/>
-            </a:pPr>
-            <a:r>
-              <a:rPr lang="en-US" sz="1800" dirty="0" smtClean="0"/>
-              <a:t>Predictive analytics</a:t>
-            </a:r>
-            <a:endParaRPr lang="en-US" sz="1800" dirty="0"/>
-          </a:p>
-          <a:p>
-            <a:pPr lvl="1">
-              <a:buFont typeface="Wingdings" panose="05000000000000000000" pitchFamily="2" charset="2"/>
-              <a:buChar char="§"/>
-            </a:pPr>
-            <a:r>
-              <a:rPr lang="en-US" dirty="0" smtClean="0"/>
-              <a:t>Predicting worst 10% of scenarios from 2000</a:t>
-            </a:r>
-            <a:endParaRPr lang="en-US" dirty="0"/>
           </a:p>
           <a:p>
             <a:pPr marL="228600" lvl="1" indent="0">
@@ -12460,10 +11642,18 @@
               <a:buFont typeface="Wingdings" panose="05000000000000000000" pitchFamily="2" charset="2"/>
               <a:buChar char="§"/>
             </a:pPr>
+            <a:endParaRPr lang="en-US" sz="1800" dirty="0" smtClean="0"/>
+          </a:p>
+          <a:p>
+            <a:pPr>
+              <a:buFont typeface="Wingdings" panose="05000000000000000000" pitchFamily="2" charset="2"/>
+              <a:buChar char="§"/>
+            </a:pPr>
             <a:r>
               <a:rPr lang="en-US" sz="1800" dirty="0" smtClean="0"/>
               <a:t>Visualizations</a:t>
             </a:r>
+            <a:endParaRPr lang="en-US" sz="1800" dirty="0" smtClean="0"/>
           </a:p>
           <a:p>
             <a:pPr lvl="1">
@@ -12503,6 +11693,16 @@
             <a:endParaRPr lang="en-US" dirty="0" smtClean="0"/>
           </a:p>
           <a:p>
+            <a:pPr marL="228600" lvl="1" indent="0">
+              <a:spcAft>
+                <a:spcPts val="0"/>
+              </a:spcAft>
+              <a:buFont typeface="Calibri" pitchFamily="34" charset="0"/>
+              <a:buNone/>
+            </a:pPr>
+            <a:endParaRPr lang="en-US" dirty="0" smtClean="0"/>
+          </a:p>
+          <a:p>
             <a:pPr>
               <a:buFont typeface="Wingdings" panose="05000000000000000000" pitchFamily="2" charset="2"/>
               <a:buChar char="§"/>
@@ -12538,37 +11738,6 @@
               <a:buNone/>
             </a:pPr>
             <a:endParaRPr lang="en-US" dirty="0" smtClean="0"/>
-          </a:p>
-          <a:p>
-            <a:pPr>
-              <a:buFont typeface="Wingdings" panose="05000000000000000000" pitchFamily="2" charset="2"/>
-              <a:buChar char="§"/>
-            </a:pPr>
-            <a:r>
-              <a:rPr lang="en-US" sz="1800" dirty="0" smtClean="0"/>
-              <a:t>Miscellaneous analyses</a:t>
-            </a:r>
-            <a:endParaRPr lang="en-US" sz="1800" dirty="0"/>
-          </a:p>
-          <a:p>
-            <a:pPr lvl="1">
-              <a:buFont typeface="Wingdings" panose="05000000000000000000" pitchFamily="2" charset="2"/>
-              <a:buChar char="§"/>
-            </a:pPr>
-            <a:r>
-              <a:rPr lang="en-US" dirty="0" smtClean="0"/>
-              <a:t>Copying / renaming 1500 files</a:t>
-            </a:r>
-          </a:p>
-          <a:p>
-            <a:pPr lvl="1">
-              <a:buFont typeface="Wingdings" panose="05000000000000000000" pitchFamily="2" charset="2"/>
-              <a:buChar char="§"/>
-            </a:pPr>
-            <a:r>
-              <a:rPr lang="en-US" dirty="0" smtClean="0"/>
-              <a:t>Complex data manipulation</a:t>
-            </a:r>
           </a:p>
           <a:p>
             <a:pPr lvl="1">
@@ -13101,11 +12270,38 @@
             </a:pPr>
             <a:r>
               <a:rPr lang="en-US" i="1" dirty="0" smtClean="0"/>
-              <a:t>Very little work </a:t>
-            </a:r>
-            <a:r>
-              <a:rPr lang="en-US" dirty="0" smtClean="0"/>
-              <a:t>– Raw output from ALFA is dumped in a folder each quarter</a:t>
+              <a:t>Very little </a:t>
+            </a:r>
+            <a:r>
+              <a:rPr lang="en-US" i="1" dirty="0" smtClean="0"/>
+              <a:t>work</a:t>
+            </a:r>
+          </a:p>
+          <a:p>
+            <a:pPr lvl="2">
+              <a:spcAft>
+                <a:spcPts val="0"/>
+              </a:spcAft>
+              <a:buFont typeface="Wingdings" panose="05000000000000000000" pitchFamily="2" charset="2"/>
+              <a:buChar char="§"/>
+            </a:pPr>
+            <a:endParaRPr lang="en-US" i="1" dirty="0"/>
+          </a:p>
+          <a:p>
+            <a:pPr lvl="3">
+              <a:spcAft>
+                <a:spcPts val="0"/>
+              </a:spcAft>
+              <a:buFont typeface="Wingdings" panose="05000000000000000000" pitchFamily="2" charset="2"/>
+              <a:buChar char="§"/>
+            </a:pPr>
+            <a:r>
+              <a:rPr lang="en-US" dirty="0" smtClean="0"/>
+              <a:t>Raw </a:t>
+            </a:r>
+            <a:r>
+              <a:rPr lang="en-US" dirty="0" smtClean="0"/>
+              <a:t>output from ALFA is dumped in a folder each quarter</a:t>
             </a:r>
           </a:p>
           <a:p>
@@ -13130,9 +12326,33 @@
               <a:rPr lang="en-US" i="1" dirty="0" smtClean="0"/>
               <a:t>Maintain history </a:t>
             </a:r>
-            <a:r>
-              <a:rPr lang="en-US" dirty="0" smtClean="0"/>
-              <a:t>– Compare multiple years of projections as opposed to just two</a:t>
+            <a:endParaRPr lang="en-US" dirty="0"/>
+          </a:p>
+          <a:p>
+            <a:pPr lvl="1">
+              <a:spcAft>
+                <a:spcPts val="0"/>
+              </a:spcAft>
+              <a:buFont typeface="Wingdings" panose="05000000000000000000" pitchFamily="2" charset="2"/>
+              <a:buChar char="§"/>
+            </a:pPr>
+            <a:endParaRPr lang="en-US" dirty="0" smtClean="0"/>
+          </a:p>
+          <a:p>
+            <a:pPr lvl="3">
+              <a:spcAft>
+                <a:spcPts val="0"/>
+              </a:spcAft>
+              <a:buFont typeface="Wingdings" panose="05000000000000000000" pitchFamily="2" charset="2"/>
+              <a:buChar char="§"/>
+            </a:pPr>
+            <a:r>
+              <a:rPr lang="en-US" dirty="0" smtClean="0"/>
+              <a:t>Compare </a:t>
+            </a:r>
+            <a:r>
+              <a:rPr lang="en-US" dirty="0" smtClean="0"/>
+              <a:t>multiple years of projections as opposed to just two</a:t>
             </a:r>
           </a:p>
           <a:p>
@@ -13291,9 +12511,112 @@
               <a:buChar char="§"/>
             </a:pPr>
             <a:r>
-              <a:rPr lang="en-US" i="1" dirty="0" smtClean="0"/>
-              <a:t>tbc</a:t>
-            </a:r>
+              <a:rPr lang="en-US" dirty="0" smtClean="0"/>
+              <a:t>Visualize cash flow projection data (a lot of it)</a:t>
+            </a:r>
+          </a:p>
+          <a:p>
+            <a:pPr lvl="1">
+              <a:spcAft>
+                <a:spcPts val="0"/>
+              </a:spcAft>
+              <a:buFont typeface="Wingdings" panose="05000000000000000000" pitchFamily="2" charset="2"/>
+              <a:buChar char="§"/>
+            </a:pPr>
+            <a:endParaRPr lang="en-US" dirty="0"/>
+          </a:p>
+          <a:p>
+            <a:pPr lvl="1">
+              <a:spcAft>
+                <a:spcPts val="0"/>
+              </a:spcAft>
+              <a:buFont typeface="Wingdings" panose="05000000000000000000" pitchFamily="2" charset="2"/>
+              <a:buChar char="§"/>
+            </a:pPr>
+            <a:r>
+              <a:rPr lang="en-US" dirty="0" smtClean="0"/>
+              <a:t>Many ways to slice the data</a:t>
+            </a:r>
+          </a:p>
+          <a:p>
+            <a:pPr marL="228600" lvl="1" indent="0">
+              <a:spcAft>
+                <a:spcPts val="0"/>
+              </a:spcAft>
+              <a:buNone/>
+            </a:pPr>
+            <a:endParaRPr lang="en-US" dirty="0" smtClean="0"/>
+          </a:p>
+          <a:p>
+            <a:pPr marL="228600" lvl="1" indent="0">
+              <a:spcAft>
+                <a:spcPts val="0"/>
+              </a:spcAft>
+              <a:buNone/>
+            </a:pPr>
+            <a:endParaRPr lang="en-US" dirty="0"/>
+          </a:p>
+          <a:p>
+            <a:pPr marL="457200" lvl="2" indent="0">
+              <a:spcAft>
+                <a:spcPts val="0"/>
+              </a:spcAft>
+              <a:buNone/>
+            </a:pPr>
+            <a:endParaRPr lang="en-US" dirty="0"/>
+          </a:p>
+          <a:p>
+            <a:pPr marL="457200" lvl="2" indent="0">
+              <a:spcAft>
+                <a:spcPts val="0"/>
+              </a:spcAft>
+              <a:buNone/>
+            </a:pPr>
+            <a:endParaRPr lang="en-US" dirty="0" smtClean="0"/>
+          </a:p>
+          <a:p>
+            <a:pPr lvl="1">
+              <a:spcAft>
+                <a:spcPts val="0"/>
+              </a:spcAft>
+              <a:buFont typeface="Wingdings" panose="05000000000000000000" pitchFamily="2" charset="2"/>
+              <a:buChar char="§"/>
+            </a:pPr>
+            <a:r>
+              <a:rPr lang="en-US" dirty="0" smtClean="0"/>
+              <a:t>Resulting in &gt;3 million rows for just 2 sets of projections (sorry Excel)</a:t>
+            </a:r>
+            <a:endParaRPr lang="en-US" dirty="0"/>
+          </a:p>
+          <a:p>
+            <a:pPr lvl="2">
+              <a:spcAft>
+                <a:spcPts val="0"/>
+              </a:spcAft>
+              <a:buFont typeface="Wingdings" panose="05000000000000000000" pitchFamily="2" charset="2"/>
+              <a:buChar char="§"/>
+            </a:pPr>
+            <a:endParaRPr lang="en-US" dirty="0" smtClean="0"/>
+          </a:p>
+          <a:p>
+            <a:pPr lvl="1">
+              <a:spcAft>
+                <a:spcPts val="0"/>
+              </a:spcAft>
+              <a:buFont typeface="Wingdings" panose="05000000000000000000" pitchFamily="2" charset="2"/>
+              <a:buChar char="§"/>
+            </a:pPr>
+            <a:endParaRPr lang="en-US" dirty="0"/>
+          </a:p>
+          <a:p>
+            <a:pPr lvl="1">
+              <a:spcAft>
+                <a:spcPts val="0"/>
+              </a:spcAft>
+              <a:buFont typeface="Wingdings" panose="05000000000000000000" pitchFamily="2" charset="2"/>
+              <a:buChar char="§"/>
+            </a:pPr>
+            <a:endParaRPr lang="en-US" dirty="0" smtClean="0"/>
           </a:p>
           <a:p>
             <a:pPr lvl="1">
@@ -13357,6 +12680,114 @@
           </a:p>
         </p:txBody>
       </p:sp>
+      <p:graphicFrame>
+        <p:nvGraphicFramePr>
+          <p:cNvPr id="5" name="Table 4"/>
+          <p:cNvGraphicFramePr>
+            <a:graphicFrameLocks noGrp="1"/>
+          </p:cNvGraphicFramePr>
+          <p:nvPr>
+            <p:extLst>
+              <p:ext uri="{D42A27DB-BD31-4B8C-83A1-F6EECF244321}">
+                <p14:modId xmlns:p14="http://schemas.microsoft.com/office/powerpoint/2010/main" val="692267141"/>
+              </p:ext>
+            </p:extLst>
+          </p:nvPr>
+        </p:nvGraphicFramePr>
+        <p:xfrm>
+          <a:off x="914400" y="3525520"/>
+          <a:ext cx="8001000" cy="741680"/>
+        </p:xfrm>
+        <a:graphic>
+          <a:graphicData uri="http://schemas.openxmlformats.org/drawingml/2006/table">
+            <a:tbl>
+              <a:tblPr firstRow="1" bandRow="1">
+                <a:tableStyleId>{2D5ABB26-0587-4C30-8999-92F81FD0307C}</a:tableStyleId>
+              </a:tblPr>
+              <a:tblGrid>
+                <a:gridCol w="4000500"/>
+                <a:gridCol w="4000500"/>
+              </a:tblGrid>
+              <a:tr h="370840">
+                <a:tc>
+                  <a:txBody>
+                    <a:bodyPr/>
+                    <a:lstStyle/>
+                    <a:p>
+                      <a:pPr marL="285750" indent="-285750">
+                        <a:buFont typeface="Wingdings" panose="05000000000000000000" pitchFamily="2" charset="2"/>
+                        <a:buChar char="§"/>
+                      </a:pPr>
+                      <a:r>
+                        <a:rPr lang="en-US" dirty="0" smtClean="0"/>
+                        <a:t>Year of projection</a:t>
+                      </a:r>
+                      <a:endParaRPr lang="en-US" dirty="0"/>
+                    </a:p>
+                  </a:txBody>
+                  <a:tcPr/>
+                </a:tc>
+                <a:tc>
+                  <a:txBody>
+                    <a:bodyPr/>
+                    <a:lstStyle/>
+                    <a:p>
+                      <a:pPr marL="285750" indent="-285750">
+                        <a:buFont typeface="Wingdings" panose="05000000000000000000" pitchFamily="2" charset="2"/>
+                        <a:buChar char="§"/>
+                      </a:pPr>
+                      <a:r>
+                        <a:rPr lang="en-US" dirty="0" smtClean="0"/>
+                        <a:t>Line of business</a:t>
+                      </a:r>
+                      <a:endParaRPr lang="en-US" dirty="0"/>
+                    </a:p>
+                  </a:txBody>
+                  <a:tcPr/>
+                </a:tc>
+              </a:tr>
+              <a:tr h="370840">
+                <a:tc>
+                  <a:txBody>
+                    <a:bodyPr/>
+                    <a:lstStyle/>
+                    <a:p>
+                      <a:pPr marL="285750" indent="-285750">
+                        <a:buFont typeface="Wingdings" panose="05000000000000000000" pitchFamily="2" charset="2"/>
+                        <a:buChar char="§"/>
+                      </a:pPr>
+                      <a:r>
+                        <a:rPr lang="en-US" dirty="0" smtClean="0"/>
+                        <a:t>Group</a:t>
+                      </a:r>
+                      <a:endParaRPr lang="en-US" dirty="0"/>
+                    </a:p>
+                  </a:txBody>
+                  <a:tcPr/>
+                </a:tc>
+                <a:tc>
+                  <a:txBody>
+                    <a:bodyPr/>
+                    <a:lstStyle/>
+                    <a:p>
+                      <a:pPr marL="285750" indent="-285750">
+                        <a:buFont typeface="Wingdings" panose="05000000000000000000" pitchFamily="2" charset="2"/>
+                        <a:buChar char="§"/>
+                      </a:pPr>
+                      <a:r>
+                        <a:rPr lang="en-US" dirty="0" smtClean="0"/>
+                        <a:t>Scenario</a:t>
+                      </a:r>
+                      <a:endParaRPr lang="en-US" dirty="0"/>
+                    </a:p>
+                  </a:txBody>
+                  <a:tcPr/>
+                </a:tc>
+              </a:tr>
+            </a:tbl>
+          </a:graphicData>
+        </a:graphic>
+      </p:graphicFrame>
     </p:spTree>
     <p:extLst>
       <p:ext uri="{BB962C8B-B14F-4D97-AF65-F5344CB8AC3E}">
@@ -13414,24 +12845,58 @@
             </a:pPr>
             <a:r>
               <a:rPr lang="en-US" i="1" dirty="0" smtClean="0"/>
-              <a:t>Waterfall graphs</a:t>
-            </a:r>
-          </a:p>
-          <a:p>
-            <a:pPr marL="228600" lvl="1" indent="0">
+              <a:t>Visualizing cash flows</a:t>
+            </a:r>
+          </a:p>
+          <a:p>
+            <a:pPr marL="0" indent="0">
               <a:buNone/>
             </a:pPr>
+            <a:endParaRPr lang="en-US" i="1" dirty="0"/>
+          </a:p>
+          <a:p>
+            <a:pPr>
+              <a:spcAft>
+                <a:spcPts val="0"/>
+              </a:spcAft>
+              <a:buFont typeface="Wingdings" panose="05000000000000000000" pitchFamily="2" charset="2"/>
+              <a:buChar char="§"/>
+            </a:pPr>
+            <a:r>
+              <a:rPr lang="en-US" i="1" dirty="0" smtClean="0"/>
+              <a:t>Current process:</a:t>
+            </a:r>
+            <a:endParaRPr lang="en-US" i="1" dirty="0" smtClean="0"/>
+          </a:p>
+          <a:p>
+            <a:pPr lvl="2">
+              <a:spcAft>
+                <a:spcPts val="0"/>
+              </a:spcAft>
+              <a:buFont typeface="Wingdings" panose="05000000000000000000" pitchFamily="2" charset="2"/>
+              <a:buChar char="§"/>
+            </a:pPr>
+            <a:endParaRPr lang="en-US" dirty="0" smtClean="0"/>
+          </a:p>
+          <a:p>
+            <a:pPr lvl="1">
+              <a:spcAft>
+                <a:spcPts val="0"/>
+              </a:spcAft>
+              <a:buFont typeface="Wingdings" panose="05000000000000000000" pitchFamily="2" charset="2"/>
+              <a:buChar char="§"/>
+            </a:pPr>
             <a:endParaRPr lang="en-US" dirty="0"/>
           </a:p>
           <a:p>
             <a:pPr lvl="1">
-              <a:buFont typeface="Wingdings" panose="05000000000000000000" pitchFamily="2" charset="2"/>
-              <a:buChar char="§"/>
-            </a:pPr>
-            <a:r>
-              <a:rPr lang="en-US" dirty="0" smtClean="0"/>
-              <a:t>Loved by senior management</a:t>
-            </a:r>
+              <a:spcAft>
+                <a:spcPts val="0"/>
+              </a:spcAft>
+              <a:buFont typeface="Wingdings" panose="05000000000000000000" pitchFamily="2" charset="2"/>
+              <a:buChar char="§"/>
+            </a:pPr>
+            <a:endParaRPr lang="en-US" dirty="0" smtClean="0"/>
           </a:p>
           <a:p>
             <a:pPr lvl="1">
@@ -13439,53 +12904,6 @@
               <a:buChar char="§"/>
             </a:pPr>
             <a:endParaRPr lang="en-US" i="1" dirty="0"/>
-          </a:p>
-          <a:p>
-            <a:pPr lvl="1">
-              <a:buFont typeface="Wingdings" panose="05000000000000000000" pitchFamily="2" charset="2"/>
-              <a:buChar char="§"/>
-            </a:pPr>
-            <a:r>
-              <a:rPr lang="en-US" dirty="0" smtClean="0"/>
-              <a:t>Difficult to create</a:t>
-            </a:r>
-          </a:p>
-          <a:p>
-            <a:pPr lvl="1">
-              <a:buFont typeface="Wingdings" panose="05000000000000000000" pitchFamily="2" charset="2"/>
-              <a:buChar char="§"/>
-            </a:pPr>
-            <a:endParaRPr lang="en-US" i="1" dirty="0" smtClean="0"/>
-          </a:p>
-          <a:p>
-            <a:pPr lvl="1">
-              <a:buFont typeface="Wingdings" panose="05000000000000000000" pitchFamily="2" charset="2"/>
-              <a:buChar char="§"/>
-            </a:pPr>
-            <a:r>
-              <a:rPr lang="en-US" dirty="0" smtClean="0"/>
-              <a:t>Not all that</a:t>
-            </a:r>
-          </a:p>
-          <a:p>
-            <a:pPr marL="228600" lvl="1" indent="0">
-              <a:buNone/>
-            </a:pPr>
-            <a:r>
-              <a:rPr lang="en-US" dirty="0"/>
-              <a:t> </a:t>
-            </a:r>
-            <a:r>
-              <a:rPr lang="en-US" dirty="0" smtClean="0"/>
-              <a:t>   appealing…</a:t>
-            </a:r>
-            <a:endParaRPr lang="en-US" dirty="0"/>
-          </a:p>
-          <a:p>
-            <a:pPr marL="228600" lvl="1" indent="0">
-              <a:buNone/>
-            </a:pPr>
-            <a:endParaRPr lang="en-US" dirty="0"/>
           </a:p>
           <a:p>
             <a:pPr lvl="1">
@@ -13536,46 +12954,16 @@
           <a:p>
             <a:r>
               <a:rPr lang="en-US" dirty="0" smtClean="0"/>
-              <a:t>Visualizations</a:t>
+              <a:t>dashboards</a:t>
             </a:r>
             <a:endParaRPr lang="en-US" dirty="0"/>
           </a:p>
         </p:txBody>
       </p:sp>
-      <p:pic>
-        <p:nvPicPr>
-          <p:cNvPr id="5" name="Picture 4"/>
-          <p:cNvPicPr>
-            <a:picLocks noChangeAspect="1"/>
-          </p:cNvPicPr>
-          <p:nvPr/>
-        </p:nvPicPr>
-        <p:blipFill>
-          <a:blip r:embed="rId2">
-            <a:extLst>
-              <a:ext uri="{28A0092B-C50C-407E-A947-70E740481C1C}">
-                <a14:useLocalDpi xmlns:a14="http://schemas.microsoft.com/office/drawing/2010/main" val="0"/>
-              </a:ext>
-            </a:extLst>
-          </a:blip>
-          <a:stretch>
-            <a:fillRect/>
-          </a:stretch>
-        </p:blipFill>
-        <p:spPr>
-          <a:xfrm>
-            <a:off x="2743200" y="2514600"/>
-            <a:ext cx="5867400" cy="3243470"/>
-          </a:xfrm>
-          <a:prstGeom prst="rect">
-            <a:avLst/>
-          </a:prstGeom>
-        </p:spPr>
-      </p:pic>
     </p:spTree>
     <p:extLst>
       <p:ext uri="{BB962C8B-B14F-4D97-AF65-F5344CB8AC3E}">
-        <p14:creationId xmlns:p14="http://schemas.microsoft.com/office/powerpoint/2010/main" val="4015479969"/>
+        <p14:creationId xmlns:p14="http://schemas.microsoft.com/office/powerpoint/2010/main" val="4031662715"/>
       </p:ext>
     </p:extLst>
   </p:cSld>
@@ -13629,131 +13017,109 @@
             </a:pPr>
             <a:r>
               <a:rPr lang="en-US" i="1" dirty="0" smtClean="0"/>
-              <a:t>Waterfall graphs – Let R do the work for you</a:t>
-            </a:r>
-          </a:p>
-          <a:p>
-            <a:pPr marL="228600" lvl="1" indent="0">
+              <a:t>Visualizing cash flows</a:t>
+            </a:r>
+          </a:p>
+          <a:p>
+            <a:pPr marL="0" indent="0">
               <a:buNone/>
             </a:pPr>
+            <a:endParaRPr lang="en-US" i="1" dirty="0"/>
+          </a:p>
+          <a:p>
+            <a:pPr>
+              <a:spcAft>
+                <a:spcPts val="0"/>
+              </a:spcAft>
+              <a:buFont typeface="Wingdings" panose="05000000000000000000" pitchFamily="2" charset="2"/>
+              <a:buChar char="§"/>
+            </a:pPr>
+            <a:r>
+              <a:rPr lang="en-US" i="1" dirty="0" smtClean="0"/>
+              <a:t>New </a:t>
+            </a:r>
+            <a:r>
+              <a:rPr lang="en-US" i="1" dirty="0" smtClean="0"/>
+              <a:t>process:</a:t>
+            </a:r>
+            <a:endParaRPr lang="en-US" i="1" dirty="0" smtClean="0"/>
+          </a:p>
+          <a:p>
+            <a:pPr lvl="2">
+              <a:spcAft>
+                <a:spcPts val="0"/>
+              </a:spcAft>
+              <a:buFont typeface="Wingdings" panose="05000000000000000000" pitchFamily="2" charset="2"/>
+              <a:buChar char="§"/>
+            </a:pPr>
+            <a:endParaRPr lang="en-US" dirty="0" smtClean="0"/>
+          </a:p>
+          <a:p>
+            <a:pPr lvl="1">
+              <a:spcAft>
+                <a:spcPts val="0"/>
+              </a:spcAft>
+              <a:buFont typeface="Wingdings" panose="05000000000000000000" pitchFamily="2" charset="2"/>
+              <a:buChar char="§"/>
+            </a:pPr>
+            <a:r>
+              <a:rPr lang="en-US" dirty="0" smtClean="0"/>
+              <a:t>Add new projections to a folder</a:t>
+            </a:r>
+          </a:p>
+          <a:p>
+            <a:pPr lvl="1">
+              <a:spcAft>
+                <a:spcPts val="0"/>
+              </a:spcAft>
+              <a:buFont typeface="Wingdings" panose="05000000000000000000" pitchFamily="2" charset="2"/>
+              <a:buChar char="§"/>
+            </a:pPr>
             <a:endParaRPr lang="en-US" dirty="0"/>
           </a:p>
           <a:p>
             <a:pPr lvl="1">
-              <a:buFont typeface="Wingdings" panose="05000000000000000000" pitchFamily="2" charset="2"/>
-              <a:buChar char="§"/>
-            </a:pPr>
-            <a:r>
-              <a:rPr lang="en-US" dirty="0" smtClean="0"/>
-              <a:t>Pass in Excel data that looks like this:</a:t>
-            </a:r>
+              <a:spcAft>
+                <a:spcPts val="0"/>
+              </a:spcAft>
+              <a:buFont typeface="Wingdings" panose="05000000000000000000" pitchFamily="2" charset="2"/>
+              <a:buChar char="§"/>
+            </a:pPr>
+            <a:r>
+              <a:rPr lang="en-US" dirty="0" smtClean="0"/>
+              <a:t>Run </a:t>
+            </a:r>
+            <a:r>
+              <a:rPr lang="en-US" dirty="0" smtClean="0">
+                <a:hlinkClick r:id="rId2"/>
+              </a:rPr>
+              <a:t>this</a:t>
+            </a:r>
+            <a:endParaRPr lang="en-US" dirty="0"/>
           </a:p>
           <a:p>
             <a:pPr lvl="1">
-              <a:buFont typeface="Wingdings" panose="05000000000000000000" pitchFamily="2" charset="2"/>
-              <a:buChar char="§"/>
-            </a:pPr>
-            <a:endParaRPr lang="en-US" dirty="0"/>
+              <a:spcAft>
+                <a:spcPts val="0"/>
+              </a:spcAft>
+              <a:buFont typeface="Wingdings" panose="05000000000000000000" pitchFamily="2" charset="2"/>
+              <a:buChar char="§"/>
+            </a:pPr>
+            <a:endParaRPr lang="en-US" dirty="0" smtClean="0"/>
           </a:p>
           <a:p>
             <a:pPr lvl="1">
               <a:buFont typeface="Wingdings" panose="05000000000000000000" pitchFamily="2" charset="2"/>
               <a:buChar char="§"/>
             </a:pPr>
+            <a:endParaRPr lang="en-US" i="1" dirty="0"/>
+          </a:p>
+          <a:p>
+            <a:pPr lvl="1">
+              <a:buFont typeface="Wingdings" panose="05000000000000000000" pitchFamily="2" charset="2"/>
+              <a:buChar char="§"/>
+            </a:pPr>
             <a:endParaRPr lang="en-US" dirty="0" smtClean="0"/>
-          </a:p>
-          <a:p>
-            <a:pPr lvl="1">
-              <a:buFont typeface="Wingdings" panose="05000000000000000000" pitchFamily="2" charset="2"/>
-              <a:buChar char="§"/>
-            </a:pPr>
-            <a:endParaRPr lang="en-US" dirty="0"/>
-          </a:p>
-          <a:p>
-            <a:pPr lvl="1">
-              <a:buFont typeface="Wingdings" panose="05000000000000000000" pitchFamily="2" charset="2"/>
-              <a:buChar char="§"/>
-            </a:pPr>
-            <a:endParaRPr lang="en-US" dirty="0" smtClean="0"/>
-          </a:p>
-          <a:p>
-            <a:pPr lvl="1">
-              <a:buFont typeface="Wingdings" panose="05000000000000000000" pitchFamily="2" charset="2"/>
-              <a:buChar char="§"/>
-            </a:pPr>
-            <a:endParaRPr lang="en-US" dirty="0"/>
-          </a:p>
-          <a:p>
-            <a:pPr lvl="1">
-              <a:buFont typeface="Wingdings" panose="05000000000000000000" pitchFamily="2" charset="2"/>
-              <a:buChar char="§"/>
-            </a:pPr>
-            <a:endParaRPr lang="en-US" dirty="0" smtClean="0"/>
-          </a:p>
-          <a:p>
-            <a:pPr lvl="1">
-              <a:buFont typeface="Wingdings" panose="05000000000000000000" pitchFamily="2" charset="2"/>
-              <a:buChar char="§"/>
-            </a:pPr>
-            <a:endParaRPr lang="en-US" dirty="0"/>
-          </a:p>
-          <a:p>
-            <a:pPr lvl="1">
-              <a:buFont typeface="Wingdings" panose="05000000000000000000" pitchFamily="2" charset="2"/>
-              <a:buChar char="§"/>
-            </a:pPr>
-            <a:endParaRPr lang="en-US" dirty="0" smtClean="0"/>
-          </a:p>
-          <a:p>
-            <a:pPr lvl="1">
-              <a:buFont typeface="Wingdings" panose="05000000000000000000" pitchFamily="2" charset="2"/>
-              <a:buChar char="§"/>
-            </a:pPr>
-            <a:endParaRPr lang="en-US" dirty="0"/>
-          </a:p>
-          <a:p>
-            <a:pPr lvl="1">
-              <a:buFont typeface="Wingdings" panose="05000000000000000000" pitchFamily="2" charset="2"/>
-              <a:buChar char="§"/>
-            </a:pPr>
-            <a:r>
-              <a:rPr lang="en-US" dirty="0" smtClean="0"/>
-              <a:t>Call the waterfall function:   </a:t>
-            </a:r>
-            <a:r>
-              <a:rPr lang="en-US" dirty="0" err="1" smtClean="0">
-                <a:latin typeface="Aparajita" panose="020B0604020202020204" pitchFamily="34" charset="0"/>
-                <a:cs typeface="Aparajita" panose="020B0604020202020204" pitchFamily="34" charset="0"/>
-              </a:rPr>
-              <a:t>lfg_waterfall</a:t>
-            </a:r>
-            <a:r>
-              <a:rPr lang="en-US" dirty="0" smtClean="0">
-                <a:latin typeface="Aparajita" panose="020B0604020202020204" pitchFamily="34" charset="0"/>
-                <a:cs typeface="Aparajita" panose="020B0604020202020204" pitchFamily="34" charset="0"/>
-              </a:rPr>
-              <a:t>(</a:t>
-            </a:r>
-            <a:r>
-              <a:rPr lang="en-US" i="1" dirty="0" smtClean="0">
-                <a:latin typeface="Aparajita" panose="020B0604020202020204" pitchFamily="34" charset="0"/>
-                <a:cs typeface="Aparajita" panose="020B0604020202020204" pitchFamily="34" charset="0"/>
-              </a:rPr>
-              <a:t>data</a:t>
-            </a:r>
-            <a:r>
-              <a:rPr lang="en-US" dirty="0" smtClean="0">
-                <a:latin typeface="Aparajita" panose="020B0604020202020204" pitchFamily="34" charset="0"/>
-                <a:cs typeface="Aparajita" panose="020B0604020202020204" pitchFamily="34" charset="0"/>
-              </a:rPr>
-              <a:t>)</a:t>
-            </a:r>
-          </a:p>
-          <a:p>
-            <a:pPr marL="228600" lvl="1" indent="0">
-              <a:buNone/>
-            </a:pPr>
-            <a:endParaRPr lang="en-US" dirty="0"/>
           </a:p>
         </p:txBody>
       </p:sp>
@@ -13797,46 +13163,16 @@
           <a:p>
             <a:r>
               <a:rPr lang="en-US" dirty="0" smtClean="0"/>
-              <a:t>Visualizations</a:t>
+              <a:t>dashboards</a:t>
             </a:r>
             <a:endParaRPr lang="en-US" dirty="0"/>
           </a:p>
         </p:txBody>
       </p:sp>
-      <p:pic>
-        <p:nvPicPr>
-          <p:cNvPr id="10" name="Picture 9"/>
-          <p:cNvPicPr>
-            <a:picLocks noChangeAspect="1"/>
-          </p:cNvPicPr>
-          <p:nvPr/>
-        </p:nvPicPr>
-        <p:blipFill>
-          <a:blip r:embed="rId2">
-            <a:extLst>
-              <a:ext uri="{28A0092B-C50C-407E-A947-70E740481C1C}">
-                <a14:useLocalDpi xmlns:a14="http://schemas.microsoft.com/office/drawing/2010/main" val="0"/>
-              </a:ext>
-            </a:extLst>
-          </a:blip>
-          <a:stretch>
-            <a:fillRect/>
-          </a:stretch>
-        </p:blipFill>
-        <p:spPr>
-          <a:xfrm>
-            <a:off x="2133600" y="2410687"/>
-            <a:ext cx="4549180" cy="2697301"/>
-          </a:xfrm>
-          <a:prstGeom prst="rect">
-            <a:avLst/>
-          </a:prstGeom>
-        </p:spPr>
-      </p:pic>
     </p:spTree>
     <p:extLst>
       <p:ext uri="{BB962C8B-B14F-4D97-AF65-F5344CB8AC3E}">
-        <p14:creationId xmlns:p14="http://schemas.microsoft.com/office/powerpoint/2010/main" val="3366750866"/>
+        <p14:creationId xmlns:p14="http://schemas.microsoft.com/office/powerpoint/2010/main" val="1915325850"/>
       </p:ext>
     </p:extLst>
   </p:cSld>

--- a/final-presentation/final-presentation-davis-vaughan.pptx
+++ b/final-presentation/final-presentation-davis-vaughan.pptx
@@ -232,7 +232,7 @@
           <a:p>
             <a:fld id="{8842975B-7FDA-46E0-824B-94BBC253277E}" type="datetimeFigureOut">
               <a:rPr lang="en-US" smtClean="0"/>
-              <a:t>7/26/2017</a:t>
+              <a:t>7/27/2017</a:t>
             </a:fld>
             <a:endParaRPr lang="en-US"/>
           </a:p>
@@ -420,7 +420,7 @@
           <a:p>
             <a:fld id="{D03BB3A9-8F42-45F7-91DC-AC49755E9D08}" type="datetimeFigureOut">
               <a:rPr lang="en-US" smtClean="0"/>
-              <a:t>7/26/2017</a:t>
+              <a:t>7/27/2017</a:t>
             </a:fld>
             <a:endParaRPr lang="en-US"/>
           </a:p>
@@ -7305,11 +7305,7 @@
             </a:pPr>
             <a:r>
               <a:rPr lang="en-US" dirty="0" smtClean="0"/>
-              <a:t>Difficult to </a:t>
-            </a:r>
-            <a:r>
-              <a:rPr lang="en-US" dirty="0" smtClean="0"/>
-              <a:t>create</a:t>
+              <a:t>Difficult to create</a:t>
             </a:r>
           </a:p>
           <a:p>
@@ -7341,7 +7337,6 @@
               <a:rPr lang="en-US" dirty="0" smtClean="0"/>
               <a:t>    Excel bar graph</a:t>
             </a:r>
-            <a:endParaRPr lang="en-US" dirty="0" smtClean="0"/>
           </a:p>
           <a:p>
             <a:pPr marL="228600" lvl="1" indent="0">
@@ -7600,14 +7595,7 @@
                 <a:latin typeface="Aparajita" panose="020B0604020202020204" pitchFamily="34" charset="0"/>
                 <a:cs typeface="Aparajita" panose="020B0604020202020204" pitchFamily="34" charset="0"/>
               </a:rPr>
-              <a:t>excel_</a:t>
-            </a:r>
-            <a:r>
-              <a:rPr lang="en-US" i="1" dirty="0" err="1" smtClean="0">
-                <a:latin typeface="Aparajita" panose="020B0604020202020204" pitchFamily="34" charset="0"/>
-                <a:cs typeface="Aparajita" panose="020B0604020202020204" pitchFamily="34" charset="0"/>
-              </a:rPr>
-              <a:t>data</a:t>
+              <a:t>excel_data</a:t>
             </a:r>
             <a:r>
               <a:rPr lang="en-US" dirty="0" smtClean="0">
@@ -7776,7 +7764,6 @@
               <a:rPr lang="en-US" dirty="0" smtClean="0"/>
               <a:t>Instantly get results like this</a:t>
             </a:r>
-            <a:endParaRPr lang="en-US" dirty="0" smtClean="0"/>
           </a:p>
           <a:p>
             <a:pPr marL="228600" lvl="1" indent="0">
@@ -8023,15 +8010,7 @@
             </a:pPr>
             <a:r>
               <a:rPr lang="en-US" dirty="0" smtClean="0"/>
-              <a:t>Too many </a:t>
-            </a:r>
-            <a:r>
-              <a:rPr lang="en-US" dirty="0" smtClean="0"/>
-              <a:t>conditions for Excel’s IRR function. Goal </a:t>
-            </a:r>
-            <a:r>
-              <a:rPr lang="en-US" dirty="0" smtClean="0"/>
-              <a:t>Seek?</a:t>
+              <a:t>Too many conditions for Excel’s IRR function. Goal Seek?</a:t>
             </a:r>
           </a:p>
           <a:p>
@@ -8263,15 +8242,7 @@
             </a:pPr>
             <a:r>
               <a:rPr lang="en-US" dirty="0" smtClean="0"/>
-              <a:t>Too many </a:t>
-            </a:r>
-            <a:r>
-              <a:rPr lang="en-US" dirty="0" smtClean="0"/>
-              <a:t>conditions for Excel’s IRR function. Goal </a:t>
-            </a:r>
-            <a:r>
-              <a:rPr lang="en-US" dirty="0" smtClean="0"/>
-              <a:t>Seek?</a:t>
+              <a:t>Too many conditions for Excel’s IRR function. Goal Seek?</a:t>
             </a:r>
           </a:p>
           <a:p>
@@ -8549,14 +8520,7 @@
                 <a:latin typeface="Aparajita" panose="020B0604020202020204" pitchFamily="34" charset="0"/>
                 <a:cs typeface="Aparajita" panose="020B0604020202020204" pitchFamily="34" charset="0"/>
               </a:rPr>
-              <a:t> optimize</a:t>
-            </a:r>
-            <a:r>
-              <a:rPr lang="en-US" sz="2000" dirty="0" smtClean="0">
-                <a:latin typeface="Aparajita" panose="020B0604020202020204" pitchFamily="34" charset="0"/>
-                <a:cs typeface="Aparajita" panose="020B0604020202020204" pitchFamily="34" charset="0"/>
-              </a:rPr>
-              <a:t>()</a:t>
+              <a:t> optimize()</a:t>
             </a:r>
             <a:endParaRPr lang="en-US" dirty="0"/>
           </a:p>
@@ -8830,13 +8794,8 @@
             </a:r>
             <a:r>
               <a:rPr lang="en-US" i="1" dirty="0" smtClean="0"/>
-              <a:t>in </a:t>
-            </a:r>
-            <a:r>
-              <a:rPr lang="en-US" i="1" dirty="0" smtClean="0"/>
-              <a:t>parallel</a:t>
-            </a:r>
-            <a:endParaRPr lang="en-US" i="1" dirty="0" smtClean="0"/>
+              <a:t>in parallel</a:t>
+            </a:r>
           </a:p>
         </p:txBody>
       </p:sp>
@@ -10248,19 +10207,7 @@
             </a:pPr>
             <a:r>
               <a:rPr lang="en-US" dirty="0" smtClean="0"/>
-              <a:t>Investigating a </a:t>
-            </a:r>
-            <a:r>
-              <a:rPr lang="en-US" dirty="0" smtClean="0"/>
-              <a:t>problem </a:t>
-            </a:r>
-            <a:r>
-              <a:rPr lang="en-US" dirty="0" smtClean="0"/>
-              <a:t>many of us</a:t>
-            </a:r>
-            <a:r>
-              <a:rPr lang="en-US" dirty="0" smtClean="0"/>
-              <a:t> have: </a:t>
+              <a:t>Investigating a problem many of us have: </a:t>
             </a:r>
           </a:p>
           <a:p>
@@ -10283,17 +10230,8 @@
             </a:pPr>
             <a:r>
               <a:rPr lang="en-US" i="1" dirty="0" smtClean="0"/>
-              <a:t>Working </a:t>
-            </a:r>
-            <a:r>
-              <a:rPr lang="en-US" i="1" dirty="0" smtClean="0"/>
-              <a:t>with databases from Excel/VBA isn’t </a:t>
-            </a:r>
-            <a:r>
-              <a:rPr lang="en-US" i="1" dirty="0" smtClean="0"/>
-              <a:t>fun or fast.</a:t>
-            </a:r>
-            <a:endParaRPr lang="en-US" i="1" dirty="0" smtClean="0"/>
+              <a:t>Working with databases from Excel/VBA isn’t fun or fast.</a:t>
+            </a:r>
           </a:p>
           <a:p>
             <a:pPr lvl="1">
@@ -10323,13 +10261,8 @@
             </a:r>
             <a:r>
               <a:rPr lang="en-US" dirty="0" smtClean="0"/>
-              <a:t> type of </a:t>
-            </a:r>
-            <a:r>
-              <a:rPr lang="en-US" dirty="0" smtClean="0"/>
-              <a:t>database</a:t>
-            </a:r>
-            <a:endParaRPr lang="en-US" dirty="0" smtClean="0"/>
+              <a:t> type of database</a:t>
+            </a:r>
           </a:p>
           <a:p>
             <a:pPr lvl="1">
@@ -10348,17 +10281,8 @@
             </a:pPr>
             <a:r>
               <a:rPr lang="en-US" dirty="0" smtClean="0"/>
-              <a:t>“</a:t>
-            </a:r>
-            <a:r>
-              <a:rPr lang="en-US" dirty="0" smtClean="0"/>
-              <a:t>SQL translation” </a:t>
-            </a:r>
-            <a:r>
-              <a:rPr lang="en-US" dirty="0" smtClean="0"/>
-              <a:t>required</a:t>
-            </a:r>
-            <a:endParaRPr lang="en-US" dirty="0" smtClean="0"/>
+              <a:t>“SQL translation” required</a:t>
+            </a:r>
           </a:p>
           <a:p>
             <a:pPr lvl="1">
@@ -10773,19 +10697,7 @@
             </a:pPr>
             <a:r>
               <a:rPr lang="en-US" dirty="0" smtClean="0"/>
-              <a:t>Investigating a </a:t>
-            </a:r>
-            <a:r>
-              <a:rPr lang="en-US" dirty="0" smtClean="0"/>
-              <a:t>problem </a:t>
-            </a:r>
-            <a:r>
-              <a:rPr lang="en-US" dirty="0" smtClean="0"/>
-              <a:t>many of us</a:t>
-            </a:r>
-            <a:r>
-              <a:rPr lang="en-US" dirty="0" smtClean="0"/>
-              <a:t> have: </a:t>
+              <a:t>Investigating a problem many of us have: </a:t>
             </a:r>
           </a:p>
           <a:p>
@@ -10808,17 +10720,8 @@
             </a:pPr>
             <a:r>
               <a:rPr lang="en-US" i="1" dirty="0" smtClean="0"/>
-              <a:t>Working </a:t>
-            </a:r>
-            <a:r>
-              <a:rPr lang="en-US" i="1" dirty="0" smtClean="0"/>
-              <a:t>with databases from Excel/VBA isn’t </a:t>
-            </a:r>
-            <a:r>
-              <a:rPr lang="en-US" i="1" dirty="0" smtClean="0"/>
-              <a:t>fun or fast.</a:t>
-            </a:r>
-            <a:endParaRPr lang="en-US" i="1" dirty="0" smtClean="0"/>
+              <a:t>Working with databases from Excel/VBA isn’t fun or fast.</a:t>
+            </a:r>
           </a:p>
           <a:p>
             <a:pPr lvl="1">
@@ -10848,13 +10751,8 @@
             </a:r>
             <a:r>
               <a:rPr lang="en-US" dirty="0" smtClean="0"/>
-              <a:t> type of </a:t>
-            </a:r>
-            <a:r>
-              <a:rPr lang="en-US" dirty="0" smtClean="0"/>
-              <a:t>database</a:t>
-            </a:r>
-            <a:endParaRPr lang="en-US" dirty="0" smtClean="0"/>
+              <a:t> type of database</a:t>
+            </a:r>
           </a:p>
           <a:p>
             <a:pPr lvl="1">
@@ -10873,17 +10771,8 @@
             </a:pPr>
             <a:r>
               <a:rPr lang="en-US" dirty="0" smtClean="0"/>
-              <a:t>“</a:t>
-            </a:r>
-            <a:r>
-              <a:rPr lang="en-US" dirty="0" smtClean="0"/>
-              <a:t>SQL translation” </a:t>
-            </a:r>
-            <a:r>
-              <a:rPr lang="en-US" dirty="0" smtClean="0"/>
-              <a:t>required</a:t>
-            </a:r>
-            <a:endParaRPr lang="en-US" dirty="0" smtClean="0"/>
+              <a:t>“SQL translation” required</a:t>
+            </a:r>
           </a:p>
           <a:p>
             <a:pPr lvl="1">
@@ -11297,7 +11186,6 @@
               <a:rPr lang="en-US" sz="1800" dirty="0" smtClean="0"/>
               <a:t>Dashboards</a:t>
             </a:r>
-            <a:endParaRPr lang="en-US" sz="1800" dirty="0" smtClean="0"/>
           </a:p>
           <a:p>
             <a:pPr lvl="1">
@@ -11653,7 +11541,6 @@
               <a:rPr lang="en-US" sz="1800" dirty="0" smtClean="0"/>
               <a:t>Visualizations</a:t>
             </a:r>
-            <a:endParaRPr lang="en-US" sz="1800" dirty="0" smtClean="0"/>
           </a:p>
           <a:p>
             <a:pPr lvl="1">
@@ -12270,11 +12157,7 @@
             </a:pPr>
             <a:r>
               <a:rPr lang="en-US" i="1" dirty="0" smtClean="0"/>
-              <a:t>Very little </a:t>
-            </a:r>
-            <a:r>
-              <a:rPr lang="en-US" i="1" dirty="0" smtClean="0"/>
-              <a:t>work</a:t>
+              <a:t>Very little work</a:t>
             </a:r>
           </a:p>
           <a:p>
@@ -12297,11 +12180,7 @@
             </a:pPr>
             <a:r>
               <a:rPr lang="en-US" dirty="0" smtClean="0"/>
-              <a:t>Raw </a:t>
-            </a:r>
-            <a:r>
-              <a:rPr lang="en-US" dirty="0" smtClean="0"/>
-              <a:t>output from ALFA is dumped in a folder each quarter</a:t>
+              <a:t>Raw output from ALFA is dumped in a folder each quarter</a:t>
             </a:r>
           </a:p>
           <a:p>
@@ -12348,11 +12227,7 @@
             </a:pPr>
             <a:r>
               <a:rPr lang="en-US" dirty="0" smtClean="0"/>
-              <a:t>Compare </a:t>
-            </a:r>
-            <a:r>
-              <a:rPr lang="en-US" dirty="0" smtClean="0"/>
-              <a:t>multiple years of projections as opposed to just two</a:t>
+              <a:t>Compare multiple years of projections as opposed to just two</a:t>
             </a:r>
           </a:p>
           <a:p>
@@ -12866,7 +12741,6 @@
               <a:rPr lang="en-US" i="1" dirty="0" smtClean="0"/>
               <a:t>Current process:</a:t>
             </a:r>
-            <a:endParaRPr lang="en-US" i="1" dirty="0" smtClean="0"/>
           </a:p>
           <a:p>
             <a:pPr lvl="2">
@@ -13036,13 +12910,8 @@
             </a:pPr>
             <a:r>
               <a:rPr lang="en-US" i="1" dirty="0" smtClean="0"/>
-              <a:t>New </a:t>
-            </a:r>
-            <a:r>
-              <a:rPr lang="en-US" i="1" dirty="0" smtClean="0"/>
-              <a:t>process:</a:t>
-            </a:r>
-            <a:endParaRPr lang="en-US" i="1" dirty="0" smtClean="0"/>
+              <a:t>New process:</a:t>
+            </a:r>
           </a:p>
           <a:p>
             <a:pPr lvl="2">

--- a/final-presentation/final-presentation-davis-vaughan.pptx
+++ b/final-presentation/final-presentation-davis-vaughan.pptx
@@ -5,51 +5,50 @@
     <p:sldMasterId id="2147483648" r:id="rId1"/>
   </p:sldMasterIdLst>
   <p:notesMasterIdLst>
-    <p:notesMasterId r:id="rId24"/>
+    <p:notesMasterId r:id="rId23"/>
   </p:notesMasterIdLst>
   <p:handoutMasterIdLst>
-    <p:handoutMasterId r:id="rId25"/>
+    <p:handoutMasterId r:id="rId24"/>
   </p:handoutMasterIdLst>
   <p:sldIdLst>
     <p:sldId id="256" r:id="rId2"/>
     <p:sldId id="258" r:id="rId3"/>
     <p:sldId id="257" r:id="rId4"/>
-    <p:sldId id="260" r:id="rId5"/>
-    <p:sldId id="287" r:id="rId6"/>
-    <p:sldId id="267" r:id="rId7"/>
-    <p:sldId id="261" r:id="rId8"/>
-    <p:sldId id="289" r:id="rId9"/>
-    <p:sldId id="290" r:id="rId10"/>
-    <p:sldId id="262" r:id="rId11"/>
-    <p:sldId id="263" r:id="rId12"/>
-    <p:sldId id="265" r:id="rId13"/>
-    <p:sldId id="292" r:id="rId14"/>
-    <p:sldId id="266" r:id="rId15"/>
-    <p:sldId id="285" r:id="rId16"/>
-    <p:sldId id="294" r:id="rId17"/>
-    <p:sldId id="276" r:id="rId18"/>
-    <p:sldId id="280" r:id="rId19"/>
-    <p:sldId id="281" r:id="rId20"/>
-    <p:sldId id="293" r:id="rId21"/>
-    <p:sldId id="273" r:id="rId22"/>
-    <p:sldId id="284" r:id="rId23"/>
+    <p:sldId id="261" r:id="rId5"/>
+    <p:sldId id="290" r:id="rId6"/>
+    <p:sldId id="287" r:id="rId7"/>
+    <p:sldId id="297" r:id="rId8"/>
+    <p:sldId id="267" r:id="rId9"/>
+    <p:sldId id="262" r:id="rId10"/>
+    <p:sldId id="263" r:id="rId11"/>
+    <p:sldId id="265" r:id="rId12"/>
+    <p:sldId id="296" r:id="rId13"/>
+    <p:sldId id="266" r:id="rId14"/>
+    <p:sldId id="285" r:id="rId15"/>
+    <p:sldId id="294" r:id="rId16"/>
+    <p:sldId id="276" r:id="rId17"/>
+    <p:sldId id="280" r:id="rId18"/>
+    <p:sldId id="281" r:id="rId19"/>
+    <p:sldId id="293" r:id="rId20"/>
+    <p:sldId id="273" r:id="rId21"/>
+    <p:sldId id="295" r:id="rId22"/>
   </p:sldIdLst>
   <p:sldSz cx="9144000" cy="6858000" type="screen4x3"/>
   <p:notesSz cx="6858000" cy="9144000"/>
   <p:embeddedFontLst>
     <p:embeddedFont>
       <p:font typeface="Calibri" panose="020F0502020204030204" pitchFamily="34" charset="0"/>
-      <p:regular r:id="rId26"/>
-      <p:bold r:id="rId27"/>
-      <p:italic r:id="rId28"/>
-      <p:boldItalic r:id="rId29"/>
+      <p:regular r:id="rId25"/>
+      <p:bold r:id="rId26"/>
+      <p:italic r:id="rId27"/>
+      <p:boldItalic r:id="rId28"/>
     </p:embeddedFont>
     <p:embeddedFont>
       <p:font typeface="Aparajita" panose="020B0604020202020204" pitchFamily="34" charset="0"/>
-      <p:regular r:id="rId30"/>
-      <p:bold r:id="rId31"/>
-      <p:italic r:id="rId32"/>
-      <p:boldItalic r:id="rId33"/>
+      <p:regular r:id="rId29"/>
+      <p:bold r:id="rId30"/>
+      <p:italic r:id="rId31"/>
+      <p:boldItalic r:id="rId32"/>
     </p:embeddedFont>
   </p:embeddedFontLst>
   <p:defaultTextStyle>
@@ -1276,47 +1275,6 @@
       </p:sp>
       <p:sp>
         <p:nvSpPr>
-          <p:cNvPr id="19" name="Rectangle 18"/>
-          <p:cNvSpPr/>
-          <p:nvPr userDrawn="1"/>
-        </p:nvSpPr>
-        <p:spPr>
-          <a:xfrm>
-            <a:off x="6785405" y="6480197"/>
-            <a:ext cx="2267155" cy="169277"/>
-          </a:xfrm>
-          <a:prstGeom prst="rect">
-            <a:avLst/>
-          </a:prstGeom>
-        </p:spPr>
-        <p:txBody>
-          <a:bodyPr wrap="none" tIns="0" bIns="0" anchor="b">
-            <a:spAutoFit/>
-          </a:bodyPr>
-          <a:lstStyle/>
-          <a:p>
-            <a:pPr algn="r"/>
-            <a:r>
-              <a:rPr lang="en-US" sz="1100" kern="1200" dirty="0" smtClean="0">
-                <a:solidFill>
-                  <a:schemeClr val="tx1"/>
-                </a:solidFill>
-                <a:latin typeface="+mn-lt"/>
-                <a:ea typeface="+mn-ea"/>
-                <a:cs typeface="+mn-cs"/>
-              </a:rPr>
-              <a:t>©2016 Lincoln National Corporation</a:t>
-            </a:r>
-            <a:endParaRPr lang="en-US" sz="1100" dirty="0">
-              <a:solidFill>
-                <a:srgbClr val="000000"/>
-              </a:solidFill>
-            </a:endParaRPr>
-          </a:p>
-        </p:txBody>
-      </p:sp>
-      <p:sp>
-        <p:nvSpPr>
           <p:cNvPr id="20" name="Picture Placeholder 27"/>
           <p:cNvSpPr>
             <a:spLocks noGrp="1"/>
@@ -1357,40 +1315,6 @@
               <a:t>Click icon to add picture</a:t>
             </a:r>
             <a:endParaRPr lang="en-US" noProof="0" dirty="0"/>
-          </a:p>
-        </p:txBody>
-      </p:sp>
-      <p:sp>
-        <p:nvSpPr>
-          <p:cNvPr id="4" name="Rectangle 3"/>
-          <p:cNvSpPr/>
-          <p:nvPr userDrawn="1"/>
-        </p:nvSpPr>
-        <p:spPr>
-          <a:xfrm>
-            <a:off x="3843275" y="6480197"/>
-            <a:ext cx="1457450" cy="169277"/>
-          </a:xfrm>
-          <a:prstGeom prst="rect">
-            <a:avLst/>
-          </a:prstGeom>
-        </p:spPr>
-        <p:txBody>
-          <a:bodyPr wrap="none" tIns="0" bIns="0" anchor="b" anchorCtr="0">
-            <a:spAutoFit/>
-          </a:bodyPr>
-          <a:lstStyle/>
-          <a:p>
-            <a:pPr>
-              <a:spcAft>
-                <a:spcPts val="600"/>
-              </a:spcAft>
-            </a:pPr>
-            <a:r>
-              <a:rPr lang="en-US" sz="1100" b="1" dirty="0" smtClean="0"/>
-              <a:t>[Audience Disclosure]</a:t>
-            </a:r>
-            <a:endParaRPr lang="en-US" sz="1100" b="1" dirty="0"/>
           </a:p>
         </p:txBody>
       </p:sp>
@@ -1488,47 +1412,6 @@
           <a:p>
             <a:pPr lvl="0"/>
             <a:endParaRPr lang="en-US" dirty="0"/>
-          </a:p>
-        </p:txBody>
-      </p:sp>
-      <p:sp>
-        <p:nvSpPr>
-          <p:cNvPr id="17" name="Rectangle 16"/>
-          <p:cNvSpPr/>
-          <p:nvPr userDrawn="1"/>
-        </p:nvSpPr>
-        <p:spPr>
-          <a:xfrm>
-            <a:off x="-152400" y="6561971"/>
-            <a:ext cx="1828800" cy="143629"/>
-          </a:xfrm>
-          <a:prstGeom prst="rect">
-            <a:avLst/>
-          </a:prstGeom>
-        </p:spPr>
-        <p:txBody>
-          <a:bodyPr wrap="square" tIns="0" bIns="0" anchor="b">
-            <a:spAutoFit/>
-          </a:bodyPr>
-          <a:lstStyle/>
-          <a:p>
-            <a:pPr algn="r"/>
-            <a:r>
-              <a:rPr lang="en-US" sz="1400" u="none" kern="1200" baseline="30000" dirty="0" smtClean="0">
-                <a:solidFill>
-                  <a:schemeClr val="tx1"/>
-                </a:solidFill>
-                <a:latin typeface="+mn-lt"/>
-                <a:ea typeface="+mn-ea"/>
-                <a:cs typeface="+mn-cs"/>
-              </a:rPr>
-              <a:t>LCN-XXXXXX-XXXXXX</a:t>
-            </a:r>
-            <a:endParaRPr lang="en-US" sz="1400" dirty="0">
-              <a:solidFill>
-                <a:srgbClr val="000000"/>
-              </a:solidFill>
-            </a:endParaRPr>
           </a:p>
         </p:txBody>
       </p:sp>
@@ -3530,29 +3413,6 @@
           </a:p>
         </p:txBody>
       </p:sp>
-      <p:sp>
-        <p:nvSpPr>
-          <p:cNvPr id="6" name="Slide Number Placeholder 5"/>
-          <p:cNvSpPr>
-            <a:spLocks noGrp="1"/>
-          </p:cNvSpPr>
-          <p:nvPr>
-            <p:ph type="sldNum" sz="quarter" idx="12"/>
-          </p:nvPr>
-        </p:nvSpPr>
-        <p:spPr/>
-        <p:txBody>
-          <a:bodyPr/>
-          <a:lstStyle/>
-          <a:p>
-            <a:fld id="{E49B4C36-CA85-496D-A067-FC602A1FD8AC}" type="slidenum">
-              <a:rPr lang="en-US" smtClean="0"/>
-              <a:t>‹#›</a:t>
-            </a:fld>
-            <a:endParaRPr lang="en-US"/>
-          </a:p>
-        </p:txBody>
-      </p:sp>
       <p:pic>
         <p:nvPicPr>
           <p:cNvPr id="9" name="Picture 3" descr="LFG+YIC-A-color.ai"/>
@@ -6693,47 +6553,6 @@
               <a:t>‹#›</a:t>
             </a:fld>
             <a:endParaRPr lang="en-US" dirty="0"/>
-          </a:p>
-        </p:txBody>
-      </p:sp>
-      <p:sp>
-        <p:nvSpPr>
-          <p:cNvPr id="7" name="Rectangle 6"/>
-          <p:cNvSpPr/>
-          <p:nvPr/>
-        </p:nvSpPr>
-        <p:spPr>
-          <a:xfrm>
-            <a:off x="6248400" y="6561971"/>
-            <a:ext cx="1828800" cy="143629"/>
-          </a:xfrm>
-          <a:prstGeom prst="rect">
-            <a:avLst/>
-          </a:prstGeom>
-        </p:spPr>
-        <p:txBody>
-          <a:bodyPr wrap="square" tIns="0" bIns="0" anchor="b">
-            <a:spAutoFit/>
-          </a:bodyPr>
-          <a:lstStyle/>
-          <a:p>
-            <a:pPr algn="r"/>
-            <a:r>
-              <a:rPr lang="en-US" sz="1400" u="none" kern="1200" baseline="30000" dirty="0" smtClean="0">
-                <a:solidFill>
-                  <a:schemeClr val="tx1"/>
-                </a:solidFill>
-                <a:latin typeface="+mn-lt"/>
-                <a:ea typeface="+mn-ea"/>
-                <a:cs typeface="+mn-cs"/>
-              </a:rPr>
-              <a:t>LCN-XXXXXX-XXXXXX</a:t>
-            </a:r>
-            <a:endParaRPr lang="en-US" sz="1400" dirty="0">
-              <a:solidFill>
-                <a:srgbClr val="000000"/>
-              </a:solidFill>
-            </a:endParaRPr>
           </a:p>
         </p:txBody>
       </p:sp>
@@ -7272,7 +7091,7 @@
             </a:pPr>
             <a:r>
               <a:rPr lang="en-US" i="1" dirty="0" smtClean="0"/>
-              <a:t>Waterfall graphs</a:t>
+              <a:t>Waterfall graphs – Let R do the work for you</a:t>
             </a:r>
           </a:p>
           <a:p>
@@ -7288,7 +7107,7 @@
             </a:pPr>
             <a:r>
               <a:rPr lang="en-US" dirty="0" smtClean="0"/>
-              <a:t>Loved by senior management</a:t>
+              <a:t>Pass in Excel data that looks like this:</a:t>
             </a:r>
           </a:p>
           <a:p>
@@ -7296,17 +7115,14 @@
               <a:buFont typeface="Wingdings" panose="05000000000000000000" pitchFamily="2" charset="2"/>
               <a:buChar char="§"/>
             </a:pPr>
-            <a:endParaRPr lang="en-US" i="1" dirty="0"/>
+            <a:endParaRPr lang="en-US" dirty="0"/>
           </a:p>
           <a:p>
             <a:pPr lvl="1">
               <a:buFont typeface="Wingdings" panose="05000000000000000000" pitchFamily="2" charset="2"/>
               <a:buChar char="§"/>
             </a:pPr>
-            <a:r>
-              <a:rPr lang="en-US" dirty="0" smtClean="0"/>
-              <a:t>Difficult to create</a:t>
-            </a:r>
+            <a:endParaRPr lang="en-US" dirty="0" smtClean="0"/>
           </a:p>
           <a:p>
             <a:pPr lvl="1">
@@ -7320,35 +7136,86 @@
               <a:buFont typeface="Wingdings" panose="05000000000000000000" pitchFamily="2" charset="2"/>
               <a:buChar char="§"/>
             </a:pPr>
-            <a:r>
-              <a:rPr lang="en-US" dirty="0" smtClean="0"/>
-              <a:t>Manipulate an </a:t>
+            <a:endParaRPr lang="en-US" dirty="0" smtClean="0"/>
+          </a:p>
+          <a:p>
+            <a:pPr lvl="1">
+              <a:buFont typeface="Wingdings" panose="05000000000000000000" pitchFamily="2" charset="2"/>
+              <a:buChar char="§"/>
+            </a:pPr>
+            <a:endParaRPr lang="en-US" dirty="0"/>
+          </a:p>
+          <a:p>
+            <a:pPr lvl="1">
+              <a:buFont typeface="Wingdings" panose="05000000000000000000" pitchFamily="2" charset="2"/>
+              <a:buChar char="§"/>
+            </a:pPr>
+            <a:endParaRPr lang="en-US" dirty="0" smtClean="0"/>
+          </a:p>
+          <a:p>
+            <a:pPr lvl="1">
+              <a:buFont typeface="Wingdings" panose="05000000000000000000" pitchFamily="2" charset="2"/>
+              <a:buChar char="§"/>
+            </a:pPr>
+            <a:endParaRPr lang="en-US" dirty="0"/>
+          </a:p>
+          <a:p>
+            <a:pPr lvl="1">
+              <a:buFont typeface="Wingdings" panose="05000000000000000000" pitchFamily="2" charset="2"/>
+              <a:buChar char="§"/>
+            </a:pPr>
+            <a:endParaRPr lang="en-US" dirty="0" smtClean="0"/>
+          </a:p>
+          <a:p>
+            <a:pPr lvl="1">
+              <a:buFont typeface="Wingdings" panose="05000000000000000000" pitchFamily="2" charset="2"/>
+              <a:buChar char="§"/>
+            </a:pPr>
+            <a:endParaRPr lang="en-US" dirty="0"/>
+          </a:p>
+          <a:p>
+            <a:pPr lvl="1">
+              <a:buFont typeface="Wingdings" panose="05000000000000000000" pitchFamily="2" charset="2"/>
+              <a:buChar char="§"/>
+            </a:pPr>
+            <a:r>
+              <a:rPr lang="en-US" dirty="0" smtClean="0"/>
+              <a:t>Call the waterfall function:   </a:t>
+            </a:r>
+            <a:r>
+              <a:rPr lang="en-US" dirty="0" err="1" smtClean="0">
+                <a:latin typeface="Aparajita" panose="020B0604020202020204" pitchFamily="34" charset="0"/>
+                <a:cs typeface="Aparajita" panose="020B0604020202020204" pitchFamily="34" charset="0"/>
+              </a:rPr>
+              <a:t>lfg_waterfall</a:t>
+            </a:r>
+            <a:r>
+              <a:rPr lang="en-US" i="1" dirty="0" smtClean="0">
+                <a:latin typeface="Aparajita" panose="020B0604020202020204" pitchFamily="34" charset="0"/>
+                <a:cs typeface="Aparajita" panose="020B0604020202020204" pitchFamily="34" charset="0"/>
+              </a:rPr>
+              <a:t>(</a:t>
+            </a:r>
+            <a:r>
+              <a:rPr lang="en-US" i="1" dirty="0" err="1" smtClean="0">
+                <a:latin typeface="Aparajita" panose="020B0604020202020204" pitchFamily="34" charset="0"/>
+                <a:cs typeface="Aparajita" panose="020B0604020202020204" pitchFamily="34" charset="0"/>
+              </a:rPr>
+              <a:t>excel_data</a:t>
+            </a:r>
+            <a:r>
+              <a:rPr lang="en-US" dirty="0" smtClean="0">
+                <a:latin typeface="Aparajita" panose="020B0604020202020204" pitchFamily="34" charset="0"/>
+                <a:cs typeface="Aparajita" panose="020B0604020202020204" pitchFamily="34" charset="0"/>
+              </a:rPr>
+              <a:t>)</a:t>
             </a:r>
           </a:p>
           <a:p>
             <a:pPr marL="228600" lvl="1" indent="0">
               <a:buNone/>
             </a:pPr>
-            <a:r>
-              <a:rPr lang="en-US" dirty="0"/>
-              <a:t> </a:t>
-            </a:r>
-            <a:r>
-              <a:rPr lang="en-US" dirty="0" smtClean="0"/>
-              <a:t>    Excel bar graph</a:t>
-            </a:r>
-          </a:p>
-          <a:p>
-            <a:pPr marL="228600" lvl="1" indent="0">
-              <a:buNone/>
-            </a:pPr>
-            <a:endParaRPr lang="en-US" i="1" dirty="0"/>
-          </a:p>
-          <a:p>
-            <a:pPr marL="228600" lvl="1" indent="0">
-              <a:buNone/>
-            </a:pPr>
-            <a:endParaRPr lang="en-US" dirty="0" smtClean="0"/>
+            <a:endParaRPr lang="en-US" dirty="0"/>
           </a:p>
         </p:txBody>
       </p:sp>
@@ -7359,10 +7226,15 @@
             <a:spLocks noGrp="1"/>
           </p:cNvSpPr>
           <p:nvPr>
-            <p:ph type="sldNum" sz="quarter" idx="12"/>
+            <p:ph type="sldNum" sz="quarter" idx="4294967295"/>
           </p:nvPr>
         </p:nvSpPr>
-        <p:spPr/>
+        <p:spPr>
+          <a:xfrm>
+            <a:off x="8366760" y="6465572"/>
+            <a:ext cx="457200" cy="182880"/>
+          </a:xfrm>
+        </p:spPr>
         <p:txBody>
           <a:bodyPr/>
           <a:lstStyle/>
@@ -7400,7 +7272,7 @@
       </p:sp>
       <p:pic>
         <p:nvPicPr>
-          <p:cNvPr id="5" name="Picture 4"/>
+          <p:cNvPr id="10" name="Picture 9"/>
           <p:cNvPicPr>
             <a:picLocks noChangeAspect="1"/>
           </p:cNvPicPr>
@@ -7420,8 +7292,8 @@
         </p:blipFill>
         <p:spPr>
           <a:xfrm>
-            <a:off x="2743200" y="2514600"/>
-            <a:ext cx="5867400" cy="3243470"/>
+            <a:off x="2133600" y="2410687"/>
+            <a:ext cx="4549180" cy="2697301"/>
           </a:xfrm>
           <a:prstGeom prst="rect">
             <a:avLst/>
@@ -7431,7 +7303,7 @@
     </p:spTree>
     <p:extLst>
       <p:ext uri="{BB962C8B-B14F-4D97-AF65-F5344CB8AC3E}">
-        <p14:creationId xmlns:p14="http://schemas.microsoft.com/office/powerpoint/2010/main" val="4015479969"/>
+        <p14:creationId xmlns:p14="http://schemas.microsoft.com/office/powerpoint/2010/main" val="3366750866"/>
       </p:ext>
     </p:extLst>
   </p:cSld>
@@ -7501,108 +7373,7 @@
             </a:pPr>
             <a:r>
               <a:rPr lang="en-US" dirty="0" smtClean="0"/>
-              <a:t>Pass in Excel data that looks like this:</a:t>
-            </a:r>
-          </a:p>
-          <a:p>
-            <a:pPr lvl="1">
-              <a:buFont typeface="Wingdings" panose="05000000000000000000" pitchFamily="2" charset="2"/>
-              <a:buChar char="§"/>
-            </a:pPr>
-            <a:endParaRPr lang="en-US" dirty="0"/>
-          </a:p>
-          <a:p>
-            <a:pPr lvl="1">
-              <a:buFont typeface="Wingdings" panose="05000000000000000000" pitchFamily="2" charset="2"/>
-              <a:buChar char="§"/>
-            </a:pPr>
-            <a:endParaRPr lang="en-US" dirty="0" smtClean="0"/>
-          </a:p>
-          <a:p>
-            <a:pPr lvl="1">
-              <a:buFont typeface="Wingdings" panose="05000000000000000000" pitchFamily="2" charset="2"/>
-              <a:buChar char="§"/>
-            </a:pPr>
-            <a:endParaRPr lang="en-US" dirty="0"/>
-          </a:p>
-          <a:p>
-            <a:pPr lvl="1">
-              <a:buFont typeface="Wingdings" panose="05000000000000000000" pitchFamily="2" charset="2"/>
-              <a:buChar char="§"/>
-            </a:pPr>
-            <a:endParaRPr lang="en-US" dirty="0" smtClean="0"/>
-          </a:p>
-          <a:p>
-            <a:pPr lvl="1">
-              <a:buFont typeface="Wingdings" panose="05000000000000000000" pitchFamily="2" charset="2"/>
-              <a:buChar char="§"/>
-            </a:pPr>
-            <a:endParaRPr lang="en-US" dirty="0"/>
-          </a:p>
-          <a:p>
-            <a:pPr lvl="1">
-              <a:buFont typeface="Wingdings" panose="05000000000000000000" pitchFamily="2" charset="2"/>
-              <a:buChar char="§"/>
-            </a:pPr>
-            <a:endParaRPr lang="en-US" dirty="0" smtClean="0"/>
-          </a:p>
-          <a:p>
-            <a:pPr lvl="1">
-              <a:buFont typeface="Wingdings" panose="05000000000000000000" pitchFamily="2" charset="2"/>
-              <a:buChar char="§"/>
-            </a:pPr>
-            <a:endParaRPr lang="en-US" dirty="0"/>
-          </a:p>
-          <a:p>
-            <a:pPr lvl="1">
-              <a:buFont typeface="Wingdings" panose="05000000000000000000" pitchFamily="2" charset="2"/>
-              <a:buChar char="§"/>
-            </a:pPr>
-            <a:endParaRPr lang="en-US" dirty="0" smtClean="0"/>
-          </a:p>
-          <a:p>
-            <a:pPr lvl="1">
-              <a:buFont typeface="Wingdings" panose="05000000000000000000" pitchFamily="2" charset="2"/>
-              <a:buChar char="§"/>
-            </a:pPr>
-            <a:endParaRPr lang="en-US" dirty="0"/>
-          </a:p>
-          <a:p>
-            <a:pPr lvl="1">
-              <a:buFont typeface="Wingdings" panose="05000000000000000000" pitchFamily="2" charset="2"/>
-              <a:buChar char="§"/>
-            </a:pPr>
-            <a:r>
-              <a:rPr lang="en-US" dirty="0" smtClean="0"/>
-              <a:t>Call the waterfall function:   </a:t>
-            </a:r>
-            <a:r>
-              <a:rPr lang="en-US" dirty="0" err="1" smtClean="0">
-                <a:latin typeface="Aparajita" panose="020B0604020202020204" pitchFamily="34" charset="0"/>
-                <a:cs typeface="Aparajita" panose="020B0604020202020204" pitchFamily="34" charset="0"/>
-              </a:rPr>
-              <a:t>lfg_waterfall</a:t>
-            </a:r>
-            <a:r>
-              <a:rPr lang="en-US" i="1" dirty="0" smtClean="0">
-                <a:latin typeface="Aparajita" panose="020B0604020202020204" pitchFamily="34" charset="0"/>
-                <a:cs typeface="Aparajita" panose="020B0604020202020204" pitchFamily="34" charset="0"/>
-              </a:rPr>
-              <a:t>(</a:t>
-            </a:r>
-            <a:r>
-              <a:rPr lang="en-US" i="1" dirty="0" err="1" smtClean="0">
-                <a:latin typeface="Aparajita" panose="020B0604020202020204" pitchFamily="34" charset="0"/>
-                <a:cs typeface="Aparajita" panose="020B0604020202020204" pitchFamily="34" charset="0"/>
-              </a:rPr>
-              <a:t>excel_data</a:t>
-            </a:r>
-            <a:r>
-              <a:rPr lang="en-US" dirty="0" smtClean="0">
-                <a:latin typeface="Aparajita" panose="020B0604020202020204" pitchFamily="34" charset="0"/>
-                <a:cs typeface="Aparajita" panose="020B0604020202020204" pitchFamily="34" charset="0"/>
-              </a:rPr>
-              <a:t>)</a:t>
+              <a:t>Instantly get results like this</a:t>
             </a:r>
           </a:p>
           <a:p>
@@ -7620,10 +7391,15 @@
             <a:spLocks noGrp="1"/>
           </p:cNvSpPr>
           <p:nvPr>
-            <p:ph type="sldNum" sz="quarter" idx="12"/>
+            <p:ph type="sldNum" sz="quarter" idx="4294967295"/>
           </p:nvPr>
         </p:nvSpPr>
-        <p:spPr/>
+        <p:spPr>
+          <a:xfrm>
+            <a:off x="8366760" y="6465572"/>
+            <a:ext cx="457200" cy="182880"/>
+          </a:xfrm>
+        </p:spPr>
         <p:txBody>
           <a:bodyPr/>
           <a:lstStyle/>
@@ -7661,14 +7437,14 @@
       </p:sp>
       <p:pic>
         <p:nvPicPr>
-          <p:cNvPr id="10" name="Picture 9"/>
+          <p:cNvPr id="6" name="Picture 5"/>
           <p:cNvPicPr>
             <a:picLocks noChangeAspect="1"/>
           </p:cNvPicPr>
           <p:nvPr/>
         </p:nvPicPr>
         <p:blipFill>
-          <a:blip r:embed="rId2">
+          <a:blip r:embed="rId2" cstate="print">
             <a:extLst>
               <a:ext uri="{28A0092B-C50C-407E-A947-70E740481C1C}">
                 <a14:useLocalDpi xmlns:a14="http://schemas.microsoft.com/office/drawing/2010/main" val="0"/>
@@ -7681,8 +7457,8 @@
         </p:blipFill>
         <p:spPr>
           <a:xfrm>
-            <a:off x="2133600" y="2410687"/>
-            <a:ext cx="4549180" cy="2697301"/>
+            <a:off x="838200" y="2500745"/>
+            <a:ext cx="7239000" cy="3290455"/>
           </a:xfrm>
           <a:prstGeom prst="rect">
             <a:avLst/>
@@ -7692,7 +7468,7 @@
     </p:spTree>
     <p:extLst>
       <p:ext uri="{BB962C8B-B14F-4D97-AF65-F5344CB8AC3E}">
-        <p14:creationId xmlns:p14="http://schemas.microsoft.com/office/powerpoint/2010/main" val="3366750866"/>
+        <p14:creationId xmlns:p14="http://schemas.microsoft.com/office/powerpoint/2010/main" val="4065466066"/>
       </p:ext>
     </p:extLst>
   </p:cSld>
@@ -7746,11 +7522,105 @@
             </a:pPr>
             <a:r>
               <a:rPr lang="en-US" i="1" dirty="0" smtClean="0"/>
-              <a:t>Waterfall graphs – Let R do the work for you</a:t>
+              <a:t>IRR calculations</a:t>
+            </a:r>
+          </a:p>
+          <a:p>
+            <a:pPr marL="0" indent="0">
+              <a:buNone/>
+            </a:pPr>
+            <a:endParaRPr lang="en-US" i="1" dirty="0"/>
+          </a:p>
+          <a:p>
+            <a:pPr>
+              <a:spcAft>
+                <a:spcPts val="0"/>
+              </a:spcAft>
+              <a:buFont typeface="Wingdings" panose="05000000000000000000" pitchFamily="2" charset="2"/>
+              <a:buChar char="§"/>
+            </a:pPr>
+            <a:r>
+              <a:rPr lang="en-US" i="1" dirty="0" smtClean="0"/>
+              <a:t>Project:</a:t>
+            </a:r>
+          </a:p>
+          <a:p>
+            <a:pPr lvl="1">
+              <a:spcAft>
+                <a:spcPts val="0"/>
+              </a:spcAft>
+              <a:buFont typeface="Wingdings" panose="05000000000000000000" pitchFamily="2" charset="2"/>
+              <a:buChar char="§"/>
+            </a:pPr>
+            <a:endParaRPr lang="en-US" i="1" dirty="0" smtClean="0"/>
+          </a:p>
+          <a:p>
+            <a:pPr lvl="1">
+              <a:buFont typeface="Wingdings" panose="05000000000000000000" pitchFamily="2" charset="2"/>
+              <a:buChar char="§"/>
+            </a:pPr>
+            <a:r>
+              <a:rPr lang="en-US" dirty="0" smtClean="0"/>
+              <a:t>Calculate IRR for 2400 potential economic scenarios </a:t>
+            </a:r>
+          </a:p>
+          <a:p>
+            <a:pPr lvl="3">
+              <a:spcBef>
+                <a:spcPts val="600"/>
+              </a:spcBef>
+              <a:buFont typeface="Wingdings" panose="05000000000000000000" pitchFamily="2" charset="2"/>
+              <a:buChar char="§"/>
+            </a:pPr>
+            <a:r>
+              <a:rPr lang="en-US" dirty="0" smtClean="0"/>
+              <a:t>40 years of predicted distributable earnings per scenario (cash flows)</a:t>
+            </a:r>
+          </a:p>
+          <a:p>
+            <a:pPr lvl="3">
+              <a:spcBef>
+                <a:spcPts val="600"/>
+              </a:spcBef>
+              <a:spcAft>
+                <a:spcPts val="0"/>
+              </a:spcAft>
+              <a:buFont typeface="Wingdings" panose="05000000000000000000" pitchFamily="2" charset="2"/>
+              <a:buChar char="§"/>
+            </a:pPr>
+            <a:r>
+              <a:rPr lang="en-US" dirty="0" smtClean="0"/>
+              <a:t>1 GAAP Equity value per product (initial investment)</a:t>
+            </a:r>
+          </a:p>
+          <a:p>
+            <a:pPr lvl="1">
+              <a:spcAft>
+                <a:spcPts val="0"/>
+              </a:spcAft>
+              <a:buFont typeface="Wingdings" panose="05000000000000000000" pitchFamily="2" charset="2"/>
+              <a:buChar char="§"/>
+            </a:pPr>
+            <a:endParaRPr lang="en-US" dirty="0" smtClean="0"/>
+          </a:p>
+          <a:p>
+            <a:pPr lvl="1">
+              <a:spcAft>
+                <a:spcPts val="0"/>
+              </a:spcAft>
+              <a:buFont typeface="Wingdings" panose="05000000000000000000" pitchFamily="2" charset="2"/>
+              <a:buChar char="§"/>
+            </a:pPr>
+            <a:r>
+              <a:rPr lang="en-US" dirty="0" smtClean="0"/>
+              <a:t>Too many conditions for Excel’s IRR function. Goal Seek?</a:t>
             </a:r>
           </a:p>
           <a:p>
             <a:pPr marL="228600" lvl="1" indent="0">
+              <a:spcAft>
+                <a:spcPts val="0"/>
+              </a:spcAft>
               <a:buNone/>
             </a:pPr>
             <a:endParaRPr lang="en-US" dirty="0"/>
@@ -7760,16 +7630,21 @@
               <a:buFont typeface="Wingdings" panose="05000000000000000000" pitchFamily="2" charset="2"/>
               <a:buChar char="§"/>
             </a:pPr>
-            <a:r>
-              <a:rPr lang="en-US" dirty="0" smtClean="0"/>
-              <a:t>Instantly get results like this</a:t>
-            </a:r>
-          </a:p>
-          <a:p>
-            <a:pPr marL="228600" lvl="1" indent="0">
-              <a:buNone/>
-            </a:pPr>
-            <a:endParaRPr lang="en-US" dirty="0"/>
+            <a:endParaRPr lang="en-US" i="1" dirty="0" smtClean="0"/>
+          </a:p>
+          <a:p>
+            <a:pPr lvl="1">
+              <a:buFont typeface="Wingdings" panose="05000000000000000000" pitchFamily="2" charset="2"/>
+              <a:buChar char="§"/>
+            </a:pPr>
+            <a:endParaRPr lang="en-US" i="1" dirty="0"/>
+          </a:p>
+          <a:p>
+            <a:pPr lvl="1">
+              <a:buFont typeface="Wingdings" panose="05000000000000000000" pitchFamily="2" charset="2"/>
+              <a:buChar char="§"/>
+            </a:pPr>
+            <a:endParaRPr lang="en-US" dirty="0" smtClean="0"/>
           </a:p>
         </p:txBody>
       </p:sp>
@@ -7780,10 +7655,15 @@
             <a:spLocks noGrp="1"/>
           </p:cNvSpPr>
           <p:nvPr>
-            <p:ph type="sldNum" sz="quarter" idx="12"/>
+            <p:ph type="sldNum" sz="quarter" idx="4294967295"/>
           </p:nvPr>
         </p:nvSpPr>
-        <p:spPr/>
+        <p:spPr>
+          <a:xfrm>
+            <a:off x="8366760" y="6465572"/>
+            <a:ext cx="457200" cy="182880"/>
+          </a:xfrm>
+        </p:spPr>
         <p:txBody>
           <a:bodyPr/>
           <a:lstStyle/>
@@ -7813,46 +7693,218 @@
           <a:p>
             <a:r>
               <a:rPr lang="en-US" dirty="0" smtClean="0"/>
-              <a:t>Visualizations</a:t>
+              <a:t>speed</a:t>
             </a:r>
             <a:endParaRPr lang="en-US" dirty="0"/>
           </a:p>
         </p:txBody>
       </p:sp>
-      <p:pic>
-        <p:nvPicPr>
-          <p:cNvPr id="6" name="Picture 5"/>
-          <p:cNvPicPr>
-            <a:picLocks noChangeAspect="1"/>
-          </p:cNvPicPr>
+      <p:sp>
+        <p:nvSpPr>
+          <p:cNvPr id="5" name="Rounded Rectangle 4"/>
+          <p:cNvSpPr/>
           <p:nvPr/>
-        </p:nvPicPr>
-        <p:blipFill>
-          <a:blip r:embed="rId2" cstate="print">
-            <a:extLst>
-              <a:ext uri="{28A0092B-C50C-407E-A947-70E740481C1C}">
-                <a14:useLocalDpi xmlns:a14="http://schemas.microsoft.com/office/drawing/2010/main" val="0"/>
-              </a:ext>
-            </a:extLst>
-          </a:blip>
-          <a:stretch>
-            <a:fillRect/>
-          </a:stretch>
-        </p:blipFill>
+        </p:nvSpPr>
         <p:spPr>
           <a:xfrm>
-            <a:off x="838200" y="2500745"/>
-            <a:ext cx="7239000" cy="3290455"/>
-          </a:xfrm>
-          <a:prstGeom prst="rect">
+            <a:off x="6934200" y="5105400"/>
+            <a:ext cx="2057400" cy="381000"/>
+          </a:xfrm>
+          <a:prstGeom prst="roundRect">
             <a:avLst/>
           </a:prstGeom>
+          <a:solidFill>
+            <a:srgbClr val="98002E"/>
+          </a:solidFill>
+          <a:ln>
+            <a:noFill/>
+          </a:ln>
+          <a:effectLst/>
         </p:spPr>
-      </p:pic>
+        <p:style>
+          <a:lnRef idx="1">
+            <a:schemeClr val="accent1"/>
+          </a:lnRef>
+          <a:fillRef idx="3">
+            <a:schemeClr val="accent1"/>
+          </a:fillRef>
+          <a:effectRef idx="2">
+            <a:schemeClr val="accent1"/>
+          </a:effectRef>
+          <a:fontRef idx="minor">
+            <a:schemeClr val="lt1"/>
+          </a:fontRef>
+        </p:style>
+        <p:txBody>
+          <a:bodyPr rtlCol="0" anchor="ctr"/>
+          <a:lstStyle/>
+          <a:p>
+            <a:pPr algn="ctr"/>
+            <a:r>
+              <a:rPr lang="en-US" sz="1600" dirty="0" smtClean="0"/>
+              <a:t>40 years of earnings</a:t>
+            </a:r>
+            <a:endParaRPr lang="en-US" sz="1600" dirty="0"/>
+          </a:p>
+        </p:txBody>
+      </p:sp>
+      <p:sp>
+        <p:nvSpPr>
+          <p:cNvPr id="6" name="Rounded Rectangle 5"/>
+          <p:cNvSpPr/>
+          <p:nvPr/>
+        </p:nvSpPr>
+        <p:spPr>
+          <a:xfrm>
+            <a:off x="4648200" y="5105400"/>
+            <a:ext cx="2057400" cy="381000"/>
+          </a:xfrm>
+          <a:prstGeom prst="roundRect">
+            <a:avLst/>
+          </a:prstGeom>
+          <a:solidFill>
+            <a:srgbClr val="98002E"/>
+          </a:solidFill>
+          <a:ln>
+            <a:noFill/>
+          </a:ln>
+          <a:effectLst/>
+        </p:spPr>
+        <p:style>
+          <a:lnRef idx="1">
+            <a:schemeClr val="accent1"/>
+          </a:lnRef>
+          <a:fillRef idx="3">
+            <a:schemeClr val="accent1"/>
+          </a:fillRef>
+          <a:effectRef idx="2">
+            <a:schemeClr val="accent1"/>
+          </a:effectRef>
+          <a:fontRef idx="minor">
+            <a:schemeClr val="lt1"/>
+          </a:fontRef>
+        </p:style>
+        <p:txBody>
+          <a:bodyPr rtlCol="0" anchor="ctr"/>
+          <a:lstStyle/>
+          <a:p>
+            <a:pPr algn="ctr"/>
+            <a:r>
+              <a:rPr lang="en-US" sz="1600" dirty="0" smtClean="0"/>
+              <a:t>GAAP Equity Value</a:t>
+            </a:r>
+            <a:endParaRPr lang="en-US" sz="1600" dirty="0"/>
+          </a:p>
+        </p:txBody>
+      </p:sp>
+      <p:sp>
+        <p:nvSpPr>
+          <p:cNvPr id="26" name="U-Turn Arrow 25"/>
+          <p:cNvSpPr/>
+          <p:nvPr/>
+        </p:nvSpPr>
+        <p:spPr>
+          <a:xfrm flipH="1">
+            <a:off x="5562600" y="4724400"/>
+            <a:ext cx="2438400" cy="381000"/>
+          </a:xfrm>
+          <a:prstGeom prst="uturnArrow">
+            <a:avLst>
+              <a:gd name="adj1" fmla="val 25000"/>
+              <a:gd name="adj2" fmla="val 25000"/>
+              <a:gd name="adj3" fmla="val 25000"/>
+              <a:gd name="adj4" fmla="val 43750"/>
+              <a:gd name="adj5" fmla="val 100000"/>
+            </a:avLst>
+          </a:prstGeom>
+          <a:solidFill>
+            <a:srgbClr val="377193"/>
+          </a:solidFill>
+          <a:ln>
+            <a:noFill/>
+          </a:ln>
+          <a:effectLst/>
+        </p:spPr>
+        <p:style>
+          <a:lnRef idx="1">
+            <a:schemeClr val="accent1"/>
+          </a:lnRef>
+          <a:fillRef idx="3">
+            <a:schemeClr val="accent1"/>
+          </a:fillRef>
+          <a:effectRef idx="2">
+            <a:schemeClr val="accent1"/>
+          </a:effectRef>
+          <a:fontRef idx="minor">
+            <a:schemeClr val="lt1"/>
+          </a:fontRef>
+        </p:style>
+        <p:txBody>
+          <a:bodyPr rtlCol="0" anchor="ctr"/>
+          <a:lstStyle/>
+          <a:p>
+            <a:pPr algn="ctr"/>
+            <a:endParaRPr lang="en-US">
+              <a:solidFill>
+                <a:schemeClr val="tx1"/>
+              </a:solidFill>
+            </a:endParaRPr>
+          </a:p>
+        </p:txBody>
+      </p:sp>
+      <p:sp>
+        <p:nvSpPr>
+          <p:cNvPr id="28" name="Rounded Rectangle 27"/>
+          <p:cNvSpPr/>
+          <p:nvPr/>
+        </p:nvSpPr>
+        <p:spPr>
+          <a:xfrm>
+            <a:off x="6501384" y="4403366"/>
+            <a:ext cx="609600" cy="342900"/>
+          </a:xfrm>
+          <a:prstGeom prst="roundRect">
+            <a:avLst/>
+          </a:prstGeom>
+          <a:solidFill>
+            <a:srgbClr val="377193"/>
+          </a:solidFill>
+          <a:ln>
+            <a:noFill/>
+          </a:ln>
+          <a:effectLst/>
+        </p:spPr>
+        <p:style>
+          <a:lnRef idx="1">
+            <a:schemeClr val="accent1"/>
+          </a:lnRef>
+          <a:fillRef idx="3">
+            <a:schemeClr val="accent1"/>
+          </a:fillRef>
+          <a:effectRef idx="2">
+            <a:schemeClr val="accent1"/>
+          </a:effectRef>
+          <a:fontRef idx="minor">
+            <a:schemeClr val="lt1"/>
+          </a:fontRef>
+        </p:style>
+        <p:txBody>
+          <a:bodyPr rtlCol="0" anchor="ctr"/>
+          <a:lstStyle/>
+          <a:p>
+            <a:pPr algn="ctr"/>
+            <a:r>
+              <a:rPr lang="en-US" sz="1600" dirty="0" smtClean="0"/>
+              <a:t>IRR</a:t>
+            </a:r>
+            <a:endParaRPr lang="en-US" sz="1600" dirty="0"/>
+          </a:p>
+        </p:txBody>
+      </p:sp>
     </p:spTree>
     <p:extLst>
       <p:ext uri="{BB962C8B-B14F-4D97-AF65-F5344CB8AC3E}">
-        <p14:creationId xmlns:p14="http://schemas.microsoft.com/office/powerpoint/2010/main" val="4065466066"/>
+        <p14:creationId xmlns:p14="http://schemas.microsoft.com/office/powerpoint/2010/main" val="986279708"/>
       </p:ext>
     </p:extLst>
   </p:cSld>
@@ -7958,19 +8010,6 @@
             </a:pPr>
             <a:r>
               <a:rPr lang="en-US" dirty="0" smtClean="0"/>
-              <a:t>12 Lincoln products, 200 scenarios each</a:t>
-            </a:r>
-          </a:p>
-          <a:p>
-            <a:pPr lvl="3">
-              <a:spcBef>
-                <a:spcPts val="600"/>
-              </a:spcBef>
-              <a:buFont typeface="Wingdings" panose="05000000000000000000" pitchFamily="2" charset="2"/>
-              <a:buChar char="§"/>
-            </a:pPr>
-            <a:r>
-              <a:rPr lang="en-US" dirty="0" smtClean="0"/>
               <a:t>40 years of predicted distributable earnings per scenario (cash flows)</a:t>
             </a:r>
           </a:p>
@@ -8015,7 +8054,58 @@
           </a:p>
           <a:p>
             <a:pPr marL="228600" lvl="1" indent="0">
+              <a:spcAft>
+                <a:spcPts val="0"/>
+              </a:spcAft>
               <a:buNone/>
+            </a:pPr>
+            <a:endParaRPr lang="en-US" dirty="0"/>
+          </a:p>
+          <a:p>
+            <a:pPr lvl="1">
+              <a:spcAft>
+                <a:spcPts val="0"/>
+              </a:spcAft>
+              <a:buFont typeface="Wingdings" panose="05000000000000000000" pitchFamily="2" charset="2"/>
+              <a:buChar char="§"/>
+            </a:pPr>
+            <a:r>
+              <a:rPr lang="en-US" b="1" dirty="0" smtClean="0"/>
+              <a:t>3 hours </a:t>
+            </a:r>
+            <a:r>
+              <a:rPr lang="en-US" dirty="0" smtClean="0"/>
+              <a:t>to run all 2400 scenarios</a:t>
+            </a:r>
+          </a:p>
+          <a:p>
+            <a:pPr lvl="1">
+              <a:spcAft>
+                <a:spcPts val="0"/>
+              </a:spcAft>
+              <a:buFont typeface="Wingdings" panose="05000000000000000000" pitchFamily="2" charset="2"/>
+              <a:buChar char="§"/>
+            </a:pPr>
+            <a:endParaRPr lang="en-US" dirty="0"/>
+          </a:p>
+          <a:p>
+            <a:pPr lvl="1">
+              <a:spcAft>
+                <a:spcPts val="0"/>
+              </a:spcAft>
+              <a:buFont typeface="Wingdings" panose="05000000000000000000" pitchFamily="2" charset="2"/>
+              <a:buChar char="§"/>
+            </a:pPr>
+            <a:r>
+              <a:rPr lang="en-US" dirty="0" smtClean="0"/>
+              <a:t>Can R do this faster?</a:t>
+            </a:r>
+            <a:endParaRPr lang="en-US" dirty="0"/>
+          </a:p>
+          <a:p>
+            <a:pPr lvl="1">
+              <a:buFont typeface="Wingdings" panose="05000000000000000000" pitchFamily="2" charset="2"/>
+              <a:buChar char="§"/>
             </a:pPr>
             <a:endParaRPr lang="en-US" i="1" dirty="0" smtClean="0"/>
           </a:p>
@@ -8042,10 +8132,15 @@
             <a:spLocks noGrp="1"/>
           </p:cNvSpPr>
           <p:nvPr>
-            <p:ph type="sldNum" sz="quarter" idx="12"/>
+            <p:ph type="sldNum" sz="quarter" idx="4294967295"/>
           </p:nvPr>
         </p:nvSpPr>
-        <p:spPr/>
+        <p:spPr>
+          <a:xfrm>
+            <a:off x="8366760" y="6465572"/>
+            <a:ext cx="457200" cy="182880"/>
+          </a:xfrm>
+        </p:spPr>
         <p:txBody>
           <a:bodyPr/>
           <a:lstStyle/>
@@ -8081,10 +8176,212 @@
           </a:p>
         </p:txBody>
       </p:sp>
+      <p:sp>
+        <p:nvSpPr>
+          <p:cNvPr id="5" name="Rounded Rectangle 4"/>
+          <p:cNvSpPr/>
+          <p:nvPr/>
+        </p:nvSpPr>
+        <p:spPr>
+          <a:xfrm>
+            <a:off x="6934200" y="5105400"/>
+            <a:ext cx="2057400" cy="381000"/>
+          </a:xfrm>
+          <a:prstGeom prst="roundRect">
+            <a:avLst/>
+          </a:prstGeom>
+          <a:solidFill>
+            <a:srgbClr val="98002E"/>
+          </a:solidFill>
+          <a:ln>
+            <a:noFill/>
+          </a:ln>
+          <a:effectLst/>
+        </p:spPr>
+        <p:style>
+          <a:lnRef idx="1">
+            <a:schemeClr val="accent1"/>
+          </a:lnRef>
+          <a:fillRef idx="3">
+            <a:schemeClr val="accent1"/>
+          </a:fillRef>
+          <a:effectRef idx="2">
+            <a:schemeClr val="accent1"/>
+          </a:effectRef>
+          <a:fontRef idx="minor">
+            <a:schemeClr val="lt1"/>
+          </a:fontRef>
+        </p:style>
+        <p:txBody>
+          <a:bodyPr rtlCol="0" anchor="ctr"/>
+          <a:lstStyle/>
+          <a:p>
+            <a:pPr algn="ctr"/>
+            <a:r>
+              <a:rPr lang="en-US" sz="1600" dirty="0" smtClean="0"/>
+              <a:t>40 years of earnings</a:t>
+            </a:r>
+            <a:endParaRPr lang="en-US" sz="1600" dirty="0"/>
+          </a:p>
+        </p:txBody>
+      </p:sp>
+      <p:sp>
+        <p:nvSpPr>
+          <p:cNvPr id="6" name="Rounded Rectangle 5"/>
+          <p:cNvSpPr/>
+          <p:nvPr/>
+        </p:nvSpPr>
+        <p:spPr>
+          <a:xfrm>
+            <a:off x="4648200" y="5105400"/>
+            <a:ext cx="2057400" cy="381000"/>
+          </a:xfrm>
+          <a:prstGeom prst="roundRect">
+            <a:avLst/>
+          </a:prstGeom>
+          <a:solidFill>
+            <a:srgbClr val="98002E"/>
+          </a:solidFill>
+          <a:ln>
+            <a:noFill/>
+          </a:ln>
+          <a:effectLst/>
+        </p:spPr>
+        <p:style>
+          <a:lnRef idx="1">
+            <a:schemeClr val="accent1"/>
+          </a:lnRef>
+          <a:fillRef idx="3">
+            <a:schemeClr val="accent1"/>
+          </a:fillRef>
+          <a:effectRef idx="2">
+            <a:schemeClr val="accent1"/>
+          </a:effectRef>
+          <a:fontRef idx="minor">
+            <a:schemeClr val="lt1"/>
+          </a:fontRef>
+        </p:style>
+        <p:txBody>
+          <a:bodyPr rtlCol="0" anchor="ctr"/>
+          <a:lstStyle/>
+          <a:p>
+            <a:pPr algn="ctr"/>
+            <a:r>
+              <a:rPr lang="en-US" sz="1600" dirty="0" smtClean="0"/>
+              <a:t>GAAP Equity Value</a:t>
+            </a:r>
+            <a:endParaRPr lang="en-US" sz="1600" dirty="0"/>
+          </a:p>
+        </p:txBody>
+      </p:sp>
+      <p:sp>
+        <p:nvSpPr>
+          <p:cNvPr id="26" name="U-Turn Arrow 25"/>
+          <p:cNvSpPr/>
+          <p:nvPr/>
+        </p:nvSpPr>
+        <p:spPr>
+          <a:xfrm flipH="1">
+            <a:off x="5562600" y="4724400"/>
+            <a:ext cx="2438400" cy="381000"/>
+          </a:xfrm>
+          <a:prstGeom prst="uturnArrow">
+            <a:avLst>
+              <a:gd name="adj1" fmla="val 25000"/>
+              <a:gd name="adj2" fmla="val 25000"/>
+              <a:gd name="adj3" fmla="val 25000"/>
+              <a:gd name="adj4" fmla="val 43750"/>
+              <a:gd name="adj5" fmla="val 100000"/>
+            </a:avLst>
+          </a:prstGeom>
+          <a:solidFill>
+            <a:srgbClr val="377193"/>
+          </a:solidFill>
+          <a:ln>
+            <a:noFill/>
+          </a:ln>
+          <a:effectLst/>
+        </p:spPr>
+        <p:style>
+          <a:lnRef idx="1">
+            <a:schemeClr val="accent1"/>
+          </a:lnRef>
+          <a:fillRef idx="3">
+            <a:schemeClr val="accent1"/>
+          </a:fillRef>
+          <a:effectRef idx="2">
+            <a:schemeClr val="accent1"/>
+          </a:effectRef>
+          <a:fontRef idx="minor">
+            <a:schemeClr val="lt1"/>
+          </a:fontRef>
+        </p:style>
+        <p:txBody>
+          <a:bodyPr rtlCol="0" anchor="ctr"/>
+          <a:lstStyle/>
+          <a:p>
+            <a:pPr algn="ctr"/>
+            <a:endParaRPr lang="en-US">
+              <a:solidFill>
+                <a:schemeClr val="tx1"/>
+              </a:solidFill>
+            </a:endParaRPr>
+          </a:p>
+        </p:txBody>
+      </p:sp>
+      <p:sp>
+        <p:nvSpPr>
+          <p:cNvPr id="28" name="Rounded Rectangle 27"/>
+          <p:cNvSpPr/>
+          <p:nvPr/>
+        </p:nvSpPr>
+        <p:spPr>
+          <a:xfrm>
+            <a:off x="6501384" y="4403366"/>
+            <a:ext cx="609600" cy="342900"/>
+          </a:xfrm>
+          <a:prstGeom prst="roundRect">
+            <a:avLst/>
+          </a:prstGeom>
+          <a:solidFill>
+            <a:srgbClr val="377193"/>
+          </a:solidFill>
+          <a:ln>
+            <a:noFill/>
+          </a:ln>
+          <a:effectLst/>
+        </p:spPr>
+        <p:style>
+          <a:lnRef idx="1">
+            <a:schemeClr val="accent1"/>
+          </a:lnRef>
+          <a:fillRef idx="3">
+            <a:schemeClr val="accent1"/>
+          </a:fillRef>
+          <a:effectRef idx="2">
+            <a:schemeClr val="accent1"/>
+          </a:effectRef>
+          <a:fontRef idx="minor">
+            <a:schemeClr val="lt1"/>
+          </a:fontRef>
+        </p:style>
+        <p:txBody>
+          <a:bodyPr rtlCol="0" anchor="ctr"/>
+          <a:lstStyle/>
+          <a:p>
+            <a:pPr algn="ctr"/>
+            <a:r>
+              <a:rPr lang="en-US" sz="1600" dirty="0" smtClean="0"/>
+              <a:t>IRR</a:t>
+            </a:r>
+            <a:endParaRPr lang="en-US" sz="1600" dirty="0"/>
+          </a:p>
+        </p:txBody>
+      </p:sp>
     </p:spTree>
     <p:extLst>
       <p:ext uri="{BB962C8B-B14F-4D97-AF65-F5344CB8AC3E}">
-        <p14:creationId xmlns:p14="http://schemas.microsoft.com/office/powerpoint/2010/main" val="3112596303"/>
+        <p14:creationId xmlns:p14="http://schemas.microsoft.com/office/powerpoint/2010/main" val="1870389015"/>
       </p:ext>
     </p:extLst>
   </p:cSld>
@@ -8157,92 +8454,7 @@
             </a:pPr>
             <a:r>
               <a:rPr lang="en-US" i="1" dirty="0" smtClean="0"/>
-              <a:t>Project:</a:t>
-            </a:r>
-          </a:p>
-          <a:p>
-            <a:pPr lvl="1">
-              <a:spcAft>
-                <a:spcPts val="0"/>
-              </a:spcAft>
-              <a:buFont typeface="Wingdings" panose="05000000000000000000" pitchFamily="2" charset="2"/>
-              <a:buChar char="§"/>
-            </a:pPr>
-            <a:endParaRPr lang="en-US" i="1" dirty="0" smtClean="0"/>
-          </a:p>
-          <a:p>
-            <a:pPr lvl="1">
-              <a:buFont typeface="Wingdings" panose="05000000000000000000" pitchFamily="2" charset="2"/>
-              <a:buChar char="§"/>
-            </a:pPr>
-            <a:r>
-              <a:rPr lang="en-US" dirty="0" smtClean="0"/>
-              <a:t>Calculate IRR for 2400 potential economic scenarios </a:t>
-            </a:r>
-          </a:p>
-          <a:p>
-            <a:pPr lvl="3">
-              <a:spcBef>
-                <a:spcPts val="600"/>
-              </a:spcBef>
-              <a:buFont typeface="Wingdings" panose="05000000000000000000" pitchFamily="2" charset="2"/>
-              <a:buChar char="§"/>
-            </a:pPr>
-            <a:r>
-              <a:rPr lang="en-US" dirty="0" smtClean="0"/>
-              <a:t>12 Lincoln products, 200 scenarios each</a:t>
-            </a:r>
-          </a:p>
-          <a:p>
-            <a:pPr lvl="3">
-              <a:spcBef>
-                <a:spcPts val="600"/>
-              </a:spcBef>
-              <a:buFont typeface="Wingdings" panose="05000000000000000000" pitchFamily="2" charset="2"/>
-              <a:buChar char="§"/>
-            </a:pPr>
-            <a:r>
-              <a:rPr lang="en-US" dirty="0" smtClean="0"/>
-              <a:t>40 years of predicted distributable earnings per scenario (cash flows)</a:t>
-            </a:r>
-          </a:p>
-          <a:p>
-            <a:pPr lvl="3">
-              <a:spcBef>
-                <a:spcPts val="600"/>
-              </a:spcBef>
-              <a:spcAft>
-                <a:spcPts val="0"/>
-              </a:spcAft>
-              <a:buFont typeface="Wingdings" panose="05000000000000000000" pitchFamily="2" charset="2"/>
-              <a:buChar char="§"/>
-            </a:pPr>
-            <a:r>
-              <a:rPr lang="en-US" dirty="0" smtClean="0"/>
-              <a:t>1 GAAP Equity value per product (initial investment)</a:t>
-            </a:r>
-          </a:p>
-          <a:p>
-            <a:pPr lvl="1">
-              <a:spcAft>
-                <a:spcPts val="0"/>
-              </a:spcAft>
-              <a:buFont typeface="Wingdings" panose="05000000000000000000" pitchFamily="2" charset="2"/>
-              <a:buChar char="§"/>
-            </a:pPr>
-            <a:endParaRPr lang="en-US" dirty="0" smtClean="0"/>
-          </a:p>
-          <a:p>
-            <a:pPr lvl="1">
-              <a:spcAft>
-                <a:spcPts val="0"/>
-              </a:spcAft>
-              <a:buFont typeface="Wingdings" panose="05000000000000000000" pitchFamily="2" charset="2"/>
-              <a:buChar char="§"/>
-            </a:pPr>
-            <a:r>
-              <a:rPr lang="en-US" dirty="0" smtClean="0"/>
-              <a:t>Too many conditions for Excel’s IRR function. Goal Seek?</a:t>
+              <a:t>Solution:</a:t>
             </a:r>
           </a:p>
           <a:p>
@@ -8252,69 +8464,79 @@
               </a:spcAft>
               <a:buNone/>
             </a:pPr>
-            <a:endParaRPr lang="en-US" dirty="0"/>
+            <a:endParaRPr lang="en-US" i="1" dirty="0" smtClean="0"/>
           </a:p>
           <a:p>
             <a:pPr lvl="1">
               <a:spcAft>
-                <a:spcPts val="0"/>
+                <a:spcPts val="1200"/>
               </a:spcAft>
               <a:buFont typeface="Wingdings" panose="05000000000000000000" pitchFamily="2" charset="2"/>
               <a:buChar char="§"/>
             </a:pPr>
             <a:r>
-              <a:rPr lang="en-US" b="1" dirty="0" smtClean="0"/>
-              <a:t>3 hours </a:t>
-            </a:r>
-            <a:r>
-              <a:rPr lang="en-US" dirty="0" smtClean="0"/>
-              <a:t>to run all 2400 scenarios</a:t>
-            </a:r>
-          </a:p>
-          <a:p>
-            <a:pPr lvl="1">
+              <a:rPr lang="en-US" dirty="0" smtClean="0"/>
+              <a:t>Optimization problem – For each of the 2400 scenarios, minimize:</a:t>
+            </a:r>
+          </a:p>
+          <a:p>
+            <a:pPr lvl="3">
               <a:spcAft>
-                <a:spcPts val="0"/>
+                <a:spcPts val="1200"/>
               </a:spcAft>
               <a:buFont typeface="Wingdings" panose="05000000000000000000" pitchFamily="2" charset="2"/>
               <a:buChar char="§"/>
             </a:pPr>
+            <a:r>
+              <a:rPr lang="en-US" sz="2000" dirty="0" smtClean="0">
+                <a:latin typeface="Aparajita" panose="020B0604020202020204" pitchFamily="34" charset="0"/>
+                <a:cs typeface="Aparajita" panose="020B0604020202020204" pitchFamily="34" charset="0"/>
+              </a:rPr>
+              <a:t>PV(distributable earnings) – </a:t>
+            </a:r>
+            <a:r>
+              <a:rPr lang="en-US" sz="2000" dirty="0" err="1" smtClean="0">
+                <a:latin typeface="Aparajita" panose="020B0604020202020204" pitchFamily="34" charset="0"/>
+                <a:cs typeface="Aparajita" panose="020B0604020202020204" pitchFamily="34" charset="0"/>
+              </a:rPr>
+              <a:t>GAAP_equity</a:t>
+            </a:r>
+            <a:r>
+              <a:rPr lang="en-US" i="1" dirty="0"/>
+              <a:t>	</a:t>
+            </a:r>
+            <a:endParaRPr lang="en-US" i="1" dirty="0" smtClean="0"/>
+          </a:p>
+          <a:p>
+            <a:pPr lvl="3">
+              <a:spcAft>
+                <a:spcPts val="1200"/>
+              </a:spcAft>
+              <a:buFont typeface="Wingdings" panose="05000000000000000000" pitchFamily="2" charset="2"/>
+              <a:buChar char="§"/>
+            </a:pPr>
+            <a:r>
+              <a:rPr lang="en-US" dirty="0" smtClean="0"/>
+              <a:t>By varying the IRR to discount with</a:t>
+            </a:r>
+          </a:p>
+          <a:p>
+            <a:pPr lvl="3">
+              <a:buFont typeface="Wingdings" panose="05000000000000000000" pitchFamily="2" charset="2"/>
+              <a:buChar char="§"/>
+            </a:pPr>
+            <a:r>
+              <a:rPr lang="en-US" dirty="0" smtClean="0"/>
+              <a:t>Use the R function, </a:t>
+            </a:r>
+            <a:r>
+              <a:rPr lang="en-US" sz="2000" dirty="0" smtClean="0">
+                <a:latin typeface="Aparajita" panose="020B0604020202020204" pitchFamily="34" charset="0"/>
+                <a:cs typeface="Aparajita" panose="020B0604020202020204" pitchFamily="34" charset="0"/>
+              </a:rPr>
+              <a:t> optimize()</a:t>
+            </a:r>
             <a:endParaRPr lang="en-US" dirty="0"/>
-          </a:p>
-          <a:p>
-            <a:pPr lvl="1">
-              <a:spcAft>
-                <a:spcPts val="0"/>
-              </a:spcAft>
-              <a:buFont typeface="Wingdings" panose="05000000000000000000" pitchFamily="2" charset="2"/>
-              <a:buChar char="§"/>
-            </a:pPr>
-            <a:r>
-              <a:rPr lang="en-US" dirty="0" smtClean="0"/>
-              <a:t>Can R do this faster?</a:t>
-            </a:r>
-            <a:endParaRPr lang="en-US" dirty="0"/>
-          </a:p>
-          <a:p>
-            <a:pPr lvl="1">
-              <a:buFont typeface="Wingdings" panose="05000000000000000000" pitchFamily="2" charset="2"/>
-              <a:buChar char="§"/>
-            </a:pPr>
-            <a:endParaRPr lang="en-US" i="1" dirty="0" smtClean="0"/>
-          </a:p>
-          <a:p>
-            <a:pPr lvl="1">
-              <a:buFont typeface="Wingdings" panose="05000000000000000000" pitchFamily="2" charset="2"/>
-              <a:buChar char="§"/>
-            </a:pPr>
-            <a:endParaRPr lang="en-US" i="1" dirty="0"/>
-          </a:p>
-          <a:p>
-            <a:pPr lvl="1">
-              <a:buFont typeface="Wingdings" panose="05000000000000000000" pitchFamily="2" charset="2"/>
-              <a:buChar char="§"/>
-            </a:pPr>
-            <a:endParaRPr lang="en-US" dirty="0" smtClean="0"/>
           </a:p>
         </p:txBody>
       </p:sp>
@@ -8325,10 +8547,15 @@
             <a:spLocks noGrp="1"/>
           </p:cNvSpPr>
           <p:nvPr>
-            <p:ph type="sldNum" sz="quarter" idx="12"/>
+            <p:ph type="sldNum" sz="quarter" idx="4294967295"/>
           </p:nvPr>
         </p:nvSpPr>
-        <p:spPr/>
+        <p:spPr>
+          <a:xfrm>
+            <a:off x="8366760" y="6465572"/>
+            <a:ext cx="457200" cy="182880"/>
+          </a:xfrm>
+        </p:spPr>
         <p:txBody>
           <a:bodyPr/>
           <a:lstStyle/>
@@ -8367,7 +8594,7 @@
     </p:spTree>
     <p:extLst>
       <p:ext uri="{BB962C8B-B14F-4D97-AF65-F5344CB8AC3E}">
-        <p14:creationId xmlns:p14="http://schemas.microsoft.com/office/powerpoint/2010/main" val="1870389015"/>
+        <p14:creationId xmlns:p14="http://schemas.microsoft.com/office/powerpoint/2010/main" val="3233308965"/>
       </p:ext>
     </p:extLst>
   </p:cSld>
@@ -8524,6 +8751,71 @@
             </a:r>
             <a:endParaRPr lang="en-US" dirty="0"/>
           </a:p>
+          <a:p>
+            <a:pPr marL="228600" lvl="1" indent="0">
+              <a:spcAft>
+                <a:spcPts val="0"/>
+              </a:spcAft>
+              <a:buNone/>
+            </a:pPr>
+            <a:endParaRPr lang="en-US" i="1" dirty="0" smtClean="0"/>
+          </a:p>
+          <a:p>
+            <a:pPr lvl="1">
+              <a:spcAft>
+                <a:spcPts val="0"/>
+              </a:spcAft>
+              <a:buFont typeface="Wingdings" panose="05000000000000000000" pitchFamily="2" charset="2"/>
+              <a:buChar char="§"/>
+            </a:pPr>
+            <a:r>
+              <a:rPr lang="en-US" dirty="0" smtClean="0"/>
+              <a:t>3 hours  -&gt;  </a:t>
+            </a:r>
+            <a:r>
+              <a:rPr lang="en-US" b="1" dirty="0" smtClean="0"/>
+              <a:t>9 seconds in R</a:t>
+            </a:r>
+          </a:p>
+          <a:p>
+            <a:pPr lvl="1">
+              <a:spcAft>
+                <a:spcPts val="0"/>
+              </a:spcAft>
+              <a:buFont typeface="Wingdings" panose="05000000000000000000" pitchFamily="2" charset="2"/>
+              <a:buChar char="§"/>
+            </a:pPr>
+            <a:endParaRPr lang="en-US" dirty="0" smtClean="0"/>
+          </a:p>
+          <a:p>
+            <a:pPr lvl="1">
+              <a:spcAft>
+                <a:spcPts val="0"/>
+              </a:spcAft>
+              <a:buFont typeface="Wingdings" panose="05000000000000000000" pitchFamily="2" charset="2"/>
+              <a:buChar char="§"/>
+            </a:pPr>
+            <a:r>
+              <a:rPr lang="en-US" dirty="0" smtClean="0"/>
+              <a:t>Calculations are </a:t>
+            </a:r>
+            <a:r>
+              <a:rPr lang="en-US" i="1" dirty="0" err="1" smtClean="0"/>
+              <a:t>vectorized</a:t>
+            </a:r>
+            <a:r>
+              <a:rPr lang="en-US" i="1" dirty="0" smtClean="0"/>
+              <a:t> </a:t>
+            </a:r>
+            <a:r>
+              <a:rPr lang="en-US" dirty="0" smtClean="0"/>
+              <a:t>and run </a:t>
+            </a:r>
+            <a:r>
+              <a:rPr lang="en-US" i="1" dirty="0" smtClean="0"/>
+              <a:t>in parallel</a:t>
+            </a:r>
+          </a:p>
         </p:txBody>
       </p:sp>
       <p:sp>
@@ -8533,10 +8825,15 @@
             <a:spLocks noGrp="1"/>
           </p:cNvSpPr>
           <p:nvPr>
-            <p:ph type="sldNum" sz="quarter" idx="12"/>
+            <p:ph type="sldNum" sz="quarter" idx="4294967295"/>
           </p:nvPr>
         </p:nvSpPr>
-        <p:spPr/>
+        <p:spPr>
+          <a:xfrm>
+            <a:off x="8366760" y="6465572"/>
+            <a:ext cx="457200" cy="182880"/>
+          </a:xfrm>
+        </p:spPr>
         <p:txBody>
           <a:bodyPr/>
           <a:lstStyle/>
@@ -8575,7 +8872,7 @@
     </p:spTree>
     <p:extLst>
       <p:ext uri="{BB962C8B-B14F-4D97-AF65-F5344CB8AC3E}">
-        <p14:creationId xmlns:p14="http://schemas.microsoft.com/office/powerpoint/2010/main" val="3233308965"/>
+        <p14:creationId xmlns:p14="http://schemas.microsoft.com/office/powerpoint/2010/main" val="3489709715"/>
       </p:ext>
     </p:extLst>
   </p:cSld>
@@ -8629,7 +8926,7 @@
             </a:pPr>
             <a:r>
               <a:rPr lang="en-US" i="1" dirty="0" smtClean="0"/>
-              <a:t>IRR calculations</a:t>
+              <a:t>Input efficiency</a:t>
             </a:r>
           </a:p>
           <a:p>
@@ -8648,7 +8945,7 @@
             </a:pPr>
             <a:r>
               <a:rPr lang="en-US" i="1" dirty="0" smtClean="0"/>
-              <a:t>Solution:</a:t>
+              <a:t>Project:</a:t>
             </a:r>
           </a:p>
           <a:p>
@@ -8663,83 +8960,75 @@
           <a:p>
             <a:pPr lvl="1">
               <a:spcAft>
-                <a:spcPts val="1200"/>
+                <a:spcPts val="0"/>
               </a:spcAft>
               <a:buFont typeface="Wingdings" panose="05000000000000000000" pitchFamily="2" charset="2"/>
               <a:buChar char="§"/>
             </a:pPr>
             <a:r>
-              <a:rPr lang="en-US" dirty="0" smtClean="0"/>
-              <a:t>Optimization problem – For each of the 2400 scenarios, minimize:</a:t>
-            </a:r>
-          </a:p>
-          <a:p>
-            <a:pPr lvl="3">
+              <a:rPr lang="en-US" i="1" dirty="0" smtClean="0"/>
+              <a:t>Efficiency – </a:t>
+            </a:r>
+            <a:r>
+              <a:rPr lang="en-US" dirty="0" smtClean="0"/>
+              <a:t>Each line of business has 1 atb2 file containing model assumptions</a:t>
+            </a:r>
+          </a:p>
+          <a:p>
+            <a:pPr lvl="1">
               <a:spcAft>
-                <a:spcPts val="1200"/>
+                <a:spcPts val="0"/>
               </a:spcAft>
               <a:buFont typeface="Wingdings" panose="05000000000000000000" pitchFamily="2" charset="2"/>
               <a:buChar char="§"/>
             </a:pPr>
-            <a:r>
-              <a:rPr lang="en-US" sz="2000" dirty="0" smtClean="0">
-                <a:latin typeface="Aparajita" panose="020B0604020202020204" pitchFamily="34" charset="0"/>
-                <a:cs typeface="Aparajita" panose="020B0604020202020204" pitchFamily="34" charset="0"/>
-              </a:rPr>
-              <a:t>PV(distributable earnings) – </a:t>
-            </a:r>
-            <a:r>
-              <a:rPr lang="en-US" sz="2000" dirty="0" err="1" smtClean="0">
-                <a:latin typeface="Aparajita" panose="020B0604020202020204" pitchFamily="34" charset="0"/>
-                <a:cs typeface="Aparajita" panose="020B0604020202020204" pitchFamily="34" charset="0"/>
-              </a:rPr>
-              <a:t>GAAP_equity</a:t>
-            </a:r>
-            <a:r>
-              <a:rPr lang="en-US" i="1" dirty="0"/>
-              <a:t>	</a:t>
-            </a:r>
-            <a:endParaRPr lang="en-US" i="1" dirty="0" smtClean="0"/>
-          </a:p>
-          <a:p>
-            <a:pPr lvl="3">
+            <a:endParaRPr lang="en-US" dirty="0"/>
+          </a:p>
+          <a:p>
+            <a:pPr lvl="2">
               <a:spcAft>
-                <a:spcPts val="1200"/>
+                <a:spcPts val="0"/>
               </a:spcAft>
               <a:buFont typeface="Wingdings" panose="05000000000000000000" pitchFamily="2" charset="2"/>
               <a:buChar char="§"/>
             </a:pPr>
             <a:r>
               <a:rPr lang="en-US" dirty="0" smtClean="0"/>
-              <a:t>By varying the IRR to discount with</a:t>
-            </a:r>
-          </a:p>
-          <a:p>
-            <a:pPr lvl="3">
-              <a:buFont typeface="Wingdings" panose="05000000000000000000" pitchFamily="2" charset="2"/>
-              <a:buChar char="§"/>
-            </a:pPr>
-            <a:r>
-              <a:rPr lang="en-US" dirty="0" smtClean="0"/>
-              <a:t>Use the R function, </a:t>
-            </a:r>
-            <a:r>
-              <a:rPr lang="en-US" sz="2000" dirty="0" smtClean="0">
-                <a:latin typeface="Aparajita" panose="020B0604020202020204" pitchFamily="34" charset="0"/>
-                <a:cs typeface="Aparajita" panose="020B0604020202020204" pitchFamily="34" charset="0"/>
-              </a:rPr>
-              <a:t> optimize()</a:t>
-            </a:r>
+              <a:t>Some assumptions are updated regularly, others are never touched</a:t>
+            </a:r>
+          </a:p>
+          <a:p>
+            <a:pPr lvl="2">
+              <a:spcAft>
+                <a:spcPts val="0"/>
+              </a:spcAft>
+              <a:buFont typeface="Wingdings" panose="05000000000000000000" pitchFamily="2" charset="2"/>
+              <a:buChar char="§"/>
+            </a:pPr>
             <a:endParaRPr lang="en-US" dirty="0"/>
           </a:p>
           <a:p>
-            <a:pPr marL="228600" lvl="1" indent="0">
+            <a:pPr lvl="2">
+              <a:spcAft>
+                <a:spcPts val="0"/>
+              </a:spcAft>
+              <a:buFont typeface="Wingdings" panose="05000000000000000000" pitchFamily="2" charset="2"/>
+              <a:buChar char="§"/>
+            </a:pPr>
+            <a:r>
+              <a:rPr lang="en-US" dirty="0" smtClean="0"/>
+              <a:t>Separate updated tables from static tables to make assumption updating easier</a:t>
+            </a:r>
+            <a:endParaRPr lang="en-US" dirty="0"/>
+          </a:p>
+          <a:p>
+            <a:pPr marL="457200" lvl="2" indent="0">
               <a:spcAft>
                 <a:spcPts val="0"/>
               </a:spcAft>
               <a:buNone/>
             </a:pPr>
-            <a:endParaRPr lang="en-US" i="1" dirty="0" smtClean="0"/>
+            <a:endParaRPr lang="en-US" dirty="0" smtClean="0"/>
           </a:p>
           <a:p>
             <a:pPr lvl="1">
@@ -8750,12 +9039,8 @@
               <a:buChar char="§"/>
             </a:pPr>
             <a:r>
-              <a:rPr lang="en-US" dirty="0" smtClean="0"/>
-              <a:t>3 hours  -&gt;  </a:t>
-            </a:r>
-            <a:r>
-              <a:rPr lang="en-US" b="1" dirty="0" smtClean="0"/>
-              <a:t>9 seconds in R</a:t>
+              <a:rPr lang="en-US" i="1" dirty="0" smtClean="0"/>
+              <a:t>Flexibility</a:t>
             </a:r>
           </a:p>
           <a:p>
@@ -8766,7 +9051,54 @@
               <a:buFont typeface="Wingdings" panose="05000000000000000000" pitchFamily="2" charset="2"/>
               <a:buChar char="§"/>
             </a:pPr>
-            <a:endParaRPr lang="en-US" dirty="0" smtClean="0"/>
+            <a:endParaRPr lang="en-US" i="1" dirty="0"/>
+          </a:p>
+          <a:p>
+            <a:pPr lvl="2">
+              <a:spcAft>
+                <a:spcPts val="0"/>
+              </a:spcAft>
+              <a:buFont typeface="Wingdings" panose="05000000000000000000" pitchFamily="2" charset="2"/>
+              <a:buChar char="§"/>
+            </a:pPr>
+            <a:r>
+              <a:rPr lang="en-US" dirty="0" smtClean="0"/>
+              <a:t>Needs to work for multiple lines of business</a:t>
+            </a:r>
+          </a:p>
+          <a:p>
+            <a:pPr lvl="2">
+              <a:spcAft>
+                <a:spcPts val="0"/>
+              </a:spcAft>
+              <a:buFont typeface="Wingdings" panose="05000000000000000000" pitchFamily="2" charset="2"/>
+              <a:buChar char="§"/>
+            </a:pPr>
+            <a:endParaRPr lang="en-US" i="1" dirty="0" smtClean="0"/>
+          </a:p>
+          <a:p>
+            <a:pPr lvl="2">
+              <a:spcAft>
+                <a:spcPts val="0"/>
+              </a:spcAft>
+              <a:buFont typeface="Wingdings" panose="05000000000000000000" pitchFamily="2" charset="2"/>
+              <a:buChar char="§"/>
+            </a:pPr>
+            <a:r>
+              <a:rPr lang="en-US" dirty="0" smtClean="0"/>
+              <a:t>Iterative process</a:t>
+            </a:r>
+            <a:endParaRPr lang="en-US" dirty="0"/>
+          </a:p>
+          <a:p>
+            <a:pPr lvl="2">
+              <a:spcAft>
+                <a:spcPts val="0"/>
+              </a:spcAft>
+              <a:buFont typeface="Wingdings" panose="05000000000000000000" pitchFamily="2" charset="2"/>
+              <a:buChar char="§"/>
+            </a:pPr>
+            <a:endParaRPr lang="en-US" i="1" dirty="0" smtClean="0"/>
           </a:p>
           <a:p>
             <a:pPr lvl="1">
@@ -8776,26 +9108,17 @@
               <a:buFont typeface="Wingdings" panose="05000000000000000000" pitchFamily="2" charset="2"/>
               <a:buChar char="§"/>
             </a:pPr>
-            <a:r>
-              <a:rPr lang="en-US" dirty="0" smtClean="0"/>
-              <a:t>Calculations are </a:t>
-            </a:r>
-            <a:r>
-              <a:rPr lang="en-US" i="1" dirty="0" err="1" smtClean="0"/>
-              <a:t>vectorized</a:t>
-            </a:r>
-            <a:r>
-              <a:rPr lang="en-US" i="1" dirty="0" smtClean="0"/>
-              <a:t> </a:t>
-            </a:r>
-            <a:r>
-              <a:rPr lang="en-US" dirty="0" smtClean="0"/>
-              <a:t>and run </a:t>
-            </a:r>
-            <a:r>
-              <a:rPr lang="en-US" i="1" dirty="0" smtClean="0"/>
-              <a:t>in parallel</a:t>
-            </a:r>
+            <a:endParaRPr lang="en-US" i="1" dirty="0"/>
+          </a:p>
+          <a:p>
+            <a:pPr lvl="2">
+              <a:spcAft>
+                <a:spcPts val="0"/>
+              </a:spcAft>
+              <a:buFont typeface="Wingdings" panose="05000000000000000000" pitchFamily="2" charset="2"/>
+              <a:buChar char="§"/>
+            </a:pPr>
+            <a:endParaRPr lang="en-US" dirty="0" smtClean="0"/>
           </a:p>
         </p:txBody>
       </p:sp>
@@ -8806,10 +9129,15 @@
             <a:spLocks noGrp="1"/>
           </p:cNvSpPr>
           <p:nvPr>
-            <p:ph type="sldNum" sz="quarter" idx="12"/>
+            <p:ph type="sldNum" sz="quarter" idx="4294967295"/>
           </p:nvPr>
         </p:nvSpPr>
-        <p:spPr/>
+        <p:spPr>
+          <a:xfrm>
+            <a:off x="8366760" y="6465572"/>
+            <a:ext cx="457200" cy="182880"/>
+          </a:xfrm>
+        </p:spPr>
         <p:txBody>
           <a:bodyPr/>
           <a:lstStyle/>
@@ -8839,7 +9167,7 @@
           <a:p>
             <a:r>
               <a:rPr lang="en-US" dirty="0" smtClean="0"/>
-              <a:t>speed</a:t>
+              <a:t>MG-ALFA</a:t>
             </a:r>
             <a:endParaRPr lang="en-US" dirty="0"/>
           </a:p>
@@ -8848,7 +9176,7 @@
     </p:spTree>
     <p:extLst>
       <p:ext uri="{BB962C8B-B14F-4D97-AF65-F5344CB8AC3E}">
-        <p14:creationId xmlns:p14="http://schemas.microsoft.com/office/powerpoint/2010/main" val="3489709715"/>
+        <p14:creationId xmlns:p14="http://schemas.microsoft.com/office/powerpoint/2010/main" val="2912860542"/>
       </p:ext>
     </p:extLst>
   </p:cSld>
@@ -8884,313 +9212,14 @@
       </p:grpSpPr>
       <p:sp>
         <p:nvSpPr>
-          <p:cNvPr id="2" name="Content Placeholder 1"/>
-          <p:cNvSpPr>
-            <a:spLocks noGrp="1"/>
-          </p:cNvSpPr>
-          <p:nvPr>
-            <p:ph idx="1"/>
-          </p:nvPr>
-        </p:nvSpPr>
-        <p:spPr/>
-        <p:txBody>
-          <a:bodyPr/>
-          <a:lstStyle/>
-          <a:p>
-            <a:pPr marL="0" indent="0">
-              <a:buNone/>
-            </a:pPr>
-            <a:r>
-              <a:rPr lang="en-US" i="1" dirty="0" smtClean="0"/>
-              <a:t>Input efficiency</a:t>
-            </a:r>
-          </a:p>
-          <a:p>
-            <a:pPr marL="0" indent="0">
-              <a:buNone/>
-            </a:pPr>
-            <a:endParaRPr lang="en-US" i="1" dirty="0"/>
-          </a:p>
-          <a:p>
-            <a:pPr>
-              <a:spcAft>
-                <a:spcPts val="0"/>
-              </a:spcAft>
-              <a:buFont typeface="Wingdings" panose="05000000000000000000" pitchFamily="2" charset="2"/>
-              <a:buChar char="§"/>
-            </a:pPr>
-            <a:r>
-              <a:rPr lang="en-US" i="1" dirty="0" smtClean="0"/>
-              <a:t>Project:</a:t>
-            </a:r>
-          </a:p>
-          <a:p>
-            <a:pPr marL="228600" lvl="1" indent="0">
-              <a:spcAft>
-                <a:spcPts val="0"/>
-              </a:spcAft>
-              <a:buNone/>
-            </a:pPr>
-            <a:endParaRPr lang="en-US" i="1" dirty="0" smtClean="0"/>
-          </a:p>
-          <a:p>
-            <a:pPr lvl="1">
-              <a:spcAft>
-                <a:spcPts val="0"/>
-              </a:spcAft>
-              <a:buFont typeface="Wingdings" panose="05000000000000000000" pitchFamily="2" charset="2"/>
-              <a:buChar char="§"/>
-            </a:pPr>
-            <a:r>
-              <a:rPr lang="en-US" i="1" dirty="0" smtClean="0"/>
-              <a:t>Efficiency – </a:t>
-            </a:r>
-            <a:r>
-              <a:rPr lang="en-US" dirty="0" smtClean="0"/>
-              <a:t>Each line of business has 1 atb2 file containing model assumptions</a:t>
-            </a:r>
-          </a:p>
-          <a:p>
-            <a:pPr lvl="1">
-              <a:spcAft>
-                <a:spcPts val="0"/>
-              </a:spcAft>
-              <a:buFont typeface="Wingdings" panose="05000000000000000000" pitchFamily="2" charset="2"/>
-              <a:buChar char="§"/>
-            </a:pPr>
-            <a:endParaRPr lang="en-US" dirty="0"/>
-          </a:p>
-          <a:p>
-            <a:pPr lvl="2">
-              <a:spcAft>
-                <a:spcPts val="0"/>
-              </a:spcAft>
-              <a:buFont typeface="Wingdings" panose="05000000000000000000" pitchFamily="2" charset="2"/>
-              <a:buChar char="§"/>
-            </a:pPr>
-            <a:r>
-              <a:rPr lang="en-US" dirty="0" smtClean="0"/>
-              <a:t>Some assumptions are updated regularly, others are never touched</a:t>
-            </a:r>
-          </a:p>
-          <a:p>
-            <a:pPr lvl="2">
-              <a:spcAft>
-                <a:spcPts val="0"/>
-              </a:spcAft>
-              <a:buFont typeface="Wingdings" panose="05000000000000000000" pitchFamily="2" charset="2"/>
-              <a:buChar char="§"/>
-            </a:pPr>
-            <a:endParaRPr lang="en-US" dirty="0"/>
-          </a:p>
-          <a:p>
-            <a:pPr lvl="2">
-              <a:spcAft>
-                <a:spcPts val="0"/>
-              </a:spcAft>
-              <a:buFont typeface="Wingdings" panose="05000000000000000000" pitchFamily="2" charset="2"/>
-              <a:buChar char="§"/>
-            </a:pPr>
-            <a:r>
-              <a:rPr lang="en-US" dirty="0" smtClean="0"/>
-              <a:t>Separate updated tables from static tables to make assumption updating easier</a:t>
-            </a:r>
-            <a:endParaRPr lang="en-US" dirty="0"/>
-          </a:p>
-          <a:p>
-            <a:pPr marL="457200" lvl="2" indent="0">
-              <a:spcAft>
-                <a:spcPts val="0"/>
-              </a:spcAft>
-              <a:buNone/>
-            </a:pPr>
-            <a:endParaRPr lang="en-US" dirty="0" smtClean="0"/>
-          </a:p>
-          <a:p>
-            <a:pPr lvl="1">
-              <a:spcAft>
-                <a:spcPts val="0"/>
-              </a:spcAft>
-              <a:buFont typeface="Wingdings" panose="05000000000000000000" pitchFamily="2" charset="2"/>
-              <a:buChar char="§"/>
-            </a:pPr>
-            <a:r>
-              <a:rPr lang="en-US" i="1" dirty="0" smtClean="0"/>
-              <a:t>Flexibility</a:t>
-            </a:r>
-          </a:p>
-          <a:p>
-            <a:pPr lvl="1">
-              <a:spcAft>
-                <a:spcPts val="0"/>
-              </a:spcAft>
-              <a:buFont typeface="Wingdings" panose="05000000000000000000" pitchFamily="2" charset="2"/>
-              <a:buChar char="§"/>
-            </a:pPr>
-            <a:endParaRPr lang="en-US" i="1" dirty="0"/>
-          </a:p>
-          <a:p>
-            <a:pPr lvl="2">
-              <a:spcAft>
-                <a:spcPts val="0"/>
-              </a:spcAft>
-              <a:buFont typeface="Wingdings" panose="05000000000000000000" pitchFamily="2" charset="2"/>
-              <a:buChar char="§"/>
-            </a:pPr>
-            <a:r>
-              <a:rPr lang="en-US" dirty="0" smtClean="0"/>
-              <a:t>Needs to work for multiple lines of business</a:t>
-            </a:r>
-          </a:p>
-          <a:p>
-            <a:pPr lvl="2">
-              <a:spcAft>
-                <a:spcPts val="0"/>
-              </a:spcAft>
-              <a:buFont typeface="Wingdings" panose="05000000000000000000" pitchFamily="2" charset="2"/>
-              <a:buChar char="§"/>
-            </a:pPr>
-            <a:endParaRPr lang="en-US" i="1" dirty="0" smtClean="0"/>
-          </a:p>
-          <a:p>
-            <a:pPr lvl="2">
-              <a:spcAft>
-                <a:spcPts val="0"/>
-              </a:spcAft>
-              <a:buFont typeface="Wingdings" panose="05000000000000000000" pitchFamily="2" charset="2"/>
-              <a:buChar char="§"/>
-            </a:pPr>
-            <a:r>
-              <a:rPr lang="en-US" dirty="0" smtClean="0"/>
-              <a:t>Iterative process</a:t>
-            </a:r>
-            <a:endParaRPr lang="en-US" dirty="0"/>
-          </a:p>
-          <a:p>
-            <a:pPr lvl="2">
-              <a:spcAft>
-                <a:spcPts val="0"/>
-              </a:spcAft>
-              <a:buFont typeface="Wingdings" panose="05000000000000000000" pitchFamily="2" charset="2"/>
-              <a:buChar char="§"/>
-            </a:pPr>
-            <a:endParaRPr lang="en-US" i="1" dirty="0" smtClean="0"/>
-          </a:p>
-          <a:p>
-            <a:pPr lvl="1">
-              <a:spcAft>
-                <a:spcPts val="0"/>
-              </a:spcAft>
-              <a:buFont typeface="Wingdings" panose="05000000000000000000" pitchFamily="2" charset="2"/>
-              <a:buChar char="§"/>
-            </a:pPr>
-            <a:endParaRPr lang="en-US" i="1" dirty="0"/>
-          </a:p>
-          <a:p>
-            <a:pPr lvl="2">
-              <a:spcAft>
-                <a:spcPts val="0"/>
-              </a:spcAft>
-              <a:buFont typeface="Wingdings" panose="05000000000000000000" pitchFamily="2" charset="2"/>
-              <a:buChar char="§"/>
-            </a:pPr>
-            <a:endParaRPr lang="en-US" dirty="0" smtClean="0"/>
-          </a:p>
-        </p:txBody>
-      </p:sp>
-      <p:sp>
-        <p:nvSpPr>
-          <p:cNvPr id="3" name="Slide Number Placeholder 2"/>
-          <p:cNvSpPr>
-            <a:spLocks noGrp="1"/>
-          </p:cNvSpPr>
-          <p:nvPr>
-            <p:ph type="sldNum" sz="quarter" idx="12"/>
-          </p:nvPr>
-        </p:nvSpPr>
-        <p:spPr/>
-        <p:txBody>
-          <a:bodyPr/>
-          <a:lstStyle/>
-          <a:p>
-            <a:fld id="{E49B4C36-CA85-496D-A067-FC602A1FD8AC}" type="slidenum">
-              <a:rPr lang="en-US" smtClean="0"/>
-              <a:t>17</a:t>
-            </a:fld>
-            <a:endParaRPr lang="en-US"/>
-          </a:p>
-        </p:txBody>
-      </p:sp>
-      <p:sp>
-        <p:nvSpPr>
-          <p:cNvPr id="4" name="Title 3"/>
-          <p:cNvSpPr>
-            <a:spLocks noGrp="1"/>
-          </p:cNvSpPr>
-          <p:nvPr>
-            <p:ph type="title"/>
-          </p:nvPr>
-        </p:nvSpPr>
-        <p:spPr/>
-        <p:txBody>
-          <a:bodyPr/>
-          <a:lstStyle/>
-          <a:p>
-            <a:r>
-              <a:rPr lang="en-US" dirty="0" smtClean="0"/>
-              <a:t>MG-ALFA</a:t>
-            </a:r>
-            <a:endParaRPr lang="en-US" dirty="0"/>
-          </a:p>
-        </p:txBody>
-      </p:sp>
-    </p:spTree>
-    <p:extLst>
-      <p:ext uri="{BB962C8B-B14F-4D97-AF65-F5344CB8AC3E}">
-        <p14:creationId xmlns:p14="http://schemas.microsoft.com/office/powerpoint/2010/main" val="2912860542"/>
-      </p:ext>
-    </p:extLst>
-  </p:cSld>
-  <p:clrMapOvr>
-    <a:masterClrMapping/>
-  </p:clrMapOvr>
-  <p:timing>
-    <p:tnLst>
-      <p:par>
-        <p:cTn id="1" dur="indefinite" restart="never" nodeType="tmRoot"/>
-      </p:par>
-    </p:tnLst>
-  </p:timing>
-</p:sld>
-</file>
-
-<file path=ppt/slides/slide18.xml><?xml version="1.0" encoding="utf-8"?>
-<p:sld xmlns:a="http://schemas.openxmlformats.org/drawingml/2006/main" xmlns:r="http://schemas.openxmlformats.org/officeDocument/2006/relationships" xmlns:p="http://schemas.openxmlformats.org/presentationml/2006/main">
-  <p:cSld>
-    <p:spTree>
-      <p:nvGrpSpPr>
-        <p:cNvPr id="1" name=""/>
-        <p:cNvGrpSpPr/>
-        <p:nvPr/>
-      </p:nvGrpSpPr>
-      <p:grpSpPr>
-        <a:xfrm>
-          <a:off x="0" y="0"/>
-          <a:ext cx="0" cy="0"/>
-          <a:chOff x="0" y="0"/>
-          <a:chExt cx="0" cy="0"/>
-        </a:xfrm>
-      </p:grpSpPr>
-      <p:sp>
-        <p:nvSpPr>
           <p:cNvPr id="34" name="Rounded Rectangle 33"/>
           <p:cNvSpPr/>
           <p:nvPr/>
         </p:nvSpPr>
         <p:spPr>
           <a:xfrm>
-            <a:off x="762000" y="1600200"/>
-            <a:ext cx="1905000" cy="4339290"/>
+            <a:off x="762000" y="1676400"/>
+            <a:ext cx="1905000" cy="4263090"/>
           </a:xfrm>
           <a:prstGeom prst="roundRect">
             <a:avLst/>
@@ -9237,8 +9266,8 @@
         </p:nvSpPr>
         <p:spPr>
           <a:xfrm>
-            <a:off x="4959350" y="1600200"/>
-            <a:ext cx="1905000" cy="4339290"/>
+            <a:off x="4959350" y="1676400"/>
+            <a:ext cx="1905000" cy="4263090"/>
           </a:xfrm>
           <a:prstGeom prst="roundRect">
             <a:avLst/>
@@ -9357,17 +9386,22 @@
             <a:spLocks noGrp="1"/>
           </p:cNvSpPr>
           <p:nvPr>
-            <p:ph type="sldNum" sz="quarter" idx="12"/>
+            <p:ph type="sldNum" sz="quarter" idx="4294967295"/>
           </p:nvPr>
         </p:nvSpPr>
-        <p:spPr/>
+        <p:spPr>
+          <a:xfrm>
+            <a:off x="8366760" y="6465572"/>
+            <a:ext cx="457200" cy="182880"/>
+          </a:xfrm>
+        </p:spPr>
         <p:txBody>
           <a:bodyPr/>
           <a:lstStyle/>
           <a:p>
             <a:fld id="{E49B4C36-CA85-496D-A067-FC602A1FD8AC}" type="slidenum">
               <a:rPr lang="en-US" smtClean="0"/>
-              <a:t>18</a:t>
+              <a:t>17</a:t>
             </a:fld>
             <a:endParaRPr lang="en-US"/>
           </a:p>
@@ -9831,7 +9865,7 @@
         </p:nvSpPr>
         <p:spPr>
           <a:xfrm>
-            <a:off x="1143000" y="1764268"/>
+            <a:off x="1143000" y="1840468"/>
             <a:ext cx="1143000" cy="369332"/>
           </a:xfrm>
           <a:prstGeom prst="rect">
@@ -9870,7 +9904,7 @@
         </p:nvSpPr>
         <p:spPr>
           <a:xfrm>
-            <a:off x="5035550" y="1764268"/>
+            <a:off x="5029200" y="1840468"/>
             <a:ext cx="1752600" cy="369332"/>
           </a:xfrm>
           <a:prstGeom prst="rect">
@@ -10078,6 +10112,268 @@
 </p:sld>
 </file>
 
+<file path=ppt/slides/slide18.xml><?xml version="1.0" encoding="utf-8"?>
+<p:sld xmlns:a="http://schemas.openxmlformats.org/drawingml/2006/main" xmlns:r="http://schemas.openxmlformats.org/officeDocument/2006/relationships" xmlns:p="http://schemas.openxmlformats.org/presentationml/2006/main">
+  <p:cSld>
+    <p:spTree>
+      <p:nvGrpSpPr>
+        <p:cNvPr id="1" name=""/>
+        <p:cNvGrpSpPr/>
+        <p:nvPr/>
+      </p:nvGrpSpPr>
+      <p:grpSpPr>
+        <a:xfrm>
+          <a:off x="0" y="0"/>
+          <a:ext cx="0" cy="0"/>
+          <a:chOff x="0" y="0"/>
+          <a:chExt cx="0" cy="0"/>
+        </a:xfrm>
+      </p:grpSpPr>
+      <p:sp>
+        <p:nvSpPr>
+          <p:cNvPr id="3" name="Slide Number Placeholder 2"/>
+          <p:cNvSpPr>
+            <a:spLocks noGrp="1"/>
+          </p:cNvSpPr>
+          <p:nvPr>
+            <p:ph type="sldNum" sz="quarter" idx="4294967295"/>
+          </p:nvPr>
+        </p:nvSpPr>
+        <p:spPr>
+          <a:xfrm>
+            <a:off x="8366760" y="6465572"/>
+            <a:ext cx="457200" cy="182880"/>
+          </a:xfrm>
+        </p:spPr>
+        <p:txBody>
+          <a:bodyPr/>
+          <a:lstStyle/>
+          <a:p>
+            <a:fld id="{E49B4C36-CA85-496D-A067-FC602A1FD8AC}" type="slidenum">
+              <a:rPr lang="en-US" smtClean="0"/>
+              <a:t>18</a:t>
+            </a:fld>
+            <a:endParaRPr lang="en-US"/>
+          </a:p>
+        </p:txBody>
+      </p:sp>
+      <p:sp>
+        <p:nvSpPr>
+          <p:cNvPr id="4" name="Title 3"/>
+          <p:cNvSpPr>
+            <a:spLocks noGrp="1"/>
+          </p:cNvSpPr>
+          <p:nvPr>
+            <p:ph type="title"/>
+          </p:nvPr>
+        </p:nvSpPr>
+        <p:spPr/>
+        <p:txBody>
+          <a:bodyPr/>
+          <a:lstStyle/>
+          <a:p>
+            <a:r>
+              <a:rPr lang="en-US" dirty="0" smtClean="0"/>
+              <a:t>speed</a:t>
+            </a:r>
+            <a:endParaRPr lang="en-US" dirty="0"/>
+          </a:p>
+        </p:txBody>
+      </p:sp>
+      <p:sp>
+        <p:nvSpPr>
+          <p:cNvPr id="10" name="Content Placeholder 1"/>
+          <p:cNvSpPr>
+            <a:spLocks noGrp="1"/>
+          </p:cNvSpPr>
+          <p:nvPr>
+            <p:ph idx="1"/>
+          </p:nvPr>
+        </p:nvSpPr>
+        <p:spPr>
+          <a:xfrm>
+            <a:off x="320040" y="1142999"/>
+            <a:ext cx="8503920" cy="4800600"/>
+          </a:xfrm>
+        </p:spPr>
+        <p:txBody>
+          <a:bodyPr/>
+          <a:lstStyle/>
+          <a:p>
+            <a:pPr marL="0" indent="0">
+              <a:buNone/>
+            </a:pPr>
+            <a:r>
+              <a:rPr lang="en-US" i="1" dirty="0"/>
+              <a:t>Direct connections to databases</a:t>
+            </a:r>
+          </a:p>
+          <a:p>
+            <a:pPr marL="0" indent="0">
+              <a:buNone/>
+            </a:pPr>
+            <a:endParaRPr lang="en-US" i="1" dirty="0"/>
+          </a:p>
+          <a:p>
+            <a:pPr>
+              <a:spcAft>
+                <a:spcPts val="0"/>
+              </a:spcAft>
+              <a:buFont typeface="Wingdings" panose="05000000000000000000" pitchFamily="2" charset="2"/>
+              <a:buChar char="§"/>
+            </a:pPr>
+            <a:r>
+              <a:rPr lang="en-US" i="1" dirty="0" smtClean="0"/>
+              <a:t>Project:</a:t>
+            </a:r>
+          </a:p>
+          <a:p>
+            <a:pPr marL="228600" lvl="1" indent="0">
+              <a:spcAft>
+                <a:spcPts val="0"/>
+              </a:spcAft>
+              <a:buNone/>
+            </a:pPr>
+            <a:endParaRPr lang="en-US" i="1" dirty="0" smtClean="0"/>
+          </a:p>
+          <a:p>
+            <a:pPr lvl="1">
+              <a:spcAft>
+                <a:spcPts val="0"/>
+              </a:spcAft>
+              <a:buFont typeface="Wingdings" panose="05000000000000000000" pitchFamily="2" charset="2"/>
+              <a:buChar char="§"/>
+            </a:pPr>
+            <a:r>
+              <a:rPr lang="en-US" dirty="0" smtClean="0"/>
+              <a:t>Investigating a problem many of us have: </a:t>
+            </a:r>
+          </a:p>
+          <a:p>
+            <a:pPr lvl="3">
+              <a:spcAft>
+                <a:spcPts val="0"/>
+              </a:spcAft>
+              <a:buFont typeface="Wingdings" panose="05000000000000000000" pitchFamily="2" charset="2"/>
+              <a:buChar char="§"/>
+            </a:pPr>
+            <a:endParaRPr lang="en-US" dirty="0"/>
+          </a:p>
+          <a:p>
+            <a:pPr lvl="3">
+              <a:spcAft>
+                <a:spcPts val="0"/>
+              </a:spcAft>
+              <a:buFont typeface="Wingdings" panose="05000000000000000000" pitchFamily="2" charset="2"/>
+              <a:buChar char="§"/>
+            </a:pPr>
+            <a:r>
+              <a:rPr lang="en-US" i="1" dirty="0" smtClean="0"/>
+              <a:t>Working with databases from Excel/VBA isn’t fun or fast.</a:t>
+            </a:r>
+          </a:p>
+          <a:p>
+            <a:pPr lvl="1">
+              <a:spcAft>
+                <a:spcPts val="0"/>
+              </a:spcAft>
+              <a:buFont typeface="Wingdings" panose="05000000000000000000" pitchFamily="2" charset="2"/>
+              <a:buChar char="§"/>
+            </a:pPr>
+            <a:endParaRPr lang="en-US" dirty="0" smtClean="0"/>
+          </a:p>
+          <a:p>
+            <a:pPr lvl="1">
+              <a:spcAft>
+                <a:spcPts val="0"/>
+              </a:spcAft>
+              <a:buFont typeface="Wingdings" panose="05000000000000000000" pitchFamily="2" charset="2"/>
+              <a:buChar char="§"/>
+            </a:pPr>
+            <a:r>
+              <a:rPr lang="en-US" dirty="0" smtClean="0"/>
+              <a:t>Great support in R for connecting to </a:t>
+            </a:r>
+            <a:r>
+              <a:rPr lang="en-US" i="1" dirty="0" smtClean="0"/>
+              <a:t>any</a:t>
+            </a:r>
+            <a:r>
+              <a:rPr lang="en-US" dirty="0" smtClean="0"/>
+              <a:t> type of database</a:t>
+            </a:r>
+          </a:p>
+          <a:p>
+            <a:pPr lvl="1">
+              <a:buFont typeface="Wingdings" panose="05000000000000000000" pitchFamily="2" charset="2"/>
+              <a:buChar char="§"/>
+            </a:pPr>
+            <a:endParaRPr lang="en-US" dirty="0"/>
+          </a:p>
+          <a:p>
+            <a:pPr lvl="3">
+              <a:spcAft>
+                <a:spcPts val="0"/>
+              </a:spcAft>
+              <a:buFont typeface="Wingdings" panose="05000000000000000000" pitchFamily="2" charset="2"/>
+              <a:buChar char="§"/>
+            </a:pPr>
+            <a:r>
+              <a:rPr lang="en-US" dirty="0" smtClean="0"/>
+              <a:t>“SQL translation” required</a:t>
+            </a:r>
+          </a:p>
+          <a:p>
+            <a:pPr lvl="1">
+              <a:spcAft>
+                <a:spcPts val="0"/>
+              </a:spcAft>
+              <a:buFont typeface="Wingdings" panose="05000000000000000000" pitchFamily="2" charset="2"/>
+              <a:buChar char="§"/>
+            </a:pPr>
+            <a:endParaRPr lang="en-US" dirty="0"/>
+          </a:p>
+          <a:p>
+            <a:pPr lvl="3">
+              <a:spcAft>
+                <a:spcPts val="0"/>
+              </a:spcAft>
+              <a:buFont typeface="Wingdings" panose="05000000000000000000" pitchFamily="2" charset="2"/>
+              <a:buChar char="§"/>
+            </a:pPr>
+            <a:r>
+              <a:rPr lang="en-US" dirty="0" smtClean="0"/>
+              <a:t>Added that SQL translation for Access </a:t>
+            </a:r>
+          </a:p>
+          <a:p>
+            <a:pPr marL="685800" lvl="3" indent="0">
+              <a:buNone/>
+            </a:pPr>
+            <a:endParaRPr lang="en-US" dirty="0" smtClean="0"/>
+          </a:p>
+        </p:txBody>
+      </p:sp>
+    </p:spTree>
+    <p:extLst>
+      <p:ext uri="{BB962C8B-B14F-4D97-AF65-F5344CB8AC3E}">
+        <p14:creationId xmlns:p14="http://schemas.microsoft.com/office/powerpoint/2010/main" val="4151441797"/>
+      </p:ext>
+    </p:extLst>
+  </p:cSld>
+  <p:clrMapOvr>
+    <a:masterClrMapping/>
+  </p:clrMapOvr>
+  <p:timing>
+    <p:tnLst>
+      <p:par>
+        <p:cTn id="1" dur="indefinite" restart="never" nodeType="tmRoot"/>
+      </p:par>
+    </p:tnLst>
+  </p:timing>
+</p:sld>
+</file>
+
 <file path=ppt/slides/slide19.xml><?xml version="1.0" encoding="utf-8"?>
 <p:sld xmlns:a="http://schemas.openxmlformats.org/drawingml/2006/main" xmlns:r="http://schemas.openxmlformats.org/officeDocument/2006/relationships" xmlns:p="http://schemas.openxmlformats.org/presentationml/2006/main">
   <p:cSld>
@@ -10102,10 +10398,15 @@
             <a:spLocks noGrp="1"/>
           </p:cNvSpPr>
           <p:nvPr>
-            <p:ph type="sldNum" sz="quarter" idx="12"/>
+            <p:ph type="sldNum" sz="quarter" idx="4294967295"/>
           </p:nvPr>
         </p:nvSpPr>
-        <p:spPr/>
+        <p:spPr>
+          <a:xfrm>
+            <a:off x="8366760" y="6465572"/>
+            <a:ext cx="457200" cy="182880"/>
+          </a:xfrm>
+        </p:spPr>
         <p:txBody>
           <a:bodyPr/>
           <a:lstStyle/>
@@ -10313,12 +10614,38 @@
             </a:pPr>
             <a:endParaRPr lang="en-US" dirty="0" smtClean="0"/>
           </a:p>
+          <a:p>
+            <a:pPr lvl="1">
+              <a:buFont typeface="Wingdings" panose="05000000000000000000" pitchFamily="2" charset="2"/>
+              <a:buChar char="§"/>
+            </a:pPr>
+            <a:r>
+              <a:rPr lang="en-US" dirty="0">
+                <a:hlinkClick r:id="rId2"/>
+              </a:rPr>
+              <a:t>Let’s have some </a:t>
+            </a:r>
+            <a:r>
+              <a:rPr lang="en-US" dirty="0" smtClean="0">
+                <a:hlinkClick r:id="rId2"/>
+              </a:rPr>
+              <a:t>fun</a:t>
+            </a:r>
+            <a:endParaRPr lang="en-US" dirty="0" smtClean="0"/>
+          </a:p>
+          <a:p>
+            <a:pPr lvl="3">
+              <a:buFont typeface="Wingdings" panose="05000000000000000000" pitchFamily="2" charset="2"/>
+              <a:buChar char="§"/>
+            </a:pPr>
+            <a:endParaRPr lang="en-US" dirty="0" smtClean="0"/>
+          </a:p>
         </p:txBody>
       </p:sp>
     </p:spTree>
     <p:extLst>
       <p:ext uri="{BB962C8B-B14F-4D97-AF65-F5344CB8AC3E}">
-        <p14:creationId xmlns:p14="http://schemas.microsoft.com/office/powerpoint/2010/main" val="4151441797"/>
+        <p14:creationId xmlns:p14="http://schemas.microsoft.com/office/powerpoint/2010/main" val="1585707474"/>
       </p:ext>
     </p:extLst>
   </p:cSld>
@@ -10587,15 +10914,153 @@
       </p:grpSpPr>
       <p:sp>
         <p:nvSpPr>
+          <p:cNvPr id="2" name="Content Placeholder 1"/>
+          <p:cNvSpPr>
+            <a:spLocks noGrp="1"/>
+          </p:cNvSpPr>
+          <p:nvPr>
+            <p:ph idx="1"/>
+          </p:nvPr>
+        </p:nvSpPr>
+        <p:spPr/>
+        <p:txBody>
+          <a:bodyPr/>
+          <a:lstStyle/>
+          <a:p>
+            <a:pPr marL="0" indent="0">
+              <a:buNone/>
+            </a:pPr>
+            <a:r>
+              <a:rPr lang="en-US" i="1" dirty="0" smtClean="0"/>
+              <a:t>SOA Predictive Analytics Exam for ASA’s</a:t>
+            </a:r>
+          </a:p>
+          <a:p>
+            <a:pPr marL="0" indent="0">
+              <a:buNone/>
+            </a:pPr>
+            <a:endParaRPr lang="en-US" i="1" dirty="0" smtClean="0"/>
+          </a:p>
+          <a:p>
+            <a:pPr marL="0" indent="0">
+              <a:buNone/>
+            </a:pPr>
+            <a:endParaRPr lang="en-US" i="1" dirty="0"/>
+          </a:p>
+          <a:p>
+            <a:pPr marL="0" indent="0">
+              <a:buNone/>
+            </a:pPr>
+            <a:endParaRPr lang="en-US" i="1" dirty="0"/>
+          </a:p>
+          <a:p>
+            <a:pPr>
+              <a:buFont typeface="Wingdings" panose="05000000000000000000" pitchFamily="2" charset="2"/>
+              <a:buChar char="§"/>
+            </a:pPr>
+            <a:endParaRPr lang="en-US" i="1" dirty="0" smtClean="0"/>
+          </a:p>
+          <a:p>
+            <a:pPr>
+              <a:buFont typeface="Wingdings" panose="05000000000000000000" pitchFamily="2" charset="2"/>
+              <a:buChar char="§"/>
+            </a:pPr>
+            <a:endParaRPr lang="en-US" i="1" dirty="0"/>
+          </a:p>
+          <a:p>
+            <a:pPr marL="0" indent="0">
+              <a:buNone/>
+            </a:pPr>
+            <a:endParaRPr lang="en-US" i="1" dirty="0" smtClean="0"/>
+          </a:p>
+          <a:p>
+            <a:pPr>
+              <a:buFont typeface="Wingdings" panose="05000000000000000000" pitchFamily="2" charset="2"/>
+              <a:buChar char="§"/>
+            </a:pPr>
+            <a:endParaRPr lang="en-US" i="1" dirty="0" smtClean="0"/>
+          </a:p>
+          <a:p>
+            <a:pPr>
+              <a:buFont typeface="Wingdings" panose="05000000000000000000" pitchFamily="2" charset="2"/>
+              <a:buChar char="§"/>
+            </a:pPr>
+            <a:endParaRPr lang="en-US" i="1" dirty="0"/>
+          </a:p>
+          <a:p>
+            <a:pPr>
+              <a:buFont typeface="Wingdings" panose="05000000000000000000" pitchFamily="2" charset="2"/>
+              <a:buChar char="§"/>
+            </a:pPr>
+            <a:endParaRPr lang="en-US" i="1" dirty="0" smtClean="0"/>
+          </a:p>
+          <a:p>
+            <a:pPr>
+              <a:buFont typeface="Wingdings" panose="05000000000000000000" pitchFamily="2" charset="2"/>
+              <a:buChar char="§"/>
+            </a:pPr>
+            <a:r>
+              <a:rPr lang="en-US" i="1" dirty="0" smtClean="0"/>
+              <a:t>Big picture:</a:t>
+            </a:r>
+          </a:p>
+          <a:p>
+            <a:pPr lvl="1">
+              <a:buFont typeface="Wingdings" panose="05000000000000000000" pitchFamily="2" charset="2"/>
+              <a:buChar char="§"/>
+            </a:pPr>
+            <a:r>
+              <a:rPr lang="en-US" i="1" dirty="0" smtClean="0"/>
+              <a:t>At Lincoln you are going to have an influx of interns with these skills! </a:t>
+            </a:r>
+            <a:endParaRPr lang="en-US" i="1" dirty="0"/>
+          </a:p>
+          <a:p>
+            <a:pPr>
+              <a:buFont typeface="Wingdings" panose="05000000000000000000" pitchFamily="2" charset="2"/>
+              <a:buChar char="§"/>
+            </a:pPr>
+            <a:endParaRPr lang="en-US" i="1" dirty="0" smtClean="0"/>
+          </a:p>
+          <a:p>
+            <a:pPr lvl="1">
+              <a:buFont typeface="Wingdings" panose="05000000000000000000" pitchFamily="2" charset="2"/>
+              <a:buChar char="§"/>
+            </a:pPr>
+            <a:endParaRPr lang="en-US" i="1" dirty="0" smtClean="0"/>
+          </a:p>
+          <a:p>
+            <a:pPr lvl="1">
+              <a:buFont typeface="Wingdings" panose="05000000000000000000" pitchFamily="2" charset="2"/>
+              <a:buChar char="§"/>
+            </a:pPr>
+            <a:endParaRPr lang="en-US" i="1" dirty="0"/>
+          </a:p>
+          <a:p>
+            <a:pPr lvl="1">
+              <a:buFont typeface="Wingdings" panose="05000000000000000000" pitchFamily="2" charset="2"/>
+              <a:buChar char="§"/>
+            </a:pPr>
+            <a:endParaRPr lang="en-US" dirty="0" smtClean="0"/>
+          </a:p>
+        </p:txBody>
+      </p:sp>
+      <p:sp>
+        <p:nvSpPr>
           <p:cNvPr id="3" name="Slide Number Placeholder 2"/>
           <p:cNvSpPr>
             <a:spLocks noGrp="1"/>
           </p:cNvSpPr>
           <p:nvPr>
-            <p:ph type="sldNum" sz="quarter" idx="12"/>
+            <p:ph type="sldNum" sz="quarter" idx="4294967295"/>
           </p:nvPr>
         </p:nvSpPr>
-        <p:spPr/>
+        <p:spPr>
+          <a:xfrm>
+            <a:off x="8366760" y="6465572"/>
+            <a:ext cx="457200" cy="182880"/>
+          </a:xfrm>
+        </p:spPr>
         <p:txBody>
           <a:bodyPr/>
           <a:lstStyle/>
@@ -10625,216 +11090,46 @@
           <a:p>
             <a:r>
               <a:rPr lang="en-US" dirty="0" smtClean="0"/>
-              <a:t>speed</a:t>
+              <a:t>Why do I care so much?</a:t>
             </a:r>
             <a:endParaRPr lang="en-US" dirty="0"/>
           </a:p>
         </p:txBody>
       </p:sp>
-      <p:sp>
-        <p:nvSpPr>
-          <p:cNvPr id="10" name="Content Placeholder 1"/>
-          <p:cNvSpPr>
-            <a:spLocks noGrp="1"/>
-          </p:cNvSpPr>
-          <p:nvPr>
-            <p:ph idx="1"/>
-          </p:nvPr>
-        </p:nvSpPr>
+      <p:pic>
+        <p:nvPicPr>
+          <p:cNvPr id="5" name="Picture 4"/>
+          <p:cNvPicPr>
+            <a:picLocks noChangeAspect="1"/>
+          </p:cNvPicPr>
+          <p:nvPr/>
+        </p:nvPicPr>
+        <p:blipFill>
+          <a:blip r:embed="rId2">
+            <a:extLst>
+              <a:ext uri="{28A0092B-C50C-407E-A947-70E740481C1C}">
+                <a14:useLocalDpi xmlns:a14="http://schemas.microsoft.com/office/drawing/2010/main" val="0"/>
+              </a:ext>
+            </a:extLst>
+          </a:blip>
+          <a:stretch>
+            <a:fillRect/>
+          </a:stretch>
+        </p:blipFill>
         <p:spPr>
           <a:xfrm>
-            <a:off x="320040" y="1142999"/>
-            <a:ext cx="8503920" cy="4800600"/>
-          </a:xfrm>
+            <a:off x="381000" y="1676400"/>
+            <a:ext cx="8159796" cy="2819400"/>
+          </a:xfrm>
+          <a:prstGeom prst="rect">
+            <a:avLst/>
+          </a:prstGeom>
         </p:spPr>
-        <p:txBody>
-          <a:bodyPr/>
-          <a:lstStyle/>
-          <a:p>
-            <a:pPr marL="0" indent="0">
-              <a:buNone/>
-            </a:pPr>
-            <a:r>
-              <a:rPr lang="en-US" i="1" dirty="0"/>
-              <a:t>Direct connections to databases</a:t>
-            </a:r>
-          </a:p>
-          <a:p>
-            <a:pPr marL="0" indent="0">
-              <a:buNone/>
-            </a:pPr>
-            <a:endParaRPr lang="en-US" i="1" dirty="0"/>
-          </a:p>
-          <a:p>
-            <a:pPr>
-              <a:spcAft>
-                <a:spcPts val="0"/>
-              </a:spcAft>
-              <a:buFont typeface="Wingdings" panose="05000000000000000000" pitchFamily="2" charset="2"/>
-              <a:buChar char="§"/>
-            </a:pPr>
-            <a:r>
-              <a:rPr lang="en-US" i="1" dirty="0" smtClean="0"/>
-              <a:t>Project:</a:t>
-            </a:r>
-          </a:p>
-          <a:p>
-            <a:pPr marL="228600" lvl="1" indent="0">
-              <a:spcAft>
-                <a:spcPts val="0"/>
-              </a:spcAft>
-              <a:buNone/>
-            </a:pPr>
-            <a:endParaRPr lang="en-US" i="1" dirty="0" smtClean="0"/>
-          </a:p>
-          <a:p>
-            <a:pPr lvl="1">
-              <a:spcAft>
-                <a:spcPts val="0"/>
-              </a:spcAft>
-              <a:buFont typeface="Wingdings" panose="05000000000000000000" pitchFamily="2" charset="2"/>
-              <a:buChar char="§"/>
-            </a:pPr>
-            <a:r>
-              <a:rPr lang="en-US" dirty="0" smtClean="0"/>
-              <a:t>Investigating a problem many of us have: </a:t>
-            </a:r>
-          </a:p>
-          <a:p>
-            <a:pPr lvl="3">
-              <a:spcAft>
-                <a:spcPts val="0"/>
-              </a:spcAft>
-              <a:buFont typeface="Wingdings" panose="05000000000000000000" pitchFamily="2" charset="2"/>
-              <a:buChar char="§"/>
-            </a:pPr>
-            <a:endParaRPr lang="en-US" dirty="0"/>
-          </a:p>
-          <a:p>
-            <a:pPr lvl="3">
-              <a:spcAft>
-                <a:spcPts val="0"/>
-              </a:spcAft>
-              <a:buFont typeface="Wingdings" panose="05000000000000000000" pitchFamily="2" charset="2"/>
-              <a:buChar char="§"/>
-            </a:pPr>
-            <a:r>
-              <a:rPr lang="en-US" i="1" dirty="0" smtClean="0"/>
-              <a:t>Working with databases from Excel/VBA isn’t fun or fast.</a:t>
-            </a:r>
-          </a:p>
-          <a:p>
-            <a:pPr lvl="1">
-              <a:spcAft>
-                <a:spcPts val="0"/>
-              </a:spcAft>
-              <a:buFont typeface="Wingdings" panose="05000000000000000000" pitchFamily="2" charset="2"/>
-              <a:buChar char="§"/>
-            </a:pPr>
-            <a:endParaRPr lang="en-US" dirty="0" smtClean="0"/>
-          </a:p>
-          <a:p>
-            <a:pPr lvl="1">
-              <a:spcAft>
-                <a:spcPts val="0"/>
-              </a:spcAft>
-              <a:buFont typeface="Wingdings" panose="05000000000000000000" pitchFamily="2" charset="2"/>
-              <a:buChar char="§"/>
-            </a:pPr>
-            <a:r>
-              <a:rPr lang="en-US" dirty="0" smtClean="0"/>
-              <a:t>Great support in R for connecting to </a:t>
-            </a:r>
-            <a:r>
-              <a:rPr lang="en-US" i="1" dirty="0" smtClean="0"/>
-              <a:t>any</a:t>
-            </a:r>
-            <a:r>
-              <a:rPr lang="en-US" dirty="0" smtClean="0"/>
-              <a:t> type of database</a:t>
-            </a:r>
-          </a:p>
-          <a:p>
-            <a:pPr lvl="1">
-              <a:buFont typeface="Wingdings" panose="05000000000000000000" pitchFamily="2" charset="2"/>
-              <a:buChar char="§"/>
-            </a:pPr>
-            <a:endParaRPr lang="en-US" dirty="0"/>
-          </a:p>
-          <a:p>
-            <a:pPr lvl="3">
-              <a:spcAft>
-                <a:spcPts val="0"/>
-              </a:spcAft>
-              <a:buFont typeface="Wingdings" panose="05000000000000000000" pitchFamily="2" charset="2"/>
-              <a:buChar char="§"/>
-            </a:pPr>
-            <a:r>
-              <a:rPr lang="en-US" dirty="0" smtClean="0"/>
-              <a:t>“SQL translation” required</a:t>
-            </a:r>
-          </a:p>
-          <a:p>
-            <a:pPr lvl="1">
-              <a:spcAft>
-                <a:spcPts val="0"/>
-              </a:spcAft>
-              <a:buFont typeface="Wingdings" panose="05000000000000000000" pitchFamily="2" charset="2"/>
-              <a:buChar char="§"/>
-            </a:pPr>
-            <a:endParaRPr lang="en-US" dirty="0"/>
-          </a:p>
-          <a:p>
-            <a:pPr lvl="3">
-              <a:spcAft>
-                <a:spcPts val="0"/>
-              </a:spcAft>
-              <a:buFont typeface="Wingdings" panose="05000000000000000000" pitchFamily="2" charset="2"/>
-              <a:buChar char="§"/>
-            </a:pPr>
-            <a:r>
-              <a:rPr lang="en-US" dirty="0" smtClean="0"/>
-              <a:t>Added that SQL translation for Access </a:t>
-            </a:r>
-          </a:p>
-          <a:p>
-            <a:pPr marL="685800" lvl="3" indent="0">
-              <a:buNone/>
-            </a:pPr>
-            <a:endParaRPr lang="en-US" dirty="0" smtClean="0"/>
-          </a:p>
-          <a:p>
-            <a:pPr lvl="1">
-              <a:buFont typeface="Wingdings" panose="05000000000000000000" pitchFamily="2" charset="2"/>
-              <a:buChar char="§"/>
-            </a:pPr>
-            <a:r>
-              <a:rPr lang="en-US" dirty="0">
-                <a:hlinkClick r:id="rId2"/>
-              </a:rPr>
-              <a:t>Let’s have some </a:t>
-            </a:r>
-            <a:r>
-              <a:rPr lang="en-US" dirty="0" smtClean="0">
-                <a:hlinkClick r:id="rId2"/>
-              </a:rPr>
-              <a:t>fun</a:t>
-            </a:r>
-            <a:endParaRPr lang="en-US" dirty="0" smtClean="0"/>
-          </a:p>
-          <a:p>
-            <a:pPr lvl="3">
-              <a:buFont typeface="Wingdings" panose="05000000000000000000" pitchFamily="2" charset="2"/>
-              <a:buChar char="§"/>
-            </a:pPr>
-            <a:endParaRPr lang="en-US" dirty="0" smtClean="0"/>
-          </a:p>
-        </p:txBody>
-      </p:sp>
+      </p:pic>
     </p:spTree>
     <p:extLst>
       <p:ext uri="{BB962C8B-B14F-4D97-AF65-F5344CB8AC3E}">
-        <p14:creationId xmlns:p14="http://schemas.microsoft.com/office/powerpoint/2010/main" val="1585707474"/>
+        <p14:creationId xmlns:p14="http://schemas.microsoft.com/office/powerpoint/2010/main" val="3349773694"/>
       </p:ext>
     </p:extLst>
   </p:cSld>
@@ -10888,8 +11183,9 @@
             </a:pPr>
             <a:r>
               <a:rPr lang="en-US" i="1" dirty="0" smtClean="0"/>
-              <a:t>SOA Predictive Analytics Exam for ASA’s</a:t>
-            </a:r>
+              <a:t>Resources</a:t>
+            </a:r>
+            <a:endParaRPr lang="en-US" i="1" dirty="0" smtClean="0"/>
           </a:p>
           <a:p>
             <a:pPr marL="0" indent="0">
@@ -10898,83 +11194,45 @@
             <a:endParaRPr lang="en-US" i="1" dirty="0" smtClean="0"/>
           </a:p>
           <a:p>
+            <a:pPr>
+              <a:spcAft>
+                <a:spcPts val="0"/>
+              </a:spcAft>
+              <a:buFont typeface="Wingdings" panose="05000000000000000000" pitchFamily="2" charset="2"/>
+              <a:buChar char="§"/>
+            </a:pPr>
+            <a:r>
+              <a:rPr lang="en-US" dirty="0" smtClean="0"/>
+              <a:t>R Basics Talk – Import, Manipulate, Visualize</a:t>
+            </a:r>
+          </a:p>
+          <a:p>
+            <a:pPr>
+              <a:spcAft>
+                <a:spcPts val="0"/>
+              </a:spcAft>
+              <a:buFont typeface="Wingdings" panose="05000000000000000000" pitchFamily="2" charset="2"/>
+              <a:buChar char="§"/>
+            </a:pPr>
+            <a:endParaRPr lang="en-US" dirty="0"/>
+          </a:p>
+          <a:p>
+            <a:pPr>
+              <a:spcAft>
+                <a:spcPts val="0"/>
+              </a:spcAft>
+              <a:buFont typeface="Wingdings" panose="05000000000000000000" pitchFamily="2" charset="2"/>
+              <a:buChar char="§"/>
+            </a:pPr>
+            <a:r>
+              <a:rPr lang="en-US" dirty="0" smtClean="0"/>
+              <a:t>R 4 Data Science – http://r4ds.had.co.nz/</a:t>
+            </a:r>
+            <a:endParaRPr lang="en-US" dirty="0"/>
+          </a:p>
+          <a:p>
             <a:pPr marL="0" indent="0">
               <a:buNone/>
-            </a:pPr>
-            <a:endParaRPr lang="en-US" i="1" dirty="0"/>
-          </a:p>
-          <a:p>
-            <a:pPr marL="0" indent="0">
-              <a:buNone/>
-            </a:pPr>
-            <a:endParaRPr lang="en-US" i="1" dirty="0"/>
-          </a:p>
-          <a:p>
-            <a:pPr>
-              <a:buFont typeface="Wingdings" panose="05000000000000000000" pitchFamily="2" charset="2"/>
-              <a:buChar char="§"/>
-            </a:pPr>
-            <a:endParaRPr lang="en-US" i="1" dirty="0" smtClean="0"/>
-          </a:p>
-          <a:p>
-            <a:pPr>
-              <a:buFont typeface="Wingdings" panose="05000000000000000000" pitchFamily="2" charset="2"/>
-              <a:buChar char="§"/>
-            </a:pPr>
-            <a:endParaRPr lang="en-US" i="1" dirty="0"/>
-          </a:p>
-          <a:p>
-            <a:pPr marL="0" indent="0">
-              <a:buNone/>
-            </a:pPr>
-            <a:endParaRPr lang="en-US" i="1" dirty="0" smtClean="0"/>
-          </a:p>
-          <a:p>
-            <a:pPr>
-              <a:buFont typeface="Wingdings" panose="05000000000000000000" pitchFamily="2" charset="2"/>
-              <a:buChar char="§"/>
-            </a:pPr>
-            <a:endParaRPr lang="en-US" i="1" dirty="0" smtClean="0"/>
-          </a:p>
-          <a:p>
-            <a:pPr>
-              <a:buFont typeface="Wingdings" panose="05000000000000000000" pitchFamily="2" charset="2"/>
-              <a:buChar char="§"/>
-            </a:pPr>
-            <a:endParaRPr lang="en-US" i="1" dirty="0"/>
-          </a:p>
-          <a:p>
-            <a:pPr>
-              <a:buFont typeface="Wingdings" panose="05000000000000000000" pitchFamily="2" charset="2"/>
-              <a:buChar char="§"/>
-            </a:pPr>
-            <a:endParaRPr lang="en-US" i="1" dirty="0" smtClean="0"/>
-          </a:p>
-          <a:p>
-            <a:pPr>
-              <a:buFont typeface="Wingdings" panose="05000000000000000000" pitchFamily="2" charset="2"/>
-              <a:buChar char="§"/>
-            </a:pPr>
-            <a:r>
-              <a:rPr lang="en-US" i="1" dirty="0" smtClean="0"/>
-              <a:t>Big picture:</a:t>
-            </a:r>
-          </a:p>
-          <a:p>
-            <a:pPr lvl="1">
-              <a:buFont typeface="Wingdings" panose="05000000000000000000" pitchFamily="2" charset="2"/>
-              <a:buChar char="§"/>
-            </a:pPr>
-            <a:r>
-              <a:rPr lang="en-US" i="1" dirty="0" smtClean="0"/>
-              <a:t>At Lincoln you are going to have an influx of interns with these skills! </a:t>
-            </a:r>
-            <a:endParaRPr lang="en-US" i="1" dirty="0"/>
-          </a:p>
-          <a:p>
-            <a:pPr>
-              <a:buFont typeface="Wingdings" panose="05000000000000000000" pitchFamily="2" charset="2"/>
-              <a:buChar char="§"/>
             </a:pPr>
             <a:endParaRPr lang="en-US" i="1" dirty="0" smtClean="0"/>
           </a:p>
@@ -11008,10 +11266,15 @@
             <a:spLocks noGrp="1"/>
           </p:cNvSpPr>
           <p:nvPr>
-            <p:ph type="sldNum" sz="quarter" idx="12"/>
+            <p:ph type="sldNum" sz="quarter" idx="4294967295"/>
           </p:nvPr>
         </p:nvSpPr>
-        <p:spPr/>
+        <p:spPr>
+          <a:xfrm>
+            <a:off x="8366760" y="6465572"/>
+            <a:ext cx="457200" cy="182880"/>
+          </a:xfrm>
+        </p:spPr>
         <p:txBody>
           <a:bodyPr/>
           <a:lstStyle/>
@@ -11041,7 +11304,7 @@
           <a:p>
             <a:r>
               <a:rPr lang="en-US" dirty="0" smtClean="0"/>
-              <a:t>Why do I care so much?</a:t>
+              <a:t>To learn more</a:t>
             </a:r>
             <a:endParaRPr lang="en-US" dirty="0"/>
           </a:p>
@@ -11049,7 +11312,7 @@
       </p:sp>
       <p:pic>
         <p:nvPicPr>
-          <p:cNvPr id="5" name="Picture 4"/>
+          <p:cNvPr id="6" name="Picture 5"/>
           <p:cNvPicPr>
             <a:picLocks noChangeAspect="1"/>
           </p:cNvPicPr>
@@ -11069,8 +11332,8 @@
         </p:blipFill>
         <p:spPr>
           <a:xfrm>
-            <a:off x="381000" y="1676400"/>
-            <a:ext cx="8159796" cy="2819400"/>
+            <a:off x="1780413" y="3276600"/>
+            <a:ext cx="5458587" cy="2524478"/>
           </a:xfrm>
           <a:prstGeom prst="rect">
             <a:avLst/>
@@ -11080,44 +11343,7 @@
     </p:spTree>
     <p:extLst>
       <p:ext uri="{BB962C8B-B14F-4D97-AF65-F5344CB8AC3E}">
-        <p14:creationId xmlns:p14="http://schemas.microsoft.com/office/powerpoint/2010/main" val="3349773694"/>
-      </p:ext>
-    </p:extLst>
-  </p:cSld>
-  <p:clrMapOvr>
-    <a:masterClrMapping/>
-  </p:clrMapOvr>
-  <p:timing>
-    <p:tnLst>
-      <p:par>
-        <p:cTn id="1" dur="indefinite" restart="never" nodeType="tmRoot"/>
-      </p:par>
-    </p:tnLst>
-  </p:timing>
-</p:sld>
-</file>
-
-<file path=ppt/slides/slide22.xml><?xml version="1.0" encoding="utf-8"?>
-<p:sld xmlns:a="http://schemas.openxmlformats.org/drawingml/2006/main" xmlns:r="http://schemas.openxmlformats.org/officeDocument/2006/relationships" xmlns:p="http://schemas.openxmlformats.org/presentationml/2006/main">
-  <p:cSld>
-    <p:spTree>
-      <p:nvGrpSpPr>
-        <p:cNvPr id="1" name=""/>
-        <p:cNvGrpSpPr/>
-        <p:nvPr/>
-      </p:nvGrpSpPr>
-      <p:grpSpPr>
-        <a:xfrm>
-          <a:off x="0" y="0"/>
-          <a:ext cx="0" cy="0"/>
-          <a:chOff x="0" y="0"/>
-          <a:chExt cx="0" cy="0"/>
-        </a:xfrm>
-      </p:grpSpPr>
-    </p:spTree>
-    <p:extLst>
-      <p:ext uri="{BB962C8B-B14F-4D97-AF65-F5344CB8AC3E}">
-        <p14:creationId xmlns:p14="http://schemas.microsoft.com/office/powerpoint/2010/main" val="1414882658"/>
+        <p14:creationId xmlns:p14="http://schemas.microsoft.com/office/powerpoint/2010/main" val="1985653065"/>
       </p:ext>
     </p:extLst>
   </p:cSld>
@@ -11286,10 +11512,15 @@
             <a:spLocks noGrp="1"/>
           </p:cNvSpPr>
           <p:nvPr>
-            <p:ph type="sldNum" sz="quarter" idx="12"/>
+            <p:ph type="sldNum" sz="quarter" idx="4294967295"/>
           </p:nvPr>
         </p:nvSpPr>
-        <p:spPr/>
+        <p:spPr>
+          <a:xfrm>
+            <a:off x="8366760" y="6465572"/>
+            <a:ext cx="457200" cy="182880"/>
+          </a:xfrm>
+        </p:spPr>
         <p:txBody>
           <a:bodyPr/>
           <a:lstStyle/>
@@ -11713,7 +11944,7 @@
             </a:pPr>
             <a:r>
               <a:rPr lang="en-US" i="1" dirty="0" smtClean="0"/>
-              <a:t>Interactive reporting using R and Shiny</a:t>
+              <a:t>Visualizing cash flows</a:t>
             </a:r>
           </a:p>
           <a:p>
@@ -11755,11 +11986,22 @@
             </a:pPr>
             <a:r>
               <a:rPr lang="en-US" dirty="0" smtClean="0"/>
-              <a:t>Visualize 50 years of forecasted book value and yield data for a set of 60 Lincoln portfolios</a:t>
+              <a:t>Visualize </a:t>
+            </a:r>
+            <a:r>
+              <a:rPr lang="en-US" dirty="0" smtClean="0"/>
+              <a:t>ALFA cash </a:t>
+            </a:r>
+            <a:r>
+              <a:rPr lang="en-US" dirty="0" smtClean="0"/>
+              <a:t>flow projection data (a lot of it)</a:t>
             </a:r>
           </a:p>
           <a:p>
             <a:pPr lvl="1">
+              <a:spcAft>
+                <a:spcPts val="0"/>
+              </a:spcAft>
               <a:buFont typeface="Wingdings" panose="05000000000000000000" pitchFamily="2" charset="2"/>
               <a:buChar char="§"/>
             </a:pPr>
@@ -11767,37 +12009,110 @@
           </a:p>
           <a:p>
             <a:pPr lvl="1">
-              <a:buFont typeface="Wingdings" panose="05000000000000000000" pitchFamily="2" charset="2"/>
-              <a:buChar char="§"/>
-            </a:pPr>
-            <a:r>
-              <a:rPr lang="en-US" dirty="0" smtClean="0"/>
-              <a:t>Create an automated process for cleaning, performing calculations, and loading the data into the dashboard</a:t>
-            </a:r>
+              <a:spcAft>
+                <a:spcPts val="0"/>
+              </a:spcAft>
+              <a:buFont typeface="Wingdings" panose="05000000000000000000" pitchFamily="2" charset="2"/>
+              <a:buChar char="§"/>
+            </a:pPr>
+            <a:r>
+              <a:rPr lang="en-US" dirty="0" smtClean="0"/>
+              <a:t>Many ways to slice the data</a:t>
+            </a:r>
+          </a:p>
+          <a:p>
+            <a:pPr marL="228600" lvl="1" indent="0">
+              <a:spcAft>
+                <a:spcPts val="0"/>
+              </a:spcAft>
+              <a:buNone/>
+            </a:pPr>
+            <a:endParaRPr lang="en-US" dirty="0" smtClean="0"/>
+          </a:p>
+          <a:p>
+            <a:pPr marL="228600" lvl="1" indent="0">
+              <a:spcAft>
+                <a:spcPts val="0"/>
+              </a:spcAft>
+              <a:buNone/>
+            </a:pPr>
+            <a:endParaRPr lang="en-US" dirty="0"/>
+          </a:p>
+          <a:p>
+            <a:pPr marL="457200" lvl="2" indent="0">
+              <a:spcAft>
+                <a:spcPts val="0"/>
+              </a:spcAft>
+              <a:buNone/>
+            </a:pPr>
+            <a:endParaRPr lang="en-US" dirty="0"/>
+          </a:p>
+          <a:p>
+            <a:pPr marL="457200" lvl="2" indent="0">
+              <a:spcAft>
+                <a:spcPts val="0"/>
+              </a:spcAft>
+              <a:buNone/>
+            </a:pPr>
+            <a:endParaRPr lang="en-US" dirty="0" smtClean="0"/>
           </a:p>
           <a:p>
             <a:pPr lvl="1">
-              <a:buFont typeface="Wingdings" panose="05000000000000000000" pitchFamily="2" charset="2"/>
-              <a:buChar char="§"/>
-            </a:pPr>
+              <a:spcAft>
+                <a:spcPts val="0"/>
+              </a:spcAft>
+              <a:buFont typeface="Wingdings" panose="05000000000000000000" pitchFamily="2" charset="2"/>
+              <a:buChar char="§"/>
+            </a:pPr>
+            <a:r>
+              <a:rPr lang="en-US" dirty="0" smtClean="0"/>
+              <a:t>Resulting in &gt;3 million rows for just 2 sets of projections (sorry Excel)</a:t>
+            </a:r>
             <a:endParaRPr lang="en-US" dirty="0"/>
           </a:p>
           <a:p>
+            <a:pPr lvl="2">
+              <a:spcAft>
+                <a:spcPts val="0"/>
+              </a:spcAft>
+              <a:buFont typeface="Wingdings" panose="05000000000000000000" pitchFamily="2" charset="2"/>
+              <a:buChar char="§"/>
+            </a:pPr>
+            <a:endParaRPr lang="en-US" dirty="0" smtClean="0"/>
+          </a:p>
+          <a:p>
             <a:pPr lvl="1">
-              <a:buFont typeface="Wingdings" panose="05000000000000000000" pitchFamily="2" charset="2"/>
-              <a:buChar char="§"/>
-            </a:pPr>
-            <a:r>
-              <a:rPr lang="en-US" dirty="0" smtClean="0"/>
-              <a:t>Make the analysis easy to run next quarter with new data</a:t>
-            </a:r>
+              <a:spcAft>
+                <a:spcPts val="0"/>
+              </a:spcAft>
+              <a:buFont typeface="Wingdings" panose="05000000000000000000" pitchFamily="2" charset="2"/>
+              <a:buChar char="§"/>
+            </a:pPr>
+            <a:endParaRPr lang="en-US" dirty="0"/>
           </a:p>
           <a:p>
             <a:pPr lvl="1">
-              <a:buFont typeface="Wingdings" panose="05000000000000000000" pitchFamily="2" charset="2"/>
-              <a:buChar char="§"/>
-            </a:pPr>
-            <a:endParaRPr lang="en-US" dirty="0"/>
+              <a:spcAft>
+                <a:spcPts val="0"/>
+              </a:spcAft>
+              <a:buFont typeface="Wingdings" panose="05000000000000000000" pitchFamily="2" charset="2"/>
+              <a:buChar char="§"/>
+            </a:pPr>
+            <a:endParaRPr lang="en-US" dirty="0" smtClean="0"/>
+          </a:p>
+          <a:p>
+            <a:pPr lvl="1">
+              <a:buFont typeface="Wingdings" panose="05000000000000000000" pitchFamily="2" charset="2"/>
+              <a:buChar char="§"/>
+            </a:pPr>
+            <a:endParaRPr lang="en-US" i="1" dirty="0"/>
+          </a:p>
+          <a:p>
+            <a:pPr lvl="1">
+              <a:buFont typeface="Wingdings" panose="05000000000000000000" pitchFamily="2" charset="2"/>
+              <a:buChar char="§"/>
+            </a:pPr>
+            <a:endParaRPr lang="en-US" dirty="0" smtClean="0"/>
           </a:p>
         </p:txBody>
       </p:sp>
@@ -11808,10 +12123,15 @@
             <a:spLocks noGrp="1"/>
           </p:cNvSpPr>
           <p:nvPr>
-            <p:ph type="sldNum" sz="quarter" idx="12"/>
+            <p:ph type="sldNum" sz="quarter" idx="4294967295"/>
           </p:nvPr>
         </p:nvSpPr>
-        <p:spPr/>
+        <p:spPr>
+          <a:xfrm>
+            <a:off x="8366760" y="6465572"/>
+            <a:ext cx="457200" cy="182880"/>
+          </a:xfrm>
+        </p:spPr>
         <p:txBody>
           <a:bodyPr/>
           <a:lstStyle/>
@@ -11819,714 +12139,6 @@
             <a:fld id="{E49B4C36-CA85-496D-A067-FC602A1FD8AC}" type="slidenum">
               <a:rPr lang="en-US" smtClean="0"/>
               <a:t>4</a:t>
-            </a:fld>
-            <a:endParaRPr lang="en-US"/>
-          </a:p>
-        </p:txBody>
-      </p:sp>
-      <p:sp>
-        <p:nvSpPr>
-          <p:cNvPr id="4" name="Title 3"/>
-          <p:cNvSpPr>
-            <a:spLocks noGrp="1"/>
-          </p:cNvSpPr>
-          <p:nvPr>
-            <p:ph type="title"/>
-          </p:nvPr>
-        </p:nvSpPr>
-        <p:spPr/>
-        <p:txBody>
-          <a:bodyPr/>
-          <a:lstStyle/>
-          <a:p>
-            <a:r>
-              <a:rPr lang="en-US" dirty="0" smtClean="0"/>
-              <a:t>dashboards</a:t>
-            </a:r>
-            <a:endParaRPr lang="en-US" dirty="0"/>
-          </a:p>
-        </p:txBody>
-      </p:sp>
-    </p:spTree>
-    <p:extLst>
-      <p:ext uri="{BB962C8B-B14F-4D97-AF65-F5344CB8AC3E}">
-        <p14:creationId xmlns:p14="http://schemas.microsoft.com/office/powerpoint/2010/main" val="1656184484"/>
-      </p:ext>
-    </p:extLst>
-  </p:cSld>
-  <p:clrMapOvr>
-    <a:masterClrMapping/>
-  </p:clrMapOvr>
-  <p:timing>
-    <p:tnLst>
-      <p:par>
-        <p:cTn id="1" dur="indefinite" restart="never" nodeType="tmRoot"/>
-      </p:par>
-    </p:tnLst>
-  </p:timing>
-</p:sld>
-</file>
-
-<file path=ppt/slides/slide5.xml><?xml version="1.0" encoding="utf-8"?>
-<p:sld xmlns:a="http://schemas.openxmlformats.org/drawingml/2006/main" xmlns:r="http://schemas.openxmlformats.org/officeDocument/2006/relationships" xmlns:p="http://schemas.openxmlformats.org/presentationml/2006/main">
-  <p:cSld>
-    <p:spTree>
-      <p:nvGrpSpPr>
-        <p:cNvPr id="1" name=""/>
-        <p:cNvGrpSpPr/>
-        <p:nvPr/>
-      </p:nvGrpSpPr>
-      <p:grpSpPr>
-        <a:xfrm>
-          <a:off x="0" y="0"/>
-          <a:ext cx="0" cy="0"/>
-          <a:chOff x="0" y="0"/>
-          <a:chExt cx="0" cy="0"/>
-        </a:xfrm>
-      </p:grpSpPr>
-      <p:sp>
-        <p:nvSpPr>
-          <p:cNvPr id="2" name="Content Placeholder 1"/>
-          <p:cNvSpPr>
-            <a:spLocks noGrp="1"/>
-          </p:cNvSpPr>
-          <p:nvPr>
-            <p:ph idx="1"/>
-          </p:nvPr>
-        </p:nvSpPr>
-        <p:spPr/>
-        <p:txBody>
-          <a:bodyPr/>
-          <a:lstStyle/>
-          <a:p>
-            <a:pPr marL="0" indent="0">
-              <a:buNone/>
-            </a:pPr>
-            <a:r>
-              <a:rPr lang="en-US" i="1" dirty="0" smtClean="0"/>
-              <a:t>Interactive reporting using R and Shiny</a:t>
-            </a:r>
-          </a:p>
-          <a:p>
-            <a:pPr marL="0" indent="0">
-              <a:buNone/>
-            </a:pPr>
-            <a:endParaRPr lang="en-US" i="1" dirty="0"/>
-          </a:p>
-          <a:p>
-            <a:pPr>
-              <a:spcAft>
-                <a:spcPts val="0"/>
-              </a:spcAft>
-              <a:buFont typeface="Wingdings" panose="05000000000000000000" pitchFamily="2" charset="2"/>
-              <a:buChar char="§"/>
-            </a:pPr>
-            <a:r>
-              <a:rPr lang="en-US" i="1" dirty="0" smtClean="0"/>
-              <a:t>Project:</a:t>
-            </a:r>
-          </a:p>
-          <a:p>
-            <a:pPr lvl="1">
-              <a:spcAft>
-                <a:spcPts val="0"/>
-              </a:spcAft>
-              <a:buFont typeface="Wingdings" panose="05000000000000000000" pitchFamily="2" charset="2"/>
-              <a:buChar char="§"/>
-            </a:pPr>
-            <a:endParaRPr lang="en-US" i="1" dirty="0"/>
-          </a:p>
-          <a:p>
-            <a:pPr lvl="1">
-              <a:spcAft>
-                <a:spcPts val="0"/>
-              </a:spcAft>
-              <a:buFont typeface="Wingdings" panose="05000000000000000000" pitchFamily="2" charset="2"/>
-              <a:buChar char="§"/>
-            </a:pPr>
-            <a:r>
-              <a:rPr lang="en-US" dirty="0" smtClean="0"/>
-              <a:t>Visualize 50 years of forecasted book value and yield data for a set of 60 Lincoln portfolios</a:t>
-            </a:r>
-          </a:p>
-          <a:p>
-            <a:pPr lvl="1">
-              <a:buFont typeface="Wingdings" panose="05000000000000000000" pitchFamily="2" charset="2"/>
-              <a:buChar char="§"/>
-            </a:pPr>
-            <a:endParaRPr lang="en-US" dirty="0"/>
-          </a:p>
-          <a:p>
-            <a:pPr lvl="1">
-              <a:buFont typeface="Wingdings" panose="05000000000000000000" pitchFamily="2" charset="2"/>
-              <a:buChar char="§"/>
-            </a:pPr>
-            <a:r>
-              <a:rPr lang="en-US" dirty="0" smtClean="0"/>
-              <a:t>Create an automated process for cleaning, performing calculations, and loading the data into the dashboard</a:t>
-            </a:r>
-          </a:p>
-          <a:p>
-            <a:pPr lvl="1">
-              <a:buFont typeface="Wingdings" panose="05000000000000000000" pitchFamily="2" charset="2"/>
-              <a:buChar char="§"/>
-            </a:pPr>
-            <a:endParaRPr lang="en-US" dirty="0"/>
-          </a:p>
-          <a:p>
-            <a:pPr lvl="1">
-              <a:buFont typeface="Wingdings" panose="05000000000000000000" pitchFamily="2" charset="2"/>
-              <a:buChar char="§"/>
-            </a:pPr>
-            <a:r>
-              <a:rPr lang="en-US" dirty="0" smtClean="0"/>
-              <a:t>Make the analysis easy to run next quarter with new data</a:t>
-            </a:r>
-          </a:p>
-          <a:p>
-            <a:pPr lvl="1">
-              <a:buFont typeface="Wingdings" panose="05000000000000000000" pitchFamily="2" charset="2"/>
-              <a:buChar char="§"/>
-            </a:pPr>
-            <a:endParaRPr lang="en-US" dirty="0"/>
-          </a:p>
-          <a:p>
-            <a:pPr lvl="1">
-              <a:buFont typeface="Wingdings" panose="05000000000000000000" pitchFamily="2" charset="2"/>
-              <a:buChar char="§"/>
-            </a:pPr>
-            <a:r>
-              <a:rPr lang="en-US" dirty="0" smtClean="0"/>
-              <a:t>I could explain further, </a:t>
-            </a:r>
-            <a:r>
-              <a:rPr lang="en-US" dirty="0" smtClean="0">
-                <a:hlinkClick r:id="rId2"/>
-              </a:rPr>
-              <a:t>or…</a:t>
-            </a:r>
-            <a:r>
-              <a:rPr lang="en-US" dirty="0" smtClean="0"/>
-              <a:t> </a:t>
-            </a:r>
-          </a:p>
-        </p:txBody>
-      </p:sp>
-      <p:sp>
-        <p:nvSpPr>
-          <p:cNvPr id="3" name="Slide Number Placeholder 2"/>
-          <p:cNvSpPr>
-            <a:spLocks noGrp="1"/>
-          </p:cNvSpPr>
-          <p:nvPr>
-            <p:ph type="sldNum" sz="quarter" idx="12"/>
-          </p:nvPr>
-        </p:nvSpPr>
-        <p:spPr/>
-        <p:txBody>
-          <a:bodyPr/>
-          <a:lstStyle/>
-          <a:p>
-            <a:fld id="{E49B4C36-CA85-496D-A067-FC602A1FD8AC}" type="slidenum">
-              <a:rPr lang="en-US" smtClean="0"/>
-              <a:t>5</a:t>
-            </a:fld>
-            <a:endParaRPr lang="en-US"/>
-          </a:p>
-        </p:txBody>
-      </p:sp>
-      <p:sp>
-        <p:nvSpPr>
-          <p:cNvPr id="4" name="Title 3"/>
-          <p:cNvSpPr>
-            <a:spLocks noGrp="1"/>
-          </p:cNvSpPr>
-          <p:nvPr>
-            <p:ph type="title"/>
-          </p:nvPr>
-        </p:nvSpPr>
-        <p:spPr/>
-        <p:txBody>
-          <a:bodyPr/>
-          <a:lstStyle/>
-          <a:p>
-            <a:r>
-              <a:rPr lang="en-US" dirty="0" smtClean="0"/>
-              <a:t>dashboards</a:t>
-            </a:r>
-            <a:endParaRPr lang="en-US" dirty="0"/>
-          </a:p>
-        </p:txBody>
-      </p:sp>
-    </p:spTree>
-    <p:extLst>
-      <p:ext uri="{BB962C8B-B14F-4D97-AF65-F5344CB8AC3E}">
-        <p14:creationId xmlns:p14="http://schemas.microsoft.com/office/powerpoint/2010/main" val="503487146"/>
-      </p:ext>
-    </p:extLst>
-  </p:cSld>
-  <p:clrMapOvr>
-    <a:masterClrMapping/>
-  </p:clrMapOvr>
-  <p:timing>
-    <p:tnLst>
-      <p:par>
-        <p:cTn id="1" dur="indefinite" restart="never" nodeType="tmRoot"/>
-      </p:par>
-    </p:tnLst>
-  </p:timing>
-</p:sld>
-</file>
-
-<file path=ppt/slides/slide6.xml><?xml version="1.0" encoding="utf-8"?>
-<p:sld xmlns:a="http://schemas.openxmlformats.org/drawingml/2006/main" xmlns:r="http://schemas.openxmlformats.org/officeDocument/2006/relationships" xmlns:p="http://schemas.openxmlformats.org/presentationml/2006/main">
-  <p:cSld>
-    <p:spTree>
-      <p:nvGrpSpPr>
-        <p:cNvPr id="1" name=""/>
-        <p:cNvGrpSpPr/>
-        <p:nvPr/>
-      </p:nvGrpSpPr>
-      <p:grpSpPr>
-        <a:xfrm>
-          <a:off x="0" y="0"/>
-          <a:ext cx="0" cy="0"/>
-          <a:chOff x="0" y="0"/>
-          <a:chExt cx="0" cy="0"/>
-        </a:xfrm>
-      </p:grpSpPr>
-      <p:sp>
-        <p:nvSpPr>
-          <p:cNvPr id="2" name="Content Placeholder 1"/>
-          <p:cNvSpPr>
-            <a:spLocks noGrp="1"/>
-          </p:cNvSpPr>
-          <p:nvPr>
-            <p:ph idx="1"/>
-          </p:nvPr>
-        </p:nvSpPr>
-        <p:spPr/>
-        <p:txBody>
-          <a:bodyPr/>
-          <a:lstStyle/>
-          <a:p>
-            <a:pPr marL="0" indent="0">
-              <a:buNone/>
-            </a:pPr>
-            <a:r>
-              <a:rPr lang="en-US" i="1" dirty="0" smtClean="0"/>
-              <a:t>Interactive reporting using R and Shiny</a:t>
-            </a:r>
-          </a:p>
-          <a:p>
-            <a:pPr marL="0" indent="0">
-              <a:buNone/>
-            </a:pPr>
-            <a:endParaRPr lang="en-US" i="1" dirty="0"/>
-          </a:p>
-          <a:p>
-            <a:pPr>
-              <a:spcAft>
-                <a:spcPts val="0"/>
-              </a:spcAft>
-              <a:buFont typeface="Wingdings" panose="05000000000000000000" pitchFamily="2" charset="2"/>
-              <a:buChar char="§"/>
-            </a:pPr>
-            <a:r>
-              <a:rPr lang="en-US" i="1" dirty="0" smtClean="0"/>
-              <a:t>Benefits:</a:t>
-            </a:r>
-          </a:p>
-          <a:p>
-            <a:pPr lvl="1">
-              <a:spcAft>
-                <a:spcPts val="0"/>
-              </a:spcAft>
-              <a:buFont typeface="Wingdings" panose="05000000000000000000" pitchFamily="2" charset="2"/>
-              <a:buChar char="§"/>
-            </a:pPr>
-            <a:endParaRPr lang="en-US" i="1" dirty="0"/>
-          </a:p>
-          <a:p>
-            <a:pPr lvl="1">
-              <a:spcAft>
-                <a:spcPts val="0"/>
-              </a:spcAft>
-              <a:buFont typeface="Wingdings" panose="05000000000000000000" pitchFamily="2" charset="2"/>
-              <a:buChar char="§"/>
-            </a:pPr>
-            <a:r>
-              <a:rPr lang="en-US" i="1" dirty="0" smtClean="0"/>
-              <a:t>Very little work</a:t>
-            </a:r>
-          </a:p>
-          <a:p>
-            <a:pPr lvl="2">
-              <a:spcAft>
-                <a:spcPts val="0"/>
-              </a:spcAft>
-              <a:buFont typeface="Wingdings" panose="05000000000000000000" pitchFamily="2" charset="2"/>
-              <a:buChar char="§"/>
-            </a:pPr>
-            <a:endParaRPr lang="en-US" i="1" dirty="0"/>
-          </a:p>
-          <a:p>
-            <a:pPr lvl="3">
-              <a:spcAft>
-                <a:spcPts val="0"/>
-              </a:spcAft>
-              <a:buFont typeface="Wingdings" panose="05000000000000000000" pitchFamily="2" charset="2"/>
-              <a:buChar char="§"/>
-            </a:pPr>
-            <a:r>
-              <a:rPr lang="en-US" dirty="0" smtClean="0"/>
-              <a:t>Raw output from ALFA is dumped in a folder each quarter</a:t>
-            </a:r>
-          </a:p>
-          <a:p>
-            <a:pPr lvl="1">
-              <a:spcAft>
-                <a:spcPts val="0"/>
-              </a:spcAft>
-              <a:buFont typeface="Wingdings" panose="05000000000000000000" pitchFamily="2" charset="2"/>
-              <a:buChar char="§"/>
-            </a:pPr>
-            <a:endParaRPr lang="en-US" dirty="0" smtClean="0"/>
-          </a:p>
-          <a:p>
-            <a:pPr lvl="1">
-              <a:spcAft>
-                <a:spcPts val="0"/>
-              </a:spcAft>
-              <a:buFont typeface="Wingdings" panose="05000000000000000000" pitchFamily="2" charset="2"/>
-              <a:buChar char="§"/>
-            </a:pPr>
-            <a:r>
-              <a:rPr lang="en-US" i="1" dirty="0" smtClean="0"/>
-              <a:t>Maintain history </a:t>
-            </a:r>
-            <a:endParaRPr lang="en-US" dirty="0"/>
-          </a:p>
-          <a:p>
-            <a:pPr lvl="1">
-              <a:spcAft>
-                <a:spcPts val="0"/>
-              </a:spcAft>
-              <a:buFont typeface="Wingdings" panose="05000000000000000000" pitchFamily="2" charset="2"/>
-              <a:buChar char="§"/>
-            </a:pPr>
-            <a:endParaRPr lang="en-US" dirty="0" smtClean="0"/>
-          </a:p>
-          <a:p>
-            <a:pPr lvl="3">
-              <a:spcAft>
-                <a:spcPts val="0"/>
-              </a:spcAft>
-              <a:buFont typeface="Wingdings" panose="05000000000000000000" pitchFamily="2" charset="2"/>
-              <a:buChar char="§"/>
-            </a:pPr>
-            <a:r>
-              <a:rPr lang="en-US" dirty="0" smtClean="0"/>
-              <a:t>Compare multiple years of projections as opposed to just two</a:t>
-            </a:r>
-          </a:p>
-          <a:p>
-            <a:pPr lvl="1">
-              <a:spcAft>
-                <a:spcPts val="0"/>
-              </a:spcAft>
-              <a:buFont typeface="Wingdings" panose="05000000000000000000" pitchFamily="2" charset="2"/>
-              <a:buChar char="§"/>
-            </a:pPr>
-            <a:endParaRPr lang="en-US" dirty="0"/>
-          </a:p>
-        </p:txBody>
-      </p:sp>
-      <p:sp>
-        <p:nvSpPr>
-          <p:cNvPr id="3" name="Slide Number Placeholder 2"/>
-          <p:cNvSpPr>
-            <a:spLocks noGrp="1"/>
-          </p:cNvSpPr>
-          <p:nvPr>
-            <p:ph type="sldNum" sz="quarter" idx="12"/>
-          </p:nvPr>
-        </p:nvSpPr>
-        <p:spPr/>
-        <p:txBody>
-          <a:bodyPr/>
-          <a:lstStyle/>
-          <a:p>
-            <a:fld id="{E49B4C36-CA85-496D-A067-FC602A1FD8AC}" type="slidenum">
-              <a:rPr lang="en-US" smtClean="0"/>
-              <a:t>6</a:t>
-            </a:fld>
-            <a:endParaRPr lang="en-US"/>
-          </a:p>
-        </p:txBody>
-      </p:sp>
-      <p:sp>
-        <p:nvSpPr>
-          <p:cNvPr id="4" name="Title 3"/>
-          <p:cNvSpPr>
-            <a:spLocks noGrp="1"/>
-          </p:cNvSpPr>
-          <p:nvPr>
-            <p:ph type="title"/>
-          </p:nvPr>
-        </p:nvSpPr>
-        <p:spPr/>
-        <p:txBody>
-          <a:bodyPr/>
-          <a:lstStyle/>
-          <a:p>
-            <a:r>
-              <a:rPr lang="en-US" dirty="0" smtClean="0"/>
-              <a:t>dashboards</a:t>
-            </a:r>
-            <a:endParaRPr lang="en-US" dirty="0"/>
-          </a:p>
-        </p:txBody>
-      </p:sp>
-    </p:spTree>
-    <p:extLst>
-      <p:ext uri="{BB962C8B-B14F-4D97-AF65-F5344CB8AC3E}">
-        <p14:creationId xmlns:p14="http://schemas.microsoft.com/office/powerpoint/2010/main" val="571037121"/>
-      </p:ext>
-    </p:extLst>
-  </p:cSld>
-  <p:clrMapOvr>
-    <a:masterClrMapping/>
-  </p:clrMapOvr>
-  <p:timing>
-    <p:tnLst>
-      <p:par>
-        <p:cTn id="1" dur="indefinite" restart="never" nodeType="tmRoot"/>
-      </p:par>
-    </p:tnLst>
-  </p:timing>
-</p:sld>
-</file>
-
-<file path=ppt/slides/slide7.xml><?xml version="1.0" encoding="utf-8"?>
-<p:sld xmlns:a="http://schemas.openxmlformats.org/drawingml/2006/main" xmlns:r="http://schemas.openxmlformats.org/officeDocument/2006/relationships" xmlns:p="http://schemas.openxmlformats.org/presentationml/2006/main">
-  <p:cSld>
-    <p:spTree>
-      <p:nvGrpSpPr>
-        <p:cNvPr id="1" name=""/>
-        <p:cNvGrpSpPr/>
-        <p:nvPr/>
-      </p:nvGrpSpPr>
-      <p:grpSpPr>
-        <a:xfrm>
-          <a:off x="0" y="0"/>
-          <a:ext cx="0" cy="0"/>
-          <a:chOff x="0" y="0"/>
-          <a:chExt cx="0" cy="0"/>
-        </a:xfrm>
-      </p:grpSpPr>
-      <p:sp>
-        <p:nvSpPr>
-          <p:cNvPr id="2" name="Content Placeholder 1"/>
-          <p:cNvSpPr>
-            <a:spLocks noGrp="1"/>
-          </p:cNvSpPr>
-          <p:nvPr>
-            <p:ph idx="1"/>
-          </p:nvPr>
-        </p:nvSpPr>
-        <p:spPr/>
-        <p:txBody>
-          <a:bodyPr/>
-          <a:lstStyle/>
-          <a:p>
-            <a:pPr marL="0" indent="0">
-              <a:buNone/>
-            </a:pPr>
-            <a:r>
-              <a:rPr lang="en-US" i="1" dirty="0" smtClean="0"/>
-              <a:t>Visualizing cash flows</a:t>
-            </a:r>
-          </a:p>
-          <a:p>
-            <a:pPr marL="0" indent="0">
-              <a:buNone/>
-            </a:pPr>
-            <a:endParaRPr lang="en-US" i="1" dirty="0"/>
-          </a:p>
-          <a:p>
-            <a:pPr>
-              <a:spcAft>
-                <a:spcPts val="0"/>
-              </a:spcAft>
-              <a:buFont typeface="Wingdings" panose="05000000000000000000" pitchFamily="2" charset="2"/>
-              <a:buChar char="§"/>
-            </a:pPr>
-            <a:r>
-              <a:rPr lang="en-US" i="1" dirty="0" smtClean="0"/>
-              <a:t>Project:</a:t>
-            </a:r>
-          </a:p>
-          <a:p>
-            <a:pPr lvl="1">
-              <a:spcAft>
-                <a:spcPts val="0"/>
-              </a:spcAft>
-              <a:buFont typeface="Wingdings" panose="05000000000000000000" pitchFamily="2" charset="2"/>
-              <a:buChar char="§"/>
-            </a:pPr>
-            <a:endParaRPr lang="en-US" i="1" dirty="0"/>
-          </a:p>
-          <a:p>
-            <a:pPr lvl="1">
-              <a:spcAft>
-                <a:spcPts val="0"/>
-              </a:spcAft>
-              <a:buFont typeface="Wingdings" panose="05000000000000000000" pitchFamily="2" charset="2"/>
-              <a:buChar char="§"/>
-            </a:pPr>
-            <a:r>
-              <a:rPr lang="en-US" dirty="0" smtClean="0"/>
-              <a:t>Visualize cash flow projection data (a lot of it)</a:t>
-            </a:r>
-          </a:p>
-          <a:p>
-            <a:pPr lvl="1">
-              <a:spcAft>
-                <a:spcPts val="0"/>
-              </a:spcAft>
-              <a:buFont typeface="Wingdings" panose="05000000000000000000" pitchFamily="2" charset="2"/>
-              <a:buChar char="§"/>
-            </a:pPr>
-            <a:endParaRPr lang="en-US" dirty="0"/>
-          </a:p>
-          <a:p>
-            <a:pPr lvl="1">
-              <a:spcAft>
-                <a:spcPts val="0"/>
-              </a:spcAft>
-              <a:buFont typeface="Wingdings" panose="05000000000000000000" pitchFamily="2" charset="2"/>
-              <a:buChar char="§"/>
-            </a:pPr>
-            <a:r>
-              <a:rPr lang="en-US" dirty="0" smtClean="0"/>
-              <a:t>Many ways to slice the data</a:t>
-            </a:r>
-          </a:p>
-          <a:p>
-            <a:pPr marL="228600" lvl="1" indent="0">
-              <a:spcAft>
-                <a:spcPts val="0"/>
-              </a:spcAft>
-              <a:buNone/>
-            </a:pPr>
-            <a:endParaRPr lang="en-US" dirty="0" smtClean="0"/>
-          </a:p>
-          <a:p>
-            <a:pPr marL="228600" lvl="1" indent="0">
-              <a:spcAft>
-                <a:spcPts val="0"/>
-              </a:spcAft>
-              <a:buNone/>
-            </a:pPr>
-            <a:endParaRPr lang="en-US" dirty="0"/>
-          </a:p>
-          <a:p>
-            <a:pPr marL="457200" lvl="2" indent="0">
-              <a:spcAft>
-                <a:spcPts val="0"/>
-              </a:spcAft>
-              <a:buNone/>
-            </a:pPr>
-            <a:endParaRPr lang="en-US" dirty="0"/>
-          </a:p>
-          <a:p>
-            <a:pPr marL="457200" lvl="2" indent="0">
-              <a:spcAft>
-                <a:spcPts val="0"/>
-              </a:spcAft>
-              <a:buNone/>
-            </a:pPr>
-            <a:endParaRPr lang="en-US" dirty="0" smtClean="0"/>
-          </a:p>
-          <a:p>
-            <a:pPr lvl="1">
-              <a:spcAft>
-                <a:spcPts val="0"/>
-              </a:spcAft>
-              <a:buFont typeface="Wingdings" panose="05000000000000000000" pitchFamily="2" charset="2"/>
-              <a:buChar char="§"/>
-            </a:pPr>
-            <a:r>
-              <a:rPr lang="en-US" dirty="0" smtClean="0"/>
-              <a:t>Resulting in &gt;3 million rows for just 2 sets of projections (sorry Excel)</a:t>
-            </a:r>
-            <a:endParaRPr lang="en-US" dirty="0"/>
-          </a:p>
-          <a:p>
-            <a:pPr lvl="2">
-              <a:spcAft>
-                <a:spcPts val="0"/>
-              </a:spcAft>
-              <a:buFont typeface="Wingdings" panose="05000000000000000000" pitchFamily="2" charset="2"/>
-              <a:buChar char="§"/>
-            </a:pPr>
-            <a:endParaRPr lang="en-US" dirty="0" smtClean="0"/>
-          </a:p>
-          <a:p>
-            <a:pPr lvl="1">
-              <a:spcAft>
-                <a:spcPts val="0"/>
-              </a:spcAft>
-              <a:buFont typeface="Wingdings" panose="05000000000000000000" pitchFamily="2" charset="2"/>
-              <a:buChar char="§"/>
-            </a:pPr>
-            <a:endParaRPr lang="en-US" dirty="0"/>
-          </a:p>
-          <a:p>
-            <a:pPr lvl="1">
-              <a:spcAft>
-                <a:spcPts val="0"/>
-              </a:spcAft>
-              <a:buFont typeface="Wingdings" panose="05000000000000000000" pitchFamily="2" charset="2"/>
-              <a:buChar char="§"/>
-            </a:pPr>
-            <a:endParaRPr lang="en-US" dirty="0" smtClean="0"/>
-          </a:p>
-          <a:p>
-            <a:pPr lvl="1">
-              <a:buFont typeface="Wingdings" panose="05000000000000000000" pitchFamily="2" charset="2"/>
-              <a:buChar char="§"/>
-            </a:pPr>
-            <a:endParaRPr lang="en-US" i="1" dirty="0"/>
-          </a:p>
-          <a:p>
-            <a:pPr lvl="1">
-              <a:buFont typeface="Wingdings" panose="05000000000000000000" pitchFamily="2" charset="2"/>
-              <a:buChar char="§"/>
-            </a:pPr>
-            <a:endParaRPr lang="en-US" dirty="0" smtClean="0"/>
-          </a:p>
-        </p:txBody>
-      </p:sp>
-      <p:sp>
-        <p:nvSpPr>
-          <p:cNvPr id="3" name="Slide Number Placeholder 2"/>
-          <p:cNvSpPr>
-            <a:spLocks noGrp="1"/>
-          </p:cNvSpPr>
-          <p:nvPr>
-            <p:ph type="sldNum" sz="quarter" idx="12"/>
-          </p:nvPr>
-        </p:nvSpPr>
-        <p:spPr/>
-        <p:txBody>
-          <a:bodyPr/>
-          <a:lstStyle/>
-          <a:p>
-            <a:fld id="{E49B4C36-CA85-496D-A067-FC602A1FD8AC}" type="slidenum">
-              <a:rPr lang="en-US" smtClean="0"/>
-              <a:t>7</a:t>
             </a:fld>
             <a:endParaRPr lang="en-US"/>
           </a:p>
@@ -12683,6 +12295,589 @@
 </p:sld>
 </file>
 
+<file path=ppt/slides/slide5.xml><?xml version="1.0" encoding="utf-8"?>
+<p:sld xmlns:a="http://schemas.openxmlformats.org/drawingml/2006/main" xmlns:r="http://schemas.openxmlformats.org/officeDocument/2006/relationships" xmlns:p="http://schemas.openxmlformats.org/presentationml/2006/main">
+  <p:cSld>
+    <p:spTree>
+      <p:nvGrpSpPr>
+        <p:cNvPr id="1" name=""/>
+        <p:cNvGrpSpPr/>
+        <p:nvPr/>
+      </p:nvGrpSpPr>
+      <p:grpSpPr>
+        <a:xfrm>
+          <a:off x="0" y="0"/>
+          <a:ext cx="0" cy="0"/>
+          <a:chOff x="0" y="0"/>
+          <a:chExt cx="0" cy="0"/>
+        </a:xfrm>
+      </p:grpSpPr>
+      <p:sp>
+        <p:nvSpPr>
+          <p:cNvPr id="2" name="Content Placeholder 1"/>
+          <p:cNvSpPr>
+            <a:spLocks noGrp="1"/>
+          </p:cNvSpPr>
+          <p:nvPr>
+            <p:ph idx="1"/>
+          </p:nvPr>
+        </p:nvSpPr>
+        <p:spPr/>
+        <p:txBody>
+          <a:bodyPr/>
+          <a:lstStyle/>
+          <a:p>
+            <a:pPr marL="0" indent="0">
+              <a:buNone/>
+            </a:pPr>
+            <a:r>
+              <a:rPr lang="en-US" i="1" dirty="0" smtClean="0"/>
+              <a:t>Visualizing cash flows</a:t>
+            </a:r>
+          </a:p>
+          <a:p>
+            <a:pPr marL="0" indent="0">
+              <a:buNone/>
+            </a:pPr>
+            <a:endParaRPr lang="en-US" i="1" dirty="0"/>
+          </a:p>
+          <a:p>
+            <a:pPr>
+              <a:spcAft>
+                <a:spcPts val="0"/>
+              </a:spcAft>
+              <a:buFont typeface="Wingdings" panose="05000000000000000000" pitchFamily="2" charset="2"/>
+              <a:buChar char="§"/>
+            </a:pPr>
+            <a:r>
+              <a:rPr lang="en-US" i="1" dirty="0" smtClean="0"/>
+              <a:t>Solution:</a:t>
+            </a:r>
+            <a:endParaRPr lang="en-US" i="1" dirty="0" smtClean="0"/>
+          </a:p>
+          <a:p>
+            <a:pPr lvl="2">
+              <a:spcAft>
+                <a:spcPts val="0"/>
+              </a:spcAft>
+              <a:buFont typeface="Wingdings" panose="05000000000000000000" pitchFamily="2" charset="2"/>
+              <a:buChar char="§"/>
+            </a:pPr>
+            <a:endParaRPr lang="en-US" dirty="0" smtClean="0"/>
+          </a:p>
+          <a:p>
+            <a:pPr lvl="1">
+              <a:spcAft>
+                <a:spcPts val="0"/>
+              </a:spcAft>
+              <a:buFont typeface="Wingdings" panose="05000000000000000000" pitchFamily="2" charset="2"/>
+              <a:buChar char="§"/>
+            </a:pPr>
+            <a:r>
+              <a:rPr lang="en-US" dirty="0" smtClean="0"/>
+              <a:t>Add new projections to a folder</a:t>
+            </a:r>
+          </a:p>
+          <a:p>
+            <a:pPr lvl="1">
+              <a:spcAft>
+                <a:spcPts val="0"/>
+              </a:spcAft>
+              <a:buFont typeface="Wingdings" panose="05000000000000000000" pitchFamily="2" charset="2"/>
+              <a:buChar char="§"/>
+            </a:pPr>
+            <a:endParaRPr lang="en-US" dirty="0"/>
+          </a:p>
+          <a:p>
+            <a:pPr lvl="1">
+              <a:spcAft>
+                <a:spcPts val="0"/>
+              </a:spcAft>
+              <a:buFont typeface="Wingdings" panose="05000000000000000000" pitchFamily="2" charset="2"/>
+              <a:buChar char="§"/>
+            </a:pPr>
+            <a:r>
+              <a:rPr lang="en-US" dirty="0" smtClean="0"/>
+              <a:t>Run </a:t>
+            </a:r>
+            <a:r>
+              <a:rPr lang="en-US" dirty="0" smtClean="0">
+                <a:hlinkClick r:id="rId2"/>
+              </a:rPr>
+              <a:t>this</a:t>
+            </a:r>
+            <a:endParaRPr lang="en-US" dirty="0"/>
+          </a:p>
+          <a:p>
+            <a:pPr lvl="1">
+              <a:spcAft>
+                <a:spcPts val="0"/>
+              </a:spcAft>
+              <a:buFont typeface="Wingdings" panose="05000000000000000000" pitchFamily="2" charset="2"/>
+              <a:buChar char="§"/>
+            </a:pPr>
+            <a:endParaRPr lang="en-US" dirty="0" smtClean="0"/>
+          </a:p>
+          <a:p>
+            <a:pPr lvl="1">
+              <a:buFont typeface="Wingdings" panose="05000000000000000000" pitchFamily="2" charset="2"/>
+              <a:buChar char="§"/>
+            </a:pPr>
+            <a:endParaRPr lang="en-US" i="1" dirty="0"/>
+          </a:p>
+          <a:p>
+            <a:pPr lvl="1">
+              <a:buFont typeface="Wingdings" panose="05000000000000000000" pitchFamily="2" charset="2"/>
+              <a:buChar char="§"/>
+            </a:pPr>
+            <a:endParaRPr lang="en-US" dirty="0" smtClean="0"/>
+          </a:p>
+        </p:txBody>
+      </p:sp>
+      <p:sp>
+        <p:nvSpPr>
+          <p:cNvPr id="3" name="Slide Number Placeholder 2"/>
+          <p:cNvSpPr>
+            <a:spLocks noGrp="1"/>
+          </p:cNvSpPr>
+          <p:nvPr>
+            <p:ph type="sldNum" sz="quarter" idx="4294967295"/>
+          </p:nvPr>
+        </p:nvSpPr>
+        <p:spPr>
+          <a:xfrm>
+            <a:off x="8366760" y="6465572"/>
+            <a:ext cx="457200" cy="182880"/>
+          </a:xfrm>
+        </p:spPr>
+        <p:txBody>
+          <a:bodyPr/>
+          <a:lstStyle/>
+          <a:p>
+            <a:fld id="{E49B4C36-CA85-496D-A067-FC602A1FD8AC}" type="slidenum">
+              <a:rPr lang="en-US" smtClean="0"/>
+              <a:t>5</a:t>
+            </a:fld>
+            <a:endParaRPr lang="en-US"/>
+          </a:p>
+        </p:txBody>
+      </p:sp>
+      <p:sp>
+        <p:nvSpPr>
+          <p:cNvPr id="4" name="Title 3"/>
+          <p:cNvSpPr>
+            <a:spLocks noGrp="1"/>
+          </p:cNvSpPr>
+          <p:nvPr>
+            <p:ph type="title"/>
+          </p:nvPr>
+        </p:nvSpPr>
+        <p:spPr/>
+        <p:txBody>
+          <a:bodyPr/>
+          <a:lstStyle/>
+          <a:p>
+            <a:r>
+              <a:rPr lang="en-US" dirty="0" smtClean="0"/>
+              <a:t>dashboards</a:t>
+            </a:r>
+            <a:endParaRPr lang="en-US" dirty="0"/>
+          </a:p>
+        </p:txBody>
+      </p:sp>
+    </p:spTree>
+    <p:extLst>
+      <p:ext uri="{BB962C8B-B14F-4D97-AF65-F5344CB8AC3E}">
+        <p14:creationId xmlns:p14="http://schemas.microsoft.com/office/powerpoint/2010/main" val="1915325850"/>
+      </p:ext>
+    </p:extLst>
+  </p:cSld>
+  <p:clrMapOvr>
+    <a:masterClrMapping/>
+  </p:clrMapOvr>
+  <p:timing>
+    <p:tnLst>
+      <p:par>
+        <p:cTn id="1" dur="indefinite" restart="never" nodeType="tmRoot"/>
+      </p:par>
+    </p:tnLst>
+  </p:timing>
+</p:sld>
+</file>
+
+<file path=ppt/slides/slide6.xml><?xml version="1.0" encoding="utf-8"?>
+<p:sld xmlns:a="http://schemas.openxmlformats.org/drawingml/2006/main" xmlns:r="http://schemas.openxmlformats.org/officeDocument/2006/relationships" xmlns:p="http://schemas.openxmlformats.org/presentationml/2006/main">
+  <p:cSld>
+    <p:spTree>
+      <p:nvGrpSpPr>
+        <p:cNvPr id="1" name=""/>
+        <p:cNvGrpSpPr/>
+        <p:nvPr/>
+      </p:nvGrpSpPr>
+      <p:grpSpPr>
+        <a:xfrm>
+          <a:off x="0" y="0"/>
+          <a:ext cx="0" cy="0"/>
+          <a:chOff x="0" y="0"/>
+          <a:chExt cx="0" cy="0"/>
+        </a:xfrm>
+      </p:grpSpPr>
+      <p:sp>
+        <p:nvSpPr>
+          <p:cNvPr id="2" name="Content Placeholder 1"/>
+          <p:cNvSpPr>
+            <a:spLocks noGrp="1"/>
+          </p:cNvSpPr>
+          <p:nvPr>
+            <p:ph idx="1"/>
+          </p:nvPr>
+        </p:nvSpPr>
+        <p:spPr/>
+        <p:txBody>
+          <a:bodyPr/>
+          <a:lstStyle/>
+          <a:p>
+            <a:pPr marL="0" indent="0">
+              <a:buNone/>
+            </a:pPr>
+            <a:r>
+              <a:rPr lang="en-US" i="1" dirty="0" smtClean="0"/>
+              <a:t>Interactive reporting using R and Shiny</a:t>
+            </a:r>
+          </a:p>
+          <a:p>
+            <a:pPr marL="0" indent="0">
+              <a:buNone/>
+            </a:pPr>
+            <a:endParaRPr lang="en-US" i="1" dirty="0"/>
+          </a:p>
+          <a:p>
+            <a:pPr>
+              <a:spcAft>
+                <a:spcPts val="0"/>
+              </a:spcAft>
+              <a:buFont typeface="Wingdings" panose="05000000000000000000" pitchFamily="2" charset="2"/>
+              <a:buChar char="§"/>
+            </a:pPr>
+            <a:r>
+              <a:rPr lang="en-US" i="1" dirty="0" smtClean="0"/>
+              <a:t>Project:</a:t>
+            </a:r>
+          </a:p>
+          <a:p>
+            <a:pPr lvl="1">
+              <a:spcAft>
+                <a:spcPts val="0"/>
+              </a:spcAft>
+              <a:buFont typeface="Wingdings" panose="05000000000000000000" pitchFamily="2" charset="2"/>
+              <a:buChar char="§"/>
+            </a:pPr>
+            <a:endParaRPr lang="en-US" i="1" dirty="0"/>
+          </a:p>
+          <a:p>
+            <a:pPr lvl="1">
+              <a:spcAft>
+                <a:spcPts val="0"/>
+              </a:spcAft>
+              <a:buFont typeface="Wingdings" panose="05000000000000000000" pitchFamily="2" charset="2"/>
+              <a:buChar char="§"/>
+            </a:pPr>
+            <a:r>
+              <a:rPr lang="en-US" dirty="0" smtClean="0"/>
+              <a:t>Visualize 50 years of forecasted book value and yield data for a set of 60 Lincoln portfolios</a:t>
+            </a:r>
+          </a:p>
+          <a:p>
+            <a:pPr lvl="1">
+              <a:buFont typeface="Wingdings" panose="05000000000000000000" pitchFamily="2" charset="2"/>
+              <a:buChar char="§"/>
+            </a:pPr>
+            <a:endParaRPr lang="en-US" dirty="0"/>
+          </a:p>
+          <a:p>
+            <a:pPr lvl="1">
+              <a:buFont typeface="Wingdings" panose="05000000000000000000" pitchFamily="2" charset="2"/>
+              <a:buChar char="§"/>
+            </a:pPr>
+            <a:r>
+              <a:rPr lang="en-US" dirty="0" smtClean="0"/>
+              <a:t>Create an automated process for cleaning, performing calculations, and loading the data into the dashboard</a:t>
+            </a:r>
+          </a:p>
+          <a:p>
+            <a:pPr lvl="1">
+              <a:buFont typeface="Wingdings" panose="05000000000000000000" pitchFamily="2" charset="2"/>
+              <a:buChar char="§"/>
+            </a:pPr>
+            <a:endParaRPr lang="en-US" dirty="0"/>
+          </a:p>
+          <a:p>
+            <a:pPr lvl="1">
+              <a:buFont typeface="Wingdings" panose="05000000000000000000" pitchFamily="2" charset="2"/>
+              <a:buChar char="§"/>
+            </a:pPr>
+            <a:r>
+              <a:rPr lang="en-US" dirty="0" smtClean="0"/>
+              <a:t>Make the analysis easy to run next quarter with new data</a:t>
+            </a:r>
+          </a:p>
+          <a:p>
+            <a:pPr lvl="1">
+              <a:buFont typeface="Wingdings" panose="05000000000000000000" pitchFamily="2" charset="2"/>
+              <a:buChar char="§"/>
+            </a:pPr>
+            <a:endParaRPr lang="en-US" dirty="0"/>
+          </a:p>
+        </p:txBody>
+      </p:sp>
+      <p:sp>
+        <p:nvSpPr>
+          <p:cNvPr id="3" name="Slide Number Placeholder 2"/>
+          <p:cNvSpPr>
+            <a:spLocks noGrp="1"/>
+          </p:cNvSpPr>
+          <p:nvPr>
+            <p:ph type="sldNum" sz="quarter" idx="4294967295"/>
+          </p:nvPr>
+        </p:nvSpPr>
+        <p:spPr>
+          <a:xfrm>
+            <a:off x="8366760" y="6465572"/>
+            <a:ext cx="457200" cy="182880"/>
+          </a:xfrm>
+        </p:spPr>
+        <p:txBody>
+          <a:bodyPr/>
+          <a:lstStyle/>
+          <a:p>
+            <a:fld id="{E49B4C36-CA85-496D-A067-FC602A1FD8AC}" type="slidenum">
+              <a:rPr lang="en-US" smtClean="0"/>
+              <a:t>6</a:t>
+            </a:fld>
+            <a:endParaRPr lang="en-US"/>
+          </a:p>
+        </p:txBody>
+      </p:sp>
+      <p:sp>
+        <p:nvSpPr>
+          <p:cNvPr id="4" name="Title 3"/>
+          <p:cNvSpPr>
+            <a:spLocks noGrp="1"/>
+          </p:cNvSpPr>
+          <p:nvPr>
+            <p:ph type="title"/>
+          </p:nvPr>
+        </p:nvSpPr>
+        <p:spPr/>
+        <p:txBody>
+          <a:bodyPr/>
+          <a:lstStyle/>
+          <a:p>
+            <a:r>
+              <a:rPr lang="en-US" dirty="0" smtClean="0"/>
+              <a:t>dashboards</a:t>
+            </a:r>
+            <a:endParaRPr lang="en-US" dirty="0"/>
+          </a:p>
+        </p:txBody>
+      </p:sp>
+    </p:spTree>
+    <p:extLst>
+      <p:ext uri="{BB962C8B-B14F-4D97-AF65-F5344CB8AC3E}">
+        <p14:creationId xmlns:p14="http://schemas.microsoft.com/office/powerpoint/2010/main" val="503487146"/>
+      </p:ext>
+    </p:extLst>
+  </p:cSld>
+  <p:clrMapOvr>
+    <a:masterClrMapping/>
+  </p:clrMapOvr>
+  <p:timing>
+    <p:tnLst>
+      <p:par>
+        <p:cTn id="1" dur="indefinite" restart="never" nodeType="tmRoot"/>
+      </p:par>
+    </p:tnLst>
+  </p:timing>
+</p:sld>
+</file>
+
+<file path=ppt/slides/slide7.xml><?xml version="1.0" encoding="utf-8"?>
+<p:sld xmlns:a="http://schemas.openxmlformats.org/drawingml/2006/main" xmlns:r="http://schemas.openxmlformats.org/officeDocument/2006/relationships" xmlns:p="http://schemas.openxmlformats.org/presentationml/2006/main">
+  <p:cSld>
+    <p:spTree>
+      <p:nvGrpSpPr>
+        <p:cNvPr id="1" name=""/>
+        <p:cNvGrpSpPr/>
+        <p:nvPr/>
+      </p:nvGrpSpPr>
+      <p:grpSpPr>
+        <a:xfrm>
+          <a:off x="0" y="0"/>
+          <a:ext cx="0" cy="0"/>
+          <a:chOff x="0" y="0"/>
+          <a:chExt cx="0" cy="0"/>
+        </a:xfrm>
+      </p:grpSpPr>
+      <p:sp>
+        <p:nvSpPr>
+          <p:cNvPr id="2" name="Content Placeholder 1"/>
+          <p:cNvSpPr>
+            <a:spLocks noGrp="1"/>
+          </p:cNvSpPr>
+          <p:nvPr>
+            <p:ph idx="1"/>
+          </p:nvPr>
+        </p:nvSpPr>
+        <p:spPr/>
+        <p:txBody>
+          <a:bodyPr/>
+          <a:lstStyle/>
+          <a:p>
+            <a:pPr marL="0" indent="0">
+              <a:buNone/>
+            </a:pPr>
+            <a:r>
+              <a:rPr lang="en-US" i="1" dirty="0" smtClean="0"/>
+              <a:t>Interactive reporting using R and Shiny</a:t>
+            </a:r>
+          </a:p>
+          <a:p>
+            <a:pPr marL="0" indent="0">
+              <a:buNone/>
+            </a:pPr>
+            <a:endParaRPr lang="en-US" i="1" dirty="0"/>
+          </a:p>
+          <a:p>
+            <a:pPr lvl="1">
+              <a:spcAft>
+                <a:spcPts val="0"/>
+              </a:spcAft>
+              <a:buFont typeface="Wingdings" panose="05000000000000000000" pitchFamily="2" charset="2"/>
+              <a:buChar char="§"/>
+            </a:pPr>
+            <a:endParaRPr lang="en-US" i="1" dirty="0"/>
+          </a:p>
+          <a:p>
+            <a:pPr lvl="1">
+              <a:buFont typeface="Wingdings" panose="05000000000000000000" pitchFamily="2" charset="2"/>
+              <a:buChar char="§"/>
+            </a:pPr>
+            <a:endParaRPr lang="en-US" dirty="0"/>
+          </a:p>
+        </p:txBody>
+      </p:sp>
+      <p:sp>
+        <p:nvSpPr>
+          <p:cNvPr id="3" name="Slide Number Placeholder 2"/>
+          <p:cNvSpPr>
+            <a:spLocks noGrp="1"/>
+          </p:cNvSpPr>
+          <p:nvPr>
+            <p:ph type="sldNum" sz="quarter" idx="4294967295"/>
+          </p:nvPr>
+        </p:nvSpPr>
+        <p:spPr>
+          <a:xfrm>
+            <a:off x="8366760" y="6465572"/>
+            <a:ext cx="457200" cy="182880"/>
+          </a:xfrm>
+        </p:spPr>
+        <p:txBody>
+          <a:bodyPr/>
+          <a:lstStyle/>
+          <a:p>
+            <a:fld id="{E49B4C36-CA85-496D-A067-FC602A1FD8AC}" type="slidenum">
+              <a:rPr lang="en-US" smtClean="0"/>
+              <a:t>7</a:t>
+            </a:fld>
+            <a:endParaRPr lang="en-US"/>
+          </a:p>
+        </p:txBody>
+      </p:sp>
+      <p:sp>
+        <p:nvSpPr>
+          <p:cNvPr id="4" name="Title 3"/>
+          <p:cNvSpPr>
+            <a:spLocks noGrp="1"/>
+          </p:cNvSpPr>
+          <p:nvPr>
+            <p:ph type="title"/>
+          </p:nvPr>
+        </p:nvSpPr>
+        <p:spPr/>
+        <p:txBody>
+          <a:bodyPr/>
+          <a:lstStyle/>
+          <a:p>
+            <a:r>
+              <a:rPr lang="en-US" dirty="0" smtClean="0"/>
+              <a:t>dashboards</a:t>
+            </a:r>
+            <a:endParaRPr lang="en-US" dirty="0"/>
+          </a:p>
+        </p:txBody>
+      </p:sp>
+      <p:pic>
+        <p:nvPicPr>
+          <p:cNvPr id="1026" name="Picture 2" descr="C:\Users\mdbva5\Desktop\slides\final-presentation\data-compare.PNG"/>
+          <p:cNvPicPr>
+            <a:picLocks noChangeArrowheads="1"/>
+          </p:cNvPicPr>
+          <p:nvPr/>
+        </p:nvPicPr>
+        <p:blipFill>
+          <a:blip r:embed="rId2">
+            <a:extLst>
+              <a:ext uri="{28A0092B-C50C-407E-A947-70E740481C1C}">
+                <a14:useLocalDpi xmlns:a14="http://schemas.microsoft.com/office/drawing/2010/main" val="0"/>
+              </a:ext>
+            </a:extLst>
+          </a:blip>
+          <a:srcRect/>
+          <a:stretch>
+            <a:fillRect/>
+          </a:stretch>
+        </p:blipFill>
+        <p:spPr bwMode="auto">
+          <a:xfrm>
+            <a:off x="320040" y="1688591"/>
+            <a:ext cx="8458200" cy="4239649"/>
+          </a:xfrm>
+          <a:prstGeom prst="rect">
+            <a:avLst/>
+          </a:prstGeom>
+          <a:noFill/>
+          <a:extLst>
+            <a:ext uri="{909E8E84-426E-40DD-AFC4-6F175D3DCCD1}">
+              <a14:hiddenFill xmlns:a14="http://schemas.microsoft.com/office/drawing/2010/main">
+                <a:solidFill>
+                  <a:srgbClr val="FFFFFF"/>
+                </a:solidFill>
+              </a14:hiddenFill>
+            </a:ext>
+          </a:extLst>
+        </p:spPr>
+      </p:pic>
+    </p:spTree>
+    <p:extLst>
+      <p:ext uri="{BB962C8B-B14F-4D97-AF65-F5344CB8AC3E}">
+        <p14:creationId xmlns:p14="http://schemas.microsoft.com/office/powerpoint/2010/main" val="3951058766"/>
+      </p:ext>
+    </p:extLst>
+  </p:cSld>
+  <p:clrMapOvr>
+    <a:masterClrMapping/>
+  </p:clrMapOvr>
+  <p:timing>
+    <p:tnLst>
+      <p:par>
+        <p:cTn id="1" dur="indefinite" restart="never" nodeType="tmRoot"/>
+      </p:par>
+    </p:tnLst>
+  </p:timing>
+</p:sld>
+</file>
+
 <file path=ppt/slides/slide8.xml><?xml version="1.0" encoding="utf-8"?>
 <p:sld xmlns:a="http://schemas.openxmlformats.org/drawingml/2006/main" xmlns:r="http://schemas.openxmlformats.org/officeDocument/2006/relationships" xmlns:p="http://schemas.openxmlformats.org/presentationml/2006/main">
   <p:cSld>
@@ -12720,7 +12915,7 @@
             </a:pPr>
             <a:r>
               <a:rPr lang="en-US" i="1" dirty="0" smtClean="0"/>
-              <a:t>Visualizing cash flows</a:t>
+              <a:t>Interactive reporting using R and Shiny</a:t>
             </a:r>
           </a:p>
           <a:p>
@@ -12739,7 +12934,30 @@
             </a:pPr>
             <a:r>
               <a:rPr lang="en-US" i="1" dirty="0" smtClean="0"/>
-              <a:t>Current process:</a:t>
+              <a:t>Benefits:</a:t>
+            </a:r>
+          </a:p>
+          <a:p>
+            <a:pPr lvl="1">
+              <a:spcAft>
+                <a:spcPts val="0"/>
+              </a:spcAft>
+              <a:buFont typeface="Wingdings" panose="05000000000000000000" pitchFamily="2" charset="2"/>
+              <a:buChar char="§"/>
+            </a:pPr>
+            <a:endParaRPr lang="en-US" i="1" dirty="0"/>
+          </a:p>
+          <a:p>
+            <a:pPr lvl="1">
+              <a:spcAft>
+                <a:spcPts val="0"/>
+              </a:spcAft>
+              <a:buFont typeface="Wingdings" panose="05000000000000000000" pitchFamily="2" charset="2"/>
+              <a:buChar char="§"/>
+            </a:pPr>
+            <a:r>
+              <a:rPr lang="en-US" i="1" dirty="0" smtClean="0"/>
+              <a:t>Very little work</a:t>
             </a:r>
           </a:p>
           <a:p>
@@ -12750,7 +12968,20 @@
               <a:buFont typeface="Wingdings" panose="05000000000000000000" pitchFamily="2" charset="2"/>
               <a:buChar char="§"/>
             </a:pPr>
-            <a:endParaRPr lang="en-US" dirty="0" smtClean="0"/>
+            <a:endParaRPr lang="en-US" i="1" dirty="0"/>
+          </a:p>
+          <a:p>
+            <a:pPr lvl="3">
+              <a:spcAft>
+                <a:spcPts val="0"/>
+              </a:spcAft>
+              <a:buFont typeface="Wingdings" panose="05000000000000000000" pitchFamily="2" charset="2"/>
+              <a:buChar char="§"/>
+            </a:pPr>
+            <a:r>
+              <a:rPr lang="en-US" dirty="0" smtClean="0"/>
+              <a:t>Raw output from ALFA is dumped in a folder each quarter</a:t>
+            </a:r>
           </a:p>
           <a:p>
             <a:pPr lvl="1">
@@ -12760,7 +12991,7 @@
               <a:buFont typeface="Wingdings" panose="05000000000000000000" pitchFamily="2" charset="2"/>
               <a:buChar char="§"/>
             </a:pPr>
-            <a:endParaRPr lang="en-US" dirty="0"/>
+            <a:endParaRPr lang="en-US" dirty="0" smtClean="0"/>
           </a:p>
           <a:p>
             <a:pPr lvl="1">
@@ -12770,21 +13001,44 @@
               <a:buFont typeface="Wingdings" panose="05000000000000000000" pitchFamily="2" charset="2"/>
               <a:buChar char="§"/>
             </a:pPr>
+            <a:r>
+              <a:rPr lang="en-US" i="1" dirty="0" smtClean="0"/>
+              <a:t>Maintain history </a:t>
+            </a:r>
+            <a:endParaRPr lang="en-US" dirty="0"/>
+          </a:p>
+          <a:p>
+            <a:pPr lvl="1">
+              <a:spcAft>
+                <a:spcPts val="0"/>
+              </a:spcAft>
+              <a:buFont typeface="Wingdings" panose="05000000000000000000" pitchFamily="2" charset="2"/>
+              <a:buChar char="§"/>
+            </a:pPr>
             <a:endParaRPr lang="en-US" dirty="0" smtClean="0"/>
           </a:p>
           <a:p>
+            <a:pPr lvl="3">
+              <a:spcAft>
+                <a:spcPts val="0"/>
+              </a:spcAft>
+              <a:buFont typeface="Wingdings" panose="05000000000000000000" pitchFamily="2" charset="2"/>
+              <a:buChar char="§"/>
+            </a:pPr>
+            <a:r>
+              <a:rPr lang="en-US" dirty="0" smtClean="0"/>
+              <a:t>Compare multiple years of projections as opposed to just two</a:t>
+            </a:r>
+          </a:p>
+          <a:p>
             <a:pPr lvl="1">
-              <a:buFont typeface="Wingdings" panose="05000000000000000000" pitchFamily="2" charset="2"/>
-              <a:buChar char="§"/>
-            </a:pPr>
-            <a:endParaRPr lang="en-US" i="1" dirty="0"/>
-          </a:p>
-          <a:p>
-            <a:pPr lvl="1">
-              <a:buFont typeface="Wingdings" panose="05000000000000000000" pitchFamily="2" charset="2"/>
-              <a:buChar char="§"/>
-            </a:pPr>
-            <a:endParaRPr lang="en-US" dirty="0" smtClean="0"/>
+              <a:spcAft>
+                <a:spcPts val="0"/>
+              </a:spcAft>
+              <a:buFont typeface="Wingdings" panose="05000000000000000000" pitchFamily="2" charset="2"/>
+              <a:buChar char="§"/>
+            </a:pPr>
+            <a:endParaRPr lang="en-US" dirty="0"/>
           </a:p>
         </p:txBody>
       </p:sp>
@@ -12795,10 +13049,15 @@
             <a:spLocks noGrp="1"/>
           </p:cNvSpPr>
           <p:nvPr>
-            <p:ph type="sldNum" sz="quarter" idx="12"/>
+            <p:ph type="sldNum" sz="quarter" idx="4294967295"/>
           </p:nvPr>
         </p:nvSpPr>
-        <p:spPr/>
+        <p:spPr>
+          <a:xfrm>
+            <a:off x="8366760" y="6465572"/>
+            <a:ext cx="457200" cy="182880"/>
+          </a:xfrm>
+        </p:spPr>
         <p:txBody>
           <a:bodyPr/>
           <a:lstStyle/>
@@ -12837,7 +13096,7 @@
     </p:spTree>
     <p:extLst>
       <p:ext uri="{BB962C8B-B14F-4D97-AF65-F5344CB8AC3E}">
-        <p14:creationId xmlns:p14="http://schemas.microsoft.com/office/powerpoint/2010/main" val="4031662715"/>
+        <p14:creationId xmlns:p14="http://schemas.microsoft.com/office/powerpoint/2010/main" val="571037121"/>
       </p:ext>
     </p:extLst>
   </p:cSld>
@@ -12891,102 +13150,31 @@
             </a:pPr>
             <a:r>
               <a:rPr lang="en-US" i="1" dirty="0" smtClean="0"/>
-              <a:t>Visualizing cash flows</a:t>
-            </a:r>
-          </a:p>
-          <a:p>
-            <a:pPr marL="0" indent="0">
+              <a:t>Waterfall graphs</a:t>
+            </a:r>
+          </a:p>
+          <a:p>
+            <a:pPr marL="228600" lvl="1" indent="0">
               <a:buNone/>
             </a:pPr>
+            <a:endParaRPr lang="en-US" dirty="0"/>
+          </a:p>
+          <a:p>
+            <a:pPr lvl="1">
+              <a:buFont typeface="Wingdings" panose="05000000000000000000" pitchFamily="2" charset="2"/>
+              <a:buChar char="§"/>
+            </a:pPr>
             <a:endParaRPr lang="en-US" i="1" dirty="0"/>
           </a:p>
           <a:p>
-            <a:pPr>
-              <a:spcAft>
-                <a:spcPts val="0"/>
-              </a:spcAft>
-              <a:buFont typeface="Wingdings" panose="05000000000000000000" pitchFamily="2" charset="2"/>
-              <a:buChar char="§"/>
-            </a:pPr>
-            <a:r>
-              <a:rPr lang="en-US" i="1" dirty="0" smtClean="0"/>
-              <a:t>New process:</a:t>
-            </a:r>
-          </a:p>
-          <a:p>
-            <a:pPr lvl="2">
-              <a:spcAft>
-                <a:spcPts val="0"/>
-              </a:spcAft>
-              <a:buFont typeface="Wingdings" panose="05000000000000000000" pitchFamily="2" charset="2"/>
-              <a:buChar char="§"/>
-            </a:pPr>
-            <a:endParaRPr lang="en-US" dirty="0" smtClean="0"/>
-          </a:p>
-          <a:p>
-            <a:pPr lvl="1">
-              <a:spcAft>
-                <a:spcPts val="0"/>
-              </a:spcAft>
-              <a:buFont typeface="Wingdings" panose="05000000000000000000" pitchFamily="2" charset="2"/>
-              <a:buChar char="§"/>
-            </a:pPr>
-            <a:r>
-              <a:rPr lang="en-US" dirty="0" smtClean="0"/>
-              <a:t>Add new projections to a folder</a:t>
-            </a:r>
-          </a:p>
-          <a:p>
-            <a:pPr lvl="1">
-              <a:spcAft>
-                <a:spcPts val="0"/>
-              </a:spcAft>
-              <a:buFont typeface="Wingdings" panose="05000000000000000000" pitchFamily="2" charset="2"/>
-              <a:buChar char="§"/>
-            </a:pPr>
-            <a:endParaRPr lang="en-US" dirty="0"/>
-          </a:p>
-          <a:p>
-            <a:pPr lvl="1">
-              <a:spcAft>
-                <a:spcPts val="0"/>
-              </a:spcAft>
-              <a:buFont typeface="Wingdings" panose="05000000000000000000" pitchFamily="2" charset="2"/>
-              <a:buChar char="§"/>
-            </a:pPr>
-            <a:r>
-              <a:rPr lang="en-US" dirty="0" smtClean="0"/>
-              <a:t>Run </a:t>
-            </a:r>
-            <a:r>
-              <a:rPr lang="en-US" dirty="0" smtClean="0">
-                <a:hlinkClick r:id="rId2"/>
-              </a:rPr>
-              <a:t>this</a:t>
-            </a:r>
-            <a:endParaRPr lang="en-US" dirty="0"/>
-          </a:p>
-          <a:p>
-            <a:pPr lvl="1">
-              <a:spcAft>
-                <a:spcPts val="0"/>
-              </a:spcAft>
-              <a:buFont typeface="Wingdings" panose="05000000000000000000" pitchFamily="2" charset="2"/>
-              <a:buChar char="§"/>
-            </a:pPr>
-            <a:endParaRPr lang="en-US" dirty="0" smtClean="0"/>
-          </a:p>
-          <a:p>
-            <a:pPr lvl="1">
-              <a:buFont typeface="Wingdings" panose="05000000000000000000" pitchFamily="2" charset="2"/>
-              <a:buChar char="§"/>
+            <a:pPr marL="228600" lvl="1" indent="0">
+              <a:buNone/>
             </a:pPr>
             <a:endParaRPr lang="en-US" i="1" dirty="0"/>
           </a:p>
           <a:p>
-            <a:pPr lvl="1">
-              <a:buFont typeface="Wingdings" panose="05000000000000000000" pitchFamily="2" charset="2"/>
-              <a:buChar char="§"/>
+            <a:pPr marL="228600" lvl="1" indent="0">
+              <a:buNone/>
             </a:pPr>
             <a:endParaRPr lang="en-US" dirty="0" smtClean="0"/>
           </a:p>
@@ -12999,10 +13187,15 @@
             <a:spLocks noGrp="1"/>
           </p:cNvSpPr>
           <p:nvPr>
-            <p:ph type="sldNum" sz="quarter" idx="12"/>
+            <p:ph type="sldNum" sz="quarter" idx="4294967295"/>
           </p:nvPr>
         </p:nvSpPr>
-        <p:spPr/>
+        <p:spPr>
+          <a:xfrm>
+            <a:off x="8366760" y="6465572"/>
+            <a:ext cx="457200" cy="182880"/>
+          </a:xfrm>
+        </p:spPr>
         <p:txBody>
           <a:bodyPr/>
           <a:lstStyle/>
@@ -13032,16 +13225,140 @@
           <a:p>
             <a:r>
               <a:rPr lang="en-US" dirty="0" smtClean="0"/>
-              <a:t>dashboards</a:t>
+              <a:t>Visualizations</a:t>
             </a:r>
             <a:endParaRPr lang="en-US" dirty="0"/>
           </a:p>
         </p:txBody>
       </p:sp>
+      <p:pic>
+        <p:nvPicPr>
+          <p:cNvPr id="5" name="Picture 4"/>
+          <p:cNvPicPr>
+            <a:picLocks noChangeAspect="1"/>
+          </p:cNvPicPr>
+          <p:nvPr/>
+        </p:nvPicPr>
+        <p:blipFill>
+          <a:blip r:embed="rId2">
+            <a:extLst>
+              <a:ext uri="{28A0092B-C50C-407E-A947-70E740481C1C}">
+                <a14:useLocalDpi xmlns:a14="http://schemas.microsoft.com/office/drawing/2010/main" val="0"/>
+              </a:ext>
+            </a:extLst>
+          </a:blip>
+          <a:stretch>
+            <a:fillRect/>
+          </a:stretch>
+        </p:blipFill>
+        <p:spPr>
+          <a:xfrm>
+            <a:off x="1371600" y="2514600"/>
+            <a:ext cx="5867400" cy="3243470"/>
+          </a:xfrm>
+          <a:prstGeom prst="rect">
+            <a:avLst/>
+          </a:prstGeom>
+        </p:spPr>
+      </p:pic>
+      <p:graphicFrame>
+        <p:nvGraphicFramePr>
+          <p:cNvPr id="6" name="Table 5"/>
+          <p:cNvGraphicFramePr>
+            <a:graphicFrameLocks noGrp="1"/>
+          </p:cNvGraphicFramePr>
+          <p:nvPr>
+            <p:extLst>
+              <p:ext uri="{D42A27DB-BD31-4B8C-83A1-F6EECF244321}">
+                <p14:modId xmlns:p14="http://schemas.microsoft.com/office/powerpoint/2010/main" val="3890285143"/>
+              </p:ext>
+            </p:extLst>
+          </p:nvPr>
+        </p:nvGraphicFramePr>
+        <p:xfrm>
+          <a:off x="609600" y="1905000"/>
+          <a:ext cx="8229600" cy="370840"/>
+        </p:xfrm>
+        <a:graphic>
+          <a:graphicData uri="http://schemas.openxmlformats.org/drawingml/2006/table">
+            <a:tbl>
+              <a:tblPr firstRow="1" bandRow="1">
+                <a:tableStyleId>{2D5ABB26-0587-4C30-8999-92F81FD0307C}</a:tableStyleId>
+              </a:tblPr>
+              <a:tblGrid>
+                <a:gridCol w="4038600"/>
+                <a:gridCol w="4191000"/>
+              </a:tblGrid>
+              <a:tr h="370840">
+                <a:tc>
+                  <a:txBody>
+                    <a:bodyPr/>
+                    <a:lstStyle/>
+                    <a:p>
+                      <a:pPr marL="285750" marR="0" lvl="1" indent="-285750" algn="l" defTabSz="914400" rtl="0" eaLnBrk="1" fontAlgn="auto" latinLnBrk="0" hangingPunct="1">
+                        <a:lnSpc>
+                          <a:spcPct val="100000"/>
+                        </a:lnSpc>
+                        <a:spcBef>
+                          <a:spcPts val="0"/>
+                        </a:spcBef>
+                        <a:spcAft>
+                          <a:spcPts val="0"/>
+                        </a:spcAft>
+                        <a:buClrTx/>
+                        <a:buSzTx/>
+                        <a:buFont typeface="Wingdings" panose="05000000000000000000" pitchFamily="2" charset="2"/>
+                        <a:buChar char="§"/>
+                        <a:tabLst/>
+                        <a:defRPr/>
+                      </a:pPr>
+                      <a:r>
+                        <a:rPr lang="en-US" dirty="0" smtClean="0"/>
+                        <a:t>Loved by senior management</a:t>
+                      </a:r>
+                    </a:p>
+                  </a:txBody>
+                  <a:tcPr/>
+                </a:tc>
+                <a:tc>
+                  <a:txBody>
+                    <a:bodyPr/>
+                    <a:lstStyle/>
+                    <a:p>
+                      <a:pPr marL="285750" marR="0" lvl="1" indent="-285750" algn="l" defTabSz="914400" rtl="0" eaLnBrk="1" fontAlgn="auto" latinLnBrk="0" hangingPunct="1">
+                        <a:lnSpc>
+                          <a:spcPct val="100000"/>
+                        </a:lnSpc>
+                        <a:spcBef>
+                          <a:spcPts val="0"/>
+                        </a:spcBef>
+                        <a:spcAft>
+                          <a:spcPts val="0"/>
+                        </a:spcAft>
+                        <a:buClrTx/>
+                        <a:buSzTx/>
+                        <a:buFont typeface="Wingdings" panose="05000000000000000000" pitchFamily="2" charset="2"/>
+                        <a:buChar char="§"/>
+                        <a:tabLst/>
+                        <a:defRPr/>
+                      </a:pPr>
+                      <a:r>
+                        <a:rPr lang="en-US" dirty="0" smtClean="0"/>
+                        <a:t>Difficult to create</a:t>
+                      </a:r>
+                    </a:p>
+                  </a:txBody>
+                  <a:tcPr/>
+                </a:tc>
+              </a:tr>
+            </a:tbl>
+          </a:graphicData>
+        </a:graphic>
+      </p:graphicFrame>
     </p:spTree>
     <p:extLst>
       <p:ext uri="{BB962C8B-B14F-4D97-AF65-F5344CB8AC3E}">
-        <p14:creationId xmlns:p14="http://schemas.microsoft.com/office/powerpoint/2010/main" val="1915325850"/>
+        <p14:creationId xmlns:p14="http://schemas.microsoft.com/office/powerpoint/2010/main" val="4015479969"/>
       </p:ext>
     </p:extLst>
   </p:cSld>

--- a/final-presentation/final-presentation-davis-vaughan.pptx
+++ b/final-presentation/final-presentation-davis-vaughan.pptx
@@ -11185,7 +11185,6 @@
               <a:rPr lang="en-US" i="1" dirty="0" smtClean="0"/>
               <a:t>Resources</a:t>
             </a:r>
-            <a:endParaRPr lang="en-US" i="1" dirty="0" smtClean="0"/>
           </a:p>
           <a:p>
             <a:pPr marL="0" indent="0">
@@ -11420,7 +11419,15 @@
             </a:pPr>
             <a:r>
               <a:rPr lang="en-US" dirty="0" smtClean="0"/>
-              <a:t>Analyzing portfolio book value and yield data</a:t>
+              <a:t>Visualizing </a:t>
+            </a:r>
+            <a:r>
+              <a:rPr lang="en-US" dirty="0" smtClean="0"/>
+              <a:t>cash </a:t>
+            </a:r>
+            <a:r>
+              <a:rPr lang="en-US" dirty="0" smtClean="0"/>
+              <a:t>flows</a:t>
             </a:r>
           </a:p>
           <a:p>
@@ -11429,17 +11436,14 @@
               <a:buChar char="§"/>
             </a:pPr>
             <a:r>
-              <a:rPr lang="en-US" dirty="0" smtClean="0"/>
-              <a:t>Visualizing cash </a:t>
-            </a:r>
-            <a:r>
               <a:rPr lang="en-US" dirty="0"/>
-              <a:t>f</a:t>
-            </a:r>
-            <a:r>
-              <a:rPr lang="en-US" dirty="0" smtClean="0"/>
-              <a:t>lows</a:t>
-            </a:r>
+              <a:t>Analyzing portfolio book value and yield </a:t>
+            </a:r>
+            <a:r>
+              <a:rPr lang="en-US" dirty="0" smtClean="0"/>
+              <a:t>data</a:t>
+            </a:r>
+            <a:endParaRPr lang="en-US" dirty="0" smtClean="0"/>
           </a:p>
           <a:p>
             <a:pPr marL="228600" lvl="1" indent="0">
@@ -11943,8 +11947,16 @@
               <a:buNone/>
             </a:pPr>
             <a:r>
+              <a:rPr lang="en-US" i="1" dirty="0"/>
+              <a:t>Interactive </a:t>
+            </a:r>
+            <a:r>
               <a:rPr lang="en-US" i="1" dirty="0" smtClean="0"/>
-              <a:t>Visualizing cash flows</a:t>
+              <a:t>dashboards using </a:t>
+            </a:r>
+            <a:r>
+              <a:rPr lang="en-US" i="1" dirty="0"/>
+              <a:t>R and Shiny</a:t>
             </a:r>
           </a:p>
           <a:p>
@@ -11986,15 +11998,11 @@
             </a:pPr>
             <a:r>
               <a:rPr lang="en-US" dirty="0" smtClean="0"/>
-              <a:t>Visualize </a:t>
-            </a:r>
-            <a:r>
-              <a:rPr lang="en-US" dirty="0" smtClean="0"/>
-              <a:t>ALFA cash </a:t>
-            </a:r>
-            <a:r>
-              <a:rPr lang="en-US" dirty="0" smtClean="0"/>
-              <a:t>flow projection data (a lot of it)</a:t>
+              <a:t>Visualize ALFA cash flow projection </a:t>
+            </a:r>
+            <a:r>
+              <a:rPr lang="en-US" dirty="0" smtClean="0"/>
+              <a:t>data</a:t>
             </a:r>
           </a:p>
           <a:p>
@@ -12331,8 +12339,8 @@
               <a:buNone/>
             </a:pPr>
             <a:r>
-              <a:rPr lang="en-US" i="1" dirty="0" smtClean="0"/>
-              <a:t>Visualizing cash flows</a:t>
+              <a:rPr lang="en-US" i="1" dirty="0"/>
+              <a:t>Interactive dashboards using R and Shiny</a:t>
             </a:r>
           </a:p>
           <a:p>
@@ -12353,7 +12361,6 @@
               <a:rPr lang="en-US" i="1" dirty="0" smtClean="0"/>
               <a:t>Solution:</a:t>
             </a:r>
-            <a:endParaRPr lang="en-US" i="1" dirty="0" smtClean="0"/>
           </a:p>
           <a:p>
             <a:pPr lvl="2">
@@ -12506,7 +12513,7 @@
 </file>
 
 <file path=ppt/slides/slide6.xml><?xml version="1.0" encoding="utf-8"?>
-<p:sld xmlns:a="http://schemas.openxmlformats.org/drawingml/2006/main" xmlns:r="http://schemas.openxmlformats.org/officeDocument/2006/relationships" xmlns:p="http://schemas.openxmlformats.org/presentationml/2006/main">
+<p:sld xmlns:a="http://schemas.openxmlformats.org/drawingml/2006/main" xmlns:r="http://schemas.openxmlformats.org/officeDocument/2006/relationships" xmlns:p="http://schemas.openxmlformats.org/presentationml/2006/main" show="0">
   <p:cSld>
     <p:spTree>
       <p:nvGrpSpPr>
@@ -12542,8 +12549,9 @@
             </a:pPr>
             <a:r>
               <a:rPr lang="en-US" i="1" dirty="0" smtClean="0"/>
-              <a:t>Interactive reporting using R and Shiny</a:t>
-            </a:r>
+              <a:t>Visualizing book value and yield changes</a:t>
+            </a:r>
+            <a:endParaRPr lang="en-US" i="1" dirty="0" smtClean="0"/>
           </a:p>
           <a:p>
             <a:pPr marL="0" indent="0">
@@ -12691,6 +12699,14 @@
   <p:clrMapOvr>
     <a:masterClrMapping/>
   </p:clrMapOvr>
+  <mc:AlternateContent xmlns:mc="http://schemas.openxmlformats.org/markup-compatibility/2006">
+    <mc:Choice xmlns:p14="http://schemas.microsoft.com/office/powerpoint/2010/main" Requires="p14">
+      <p:transition spd="slow" p14:dur="2000"/>
+    </mc:Choice>
+    <mc:Fallback>
+      <p:transition spd="slow"/>
+    </mc:Fallback>
+  </mc:AlternateContent>
   <p:timing>
     <p:tnLst>
       <p:par>
@@ -12702,7 +12718,7 @@
 </file>
 
 <file path=ppt/slides/slide7.xml><?xml version="1.0" encoding="utf-8"?>
-<p:sld xmlns:a="http://schemas.openxmlformats.org/drawingml/2006/main" xmlns:r="http://schemas.openxmlformats.org/officeDocument/2006/relationships" xmlns:p="http://schemas.openxmlformats.org/presentationml/2006/main">
+<p:sld xmlns:a="http://schemas.openxmlformats.org/drawingml/2006/main" xmlns:r="http://schemas.openxmlformats.org/officeDocument/2006/relationships" xmlns:p="http://schemas.openxmlformats.org/presentationml/2006/main" show="0">
   <p:cSld>
     <p:spTree>
       <p:nvGrpSpPr>
@@ -12737,8 +12753,8 @@
               <a:buNone/>
             </a:pPr>
             <a:r>
-              <a:rPr lang="en-US" i="1" dirty="0" smtClean="0"/>
-              <a:t>Interactive reporting using R and Shiny</a:t>
+              <a:rPr lang="en-US" i="1" dirty="0"/>
+              <a:t>Visualizing book value and yield changes</a:t>
             </a:r>
           </a:p>
           <a:p>
@@ -12868,6 +12884,14 @@
   <p:clrMapOvr>
     <a:masterClrMapping/>
   </p:clrMapOvr>
+  <mc:AlternateContent xmlns:mc="http://schemas.openxmlformats.org/markup-compatibility/2006">
+    <mc:Choice xmlns:p14="http://schemas.microsoft.com/office/powerpoint/2010/main" Requires="p14">
+      <p:transition spd="slow" p14:dur="2000"/>
+    </mc:Choice>
+    <mc:Fallback>
+      <p:transition spd="slow"/>
+    </mc:Fallback>
+  </mc:AlternateContent>
   <p:timing>
     <p:tnLst>
       <p:par>
@@ -12879,7 +12903,7 @@
 </file>
 
 <file path=ppt/slides/slide8.xml><?xml version="1.0" encoding="utf-8"?>
-<p:sld xmlns:a="http://schemas.openxmlformats.org/drawingml/2006/main" xmlns:r="http://schemas.openxmlformats.org/officeDocument/2006/relationships" xmlns:p="http://schemas.openxmlformats.org/presentationml/2006/main">
+<p:sld xmlns:a="http://schemas.openxmlformats.org/drawingml/2006/main" xmlns:r="http://schemas.openxmlformats.org/officeDocument/2006/relationships" xmlns:p="http://schemas.openxmlformats.org/presentationml/2006/main" show="0">
   <p:cSld>
     <p:spTree>
       <p:nvGrpSpPr>
@@ -12914,8 +12938,8 @@
               <a:buNone/>
             </a:pPr>
             <a:r>
-              <a:rPr lang="en-US" i="1" dirty="0" smtClean="0"/>
-              <a:t>Interactive reporting using R and Shiny</a:t>
+              <a:rPr lang="en-US" i="1" dirty="0"/>
+              <a:t>Visualizing book value and yield changes</a:t>
             </a:r>
           </a:p>
           <a:p>
@@ -13103,6 +13127,14 @@
   <p:clrMapOvr>
     <a:masterClrMapping/>
   </p:clrMapOvr>
+  <mc:AlternateContent xmlns:mc="http://schemas.openxmlformats.org/markup-compatibility/2006">
+    <mc:Choice xmlns:p14="http://schemas.microsoft.com/office/powerpoint/2010/main" Requires="p14">
+      <p:transition spd="slow" p14:dur="2000"/>
+    </mc:Choice>
+    <mc:Fallback>
+      <p:transition spd="slow"/>
+    </mc:Fallback>
+  </mc:AlternateContent>
   <p:timing>
     <p:tnLst>
       <p:par>

--- a/final-presentation/final-presentation-davis-vaughan.pptx
+++ b/final-presentation/final-presentation-davis-vaughan.pptx
@@ -5,10 +5,10 @@
     <p:sldMasterId id="2147483648" r:id="rId1"/>
   </p:sldMasterIdLst>
   <p:notesMasterIdLst>
-    <p:notesMasterId r:id="rId23"/>
+    <p:notesMasterId r:id="rId20"/>
   </p:notesMasterIdLst>
   <p:handoutMasterIdLst>
-    <p:handoutMasterId r:id="rId24"/>
+    <p:handoutMasterId r:id="rId21"/>
   </p:handoutMasterIdLst>
   <p:sldIdLst>
     <p:sldId id="256" r:id="rId2"/>
@@ -16,39 +16,36 @@
     <p:sldId id="257" r:id="rId4"/>
     <p:sldId id="261" r:id="rId5"/>
     <p:sldId id="290" r:id="rId6"/>
-    <p:sldId id="287" r:id="rId7"/>
-    <p:sldId id="297" r:id="rId8"/>
-    <p:sldId id="267" r:id="rId9"/>
-    <p:sldId id="262" r:id="rId10"/>
-    <p:sldId id="263" r:id="rId11"/>
-    <p:sldId id="265" r:id="rId12"/>
-    <p:sldId id="296" r:id="rId13"/>
-    <p:sldId id="266" r:id="rId14"/>
-    <p:sldId id="285" r:id="rId15"/>
-    <p:sldId id="294" r:id="rId16"/>
-    <p:sldId id="276" r:id="rId17"/>
-    <p:sldId id="280" r:id="rId18"/>
-    <p:sldId id="281" r:id="rId19"/>
-    <p:sldId id="293" r:id="rId20"/>
-    <p:sldId id="273" r:id="rId21"/>
-    <p:sldId id="295" r:id="rId22"/>
+    <p:sldId id="262" r:id="rId7"/>
+    <p:sldId id="263" r:id="rId8"/>
+    <p:sldId id="265" r:id="rId9"/>
+    <p:sldId id="296" r:id="rId10"/>
+    <p:sldId id="266" r:id="rId11"/>
+    <p:sldId id="285" r:id="rId12"/>
+    <p:sldId id="294" r:id="rId13"/>
+    <p:sldId id="276" r:id="rId14"/>
+    <p:sldId id="280" r:id="rId15"/>
+    <p:sldId id="281" r:id="rId16"/>
+    <p:sldId id="293" r:id="rId17"/>
+    <p:sldId id="273" r:id="rId18"/>
+    <p:sldId id="295" r:id="rId19"/>
   </p:sldIdLst>
   <p:sldSz cx="9144000" cy="6858000" type="screen4x3"/>
   <p:notesSz cx="6858000" cy="9144000"/>
   <p:embeddedFontLst>
     <p:embeddedFont>
       <p:font typeface="Calibri" panose="020F0502020204030204" pitchFamily="34" charset="0"/>
-      <p:regular r:id="rId25"/>
-      <p:bold r:id="rId26"/>
-      <p:italic r:id="rId27"/>
-      <p:boldItalic r:id="rId28"/>
+      <p:regular r:id="rId22"/>
+      <p:bold r:id="rId23"/>
+      <p:italic r:id="rId24"/>
+      <p:boldItalic r:id="rId25"/>
     </p:embeddedFont>
     <p:embeddedFont>
       <p:font typeface="Aparajita" panose="020B0604020202020204" pitchFamily="34" charset="0"/>
-      <p:regular r:id="rId29"/>
-      <p:bold r:id="rId30"/>
-      <p:italic r:id="rId31"/>
-      <p:boldItalic r:id="rId32"/>
+      <p:regular r:id="rId26"/>
+      <p:bold r:id="rId27"/>
+      <p:italic r:id="rId28"/>
+      <p:boldItalic r:id="rId29"/>
     </p:embeddedFont>
   </p:embeddedFontLst>
   <p:defaultTextStyle>
@@ -7091,27 +7088,131 @@
             </a:pPr>
             <a:r>
               <a:rPr lang="en-US" i="1" dirty="0" smtClean="0"/>
-              <a:t>Waterfall graphs – Let R do the work for you</a:t>
+              <a:t>IRR calculations</a:t>
+            </a:r>
+          </a:p>
+          <a:p>
+            <a:pPr marL="0" indent="0">
+              <a:buNone/>
+            </a:pPr>
+            <a:endParaRPr lang="en-US" i="1" dirty="0"/>
+          </a:p>
+          <a:p>
+            <a:pPr>
+              <a:spcAft>
+                <a:spcPts val="0"/>
+              </a:spcAft>
+              <a:buFont typeface="Wingdings" panose="05000000000000000000" pitchFamily="2" charset="2"/>
+              <a:buChar char="§"/>
+            </a:pPr>
+            <a:r>
+              <a:rPr lang="en-US" i="1" dirty="0" smtClean="0"/>
+              <a:t>Project:</a:t>
+            </a:r>
+          </a:p>
+          <a:p>
+            <a:pPr lvl="1">
+              <a:spcAft>
+                <a:spcPts val="0"/>
+              </a:spcAft>
+              <a:buFont typeface="Wingdings" panose="05000000000000000000" pitchFamily="2" charset="2"/>
+              <a:buChar char="§"/>
+            </a:pPr>
+            <a:endParaRPr lang="en-US" i="1" dirty="0" smtClean="0"/>
+          </a:p>
+          <a:p>
+            <a:pPr lvl="1">
+              <a:buFont typeface="Wingdings" panose="05000000000000000000" pitchFamily="2" charset="2"/>
+              <a:buChar char="§"/>
+            </a:pPr>
+            <a:r>
+              <a:rPr lang="en-US" dirty="0" smtClean="0"/>
+              <a:t>Calculate IRR for 2400 potential economic scenarios </a:t>
+            </a:r>
+          </a:p>
+          <a:p>
+            <a:pPr lvl="3">
+              <a:spcBef>
+                <a:spcPts val="600"/>
+              </a:spcBef>
+              <a:buFont typeface="Wingdings" panose="05000000000000000000" pitchFamily="2" charset="2"/>
+              <a:buChar char="§"/>
+            </a:pPr>
+            <a:r>
+              <a:rPr lang="en-US" dirty="0" smtClean="0"/>
+              <a:t>40 years of predicted distributable earnings per scenario (cash flows)</a:t>
+            </a:r>
+          </a:p>
+          <a:p>
+            <a:pPr lvl="3">
+              <a:spcBef>
+                <a:spcPts val="600"/>
+              </a:spcBef>
+              <a:spcAft>
+                <a:spcPts val="0"/>
+              </a:spcAft>
+              <a:buFont typeface="Wingdings" panose="05000000000000000000" pitchFamily="2" charset="2"/>
+              <a:buChar char="§"/>
+            </a:pPr>
+            <a:r>
+              <a:rPr lang="en-US" dirty="0" smtClean="0"/>
+              <a:t>1 GAAP Equity value per product (initial investment)</a:t>
+            </a:r>
+          </a:p>
+          <a:p>
+            <a:pPr lvl="1">
+              <a:spcAft>
+                <a:spcPts val="0"/>
+              </a:spcAft>
+              <a:buFont typeface="Wingdings" panose="05000000000000000000" pitchFamily="2" charset="2"/>
+              <a:buChar char="§"/>
+            </a:pPr>
+            <a:endParaRPr lang="en-US" dirty="0" smtClean="0"/>
+          </a:p>
+          <a:p>
+            <a:pPr lvl="1">
+              <a:spcAft>
+                <a:spcPts val="0"/>
+              </a:spcAft>
+              <a:buFont typeface="Wingdings" panose="05000000000000000000" pitchFamily="2" charset="2"/>
+              <a:buChar char="§"/>
+            </a:pPr>
+            <a:r>
+              <a:rPr lang="en-US" dirty="0" smtClean="0"/>
+              <a:t>Too many conditions for Excel’s IRR function. Goal Seek?</a:t>
             </a:r>
           </a:p>
           <a:p>
             <a:pPr marL="228600" lvl="1" indent="0">
+              <a:spcAft>
+                <a:spcPts val="0"/>
+              </a:spcAft>
               <a:buNone/>
             </a:pPr>
             <a:endParaRPr lang="en-US" dirty="0"/>
           </a:p>
           <a:p>
             <a:pPr lvl="1">
-              <a:buFont typeface="Wingdings" panose="05000000000000000000" pitchFamily="2" charset="2"/>
-              <a:buChar char="§"/>
-            </a:pPr>
+              <a:spcAft>
+                <a:spcPts val="0"/>
+              </a:spcAft>
+              <a:buFont typeface="Wingdings" panose="05000000000000000000" pitchFamily="2" charset="2"/>
+              <a:buChar char="§"/>
+            </a:pPr>
+            <a:r>
+              <a:rPr lang="en-US" b="1" dirty="0" smtClean="0"/>
+              <a:t>3 hours </a:t>
+            </a:r>
             <a:r>
               <a:rPr lang="en-US" dirty="0" smtClean="0"/>
-              <a:t>Pass in Excel data that looks like this:</a:t>
+              <a:t>to run all 2400 scenarios</a:t>
             </a:r>
           </a:p>
           <a:p>
             <a:pPr lvl="1">
+              <a:spcAft>
+                <a:spcPts val="0"/>
+              </a:spcAft>
               <a:buFont typeface="Wingdings" panose="05000000000000000000" pitchFamily="2" charset="2"/>
               <a:buChar char="§"/>
             </a:pPr>
@@ -7119,103 +7220,38 @@
           </a:p>
           <a:p>
             <a:pPr lvl="1">
+              <a:spcAft>
+                <a:spcPts val="0"/>
+              </a:spcAft>
+              <a:buFont typeface="Wingdings" panose="05000000000000000000" pitchFamily="2" charset="2"/>
+              <a:buChar char="§"/>
+            </a:pPr>
+            <a:r>
+              <a:rPr lang="en-US" dirty="0" smtClean="0"/>
+              <a:t>Can R do this faster?</a:t>
+            </a:r>
+            <a:endParaRPr lang="en-US" dirty="0"/>
+          </a:p>
+          <a:p>
+            <a:pPr lvl="1">
+              <a:buFont typeface="Wingdings" panose="05000000000000000000" pitchFamily="2" charset="2"/>
+              <a:buChar char="§"/>
+            </a:pPr>
+            <a:endParaRPr lang="en-US" i="1" dirty="0" smtClean="0"/>
+          </a:p>
+          <a:p>
+            <a:pPr lvl="1">
+              <a:buFont typeface="Wingdings" panose="05000000000000000000" pitchFamily="2" charset="2"/>
+              <a:buChar char="§"/>
+            </a:pPr>
+            <a:endParaRPr lang="en-US" i="1" dirty="0"/>
+          </a:p>
+          <a:p>
+            <a:pPr lvl="1">
               <a:buFont typeface="Wingdings" panose="05000000000000000000" pitchFamily="2" charset="2"/>
               <a:buChar char="§"/>
             </a:pPr>
             <a:endParaRPr lang="en-US" dirty="0" smtClean="0"/>
-          </a:p>
-          <a:p>
-            <a:pPr lvl="1">
-              <a:buFont typeface="Wingdings" panose="05000000000000000000" pitchFamily="2" charset="2"/>
-              <a:buChar char="§"/>
-            </a:pPr>
-            <a:endParaRPr lang="en-US" dirty="0"/>
-          </a:p>
-          <a:p>
-            <a:pPr lvl="1">
-              <a:buFont typeface="Wingdings" panose="05000000000000000000" pitchFamily="2" charset="2"/>
-              <a:buChar char="§"/>
-            </a:pPr>
-            <a:endParaRPr lang="en-US" dirty="0" smtClean="0"/>
-          </a:p>
-          <a:p>
-            <a:pPr lvl="1">
-              <a:buFont typeface="Wingdings" panose="05000000000000000000" pitchFamily="2" charset="2"/>
-              <a:buChar char="§"/>
-            </a:pPr>
-            <a:endParaRPr lang="en-US" dirty="0"/>
-          </a:p>
-          <a:p>
-            <a:pPr lvl="1">
-              <a:buFont typeface="Wingdings" panose="05000000000000000000" pitchFamily="2" charset="2"/>
-              <a:buChar char="§"/>
-            </a:pPr>
-            <a:endParaRPr lang="en-US" dirty="0" smtClean="0"/>
-          </a:p>
-          <a:p>
-            <a:pPr lvl="1">
-              <a:buFont typeface="Wingdings" panose="05000000000000000000" pitchFamily="2" charset="2"/>
-              <a:buChar char="§"/>
-            </a:pPr>
-            <a:endParaRPr lang="en-US" dirty="0"/>
-          </a:p>
-          <a:p>
-            <a:pPr lvl="1">
-              <a:buFont typeface="Wingdings" panose="05000000000000000000" pitchFamily="2" charset="2"/>
-              <a:buChar char="§"/>
-            </a:pPr>
-            <a:endParaRPr lang="en-US" dirty="0" smtClean="0"/>
-          </a:p>
-          <a:p>
-            <a:pPr lvl="1">
-              <a:buFont typeface="Wingdings" panose="05000000000000000000" pitchFamily="2" charset="2"/>
-              <a:buChar char="§"/>
-            </a:pPr>
-            <a:endParaRPr lang="en-US" dirty="0"/>
-          </a:p>
-          <a:p>
-            <a:pPr lvl="1">
-              <a:buFont typeface="Wingdings" panose="05000000000000000000" pitchFamily="2" charset="2"/>
-              <a:buChar char="§"/>
-            </a:pPr>
-            <a:r>
-              <a:rPr lang="en-US" dirty="0" smtClean="0"/>
-              <a:t>Call the waterfall function:   </a:t>
-            </a:r>
-            <a:r>
-              <a:rPr lang="en-US" dirty="0" err="1" smtClean="0">
-                <a:latin typeface="Aparajita" panose="020B0604020202020204" pitchFamily="34" charset="0"/>
-                <a:cs typeface="Aparajita" panose="020B0604020202020204" pitchFamily="34" charset="0"/>
-              </a:rPr>
-              <a:t>lfg_waterfall</a:t>
-            </a:r>
-            <a:r>
-              <a:rPr lang="en-US" i="1" dirty="0" smtClean="0">
-                <a:latin typeface="Aparajita" panose="020B0604020202020204" pitchFamily="34" charset="0"/>
-                <a:cs typeface="Aparajita" panose="020B0604020202020204" pitchFamily="34" charset="0"/>
-              </a:rPr>
-              <a:t>(</a:t>
-            </a:r>
-            <a:r>
-              <a:rPr lang="en-US" i="1" dirty="0" err="1" smtClean="0">
-                <a:latin typeface="Aparajita" panose="020B0604020202020204" pitchFamily="34" charset="0"/>
-                <a:cs typeface="Aparajita" panose="020B0604020202020204" pitchFamily="34" charset="0"/>
-              </a:rPr>
-              <a:t>excel_data</a:t>
-            </a:r>
-            <a:r>
-              <a:rPr lang="en-US" dirty="0" smtClean="0">
-                <a:latin typeface="Aparajita" panose="020B0604020202020204" pitchFamily="34" charset="0"/>
-                <a:cs typeface="Aparajita" panose="020B0604020202020204" pitchFamily="34" charset="0"/>
-              </a:rPr>
-              <a:t>)</a:t>
-            </a:r>
-          </a:p>
-          <a:p>
-            <a:pPr marL="228600" lvl="1" indent="0">
-              <a:buNone/>
-            </a:pPr>
-            <a:endParaRPr lang="en-US" dirty="0"/>
           </a:p>
         </p:txBody>
       </p:sp>
@@ -7264,46 +7300,218 @@
           <a:p>
             <a:r>
               <a:rPr lang="en-US" dirty="0" smtClean="0"/>
-              <a:t>Visualizations</a:t>
+              <a:t>speed</a:t>
             </a:r>
             <a:endParaRPr lang="en-US" dirty="0"/>
           </a:p>
         </p:txBody>
       </p:sp>
-      <p:pic>
-        <p:nvPicPr>
-          <p:cNvPr id="10" name="Picture 9"/>
-          <p:cNvPicPr>
-            <a:picLocks noChangeAspect="1"/>
-          </p:cNvPicPr>
+      <p:sp>
+        <p:nvSpPr>
+          <p:cNvPr id="5" name="Rounded Rectangle 4"/>
+          <p:cNvSpPr/>
           <p:nvPr/>
-        </p:nvPicPr>
-        <p:blipFill>
-          <a:blip r:embed="rId2">
-            <a:extLst>
-              <a:ext uri="{28A0092B-C50C-407E-A947-70E740481C1C}">
-                <a14:useLocalDpi xmlns:a14="http://schemas.microsoft.com/office/drawing/2010/main" val="0"/>
-              </a:ext>
-            </a:extLst>
-          </a:blip>
-          <a:stretch>
-            <a:fillRect/>
-          </a:stretch>
-        </p:blipFill>
+        </p:nvSpPr>
         <p:spPr>
           <a:xfrm>
-            <a:off x="2133600" y="2410687"/>
-            <a:ext cx="4549180" cy="2697301"/>
-          </a:xfrm>
-          <a:prstGeom prst="rect">
+            <a:off x="6934200" y="5105400"/>
+            <a:ext cx="2057400" cy="381000"/>
+          </a:xfrm>
+          <a:prstGeom prst="roundRect">
             <a:avLst/>
           </a:prstGeom>
+          <a:solidFill>
+            <a:srgbClr val="98002E"/>
+          </a:solidFill>
+          <a:ln>
+            <a:noFill/>
+          </a:ln>
+          <a:effectLst/>
         </p:spPr>
-      </p:pic>
+        <p:style>
+          <a:lnRef idx="1">
+            <a:schemeClr val="accent1"/>
+          </a:lnRef>
+          <a:fillRef idx="3">
+            <a:schemeClr val="accent1"/>
+          </a:fillRef>
+          <a:effectRef idx="2">
+            <a:schemeClr val="accent1"/>
+          </a:effectRef>
+          <a:fontRef idx="minor">
+            <a:schemeClr val="lt1"/>
+          </a:fontRef>
+        </p:style>
+        <p:txBody>
+          <a:bodyPr rtlCol="0" anchor="ctr"/>
+          <a:lstStyle/>
+          <a:p>
+            <a:pPr algn="ctr"/>
+            <a:r>
+              <a:rPr lang="en-US" sz="1600" dirty="0" smtClean="0"/>
+              <a:t>40 years of earnings</a:t>
+            </a:r>
+            <a:endParaRPr lang="en-US" sz="1600" dirty="0"/>
+          </a:p>
+        </p:txBody>
+      </p:sp>
+      <p:sp>
+        <p:nvSpPr>
+          <p:cNvPr id="6" name="Rounded Rectangle 5"/>
+          <p:cNvSpPr/>
+          <p:nvPr/>
+        </p:nvSpPr>
+        <p:spPr>
+          <a:xfrm>
+            <a:off x="4648200" y="5105400"/>
+            <a:ext cx="2057400" cy="381000"/>
+          </a:xfrm>
+          <a:prstGeom prst="roundRect">
+            <a:avLst/>
+          </a:prstGeom>
+          <a:solidFill>
+            <a:srgbClr val="98002E"/>
+          </a:solidFill>
+          <a:ln>
+            <a:noFill/>
+          </a:ln>
+          <a:effectLst/>
+        </p:spPr>
+        <p:style>
+          <a:lnRef idx="1">
+            <a:schemeClr val="accent1"/>
+          </a:lnRef>
+          <a:fillRef idx="3">
+            <a:schemeClr val="accent1"/>
+          </a:fillRef>
+          <a:effectRef idx="2">
+            <a:schemeClr val="accent1"/>
+          </a:effectRef>
+          <a:fontRef idx="minor">
+            <a:schemeClr val="lt1"/>
+          </a:fontRef>
+        </p:style>
+        <p:txBody>
+          <a:bodyPr rtlCol="0" anchor="ctr"/>
+          <a:lstStyle/>
+          <a:p>
+            <a:pPr algn="ctr"/>
+            <a:r>
+              <a:rPr lang="en-US" sz="1600" dirty="0" smtClean="0"/>
+              <a:t>GAAP Equity Value</a:t>
+            </a:r>
+            <a:endParaRPr lang="en-US" sz="1600" dirty="0"/>
+          </a:p>
+        </p:txBody>
+      </p:sp>
+      <p:sp>
+        <p:nvSpPr>
+          <p:cNvPr id="26" name="U-Turn Arrow 25"/>
+          <p:cNvSpPr/>
+          <p:nvPr/>
+        </p:nvSpPr>
+        <p:spPr>
+          <a:xfrm flipH="1">
+            <a:off x="5562600" y="4724400"/>
+            <a:ext cx="2438400" cy="381000"/>
+          </a:xfrm>
+          <a:prstGeom prst="uturnArrow">
+            <a:avLst>
+              <a:gd name="adj1" fmla="val 25000"/>
+              <a:gd name="adj2" fmla="val 25000"/>
+              <a:gd name="adj3" fmla="val 25000"/>
+              <a:gd name="adj4" fmla="val 43750"/>
+              <a:gd name="adj5" fmla="val 100000"/>
+            </a:avLst>
+          </a:prstGeom>
+          <a:solidFill>
+            <a:srgbClr val="377193"/>
+          </a:solidFill>
+          <a:ln>
+            <a:noFill/>
+          </a:ln>
+          <a:effectLst/>
+        </p:spPr>
+        <p:style>
+          <a:lnRef idx="1">
+            <a:schemeClr val="accent1"/>
+          </a:lnRef>
+          <a:fillRef idx="3">
+            <a:schemeClr val="accent1"/>
+          </a:fillRef>
+          <a:effectRef idx="2">
+            <a:schemeClr val="accent1"/>
+          </a:effectRef>
+          <a:fontRef idx="minor">
+            <a:schemeClr val="lt1"/>
+          </a:fontRef>
+        </p:style>
+        <p:txBody>
+          <a:bodyPr rtlCol="0" anchor="ctr"/>
+          <a:lstStyle/>
+          <a:p>
+            <a:pPr algn="ctr"/>
+            <a:endParaRPr lang="en-US">
+              <a:solidFill>
+                <a:schemeClr val="tx1"/>
+              </a:solidFill>
+            </a:endParaRPr>
+          </a:p>
+        </p:txBody>
+      </p:sp>
+      <p:sp>
+        <p:nvSpPr>
+          <p:cNvPr id="28" name="Rounded Rectangle 27"/>
+          <p:cNvSpPr/>
+          <p:nvPr/>
+        </p:nvSpPr>
+        <p:spPr>
+          <a:xfrm>
+            <a:off x="6501384" y="4403366"/>
+            <a:ext cx="609600" cy="342900"/>
+          </a:xfrm>
+          <a:prstGeom prst="roundRect">
+            <a:avLst/>
+          </a:prstGeom>
+          <a:solidFill>
+            <a:srgbClr val="377193"/>
+          </a:solidFill>
+          <a:ln>
+            <a:noFill/>
+          </a:ln>
+          <a:effectLst/>
+        </p:spPr>
+        <p:style>
+          <a:lnRef idx="1">
+            <a:schemeClr val="accent1"/>
+          </a:lnRef>
+          <a:fillRef idx="3">
+            <a:schemeClr val="accent1"/>
+          </a:fillRef>
+          <a:effectRef idx="2">
+            <a:schemeClr val="accent1"/>
+          </a:effectRef>
+          <a:fontRef idx="minor">
+            <a:schemeClr val="lt1"/>
+          </a:fontRef>
+        </p:style>
+        <p:txBody>
+          <a:bodyPr rtlCol="0" anchor="ctr"/>
+          <a:lstStyle/>
+          <a:p>
+            <a:pPr algn="ctr"/>
+            <a:r>
+              <a:rPr lang="en-US" sz="1600" dirty="0" smtClean="0"/>
+              <a:t>IRR</a:t>
+            </a:r>
+            <a:endParaRPr lang="en-US" sz="1600" dirty="0"/>
+          </a:p>
+        </p:txBody>
+      </p:sp>
     </p:spTree>
     <p:extLst>
       <p:ext uri="{BB962C8B-B14F-4D97-AF65-F5344CB8AC3E}">
-        <p14:creationId xmlns:p14="http://schemas.microsoft.com/office/powerpoint/2010/main" val="3366750866"/>
+        <p14:creationId xmlns:p14="http://schemas.microsoft.com/office/powerpoint/2010/main" val="1870389015"/>
       </p:ext>
     </p:extLst>
   </p:cSld>
@@ -7357,29 +7565,107 @@
             </a:pPr>
             <a:r>
               <a:rPr lang="en-US" i="1" dirty="0" smtClean="0"/>
-              <a:t>Waterfall graphs – Let R do the work for you</a:t>
+              <a:t>IRR calculations</a:t>
+            </a:r>
+          </a:p>
+          <a:p>
+            <a:pPr marL="0" indent="0">
+              <a:buNone/>
+            </a:pPr>
+            <a:endParaRPr lang="en-US" i="1" dirty="0"/>
+          </a:p>
+          <a:p>
+            <a:pPr>
+              <a:spcAft>
+                <a:spcPts val="0"/>
+              </a:spcAft>
+              <a:buFont typeface="Wingdings" panose="05000000000000000000" pitchFamily="2" charset="2"/>
+              <a:buChar char="§"/>
+            </a:pPr>
+            <a:r>
+              <a:rPr lang="en-US" i="1" dirty="0" smtClean="0"/>
+              <a:t>Solution:</a:t>
             </a:r>
           </a:p>
           <a:p>
             <a:pPr marL="228600" lvl="1" indent="0">
+              <a:spcAft>
+                <a:spcPts val="0"/>
+              </a:spcAft>
               <a:buNone/>
             </a:pPr>
-            <a:endParaRPr lang="en-US" dirty="0"/>
+            <a:endParaRPr lang="en-US" i="1" dirty="0" smtClean="0"/>
           </a:p>
           <a:p>
             <a:pPr lvl="1">
+              <a:spcAft>
+                <a:spcPts val="1200"/>
+              </a:spcAft>
               <a:buFont typeface="Wingdings" panose="05000000000000000000" pitchFamily="2" charset="2"/>
               <a:buChar char="§"/>
             </a:pPr>
             <a:r>
               <a:rPr lang="en-US" dirty="0" smtClean="0"/>
-              <a:t>Instantly get results like this</a:t>
-            </a:r>
-          </a:p>
-          <a:p>
-            <a:pPr marL="228600" lvl="1" indent="0">
-              <a:buNone/>
-            </a:pPr>
+              <a:t>Optimization problem – For each of the 2400 scenarios, minimize:</a:t>
+            </a:r>
+          </a:p>
+          <a:p>
+            <a:pPr lvl="3">
+              <a:spcAft>
+                <a:spcPts val="1200"/>
+              </a:spcAft>
+              <a:buFont typeface="Wingdings" panose="05000000000000000000" pitchFamily="2" charset="2"/>
+              <a:buChar char="§"/>
+            </a:pPr>
+            <a:r>
+              <a:rPr lang="en-US" sz="2000" dirty="0" smtClean="0">
+                <a:latin typeface="Aparajita" panose="020B0604020202020204" pitchFamily="34" charset="0"/>
+                <a:cs typeface="Aparajita" panose="020B0604020202020204" pitchFamily="34" charset="0"/>
+              </a:rPr>
+              <a:t>PV(distributable earnings) – </a:t>
+            </a:r>
+            <a:r>
+              <a:rPr lang="en-US" sz="2000" dirty="0" err="1" smtClean="0">
+                <a:latin typeface="Aparajita" panose="020B0604020202020204" pitchFamily="34" charset="0"/>
+                <a:cs typeface="Aparajita" panose="020B0604020202020204" pitchFamily="34" charset="0"/>
+              </a:rPr>
+              <a:t>GAAP_equity</a:t>
+            </a:r>
+            <a:r>
+              <a:rPr lang="en-US" i="1" dirty="0"/>
+              <a:t>	</a:t>
+            </a:r>
+            <a:endParaRPr lang="en-US" i="1" dirty="0" smtClean="0"/>
+          </a:p>
+          <a:p>
+            <a:pPr lvl="3">
+              <a:spcAft>
+                <a:spcPts val="1200"/>
+              </a:spcAft>
+              <a:buFont typeface="Wingdings" panose="05000000000000000000" pitchFamily="2" charset="2"/>
+              <a:buChar char="§"/>
+            </a:pPr>
+            <a:r>
+              <a:rPr lang="en-US" dirty="0" smtClean="0"/>
+              <a:t>By varying the IRR to discount with</a:t>
+            </a:r>
+          </a:p>
+          <a:p>
+            <a:pPr lvl="3">
+              <a:buFont typeface="Wingdings" panose="05000000000000000000" pitchFamily="2" charset="2"/>
+              <a:buChar char="§"/>
+            </a:pPr>
+            <a:r>
+              <a:rPr lang="en-US" dirty="0" smtClean="0"/>
+              <a:t>Use the R function, </a:t>
+            </a:r>
+            <a:r>
+              <a:rPr lang="en-US" sz="2000" dirty="0" smtClean="0">
+                <a:latin typeface="Aparajita" panose="020B0604020202020204" pitchFamily="34" charset="0"/>
+                <a:cs typeface="Aparajita" panose="020B0604020202020204" pitchFamily="34" charset="0"/>
+              </a:rPr>
+              <a:t> optimize()</a:t>
+            </a:r>
             <a:endParaRPr lang="en-US" dirty="0"/>
           </a:p>
         </p:txBody>
@@ -7429,46 +7715,16 @@
           <a:p>
             <a:r>
               <a:rPr lang="en-US" dirty="0" smtClean="0"/>
-              <a:t>Visualizations</a:t>
+              <a:t>speed</a:t>
             </a:r>
             <a:endParaRPr lang="en-US" dirty="0"/>
           </a:p>
         </p:txBody>
       </p:sp>
-      <p:pic>
-        <p:nvPicPr>
-          <p:cNvPr id="6" name="Picture 5"/>
-          <p:cNvPicPr>
-            <a:picLocks noChangeAspect="1"/>
-          </p:cNvPicPr>
-          <p:nvPr/>
-        </p:nvPicPr>
-        <p:blipFill>
-          <a:blip r:embed="rId2" cstate="print">
-            <a:extLst>
-              <a:ext uri="{28A0092B-C50C-407E-A947-70E740481C1C}">
-                <a14:useLocalDpi xmlns:a14="http://schemas.microsoft.com/office/drawing/2010/main" val="0"/>
-              </a:ext>
-            </a:extLst>
-          </a:blip>
-          <a:stretch>
-            <a:fillRect/>
-          </a:stretch>
-        </p:blipFill>
-        <p:spPr>
-          <a:xfrm>
-            <a:off x="838200" y="2500745"/>
-            <a:ext cx="7239000" cy="3290455"/>
-          </a:xfrm>
-          <a:prstGeom prst="rect">
-            <a:avLst/>
-          </a:prstGeom>
-        </p:spPr>
-      </p:pic>
     </p:spTree>
     <p:extLst>
       <p:ext uri="{BB962C8B-B14F-4D97-AF65-F5344CB8AC3E}">
-        <p14:creationId xmlns:p14="http://schemas.microsoft.com/office/powerpoint/2010/main" val="4065466066"/>
+        <p14:creationId xmlns:p14="http://schemas.microsoft.com/office/powerpoint/2010/main" val="3233308965"/>
       </p:ext>
     </p:extLst>
   </p:cSld>
@@ -7541,79 +7797,7 @@
             </a:pPr>
             <a:r>
               <a:rPr lang="en-US" i="1" dirty="0" smtClean="0"/>
-              <a:t>Project:</a:t>
-            </a:r>
-          </a:p>
-          <a:p>
-            <a:pPr lvl="1">
-              <a:spcAft>
-                <a:spcPts val="0"/>
-              </a:spcAft>
-              <a:buFont typeface="Wingdings" panose="05000000000000000000" pitchFamily="2" charset="2"/>
-              <a:buChar char="§"/>
-            </a:pPr>
-            <a:endParaRPr lang="en-US" i="1" dirty="0" smtClean="0"/>
-          </a:p>
-          <a:p>
-            <a:pPr lvl="1">
-              <a:buFont typeface="Wingdings" panose="05000000000000000000" pitchFamily="2" charset="2"/>
-              <a:buChar char="§"/>
-            </a:pPr>
-            <a:r>
-              <a:rPr lang="en-US" dirty="0" smtClean="0"/>
-              <a:t>Calculate IRR for 2400 potential economic scenarios </a:t>
-            </a:r>
-          </a:p>
-          <a:p>
-            <a:pPr lvl="3">
-              <a:spcBef>
-                <a:spcPts val="600"/>
-              </a:spcBef>
-              <a:buFont typeface="Wingdings" panose="05000000000000000000" pitchFamily="2" charset="2"/>
-              <a:buChar char="§"/>
-            </a:pPr>
-            <a:r>
-              <a:rPr lang="en-US" dirty="0" smtClean="0"/>
-              <a:t>40 years of predicted distributable earnings per scenario (cash flows)</a:t>
-            </a:r>
-          </a:p>
-          <a:p>
-            <a:pPr lvl="3">
-              <a:spcBef>
-                <a:spcPts val="600"/>
-              </a:spcBef>
-              <a:spcAft>
-                <a:spcPts val="0"/>
-              </a:spcAft>
-              <a:buFont typeface="Wingdings" panose="05000000000000000000" pitchFamily="2" charset="2"/>
-              <a:buChar char="§"/>
-            </a:pPr>
-            <a:r>
-              <a:rPr lang="en-US" dirty="0" smtClean="0"/>
-              <a:t>1 GAAP Equity value per product (initial investment)</a:t>
-            </a:r>
-          </a:p>
-          <a:p>
-            <a:pPr lvl="1">
-              <a:spcAft>
-                <a:spcPts val="0"/>
-              </a:spcAft>
-              <a:buFont typeface="Wingdings" panose="05000000000000000000" pitchFamily="2" charset="2"/>
-              <a:buChar char="§"/>
-            </a:pPr>
-            <a:endParaRPr lang="en-US" dirty="0" smtClean="0"/>
-          </a:p>
-          <a:p>
-            <a:pPr lvl="1">
-              <a:spcAft>
-                <a:spcPts val="0"/>
-              </a:spcAft>
-              <a:buFont typeface="Wingdings" panose="05000000000000000000" pitchFamily="2" charset="2"/>
-              <a:buChar char="§"/>
-            </a:pPr>
-            <a:r>
-              <a:rPr lang="en-US" dirty="0" smtClean="0"/>
-              <a:t>Too many conditions for Excel’s IRR function. Goal Seek?</a:t>
+              <a:t>Solution:</a:t>
             </a:r>
           </a:p>
           <a:p>
@@ -7623,28 +7807,144 @@
               </a:spcAft>
               <a:buNone/>
             </a:pPr>
+            <a:endParaRPr lang="en-US" i="1" dirty="0" smtClean="0"/>
+          </a:p>
+          <a:p>
+            <a:pPr lvl="1">
+              <a:spcAft>
+                <a:spcPts val="1200"/>
+              </a:spcAft>
+              <a:buFont typeface="Wingdings" panose="05000000000000000000" pitchFamily="2" charset="2"/>
+              <a:buChar char="§"/>
+            </a:pPr>
+            <a:r>
+              <a:rPr lang="en-US" dirty="0" smtClean="0"/>
+              <a:t>Optimization problem – For each of the 2400 scenarios, minimize:</a:t>
+            </a:r>
+          </a:p>
+          <a:p>
+            <a:pPr lvl="3">
+              <a:spcAft>
+                <a:spcPts val="1200"/>
+              </a:spcAft>
+              <a:buFont typeface="Wingdings" panose="05000000000000000000" pitchFamily="2" charset="2"/>
+              <a:buChar char="§"/>
+            </a:pPr>
+            <a:r>
+              <a:rPr lang="en-US" sz="2000" dirty="0" smtClean="0">
+                <a:latin typeface="Aparajita" panose="020B0604020202020204" pitchFamily="34" charset="0"/>
+                <a:cs typeface="Aparajita" panose="020B0604020202020204" pitchFamily="34" charset="0"/>
+              </a:rPr>
+              <a:t>PV(distributable earnings) – </a:t>
+            </a:r>
+            <a:r>
+              <a:rPr lang="en-US" sz="2000" dirty="0" err="1" smtClean="0">
+                <a:latin typeface="Aparajita" panose="020B0604020202020204" pitchFamily="34" charset="0"/>
+                <a:cs typeface="Aparajita" panose="020B0604020202020204" pitchFamily="34" charset="0"/>
+              </a:rPr>
+              <a:t>GAAP_equity</a:t>
+            </a:r>
+            <a:r>
+              <a:rPr lang="en-US" i="1" dirty="0"/>
+              <a:t>	</a:t>
+            </a:r>
+            <a:endParaRPr lang="en-US" i="1" dirty="0" smtClean="0"/>
+          </a:p>
+          <a:p>
+            <a:pPr lvl="3">
+              <a:spcAft>
+                <a:spcPts val="1200"/>
+              </a:spcAft>
+              <a:buFont typeface="Wingdings" panose="05000000000000000000" pitchFamily="2" charset="2"/>
+              <a:buChar char="§"/>
+            </a:pPr>
+            <a:r>
+              <a:rPr lang="en-US" dirty="0" smtClean="0"/>
+              <a:t>By varying the IRR to discount with</a:t>
+            </a:r>
+          </a:p>
+          <a:p>
+            <a:pPr lvl="3">
+              <a:buFont typeface="Wingdings" panose="05000000000000000000" pitchFamily="2" charset="2"/>
+              <a:buChar char="§"/>
+            </a:pPr>
+            <a:r>
+              <a:rPr lang="en-US" dirty="0" smtClean="0"/>
+              <a:t>Use the R function, </a:t>
+            </a:r>
+            <a:r>
+              <a:rPr lang="en-US" sz="2000" dirty="0" smtClean="0">
+                <a:latin typeface="Aparajita" panose="020B0604020202020204" pitchFamily="34" charset="0"/>
+                <a:cs typeface="Aparajita" panose="020B0604020202020204" pitchFamily="34" charset="0"/>
+              </a:rPr>
+              <a:t> optimize()</a:t>
+            </a:r>
             <a:endParaRPr lang="en-US" dirty="0"/>
           </a:p>
           <a:p>
+            <a:pPr marL="228600" lvl="1" indent="0">
+              <a:spcAft>
+                <a:spcPts val="0"/>
+              </a:spcAft>
+              <a:buNone/>
+            </a:pPr>
+            <a:endParaRPr lang="en-US" i="1" dirty="0" smtClean="0"/>
+          </a:p>
+          <a:p>
             <a:pPr lvl="1">
-              <a:buFont typeface="Wingdings" panose="05000000000000000000" pitchFamily="2" charset="2"/>
-              <a:buChar char="§"/>
-            </a:pPr>
-            <a:endParaRPr lang="en-US" i="1" dirty="0" smtClean="0"/>
+              <a:spcAft>
+                <a:spcPts val="0"/>
+              </a:spcAft>
+              <a:buFont typeface="Wingdings" panose="05000000000000000000" pitchFamily="2" charset="2"/>
+              <a:buChar char="§"/>
+            </a:pPr>
+            <a:r>
+              <a:rPr lang="en-US" dirty="0" smtClean="0"/>
+              <a:t>3 hours  -&gt;  </a:t>
+            </a:r>
+            <a:r>
+              <a:rPr lang="en-US" b="1" dirty="0" smtClean="0"/>
+              <a:t>9 seconds in R</a:t>
+            </a:r>
           </a:p>
           <a:p>
             <a:pPr lvl="1">
-              <a:buFont typeface="Wingdings" panose="05000000000000000000" pitchFamily="2" charset="2"/>
-              <a:buChar char="§"/>
-            </a:pPr>
-            <a:endParaRPr lang="en-US" i="1" dirty="0"/>
+              <a:spcAft>
+                <a:spcPts val="0"/>
+              </a:spcAft>
+              <a:buFont typeface="Wingdings" panose="05000000000000000000" pitchFamily="2" charset="2"/>
+              <a:buChar char="§"/>
+            </a:pPr>
+            <a:endParaRPr lang="en-US" dirty="0" smtClean="0"/>
           </a:p>
           <a:p>
             <a:pPr lvl="1">
-              <a:buFont typeface="Wingdings" panose="05000000000000000000" pitchFamily="2" charset="2"/>
-              <a:buChar char="§"/>
-            </a:pPr>
-            <a:endParaRPr lang="en-US" dirty="0" smtClean="0"/>
+              <a:spcAft>
+                <a:spcPts val="0"/>
+              </a:spcAft>
+              <a:buFont typeface="Wingdings" panose="05000000000000000000" pitchFamily="2" charset="2"/>
+              <a:buChar char="§"/>
+            </a:pPr>
+            <a:r>
+              <a:rPr lang="en-US" dirty="0" smtClean="0"/>
+              <a:t>Calculations are </a:t>
+            </a:r>
+            <a:r>
+              <a:rPr lang="en-US" i="1" dirty="0" err="1" smtClean="0"/>
+              <a:t>vectorized</a:t>
+            </a:r>
+            <a:r>
+              <a:rPr lang="en-US" i="1" dirty="0" smtClean="0"/>
+              <a:t> </a:t>
+            </a:r>
+            <a:r>
+              <a:rPr lang="en-US" dirty="0" smtClean="0"/>
+              <a:t>and run </a:t>
+            </a:r>
+            <a:r>
+              <a:rPr lang="en-US" i="1" dirty="0" smtClean="0"/>
+              <a:t>in parallel</a:t>
+            </a:r>
           </a:p>
         </p:txBody>
       </p:sp>
@@ -7699,212 +7999,10 @@
           </a:p>
         </p:txBody>
       </p:sp>
-      <p:sp>
-        <p:nvSpPr>
-          <p:cNvPr id="5" name="Rounded Rectangle 4"/>
-          <p:cNvSpPr/>
-          <p:nvPr/>
-        </p:nvSpPr>
-        <p:spPr>
-          <a:xfrm>
-            <a:off x="6934200" y="5105400"/>
-            <a:ext cx="2057400" cy="381000"/>
-          </a:xfrm>
-          <a:prstGeom prst="roundRect">
-            <a:avLst/>
-          </a:prstGeom>
-          <a:solidFill>
-            <a:srgbClr val="98002E"/>
-          </a:solidFill>
-          <a:ln>
-            <a:noFill/>
-          </a:ln>
-          <a:effectLst/>
-        </p:spPr>
-        <p:style>
-          <a:lnRef idx="1">
-            <a:schemeClr val="accent1"/>
-          </a:lnRef>
-          <a:fillRef idx="3">
-            <a:schemeClr val="accent1"/>
-          </a:fillRef>
-          <a:effectRef idx="2">
-            <a:schemeClr val="accent1"/>
-          </a:effectRef>
-          <a:fontRef idx="minor">
-            <a:schemeClr val="lt1"/>
-          </a:fontRef>
-        </p:style>
-        <p:txBody>
-          <a:bodyPr rtlCol="0" anchor="ctr"/>
-          <a:lstStyle/>
-          <a:p>
-            <a:pPr algn="ctr"/>
-            <a:r>
-              <a:rPr lang="en-US" sz="1600" dirty="0" smtClean="0"/>
-              <a:t>40 years of earnings</a:t>
-            </a:r>
-            <a:endParaRPr lang="en-US" sz="1600" dirty="0"/>
-          </a:p>
-        </p:txBody>
-      </p:sp>
-      <p:sp>
-        <p:nvSpPr>
-          <p:cNvPr id="6" name="Rounded Rectangle 5"/>
-          <p:cNvSpPr/>
-          <p:nvPr/>
-        </p:nvSpPr>
-        <p:spPr>
-          <a:xfrm>
-            <a:off x="4648200" y="5105400"/>
-            <a:ext cx="2057400" cy="381000"/>
-          </a:xfrm>
-          <a:prstGeom prst="roundRect">
-            <a:avLst/>
-          </a:prstGeom>
-          <a:solidFill>
-            <a:srgbClr val="98002E"/>
-          </a:solidFill>
-          <a:ln>
-            <a:noFill/>
-          </a:ln>
-          <a:effectLst/>
-        </p:spPr>
-        <p:style>
-          <a:lnRef idx="1">
-            <a:schemeClr val="accent1"/>
-          </a:lnRef>
-          <a:fillRef idx="3">
-            <a:schemeClr val="accent1"/>
-          </a:fillRef>
-          <a:effectRef idx="2">
-            <a:schemeClr val="accent1"/>
-          </a:effectRef>
-          <a:fontRef idx="minor">
-            <a:schemeClr val="lt1"/>
-          </a:fontRef>
-        </p:style>
-        <p:txBody>
-          <a:bodyPr rtlCol="0" anchor="ctr"/>
-          <a:lstStyle/>
-          <a:p>
-            <a:pPr algn="ctr"/>
-            <a:r>
-              <a:rPr lang="en-US" sz="1600" dirty="0" smtClean="0"/>
-              <a:t>GAAP Equity Value</a:t>
-            </a:r>
-            <a:endParaRPr lang="en-US" sz="1600" dirty="0"/>
-          </a:p>
-        </p:txBody>
-      </p:sp>
-      <p:sp>
-        <p:nvSpPr>
-          <p:cNvPr id="26" name="U-Turn Arrow 25"/>
-          <p:cNvSpPr/>
-          <p:nvPr/>
-        </p:nvSpPr>
-        <p:spPr>
-          <a:xfrm flipH="1">
-            <a:off x="5562600" y="4724400"/>
-            <a:ext cx="2438400" cy="381000"/>
-          </a:xfrm>
-          <a:prstGeom prst="uturnArrow">
-            <a:avLst>
-              <a:gd name="adj1" fmla="val 25000"/>
-              <a:gd name="adj2" fmla="val 25000"/>
-              <a:gd name="adj3" fmla="val 25000"/>
-              <a:gd name="adj4" fmla="val 43750"/>
-              <a:gd name="adj5" fmla="val 100000"/>
-            </a:avLst>
-          </a:prstGeom>
-          <a:solidFill>
-            <a:srgbClr val="377193"/>
-          </a:solidFill>
-          <a:ln>
-            <a:noFill/>
-          </a:ln>
-          <a:effectLst/>
-        </p:spPr>
-        <p:style>
-          <a:lnRef idx="1">
-            <a:schemeClr val="accent1"/>
-          </a:lnRef>
-          <a:fillRef idx="3">
-            <a:schemeClr val="accent1"/>
-          </a:fillRef>
-          <a:effectRef idx="2">
-            <a:schemeClr val="accent1"/>
-          </a:effectRef>
-          <a:fontRef idx="minor">
-            <a:schemeClr val="lt1"/>
-          </a:fontRef>
-        </p:style>
-        <p:txBody>
-          <a:bodyPr rtlCol="0" anchor="ctr"/>
-          <a:lstStyle/>
-          <a:p>
-            <a:pPr algn="ctr"/>
-            <a:endParaRPr lang="en-US">
-              <a:solidFill>
-                <a:schemeClr val="tx1"/>
-              </a:solidFill>
-            </a:endParaRPr>
-          </a:p>
-        </p:txBody>
-      </p:sp>
-      <p:sp>
-        <p:nvSpPr>
-          <p:cNvPr id="28" name="Rounded Rectangle 27"/>
-          <p:cNvSpPr/>
-          <p:nvPr/>
-        </p:nvSpPr>
-        <p:spPr>
-          <a:xfrm>
-            <a:off x="6501384" y="4403366"/>
-            <a:ext cx="609600" cy="342900"/>
-          </a:xfrm>
-          <a:prstGeom prst="roundRect">
-            <a:avLst/>
-          </a:prstGeom>
-          <a:solidFill>
-            <a:srgbClr val="377193"/>
-          </a:solidFill>
-          <a:ln>
-            <a:noFill/>
-          </a:ln>
-          <a:effectLst/>
-        </p:spPr>
-        <p:style>
-          <a:lnRef idx="1">
-            <a:schemeClr val="accent1"/>
-          </a:lnRef>
-          <a:fillRef idx="3">
-            <a:schemeClr val="accent1"/>
-          </a:fillRef>
-          <a:effectRef idx="2">
-            <a:schemeClr val="accent1"/>
-          </a:effectRef>
-          <a:fontRef idx="minor">
-            <a:schemeClr val="lt1"/>
-          </a:fontRef>
-        </p:style>
-        <p:txBody>
-          <a:bodyPr rtlCol="0" anchor="ctr"/>
-          <a:lstStyle/>
-          <a:p>
-            <a:pPr algn="ctr"/>
-            <a:r>
-              <a:rPr lang="en-US" sz="1600" dirty="0" smtClean="0"/>
-              <a:t>IRR</a:t>
-            </a:r>
-            <a:endParaRPr lang="en-US" sz="1600" dirty="0"/>
-          </a:p>
-        </p:txBody>
-      </p:sp>
     </p:spTree>
     <p:extLst>
       <p:ext uri="{BB962C8B-B14F-4D97-AF65-F5344CB8AC3E}">
-        <p14:creationId xmlns:p14="http://schemas.microsoft.com/office/powerpoint/2010/main" val="986279708"/>
+        <p14:creationId xmlns:p14="http://schemas.microsoft.com/office/powerpoint/2010/main" val="3489709715"/>
       </p:ext>
     </p:extLst>
   </p:cSld>
@@ -7958,7 +8056,7 @@
             </a:pPr>
             <a:r>
               <a:rPr lang="en-US" i="1" dirty="0" smtClean="0"/>
-              <a:t>IRR calculations</a:t>
+              <a:t>Input efficiency</a:t>
             </a:r>
           </a:p>
           <a:p>
@@ -7978,78 +8076,6 @@
             <a:r>
               <a:rPr lang="en-US" i="1" dirty="0" smtClean="0"/>
               <a:t>Project:</a:t>
-            </a:r>
-          </a:p>
-          <a:p>
-            <a:pPr lvl="1">
-              <a:spcAft>
-                <a:spcPts val="0"/>
-              </a:spcAft>
-              <a:buFont typeface="Wingdings" panose="05000000000000000000" pitchFamily="2" charset="2"/>
-              <a:buChar char="§"/>
-            </a:pPr>
-            <a:endParaRPr lang="en-US" i="1" dirty="0" smtClean="0"/>
-          </a:p>
-          <a:p>
-            <a:pPr lvl="1">
-              <a:buFont typeface="Wingdings" panose="05000000000000000000" pitchFamily="2" charset="2"/>
-              <a:buChar char="§"/>
-            </a:pPr>
-            <a:r>
-              <a:rPr lang="en-US" dirty="0" smtClean="0"/>
-              <a:t>Calculate IRR for 2400 potential economic scenarios </a:t>
-            </a:r>
-          </a:p>
-          <a:p>
-            <a:pPr lvl="3">
-              <a:spcBef>
-                <a:spcPts val="600"/>
-              </a:spcBef>
-              <a:buFont typeface="Wingdings" panose="05000000000000000000" pitchFamily="2" charset="2"/>
-              <a:buChar char="§"/>
-            </a:pPr>
-            <a:r>
-              <a:rPr lang="en-US" dirty="0" smtClean="0"/>
-              <a:t>40 years of predicted distributable earnings per scenario (cash flows)</a:t>
-            </a:r>
-          </a:p>
-          <a:p>
-            <a:pPr lvl="3">
-              <a:spcBef>
-                <a:spcPts val="600"/>
-              </a:spcBef>
-              <a:spcAft>
-                <a:spcPts val="0"/>
-              </a:spcAft>
-              <a:buFont typeface="Wingdings" panose="05000000000000000000" pitchFamily="2" charset="2"/>
-              <a:buChar char="§"/>
-            </a:pPr>
-            <a:r>
-              <a:rPr lang="en-US" dirty="0" smtClean="0"/>
-              <a:t>1 GAAP Equity value per product (initial investment)</a:t>
-            </a:r>
-          </a:p>
-          <a:p>
-            <a:pPr lvl="1">
-              <a:spcAft>
-                <a:spcPts val="0"/>
-              </a:spcAft>
-              <a:buFont typeface="Wingdings" panose="05000000000000000000" pitchFamily="2" charset="2"/>
-              <a:buChar char="§"/>
-            </a:pPr>
-            <a:endParaRPr lang="en-US" dirty="0" smtClean="0"/>
-          </a:p>
-          <a:p>
-            <a:pPr lvl="1">
-              <a:spcAft>
-                <a:spcPts val="0"/>
-              </a:spcAft>
-              <a:buFont typeface="Wingdings" panose="05000000000000000000" pitchFamily="2" charset="2"/>
-              <a:buChar char="§"/>
-            </a:pPr>
-            <a:r>
-              <a:rPr lang="en-US" dirty="0" smtClean="0"/>
-              <a:t>Too many conditions for Excel’s IRR function. Goal Seek?</a:t>
             </a:r>
           </a:p>
           <a:p>
@@ -8059,7 +8085,7 @@
               </a:spcAft>
               <a:buNone/>
             </a:pPr>
-            <a:endParaRPr lang="en-US" dirty="0"/>
+            <a:endParaRPr lang="en-US" i="1" dirty="0" smtClean="0"/>
           </a:p>
           <a:p>
             <a:pPr lvl="1">
@@ -8070,12 +8096,12 @@
               <a:buChar char="§"/>
             </a:pPr>
             <a:r>
-              <a:rPr lang="en-US" b="1" dirty="0" smtClean="0"/>
-              <a:t>3 hours </a:t>
+              <a:rPr lang="en-US" i="1" dirty="0" smtClean="0"/>
+              <a:t>Efficiency – </a:t>
             </a:r>
             <a:r>
               <a:rPr lang="en-US" dirty="0" smtClean="0"/>
-              <a:t>to run all 2400 scenarios</a:t>
+              <a:t>Each line of business has 1 atb2 file containing model assumptions</a:t>
             </a:r>
           </a:p>
           <a:p>
@@ -8089,6 +8115,52 @@
             <a:endParaRPr lang="en-US" dirty="0"/>
           </a:p>
           <a:p>
+            <a:pPr lvl="2">
+              <a:spcAft>
+                <a:spcPts val="0"/>
+              </a:spcAft>
+              <a:buFont typeface="Wingdings" panose="05000000000000000000" pitchFamily="2" charset="2"/>
+              <a:buChar char="§"/>
+            </a:pPr>
+            <a:r>
+              <a:rPr lang="en-US" dirty="0" smtClean="0"/>
+              <a:t>Some assumptions are updated regularly, others are never touched</a:t>
+            </a:r>
+          </a:p>
+          <a:p>
+            <a:pPr lvl="2">
+              <a:spcAft>
+                <a:spcPts val="0"/>
+              </a:spcAft>
+              <a:buFont typeface="Wingdings" panose="05000000000000000000" pitchFamily="2" charset="2"/>
+              <a:buChar char="§"/>
+            </a:pPr>
+            <a:endParaRPr lang="en-US" dirty="0"/>
+          </a:p>
+          <a:p>
+            <a:pPr lvl="2">
+              <a:spcAft>
+                <a:spcPts val="0"/>
+              </a:spcAft>
+              <a:buFont typeface="Wingdings" panose="05000000000000000000" pitchFamily="2" charset="2"/>
+              <a:buChar char="§"/>
+            </a:pPr>
+            <a:r>
+              <a:rPr lang="en-US" dirty="0" smtClean="0"/>
+              <a:t>Separate updated tables from static tables to make assumption updating easier</a:t>
+            </a:r>
+            <a:endParaRPr lang="en-US" dirty="0"/>
+          </a:p>
+          <a:p>
+            <a:pPr marL="457200" lvl="2" indent="0">
+              <a:spcAft>
+                <a:spcPts val="0"/>
+              </a:spcAft>
+              <a:buNone/>
+            </a:pPr>
+            <a:endParaRPr lang="en-US" dirty="0" smtClean="0"/>
+          </a:p>
+          <a:p>
             <a:pPr lvl="1">
               <a:spcAft>
                 <a:spcPts val="0"/>
@@ -8097,27 +8169,82 @@
               <a:buChar char="§"/>
             </a:pPr>
             <a:r>
+              <a:rPr lang="en-US" i="1" dirty="0" smtClean="0"/>
+              <a:t>Flexibility</a:t>
+            </a:r>
+          </a:p>
+          <a:p>
+            <a:pPr lvl="1">
+              <a:spcAft>
+                <a:spcPts val="0"/>
+              </a:spcAft>
+              <a:buFont typeface="Wingdings" panose="05000000000000000000" pitchFamily="2" charset="2"/>
+              <a:buChar char="§"/>
+            </a:pPr>
+            <a:endParaRPr lang="en-US" i="1" dirty="0"/>
+          </a:p>
+          <a:p>
+            <a:pPr lvl="2">
+              <a:spcAft>
+                <a:spcPts val="0"/>
+              </a:spcAft>
+              <a:buFont typeface="Wingdings" panose="05000000000000000000" pitchFamily="2" charset="2"/>
+              <a:buChar char="§"/>
+            </a:pPr>
+            <a:r>
               <a:rPr lang="en-US" dirty="0" smtClean="0"/>
-              <a:t>Can R do this faster?</a:t>
+              <a:t>Needs to work for multiple lines of business</a:t>
+            </a:r>
+          </a:p>
+          <a:p>
+            <a:pPr lvl="2">
+              <a:spcAft>
+                <a:spcPts val="0"/>
+              </a:spcAft>
+              <a:buFont typeface="Wingdings" panose="05000000000000000000" pitchFamily="2" charset="2"/>
+              <a:buChar char="§"/>
+            </a:pPr>
+            <a:endParaRPr lang="en-US" i="1" dirty="0" smtClean="0"/>
+          </a:p>
+          <a:p>
+            <a:pPr lvl="2">
+              <a:spcAft>
+                <a:spcPts val="0"/>
+              </a:spcAft>
+              <a:buFont typeface="Wingdings" panose="05000000000000000000" pitchFamily="2" charset="2"/>
+              <a:buChar char="§"/>
+            </a:pPr>
+            <a:r>
+              <a:rPr lang="en-US" dirty="0" smtClean="0"/>
+              <a:t>Iterative process</a:t>
             </a:r>
             <a:endParaRPr lang="en-US" dirty="0"/>
           </a:p>
           <a:p>
+            <a:pPr lvl="2">
+              <a:spcAft>
+                <a:spcPts val="0"/>
+              </a:spcAft>
+              <a:buFont typeface="Wingdings" panose="05000000000000000000" pitchFamily="2" charset="2"/>
+              <a:buChar char="§"/>
+            </a:pPr>
+            <a:endParaRPr lang="en-US" i="1" dirty="0" smtClean="0"/>
+          </a:p>
+          <a:p>
             <a:pPr lvl="1">
-              <a:buFont typeface="Wingdings" panose="05000000000000000000" pitchFamily="2" charset="2"/>
-              <a:buChar char="§"/>
-            </a:pPr>
-            <a:endParaRPr lang="en-US" i="1" dirty="0" smtClean="0"/>
-          </a:p>
-          <a:p>
-            <a:pPr lvl="1">
+              <a:spcAft>
+                <a:spcPts val="0"/>
+              </a:spcAft>
               <a:buFont typeface="Wingdings" panose="05000000000000000000" pitchFamily="2" charset="2"/>
               <a:buChar char="§"/>
             </a:pPr>
             <a:endParaRPr lang="en-US" i="1" dirty="0"/>
           </a:p>
           <a:p>
-            <a:pPr lvl="1">
+            <a:pPr lvl="2">
+              <a:spcAft>
+                <a:spcPts val="0"/>
+              </a:spcAft>
               <a:buFont typeface="Wingdings" panose="05000000000000000000" pitchFamily="2" charset="2"/>
               <a:buChar char="§"/>
             </a:pPr>
@@ -8170,218 +8297,16 @@
           <a:p>
             <a:r>
               <a:rPr lang="en-US" dirty="0" smtClean="0"/>
-              <a:t>speed</a:t>
+              <a:t>MG-ALFA</a:t>
             </a:r>
             <a:endParaRPr lang="en-US" dirty="0"/>
-          </a:p>
-        </p:txBody>
-      </p:sp>
-      <p:sp>
-        <p:nvSpPr>
-          <p:cNvPr id="5" name="Rounded Rectangle 4"/>
-          <p:cNvSpPr/>
-          <p:nvPr/>
-        </p:nvSpPr>
-        <p:spPr>
-          <a:xfrm>
-            <a:off x="6934200" y="5105400"/>
-            <a:ext cx="2057400" cy="381000"/>
-          </a:xfrm>
-          <a:prstGeom prst="roundRect">
-            <a:avLst/>
-          </a:prstGeom>
-          <a:solidFill>
-            <a:srgbClr val="98002E"/>
-          </a:solidFill>
-          <a:ln>
-            <a:noFill/>
-          </a:ln>
-          <a:effectLst/>
-        </p:spPr>
-        <p:style>
-          <a:lnRef idx="1">
-            <a:schemeClr val="accent1"/>
-          </a:lnRef>
-          <a:fillRef idx="3">
-            <a:schemeClr val="accent1"/>
-          </a:fillRef>
-          <a:effectRef idx="2">
-            <a:schemeClr val="accent1"/>
-          </a:effectRef>
-          <a:fontRef idx="minor">
-            <a:schemeClr val="lt1"/>
-          </a:fontRef>
-        </p:style>
-        <p:txBody>
-          <a:bodyPr rtlCol="0" anchor="ctr"/>
-          <a:lstStyle/>
-          <a:p>
-            <a:pPr algn="ctr"/>
-            <a:r>
-              <a:rPr lang="en-US" sz="1600" dirty="0" smtClean="0"/>
-              <a:t>40 years of earnings</a:t>
-            </a:r>
-            <a:endParaRPr lang="en-US" sz="1600" dirty="0"/>
-          </a:p>
-        </p:txBody>
-      </p:sp>
-      <p:sp>
-        <p:nvSpPr>
-          <p:cNvPr id="6" name="Rounded Rectangle 5"/>
-          <p:cNvSpPr/>
-          <p:nvPr/>
-        </p:nvSpPr>
-        <p:spPr>
-          <a:xfrm>
-            <a:off x="4648200" y="5105400"/>
-            <a:ext cx="2057400" cy="381000"/>
-          </a:xfrm>
-          <a:prstGeom prst="roundRect">
-            <a:avLst/>
-          </a:prstGeom>
-          <a:solidFill>
-            <a:srgbClr val="98002E"/>
-          </a:solidFill>
-          <a:ln>
-            <a:noFill/>
-          </a:ln>
-          <a:effectLst/>
-        </p:spPr>
-        <p:style>
-          <a:lnRef idx="1">
-            <a:schemeClr val="accent1"/>
-          </a:lnRef>
-          <a:fillRef idx="3">
-            <a:schemeClr val="accent1"/>
-          </a:fillRef>
-          <a:effectRef idx="2">
-            <a:schemeClr val="accent1"/>
-          </a:effectRef>
-          <a:fontRef idx="minor">
-            <a:schemeClr val="lt1"/>
-          </a:fontRef>
-        </p:style>
-        <p:txBody>
-          <a:bodyPr rtlCol="0" anchor="ctr"/>
-          <a:lstStyle/>
-          <a:p>
-            <a:pPr algn="ctr"/>
-            <a:r>
-              <a:rPr lang="en-US" sz="1600" dirty="0" smtClean="0"/>
-              <a:t>GAAP Equity Value</a:t>
-            </a:r>
-            <a:endParaRPr lang="en-US" sz="1600" dirty="0"/>
-          </a:p>
-        </p:txBody>
-      </p:sp>
-      <p:sp>
-        <p:nvSpPr>
-          <p:cNvPr id="26" name="U-Turn Arrow 25"/>
-          <p:cNvSpPr/>
-          <p:nvPr/>
-        </p:nvSpPr>
-        <p:spPr>
-          <a:xfrm flipH="1">
-            <a:off x="5562600" y="4724400"/>
-            <a:ext cx="2438400" cy="381000"/>
-          </a:xfrm>
-          <a:prstGeom prst="uturnArrow">
-            <a:avLst>
-              <a:gd name="adj1" fmla="val 25000"/>
-              <a:gd name="adj2" fmla="val 25000"/>
-              <a:gd name="adj3" fmla="val 25000"/>
-              <a:gd name="adj4" fmla="val 43750"/>
-              <a:gd name="adj5" fmla="val 100000"/>
-            </a:avLst>
-          </a:prstGeom>
-          <a:solidFill>
-            <a:srgbClr val="377193"/>
-          </a:solidFill>
-          <a:ln>
-            <a:noFill/>
-          </a:ln>
-          <a:effectLst/>
-        </p:spPr>
-        <p:style>
-          <a:lnRef idx="1">
-            <a:schemeClr val="accent1"/>
-          </a:lnRef>
-          <a:fillRef idx="3">
-            <a:schemeClr val="accent1"/>
-          </a:fillRef>
-          <a:effectRef idx="2">
-            <a:schemeClr val="accent1"/>
-          </a:effectRef>
-          <a:fontRef idx="minor">
-            <a:schemeClr val="lt1"/>
-          </a:fontRef>
-        </p:style>
-        <p:txBody>
-          <a:bodyPr rtlCol="0" anchor="ctr"/>
-          <a:lstStyle/>
-          <a:p>
-            <a:pPr algn="ctr"/>
-            <a:endParaRPr lang="en-US">
-              <a:solidFill>
-                <a:schemeClr val="tx1"/>
-              </a:solidFill>
-            </a:endParaRPr>
-          </a:p>
-        </p:txBody>
-      </p:sp>
-      <p:sp>
-        <p:nvSpPr>
-          <p:cNvPr id="28" name="Rounded Rectangle 27"/>
-          <p:cNvSpPr/>
-          <p:nvPr/>
-        </p:nvSpPr>
-        <p:spPr>
-          <a:xfrm>
-            <a:off x="6501384" y="4403366"/>
-            <a:ext cx="609600" cy="342900"/>
-          </a:xfrm>
-          <a:prstGeom prst="roundRect">
-            <a:avLst/>
-          </a:prstGeom>
-          <a:solidFill>
-            <a:srgbClr val="377193"/>
-          </a:solidFill>
-          <a:ln>
-            <a:noFill/>
-          </a:ln>
-          <a:effectLst/>
-        </p:spPr>
-        <p:style>
-          <a:lnRef idx="1">
-            <a:schemeClr val="accent1"/>
-          </a:lnRef>
-          <a:fillRef idx="3">
-            <a:schemeClr val="accent1"/>
-          </a:fillRef>
-          <a:effectRef idx="2">
-            <a:schemeClr val="accent1"/>
-          </a:effectRef>
-          <a:fontRef idx="minor">
-            <a:schemeClr val="lt1"/>
-          </a:fontRef>
-        </p:style>
-        <p:txBody>
-          <a:bodyPr rtlCol="0" anchor="ctr"/>
-          <a:lstStyle/>
-          <a:p>
-            <a:pPr algn="ctr"/>
-            <a:r>
-              <a:rPr lang="en-US" sz="1600" dirty="0" smtClean="0"/>
-              <a:t>IRR</a:t>
-            </a:r>
-            <a:endParaRPr lang="en-US" sz="1600" dirty="0"/>
           </a:p>
         </p:txBody>
       </p:sp>
     </p:spTree>
     <p:extLst>
       <p:ext uri="{BB962C8B-B14F-4D97-AF65-F5344CB8AC3E}">
-        <p14:creationId xmlns:p14="http://schemas.microsoft.com/office/powerpoint/2010/main" val="1870389015"/>
+        <p14:creationId xmlns:p14="http://schemas.microsoft.com/office/powerpoint/2010/main" val="2912860542"/>
       </p:ext>
     </p:extLst>
   </p:cSld>
@@ -8417,801 +8342,6 @@
       </p:grpSpPr>
       <p:sp>
         <p:nvSpPr>
-          <p:cNvPr id="2" name="Content Placeholder 1"/>
-          <p:cNvSpPr>
-            <a:spLocks noGrp="1"/>
-          </p:cNvSpPr>
-          <p:nvPr>
-            <p:ph idx="1"/>
-          </p:nvPr>
-        </p:nvSpPr>
-        <p:spPr/>
-        <p:txBody>
-          <a:bodyPr/>
-          <a:lstStyle/>
-          <a:p>
-            <a:pPr marL="0" indent="0">
-              <a:buNone/>
-            </a:pPr>
-            <a:r>
-              <a:rPr lang="en-US" i="1" dirty="0" smtClean="0"/>
-              <a:t>IRR calculations</a:t>
-            </a:r>
-          </a:p>
-          <a:p>
-            <a:pPr marL="0" indent="0">
-              <a:buNone/>
-            </a:pPr>
-            <a:endParaRPr lang="en-US" i="1" dirty="0"/>
-          </a:p>
-          <a:p>
-            <a:pPr>
-              <a:spcAft>
-                <a:spcPts val="0"/>
-              </a:spcAft>
-              <a:buFont typeface="Wingdings" panose="05000000000000000000" pitchFamily="2" charset="2"/>
-              <a:buChar char="§"/>
-            </a:pPr>
-            <a:r>
-              <a:rPr lang="en-US" i="1" dirty="0" smtClean="0"/>
-              <a:t>Solution:</a:t>
-            </a:r>
-          </a:p>
-          <a:p>
-            <a:pPr marL="228600" lvl="1" indent="0">
-              <a:spcAft>
-                <a:spcPts val="0"/>
-              </a:spcAft>
-              <a:buNone/>
-            </a:pPr>
-            <a:endParaRPr lang="en-US" i="1" dirty="0" smtClean="0"/>
-          </a:p>
-          <a:p>
-            <a:pPr lvl="1">
-              <a:spcAft>
-                <a:spcPts val="1200"/>
-              </a:spcAft>
-              <a:buFont typeface="Wingdings" panose="05000000000000000000" pitchFamily="2" charset="2"/>
-              <a:buChar char="§"/>
-            </a:pPr>
-            <a:r>
-              <a:rPr lang="en-US" dirty="0" smtClean="0"/>
-              <a:t>Optimization problem – For each of the 2400 scenarios, minimize:</a:t>
-            </a:r>
-          </a:p>
-          <a:p>
-            <a:pPr lvl="3">
-              <a:spcAft>
-                <a:spcPts val="1200"/>
-              </a:spcAft>
-              <a:buFont typeface="Wingdings" panose="05000000000000000000" pitchFamily="2" charset="2"/>
-              <a:buChar char="§"/>
-            </a:pPr>
-            <a:r>
-              <a:rPr lang="en-US" sz="2000" dirty="0" smtClean="0">
-                <a:latin typeface="Aparajita" panose="020B0604020202020204" pitchFamily="34" charset="0"/>
-                <a:cs typeface="Aparajita" panose="020B0604020202020204" pitchFamily="34" charset="0"/>
-              </a:rPr>
-              <a:t>PV(distributable earnings) – </a:t>
-            </a:r>
-            <a:r>
-              <a:rPr lang="en-US" sz="2000" dirty="0" err="1" smtClean="0">
-                <a:latin typeface="Aparajita" panose="020B0604020202020204" pitchFamily="34" charset="0"/>
-                <a:cs typeface="Aparajita" panose="020B0604020202020204" pitchFamily="34" charset="0"/>
-              </a:rPr>
-              <a:t>GAAP_equity</a:t>
-            </a:r>
-            <a:r>
-              <a:rPr lang="en-US" i="1" dirty="0"/>
-              <a:t>	</a:t>
-            </a:r>
-            <a:endParaRPr lang="en-US" i="1" dirty="0" smtClean="0"/>
-          </a:p>
-          <a:p>
-            <a:pPr lvl="3">
-              <a:spcAft>
-                <a:spcPts val="1200"/>
-              </a:spcAft>
-              <a:buFont typeface="Wingdings" panose="05000000000000000000" pitchFamily="2" charset="2"/>
-              <a:buChar char="§"/>
-            </a:pPr>
-            <a:r>
-              <a:rPr lang="en-US" dirty="0" smtClean="0"/>
-              <a:t>By varying the IRR to discount with</a:t>
-            </a:r>
-          </a:p>
-          <a:p>
-            <a:pPr lvl="3">
-              <a:buFont typeface="Wingdings" panose="05000000000000000000" pitchFamily="2" charset="2"/>
-              <a:buChar char="§"/>
-            </a:pPr>
-            <a:r>
-              <a:rPr lang="en-US" dirty="0" smtClean="0"/>
-              <a:t>Use the R function, </a:t>
-            </a:r>
-            <a:r>
-              <a:rPr lang="en-US" sz="2000" dirty="0" smtClean="0">
-                <a:latin typeface="Aparajita" panose="020B0604020202020204" pitchFamily="34" charset="0"/>
-                <a:cs typeface="Aparajita" panose="020B0604020202020204" pitchFamily="34" charset="0"/>
-              </a:rPr>
-              <a:t> optimize()</a:t>
-            </a:r>
-            <a:endParaRPr lang="en-US" dirty="0"/>
-          </a:p>
-        </p:txBody>
-      </p:sp>
-      <p:sp>
-        <p:nvSpPr>
-          <p:cNvPr id="3" name="Slide Number Placeholder 2"/>
-          <p:cNvSpPr>
-            <a:spLocks noGrp="1"/>
-          </p:cNvSpPr>
-          <p:nvPr>
-            <p:ph type="sldNum" sz="quarter" idx="4294967295"/>
-          </p:nvPr>
-        </p:nvSpPr>
-        <p:spPr>
-          <a:xfrm>
-            <a:off x="8366760" y="6465572"/>
-            <a:ext cx="457200" cy="182880"/>
-          </a:xfrm>
-        </p:spPr>
-        <p:txBody>
-          <a:bodyPr/>
-          <a:lstStyle/>
-          <a:p>
-            <a:fld id="{E49B4C36-CA85-496D-A067-FC602A1FD8AC}" type="slidenum">
-              <a:rPr lang="en-US" smtClean="0"/>
-              <a:t>14</a:t>
-            </a:fld>
-            <a:endParaRPr lang="en-US"/>
-          </a:p>
-        </p:txBody>
-      </p:sp>
-      <p:sp>
-        <p:nvSpPr>
-          <p:cNvPr id="4" name="Title 3"/>
-          <p:cNvSpPr>
-            <a:spLocks noGrp="1"/>
-          </p:cNvSpPr>
-          <p:nvPr>
-            <p:ph type="title"/>
-          </p:nvPr>
-        </p:nvSpPr>
-        <p:spPr/>
-        <p:txBody>
-          <a:bodyPr/>
-          <a:lstStyle/>
-          <a:p>
-            <a:r>
-              <a:rPr lang="en-US" dirty="0" smtClean="0"/>
-              <a:t>speed</a:t>
-            </a:r>
-            <a:endParaRPr lang="en-US" dirty="0"/>
-          </a:p>
-        </p:txBody>
-      </p:sp>
-    </p:spTree>
-    <p:extLst>
-      <p:ext uri="{BB962C8B-B14F-4D97-AF65-F5344CB8AC3E}">
-        <p14:creationId xmlns:p14="http://schemas.microsoft.com/office/powerpoint/2010/main" val="3233308965"/>
-      </p:ext>
-    </p:extLst>
-  </p:cSld>
-  <p:clrMapOvr>
-    <a:masterClrMapping/>
-  </p:clrMapOvr>
-  <p:timing>
-    <p:tnLst>
-      <p:par>
-        <p:cTn id="1" dur="indefinite" restart="never" nodeType="tmRoot"/>
-      </p:par>
-    </p:tnLst>
-  </p:timing>
-</p:sld>
-</file>
-
-<file path=ppt/slides/slide15.xml><?xml version="1.0" encoding="utf-8"?>
-<p:sld xmlns:a="http://schemas.openxmlformats.org/drawingml/2006/main" xmlns:r="http://schemas.openxmlformats.org/officeDocument/2006/relationships" xmlns:p="http://schemas.openxmlformats.org/presentationml/2006/main">
-  <p:cSld>
-    <p:spTree>
-      <p:nvGrpSpPr>
-        <p:cNvPr id="1" name=""/>
-        <p:cNvGrpSpPr/>
-        <p:nvPr/>
-      </p:nvGrpSpPr>
-      <p:grpSpPr>
-        <a:xfrm>
-          <a:off x="0" y="0"/>
-          <a:ext cx="0" cy="0"/>
-          <a:chOff x="0" y="0"/>
-          <a:chExt cx="0" cy="0"/>
-        </a:xfrm>
-      </p:grpSpPr>
-      <p:sp>
-        <p:nvSpPr>
-          <p:cNvPr id="2" name="Content Placeholder 1"/>
-          <p:cNvSpPr>
-            <a:spLocks noGrp="1"/>
-          </p:cNvSpPr>
-          <p:nvPr>
-            <p:ph idx="1"/>
-          </p:nvPr>
-        </p:nvSpPr>
-        <p:spPr/>
-        <p:txBody>
-          <a:bodyPr/>
-          <a:lstStyle/>
-          <a:p>
-            <a:pPr marL="0" indent="0">
-              <a:buNone/>
-            </a:pPr>
-            <a:r>
-              <a:rPr lang="en-US" i="1" dirty="0" smtClean="0"/>
-              <a:t>IRR calculations</a:t>
-            </a:r>
-          </a:p>
-          <a:p>
-            <a:pPr marL="0" indent="0">
-              <a:buNone/>
-            </a:pPr>
-            <a:endParaRPr lang="en-US" i="1" dirty="0"/>
-          </a:p>
-          <a:p>
-            <a:pPr>
-              <a:spcAft>
-                <a:spcPts val="0"/>
-              </a:spcAft>
-              <a:buFont typeface="Wingdings" panose="05000000000000000000" pitchFamily="2" charset="2"/>
-              <a:buChar char="§"/>
-            </a:pPr>
-            <a:r>
-              <a:rPr lang="en-US" i="1" dirty="0" smtClean="0"/>
-              <a:t>Solution:</a:t>
-            </a:r>
-          </a:p>
-          <a:p>
-            <a:pPr marL="228600" lvl="1" indent="0">
-              <a:spcAft>
-                <a:spcPts val="0"/>
-              </a:spcAft>
-              <a:buNone/>
-            </a:pPr>
-            <a:endParaRPr lang="en-US" i="1" dirty="0" smtClean="0"/>
-          </a:p>
-          <a:p>
-            <a:pPr lvl="1">
-              <a:spcAft>
-                <a:spcPts val="1200"/>
-              </a:spcAft>
-              <a:buFont typeface="Wingdings" panose="05000000000000000000" pitchFamily="2" charset="2"/>
-              <a:buChar char="§"/>
-            </a:pPr>
-            <a:r>
-              <a:rPr lang="en-US" dirty="0" smtClean="0"/>
-              <a:t>Optimization problem – For each of the 2400 scenarios, minimize:</a:t>
-            </a:r>
-          </a:p>
-          <a:p>
-            <a:pPr lvl="3">
-              <a:spcAft>
-                <a:spcPts val="1200"/>
-              </a:spcAft>
-              <a:buFont typeface="Wingdings" panose="05000000000000000000" pitchFamily="2" charset="2"/>
-              <a:buChar char="§"/>
-            </a:pPr>
-            <a:r>
-              <a:rPr lang="en-US" sz="2000" dirty="0" smtClean="0">
-                <a:latin typeface="Aparajita" panose="020B0604020202020204" pitchFamily="34" charset="0"/>
-                <a:cs typeface="Aparajita" panose="020B0604020202020204" pitchFamily="34" charset="0"/>
-              </a:rPr>
-              <a:t>PV(distributable earnings) – </a:t>
-            </a:r>
-            <a:r>
-              <a:rPr lang="en-US" sz="2000" dirty="0" err="1" smtClean="0">
-                <a:latin typeface="Aparajita" panose="020B0604020202020204" pitchFamily="34" charset="0"/>
-                <a:cs typeface="Aparajita" panose="020B0604020202020204" pitchFamily="34" charset="0"/>
-              </a:rPr>
-              <a:t>GAAP_equity</a:t>
-            </a:r>
-            <a:r>
-              <a:rPr lang="en-US" i="1" dirty="0"/>
-              <a:t>	</a:t>
-            </a:r>
-            <a:endParaRPr lang="en-US" i="1" dirty="0" smtClean="0"/>
-          </a:p>
-          <a:p>
-            <a:pPr lvl="3">
-              <a:spcAft>
-                <a:spcPts val="1200"/>
-              </a:spcAft>
-              <a:buFont typeface="Wingdings" panose="05000000000000000000" pitchFamily="2" charset="2"/>
-              <a:buChar char="§"/>
-            </a:pPr>
-            <a:r>
-              <a:rPr lang="en-US" dirty="0" smtClean="0"/>
-              <a:t>By varying the IRR to discount with</a:t>
-            </a:r>
-          </a:p>
-          <a:p>
-            <a:pPr lvl="3">
-              <a:buFont typeface="Wingdings" panose="05000000000000000000" pitchFamily="2" charset="2"/>
-              <a:buChar char="§"/>
-            </a:pPr>
-            <a:r>
-              <a:rPr lang="en-US" dirty="0" smtClean="0"/>
-              <a:t>Use the R function, </a:t>
-            </a:r>
-            <a:r>
-              <a:rPr lang="en-US" sz="2000" dirty="0" smtClean="0">
-                <a:latin typeface="Aparajita" panose="020B0604020202020204" pitchFamily="34" charset="0"/>
-                <a:cs typeface="Aparajita" panose="020B0604020202020204" pitchFamily="34" charset="0"/>
-              </a:rPr>
-              <a:t> optimize()</a:t>
-            </a:r>
-            <a:endParaRPr lang="en-US" dirty="0"/>
-          </a:p>
-          <a:p>
-            <a:pPr marL="228600" lvl="1" indent="0">
-              <a:spcAft>
-                <a:spcPts val="0"/>
-              </a:spcAft>
-              <a:buNone/>
-            </a:pPr>
-            <a:endParaRPr lang="en-US" i="1" dirty="0" smtClean="0"/>
-          </a:p>
-          <a:p>
-            <a:pPr lvl="1">
-              <a:spcAft>
-                <a:spcPts val="0"/>
-              </a:spcAft>
-              <a:buFont typeface="Wingdings" panose="05000000000000000000" pitchFamily="2" charset="2"/>
-              <a:buChar char="§"/>
-            </a:pPr>
-            <a:r>
-              <a:rPr lang="en-US" dirty="0" smtClean="0"/>
-              <a:t>3 hours  -&gt;  </a:t>
-            </a:r>
-            <a:r>
-              <a:rPr lang="en-US" b="1" dirty="0" smtClean="0"/>
-              <a:t>9 seconds in R</a:t>
-            </a:r>
-          </a:p>
-          <a:p>
-            <a:pPr lvl="1">
-              <a:spcAft>
-                <a:spcPts val="0"/>
-              </a:spcAft>
-              <a:buFont typeface="Wingdings" panose="05000000000000000000" pitchFamily="2" charset="2"/>
-              <a:buChar char="§"/>
-            </a:pPr>
-            <a:endParaRPr lang="en-US" dirty="0" smtClean="0"/>
-          </a:p>
-          <a:p>
-            <a:pPr lvl="1">
-              <a:spcAft>
-                <a:spcPts val="0"/>
-              </a:spcAft>
-              <a:buFont typeface="Wingdings" panose="05000000000000000000" pitchFamily="2" charset="2"/>
-              <a:buChar char="§"/>
-            </a:pPr>
-            <a:r>
-              <a:rPr lang="en-US" dirty="0" smtClean="0"/>
-              <a:t>Calculations are </a:t>
-            </a:r>
-            <a:r>
-              <a:rPr lang="en-US" i="1" dirty="0" err="1" smtClean="0"/>
-              <a:t>vectorized</a:t>
-            </a:r>
-            <a:r>
-              <a:rPr lang="en-US" i="1" dirty="0" smtClean="0"/>
-              <a:t> </a:t>
-            </a:r>
-            <a:r>
-              <a:rPr lang="en-US" dirty="0" smtClean="0"/>
-              <a:t>and run </a:t>
-            </a:r>
-            <a:r>
-              <a:rPr lang="en-US" i="1" dirty="0" smtClean="0"/>
-              <a:t>in parallel</a:t>
-            </a:r>
-          </a:p>
-        </p:txBody>
-      </p:sp>
-      <p:sp>
-        <p:nvSpPr>
-          <p:cNvPr id="3" name="Slide Number Placeholder 2"/>
-          <p:cNvSpPr>
-            <a:spLocks noGrp="1"/>
-          </p:cNvSpPr>
-          <p:nvPr>
-            <p:ph type="sldNum" sz="quarter" idx="4294967295"/>
-          </p:nvPr>
-        </p:nvSpPr>
-        <p:spPr>
-          <a:xfrm>
-            <a:off x="8366760" y="6465572"/>
-            <a:ext cx="457200" cy="182880"/>
-          </a:xfrm>
-        </p:spPr>
-        <p:txBody>
-          <a:bodyPr/>
-          <a:lstStyle/>
-          <a:p>
-            <a:fld id="{E49B4C36-CA85-496D-A067-FC602A1FD8AC}" type="slidenum">
-              <a:rPr lang="en-US" smtClean="0"/>
-              <a:t>15</a:t>
-            </a:fld>
-            <a:endParaRPr lang="en-US"/>
-          </a:p>
-        </p:txBody>
-      </p:sp>
-      <p:sp>
-        <p:nvSpPr>
-          <p:cNvPr id="4" name="Title 3"/>
-          <p:cNvSpPr>
-            <a:spLocks noGrp="1"/>
-          </p:cNvSpPr>
-          <p:nvPr>
-            <p:ph type="title"/>
-          </p:nvPr>
-        </p:nvSpPr>
-        <p:spPr/>
-        <p:txBody>
-          <a:bodyPr/>
-          <a:lstStyle/>
-          <a:p>
-            <a:r>
-              <a:rPr lang="en-US" dirty="0" smtClean="0"/>
-              <a:t>speed</a:t>
-            </a:r>
-            <a:endParaRPr lang="en-US" dirty="0"/>
-          </a:p>
-        </p:txBody>
-      </p:sp>
-    </p:spTree>
-    <p:extLst>
-      <p:ext uri="{BB962C8B-B14F-4D97-AF65-F5344CB8AC3E}">
-        <p14:creationId xmlns:p14="http://schemas.microsoft.com/office/powerpoint/2010/main" val="3489709715"/>
-      </p:ext>
-    </p:extLst>
-  </p:cSld>
-  <p:clrMapOvr>
-    <a:masterClrMapping/>
-  </p:clrMapOvr>
-  <p:timing>
-    <p:tnLst>
-      <p:par>
-        <p:cTn id="1" dur="indefinite" restart="never" nodeType="tmRoot"/>
-      </p:par>
-    </p:tnLst>
-  </p:timing>
-</p:sld>
-</file>
-
-<file path=ppt/slides/slide16.xml><?xml version="1.0" encoding="utf-8"?>
-<p:sld xmlns:a="http://schemas.openxmlformats.org/drawingml/2006/main" xmlns:r="http://schemas.openxmlformats.org/officeDocument/2006/relationships" xmlns:p="http://schemas.openxmlformats.org/presentationml/2006/main">
-  <p:cSld>
-    <p:spTree>
-      <p:nvGrpSpPr>
-        <p:cNvPr id="1" name=""/>
-        <p:cNvGrpSpPr/>
-        <p:nvPr/>
-      </p:nvGrpSpPr>
-      <p:grpSpPr>
-        <a:xfrm>
-          <a:off x="0" y="0"/>
-          <a:ext cx="0" cy="0"/>
-          <a:chOff x="0" y="0"/>
-          <a:chExt cx="0" cy="0"/>
-        </a:xfrm>
-      </p:grpSpPr>
-      <p:sp>
-        <p:nvSpPr>
-          <p:cNvPr id="2" name="Content Placeholder 1"/>
-          <p:cNvSpPr>
-            <a:spLocks noGrp="1"/>
-          </p:cNvSpPr>
-          <p:nvPr>
-            <p:ph idx="1"/>
-          </p:nvPr>
-        </p:nvSpPr>
-        <p:spPr/>
-        <p:txBody>
-          <a:bodyPr/>
-          <a:lstStyle/>
-          <a:p>
-            <a:pPr marL="0" indent="0">
-              <a:buNone/>
-            </a:pPr>
-            <a:r>
-              <a:rPr lang="en-US" i="1" dirty="0" smtClean="0"/>
-              <a:t>Input efficiency</a:t>
-            </a:r>
-          </a:p>
-          <a:p>
-            <a:pPr marL="0" indent="0">
-              <a:buNone/>
-            </a:pPr>
-            <a:endParaRPr lang="en-US" i="1" dirty="0"/>
-          </a:p>
-          <a:p>
-            <a:pPr>
-              <a:spcAft>
-                <a:spcPts val="0"/>
-              </a:spcAft>
-              <a:buFont typeface="Wingdings" panose="05000000000000000000" pitchFamily="2" charset="2"/>
-              <a:buChar char="§"/>
-            </a:pPr>
-            <a:r>
-              <a:rPr lang="en-US" i="1" dirty="0" smtClean="0"/>
-              <a:t>Project:</a:t>
-            </a:r>
-          </a:p>
-          <a:p>
-            <a:pPr marL="228600" lvl="1" indent="0">
-              <a:spcAft>
-                <a:spcPts val="0"/>
-              </a:spcAft>
-              <a:buNone/>
-            </a:pPr>
-            <a:endParaRPr lang="en-US" i="1" dirty="0" smtClean="0"/>
-          </a:p>
-          <a:p>
-            <a:pPr lvl="1">
-              <a:spcAft>
-                <a:spcPts val="0"/>
-              </a:spcAft>
-              <a:buFont typeface="Wingdings" panose="05000000000000000000" pitchFamily="2" charset="2"/>
-              <a:buChar char="§"/>
-            </a:pPr>
-            <a:r>
-              <a:rPr lang="en-US" i="1" dirty="0" smtClean="0"/>
-              <a:t>Efficiency – </a:t>
-            </a:r>
-            <a:r>
-              <a:rPr lang="en-US" dirty="0" smtClean="0"/>
-              <a:t>Each line of business has 1 atb2 file containing model assumptions</a:t>
-            </a:r>
-          </a:p>
-          <a:p>
-            <a:pPr lvl="1">
-              <a:spcAft>
-                <a:spcPts val="0"/>
-              </a:spcAft>
-              <a:buFont typeface="Wingdings" panose="05000000000000000000" pitchFamily="2" charset="2"/>
-              <a:buChar char="§"/>
-            </a:pPr>
-            <a:endParaRPr lang="en-US" dirty="0"/>
-          </a:p>
-          <a:p>
-            <a:pPr lvl="2">
-              <a:spcAft>
-                <a:spcPts val="0"/>
-              </a:spcAft>
-              <a:buFont typeface="Wingdings" panose="05000000000000000000" pitchFamily="2" charset="2"/>
-              <a:buChar char="§"/>
-            </a:pPr>
-            <a:r>
-              <a:rPr lang="en-US" dirty="0" smtClean="0"/>
-              <a:t>Some assumptions are updated regularly, others are never touched</a:t>
-            </a:r>
-          </a:p>
-          <a:p>
-            <a:pPr lvl="2">
-              <a:spcAft>
-                <a:spcPts val="0"/>
-              </a:spcAft>
-              <a:buFont typeface="Wingdings" panose="05000000000000000000" pitchFamily="2" charset="2"/>
-              <a:buChar char="§"/>
-            </a:pPr>
-            <a:endParaRPr lang="en-US" dirty="0"/>
-          </a:p>
-          <a:p>
-            <a:pPr lvl="2">
-              <a:spcAft>
-                <a:spcPts val="0"/>
-              </a:spcAft>
-              <a:buFont typeface="Wingdings" panose="05000000000000000000" pitchFamily="2" charset="2"/>
-              <a:buChar char="§"/>
-            </a:pPr>
-            <a:r>
-              <a:rPr lang="en-US" dirty="0" smtClean="0"/>
-              <a:t>Separate updated tables from static tables to make assumption updating easier</a:t>
-            </a:r>
-            <a:endParaRPr lang="en-US" dirty="0"/>
-          </a:p>
-          <a:p>
-            <a:pPr marL="457200" lvl="2" indent="0">
-              <a:spcAft>
-                <a:spcPts val="0"/>
-              </a:spcAft>
-              <a:buNone/>
-            </a:pPr>
-            <a:endParaRPr lang="en-US" dirty="0" smtClean="0"/>
-          </a:p>
-          <a:p>
-            <a:pPr lvl="1">
-              <a:spcAft>
-                <a:spcPts val="0"/>
-              </a:spcAft>
-              <a:buFont typeface="Wingdings" panose="05000000000000000000" pitchFamily="2" charset="2"/>
-              <a:buChar char="§"/>
-            </a:pPr>
-            <a:r>
-              <a:rPr lang="en-US" i="1" dirty="0" smtClean="0"/>
-              <a:t>Flexibility</a:t>
-            </a:r>
-          </a:p>
-          <a:p>
-            <a:pPr lvl="1">
-              <a:spcAft>
-                <a:spcPts val="0"/>
-              </a:spcAft>
-              <a:buFont typeface="Wingdings" panose="05000000000000000000" pitchFamily="2" charset="2"/>
-              <a:buChar char="§"/>
-            </a:pPr>
-            <a:endParaRPr lang="en-US" i="1" dirty="0"/>
-          </a:p>
-          <a:p>
-            <a:pPr lvl="2">
-              <a:spcAft>
-                <a:spcPts val="0"/>
-              </a:spcAft>
-              <a:buFont typeface="Wingdings" panose="05000000000000000000" pitchFamily="2" charset="2"/>
-              <a:buChar char="§"/>
-            </a:pPr>
-            <a:r>
-              <a:rPr lang="en-US" dirty="0" smtClean="0"/>
-              <a:t>Needs to work for multiple lines of business</a:t>
-            </a:r>
-          </a:p>
-          <a:p>
-            <a:pPr lvl="2">
-              <a:spcAft>
-                <a:spcPts val="0"/>
-              </a:spcAft>
-              <a:buFont typeface="Wingdings" panose="05000000000000000000" pitchFamily="2" charset="2"/>
-              <a:buChar char="§"/>
-            </a:pPr>
-            <a:endParaRPr lang="en-US" i="1" dirty="0" smtClean="0"/>
-          </a:p>
-          <a:p>
-            <a:pPr lvl="2">
-              <a:spcAft>
-                <a:spcPts val="0"/>
-              </a:spcAft>
-              <a:buFont typeface="Wingdings" panose="05000000000000000000" pitchFamily="2" charset="2"/>
-              <a:buChar char="§"/>
-            </a:pPr>
-            <a:r>
-              <a:rPr lang="en-US" dirty="0" smtClean="0"/>
-              <a:t>Iterative process</a:t>
-            </a:r>
-            <a:endParaRPr lang="en-US" dirty="0"/>
-          </a:p>
-          <a:p>
-            <a:pPr lvl="2">
-              <a:spcAft>
-                <a:spcPts val="0"/>
-              </a:spcAft>
-              <a:buFont typeface="Wingdings" panose="05000000000000000000" pitchFamily="2" charset="2"/>
-              <a:buChar char="§"/>
-            </a:pPr>
-            <a:endParaRPr lang="en-US" i="1" dirty="0" smtClean="0"/>
-          </a:p>
-          <a:p>
-            <a:pPr lvl="1">
-              <a:spcAft>
-                <a:spcPts val="0"/>
-              </a:spcAft>
-              <a:buFont typeface="Wingdings" panose="05000000000000000000" pitchFamily="2" charset="2"/>
-              <a:buChar char="§"/>
-            </a:pPr>
-            <a:endParaRPr lang="en-US" i="1" dirty="0"/>
-          </a:p>
-          <a:p>
-            <a:pPr lvl="2">
-              <a:spcAft>
-                <a:spcPts val="0"/>
-              </a:spcAft>
-              <a:buFont typeface="Wingdings" panose="05000000000000000000" pitchFamily="2" charset="2"/>
-              <a:buChar char="§"/>
-            </a:pPr>
-            <a:endParaRPr lang="en-US" dirty="0" smtClean="0"/>
-          </a:p>
-        </p:txBody>
-      </p:sp>
-      <p:sp>
-        <p:nvSpPr>
-          <p:cNvPr id="3" name="Slide Number Placeholder 2"/>
-          <p:cNvSpPr>
-            <a:spLocks noGrp="1"/>
-          </p:cNvSpPr>
-          <p:nvPr>
-            <p:ph type="sldNum" sz="quarter" idx="4294967295"/>
-          </p:nvPr>
-        </p:nvSpPr>
-        <p:spPr>
-          <a:xfrm>
-            <a:off x="8366760" y="6465572"/>
-            <a:ext cx="457200" cy="182880"/>
-          </a:xfrm>
-        </p:spPr>
-        <p:txBody>
-          <a:bodyPr/>
-          <a:lstStyle/>
-          <a:p>
-            <a:fld id="{E49B4C36-CA85-496D-A067-FC602A1FD8AC}" type="slidenum">
-              <a:rPr lang="en-US" smtClean="0"/>
-              <a:t>16</a:t>
-            </a:fld>
-            <a:endParaRPr lang="en-US"/>
-          </a:p>
-        </p:txBody>
-      </p:sp>
-      <p:sp>
-        <p:nvSpPr>
-          <p:cNvPr id="4" name="Title 3"/>
-          <p:cNvSpPr>
-            <a:spLocks noGrp="1"/>
-          </p:cNvSpPr>
-          <p:nvPr>
-            <p:ph type="title"/>
-          </p:nvPr>
-        </p:nvSpPr>
-        <p:spPr/>
-        <p:txBody>
-          <a:bodyPr/>
-          <a:lstStyle/>
-          <a:p>
-            <a:r>
-              <a:rPr lang="en-US" dirty="0" smtClean="0"/>
-              <a:t>MG-ALFA</a:t>
-            </a:r>
-            <a:endParaRPr lang="en-US" dirty="0"/>
-          </a:p>
-        </p:txBody>
-      </p:sp>
-    </p:spTree>
-    <p:extLst>
-      <p:ext uri="{BB962C8B-B14F-4D97-AF65-F5344CB8AC3E}">
-        <p14:creationId xmlns:p14="http://schemas.microsoft.com/office/powerpoint/2010/main" val="2912860542"/>
-      </p:ext>
-    </p:extLst>
-  </p:cSld>
-  <p:clrMapOvr>
-    <a:masterClrMapping/>
-  </p:clrMapOvr>
-  <p:timing>
-    <p:tnLst>
-      <p:par>
-        <p:cTn id="1" dur="indefinite" restart="never" nodeType="tmRoot"/>
-      </p:par>
-    </p:tnLst>
-  </p:timing>
-</p:sld>
-</file>
-
-<file path=ppt/slides/slide17.xml><?xml version="1.0" encoding="utf-8"?>
-<p:sld xmlns:a="http://schemas.openxmlformats.org/drawingml/2006/main" xmlns:r="http://schemas.openxmlformats.org/officeDocument/2006/relationships" xmlns:p="http://schemas.openxmlformats.org/presentationml/2006/main">
-  <p:cSld>
-    <p:spTree>
-      <p:nvGrpSpPr>
-        <p:cNvPr id="1" name=""/>
-        <p:cNvGrpSpPr/>
-        <p:nvPr/>
-      </p:nvGrpSpPr>
-      <p:grpSpPr>
-        <a:xfrm>
-          <a:off x="0" y="0"/>
-          <a:ext cx="0" cy="0"/>
-          <a:chOff x="0" y="0"/>
-          <a:chExt cx="0" cy="0"/>
-        </a:xfrm>
-      </p:grpSpPr>
-      <p:sp>
-        <p:nvSpPr>
           <p:cNvPr id="34" name="Rounded Rectangle 33"/>
           <p:cNvSpPr/>
           <p:nvPr/>
@@ -9401,7 +8531,7 @@
           <a:p>
             <a:fld id="{E49B4C36-CA85-496D-A067-FC602A1FD8AC}" type="slidenum">
               <a:rPr lang="en-US" smtClean="0"/>
-              <a:t>17</a:t>
+              <a:t>14</a:t>
             </a:fld>
             <a:endParaRPr lang="en-US"/>
           </a:p>
@@ -10112,7 +9242,7 @@
 </p:sld>
 </file>
 
-<file path=ppt/slides/slide18.xml><?xml version="1.0" encoding="utf-8"?>
+<file path=ppt/slides/slide15.xml><?xml version="1.0" encoding="utf-8"?>
 <p:sld xmlns:a="http://schemas.openxmlformats.org/drawingml/2006/main" xmlns:r="http://schemas.openxmlformats.org/officeDocument/2006/relationships" xmlns:p="http://schemas.openxmlformats.org/presentationml/2006/main">
   <p:cSld>
     <p:spTree>
@@ -10151,7 +9281,7 @@
           <a:p>
             <a:fld id="{E49B4C36-CA85-496D-A067-FC602A1FD8AC}" type="slidenum">
               <a:rPr lang="en-US" smtClean="0"/>
-              <a:t>18</a:t>
+              <a:t>15</a:t>
             </a:fld>
             <a:endParaRPr lang="en-US"/>
           </a:p>
@@ -10374,7 +9504,7 @@
 </p:sld>
 </file>
 
-<file path=ppt/slides/slide19.xml><?xml version="1.0" encoding="utf-8"?>
+<file path=ppt/slides/slide16.xml><?xml version="1.0" encoding="utf-8"?>
 <p:sld xmlns:a="http://schemas.openxmlformats.org/drawingml/2006/main" xmlns:r="http://schemas.openxmlformats.org/officeDocument/2006/relationships" xmlns:p="http://schemas.openxmlformats.org/presentationml/2006/main">
   <p:cSld>
     <p:spTree>
@@ -10413,7 +9543,7 @@
           <a:p>
             <a:fld id="{E49B4C36-CA85-496D-A067-FC602A1FD8AC}" type="slidenum">
               <a:rPr lang="en-US" smtClean="0"/>
-              <a:t>19</a:t>
+              <a:t>16</a:t>
             </a:fld>
             <a:endParaRPr lang="en-US"/>
           </a:p>
@@ -10646,6 +9776,470 @@
     <p:extLst>
       <p:ext uri="{BB962C8B-B14F-4D97-AF65-F5344CB8AC3E}">
         <p14:creationId xmlns:p14="http://schemas.microsoft.com/office/powerpoint/2010/main" val="1585707474"/>
+      </p:ext>
+    </p:extLst>
+  </p:cSld>
+  <p:clrMapOvr>
+    <a:masterClrMapping/>
+  </p:clrMapOvr>
+  <p:timing>
+    <p:tnLst>
+      <p:par>
+        <p:cTn id="1" dur="indefinite" restart="never" nodeType="tmRoot"/>
+      </p:par>
+    </p:tnLst>
+  </p:timing>
+</p:sld>
+</file>
+
+<file path=ppt/slides/slide17.xml><?xml version="1.0" encoding="utf-8"?>
+<p:sld xmlns:a="http://schemas.openxmlformats.org/drawingml/2006/main" xmlns:r="http://schemas.openxmlformats.org/officeDocument/2006/relationships" xmlns:p="http://schemas.openxmlformats.org/presentationml/2006/main">
+  <p:cSld>
+    <p:spTree>
+      <p:nvGrpSpPr>
+        <p:cNvPr id="1" name=""/>
+        <p:cNvGrpSpPr/>
+        <p:nvPr/>
+      </p:nvGrpSpPr>
+      <p:grpSpPr>
+        <a:xfrm>
+          <a:off x="0" y="0"/>
+          <a:ext cx="0" cy="0"/>
+          <a:chOff x="0" y="0"/>
+          <a:chExt cx="0" cy="0"/>
+        </a:xfrm>
+      </p:grpSpPr>
+      <p:sp>
+        <p:nvSpPr>
+          <p:cNvPr id="2" name="Content Placeholder 1"/>
+          <p:cNvSpPr>
+            <a:spLocks noGrp="1"/>
+          </p:cNvSpPr>
+          <p:nvPr>
+            <p:ph idx="1"/>
+          </p:nvPr>
+        </p:nvSpPr>
+        <p:spPr/>
+        <p:txBody>
+          <a:bodyPr/>
+          <a:lstStyle/>
+          <a:p>
+            <a:pPr marL="0" indent="0">
+              <a:buNone/>
+            </a:pPr>
+            <a:r>
+              <a:rPr lang="en-US" i="1" dirty="0" smtClean="0"/>
+              <a:t>SOA Predictive Analytics Exam for ASA’s</a:t>
+            </a:r>
+          </a:p>
+          <a:p>
+            <a:pPr marL="0" indent="0">
+              <a:buNone/>
+            </a:pPr>
+            <a:endParaRPr lang="en-US" i="1" dirty="0" smtClean="0"/>
+          </a:p>
+          <a:p>
+            <a:pPr marL="0" indent="0">
+              <a:buNone/>
+            </a:pPr>
+            <a:endParaRPr lang="en-US" i="1" dirty="0"/>
+          </a:p>
+          <a:p>
+            <a:pPr marL="0" indent="0">
+              <a:buNone/>
+            </a:pPr>
+            <a:endParaRPr lang="en-US" i="1" dirty="0"/>
+          </a:p>
+          <a:p>
+            <a:pPr>
+              <a:buFont typeface="Wingdings" panose="05000000000000000000" pitchFamily="2" charset="2"/>
+              <a:buChar char="§"/>
+            </a:pPr>
+            <a:endParaRPr lang="en-US" i="1" dirty="0" smtClean="0"/>
+          </a:p>
+          <a:p>
+            <a:pPr>
+              <a:buFont typeface="Wingdings" panose="05000000000000000000" pitchFamily="2" charset="2"/>
+              <a:buChar char="§"/>
+            </a:pPr>
+            <a:endParaRPr lang="en-US" i="1" dirty="0"/>
+          </a:p>
+          <a:p>
+            <a:pPr marL="0" indent="0">
+              <a:buNone/>
+            </a:pPr>
+            <a:endParaRPr lang="en-US" i="1" dirty="0" smtClean="0"/>
+          </a:p>
+          <a:p>
+            <a:pPr>
+              <a:buFont typeface="Wingdings" panose="05000000000000000000" pitchFamily="2" charset="2"/>
+              <a:buChar char="§"/>
+            </a:pPr>
+            <a:endParaRPr lang="en-US" i="1" dirty="0" smtClean="0"/>
+          </a:p>
+          <a:p>
+            <a:pPr>
+              <a:buFont typeface="Wingdings" panose="05000000000000000000" pitchFamily="2" charset="2"/>
+              <a:buChar char="§"/>
+            </a:pPr>
+            <a:endParaRPr lang="en-US" i="1" dirty="0"/>
+          </a:p>
+          <a:p>
+            <a:pPr>
+              <a:buFont typeface="Wingdings" panose="05000000000000000000" pitchFamily="2" charset="2"/>
+              <a:buChar char="§"/>
+            </a:pPr>
+            <a:endParaRPr lang="en-US" i="1" dirty="0" smtClean="0"/>
+          </a:p>
+          <a:p>
+            <a:pPr>
+              <a:buFont typeface="Wingdings" panose="05000000000000000000" pitchFamily="2" charset="2"/>
+              <a:buChar char="§"/>
+            </a:pPr>
+            <a:r>
+              <a:rPr lang="en-US" i="1" dirty="0" smtClean="0"/>
+              <a:t>Big picture:</a:t>
+            </a:r>
+          </a:p>
+          <a:p>
+            <a:pPr lvl="1">
+              <a:buFont typeface="Wingdings" panose="05000000000000000000" pitchFamily="2" charset="2"/>
+              <a:buChar char="§"/>
+            </a:pPr>
+            <a:r>
+              <a:rPr lang="en-US" i="1" dirty="0" smtClean="0"/>
+              <a:t>At Lincoln you are going to have an influx of interns with these skills! </a:t>
+            </a:r>
+            <a:endParaRPr lang="en-US" i="1" dirty="0"/>
+          </a:p>
+          <a:p>
+            <a:pPr>
+              <a:buFont typeface="Wingdings" panose="05000000000000000000" pitchFamily="2" charset="2"/>
+              <a:buChar char="§"/>
+            </a:pPr>
+            <a:endParaRPr lang="en-US" i="1" dirty="0" smtClean="0"/>
+          </a:p>
+          <a:p>
+            <a:pPr lvl="1">
+              <a:buFont typeface="Wingdings" panose="05000000000000000000" pitchFamily="2" charset="2"/>
+              <a:buChar char="§"/>
+            </a:pPr>
+            <a:endParaRPr lang="en-US" i="1" dirty="0" smtClean="0"/>
+          </a:p>
+          <a:p>
+            <a:pPr lvl="1">
+              <a:buFont typeface="Wingdings" panose="05000000000000000000" pitchFamily="2" charset="2"/>
+              <a:buChar char="§"/>
+            </a:pPr>
+            <a:endParaRPr lang="en-US" i="1" dirty="0"/>
+          </a:p>
+          <a:p>
+            <a:pPr lvl="1">
+              <a:buFont typeface="Wingdings" panose="05000000000000000000" pitchFamily="2" charset="2"/>
+              <a:buChar char="§"/>
+            </a:pPr>
+            <a:endParaRPr lang="en-US" dirty="0" smtClean="0"/>
+          </a:p>
+        </p:txBody>
+      </p:sp>
+      <p:sp>
+        <p:nvSpPr>
+          <p:cNvPr id="3" name="Slide Number Placeholder 2"/>
+          <p:cNvSpPr>
+            <a:spLocks noGrp="1"/>
+          </p:cNvSpPr>
+          <p:nvPr>
+            <p:ph type="sldNum" sz="quarter" idx="4294967295"/>
+          </p:nvPr>
+        </p:nvSpPr>
+        <p:spPr>
+          <a:xfrm>
+            <a:off x="8366760" y="6465572"/>
+            <a:ext cx="457200" cy="182880"/>
+          </a:xfrm>
+        </p:spPr>
+        <p:txBody>
+          <a:bodyPr/>
+          <a:lstStyle/>
+          <a:p>
+            <a:fld id="{E49B4C36-CA85-496D-A067-FC602A1FD8AC}" type="slidenum">
+              <a:rPr lang="en-US" smtClean="0"/>
+              <a:t>17</a:t>
+            </a:fld>
+            <a:endParaRPr lang="en-US"/>
+          </a:p>
+        </p:txBody>
+      </p:sp>
+      <p:sp>
+        <p:nvSpPr>
+          <p:cNvPr id="4" name="Title 3"/>
+          <p:cNvSpPr>
+            <a:spLocks noGrp="1"/>
+          </p:cNvSpPr>
+          <p:nvPr>
+            <p:ph type="title"/>
+          </p:nvPr>
+        </p:nvSpPr>
+        <p:spPr/>
+        <p:txBody>
+          <a:bodyPr/>
+          <a:lstStyle/>
+          <a:p>
+            <a:r>
+              <a:rPr lang="en-US" dirty="0" smtClean="0"/>
+              <a:t>Why do I care so much?</a:t>
+            </a:r>
+            <a:endParaRPr lang="en-US" dirty="0"/>
+          </a:p>
+        </p:txBody>
+      </p:sp>
+      <p:pic>
+        <p:nvPicPr>
+          <p:cNvPr id="5" name="Picture 4"/>
+          <p:cNvPicPr>
+            <a:picLocks noChangeAspect="1"/>
+          </p:cNvPicPr>
+          <p:nvPr/>
+        </p:nvPicPr>
+        <p:blipFill>
+          <a:blip r:embed="rId2">
+            <a:extLst>
+              <a:ext uri="{28A0092B-C50C-407E-A947-70E740481C1C}">
+                <a14:useLocalDpi xmlns:a14="http://schemas.microsoft.com/office/drawing/2010/main" val="0"/>
+              </a:ext>
+            </a:extLst>
+          </a:blip>
+          <a:stretch>
+            <a:fillRect/>
+          </a:stretch>
+        </p:blipFill>
+        <p:spPr>
+          <a:xfrm>
+            <a:off x="381000" y="1676400"/>
+            <a:ext cx="8159796" cy="2819400"/>
+          </a:xfrm>
+          <a:prstGeom prst="rect">
+            <a:avLst/>
+          </a:prstGeom>
+        </p:spPr>
+      </p:pic>
+    </p:spTree>
+    <p:extLst>
+      <p:ext uri="{BB962C8B-B14F-4D97-AF65-F5344CB8AC3E}">
+        <p14:creationId xmlns:p14="http://schemas.microsoft.com/office/powerpoint/2010/main" val="3349773694"/>
+      </p:ext>
+    </p:extLst>
+  </p:cSld>
+  <p:clrMapOvr>
+    <a:masterClrMapping/>
+  </p:clrMapOvr>
+  <p:timing>
+    <p:tnLst>
+      <p:par>
+        <p:cTn id="1" dur="indefinite" restart="never" nodeType="tmRoot"/>
+      </p:par>
+    </p:tnLst>
+  </p:timing>
+</p:sld>
+</file>
+
+<file path=ppt/slides/slide18.xml><?xml version="1.0" encoding="utf-8"?>
+<p:sld xmlns:a="http://schemas.openxmlformats.org/drawingml/2006/main" xmlns:r="http://schemas.openxmlformats.org/officeDocument/2006/relationships" xmlns:p="http://schemas.openxmlformats.org/presentationml/2006/main">
+  <p:cSld>
+    <p:spTree>
+      <p:nvGrpSpPr>
+        <p:cNvPr id="1" name=""/>
+        <p:cNvGrpSpPr/>
+        <p:nvPr/>
+      </p:nvGrpSpPr>
+      <p:grpSpPr>
+        <a:xfrm>
+          <a:off x="0" y="0"/>
+          <a:ext cx="0" cy="0"/>
+          <a:chOff x="0" y="0"/>
+          <a:chExt cx="0" cy="0"/>
+        </a:xfrm>
+      </p:grpSpPr>
+      <p:sp>
+        <p:nvSpPr>
+          <p:cNvPr id="2" name="Content Placeholder 1"/>
+          <p:cNvSpPr>
+            <a:spLocks noGrp="1"/>
+          </p:cNvSpPr>
+          <p:nvPr>
+            <p:ph idx="1"/>
+          </p:nvPr>
+        </p:nvSpPr>
+        <p:spPr/>
+        <p:txBody>
+          <a:bodyPr/>
+          <a:lstStyle/>
+          <a:p>
+            <a:pPr marL="0" indent="0">
+              <a:buNone/>
+            </a:pPr>
+            <a:r>
+              <a:rPr lang="en-US" i="1" dirty="0" smtClean="0"/>
+              <a:t>Resources</a:t>
+            </a:r>
+          </a:p>
+          <a:p>
+            <a:pPr marL="0" indent="0">
+              <a:buNone/>
+            </a:pPr>
+            <a:endParaRPr lang="en-US" i="1" dirty="0" smtClean="0"/>
+          </a:p>
+          <a:p>
+            <a:pPr>
+              <a:spcAft>
+                <a:spcPts val="0"/>
+              </a:spcAft>
+              <a:buFont typeface="Wingdings" panose="05000000000000000000" pitchFamily="2" charset="2"/>
+              <a:buChar char="§"/>
+            </a:pPr>
+            <a:r>
+              <a:rPr lang="en-US" dirty="0" smtClean="0"/>
+              <a:t>R Basics Talk – Import, Manipulate, Visualize</a:t>
+            </a:r>
+          </a:p>
+          <a:p>
+            <a:pPr>
+              <a:spcAft>
+                <a:spcPts val="0"/>
+              </a:spcAft>
+              <a:buFont typeface="Wingdings" panose="05000000000000000000" pitchFamily="2" charset="2"/>
+              <a:buChar char="§"/>
+            </a:pPr>
+            <a:endParaRPr lang="en-US" dirty="0"/>
+          </a:p>
+          <a:p>
+            <a:pPr>
+              <a:spcAft>
+                <a:spcPts val="0"/>
+              </a:spcAft>
+              <a:buFont typeface="Wingdings" panose="05000000000000000000" pitchFamily="2" charset="2"/>
+              <a:buChar char="§"/>
+            </a:pPr>
+            <a:r>
+              <a:rPr lang="en-US" dirty="0" smtClean="0"/>
+              <a:t>R 4 Data Science – http://r4ds.had.co.nz/</a:t>
+            </a:r>
+            <a:endParaRPr lang="en-US" dirty="0"/>
+          </a:p>
+          <a:p>
+            <a:pPr marL="0" indent="0">
+              <a:buNone/>
+            </a:pPr>
+            <a:endParaRPr lang="en-US" i="1" dirty="0" smtClean="0"/>
+          </a:p>
+          <a:p>
+            <a:pPr lvl="1">
+              <a:buFont typeface="Wingdings" panose="05000000000000000000" pitchFamily="2" charset="2"/>
+              <a:buChar char="§"/>
+            </a:pPr>
+            <a:endParaRPr lang="en-US" i="1" dirty="0" smtClean="0"/>
+          </a:p>
+          <a:p>
+            <a:pPr lvl="1">
+              <a:buFont typeface="Wingdings" panose="05000000000000000000" pitchFamily="2" charset="2"/>
+              <a:buChar char="§"/>
+            </a:pPr>
+            <a:endParaRPr lang="en-US" i="1" dirty="0"/>
+          </a:p>
+          <a:p>
+            <a:pPr lvl="1">
+              <a:buFont typeface="Wingdings" panose="05000000000000000000" pitchFamily="2" charset="2"/>
+              <a:buChar char="§"/>
+            </a:pPr>
+            <a:endParaRPr lang="en-US" dirty="0" smtClean="0"/>
+          </a:p>
+        </p:txBody>
+      </p:sp>
+      <p:sp>
+        <p:nvSpPr>
+          <p:cNvPr id="3" name="Slide Number Placeholder 2"/>
+          <p:cNvSpPr>
+            <a:spLocks noGrp="1"/>
+          </p:cNvSpPr>
+          <p:nvPr>
+            <p:ph type="sldNum" sz="quarter" idx="4294967295"/>
+          </p:nvPr>
+        </p:nvSpPr>
+        <p:spPr>
+          <a:xfrm>
+            <a:off x="8366760" y="6465572"/>
+            <a:ext cx="457200" cy="182880"/>
+          </a:xfrm>
+        </p:spPr>
+        <p:txBody>
+          <a:bodyPr/>
+          <a:lstStyle/>
+          <a:p>
+            <a:fld id="{E49B4C36-CA85-496D-A067-FC602A1FD8AC}" type="slidenum">
+              <a:rPr lang="en-US" smtClean="0"/>
+              <a:t>18</a:t>
+            </a:fld>
+            <a:endParaRPr lang="en-US"/>
+          </a:p>
+        </p:txBody>
+      </p:sp>
+      <p:sp>
+        <p:nvSpPr>
+          <p:cNvPr id="4" name="Title 3"/>
+          <p:cNvSpPr>
+            <a:spLocks noGrp="1"/>
+          </p:cNvSpPr>
+          <p:nvPr>
+            <p:ph type="title"/>
+          </p:nvPr>
+        </p:nvSpPr>
+        <p:spPr/>
+        <p:txBody>
+          <a:bodyPr/>
+          <a:lstStyle/>
+          <a:p>
+            <a:r>
+              <a:rPr lang="en-US" dirty="0" smtClean="0"/>
+              <a:t>To learn more</a:t>
+            </a:r>
+            <a:endParaRPr lang="en-US" dirty="0"/>
+          </a:p>
+        </p:txBody>
+      </p:sp>
+      <p:pic>
+        <p:nvPicPr>
+          <p:cNvPr id="6" name="Picture 5"/>
+          <p:cNvPicPr>
+            <a:picLocks noChangeAspect="1"/>
+          </p:cNvPicPr>
+          <p:nvPr/>
+        </p:nvPicPr>
+        <p:blipFill>
+          <a:blip r:embed="rId2">
+            <a:extLst>
+              <a:ext uri="{28A0092B-C50C-407E-A947-70E740481C1C}">
+                <a14:useLocalDpi xmlns:a14="http://schemas.microsoft.com/office/drawing/2010/main" val="0"/>
+              </a:ext>
+            </a:extLst>
+          </a:blip>
+          <a:stretch>
+            <a:fillRect/>
+          </a:stretch>
+        </p:blipFill>
+        <p:spPr>
+          <a:xfrm>
+            <a:off x="1780413" y="3276600"/>
+            <a:ext cx="5458587" cy="2524478"/>
+          </a:xfrm>
+          <a:prstGeom prst="rect">
+            <a:avLst/>
+          </a:prstGeom>
+        </p:spPr>
+      </p:pic>
+    </p:spTree>
+    <p:extLst>
+      <p:ext uri="{BB962C8B-B14F-4D97-AF65-F5344CB8AC3E}">
+        <p14:creationId xmlns:p14="http://schemas.microsoft.com/office/powerpoint/2010/main" val="1985653065"/>
       </p:ext>
     </p:extLst>
   </p:cSld>
@@ -10895,470 +10489,6 @@
 </p:sld>
 </file>
 
-<file path=ppt/slides/slide20.xml><?xml version="1.0" encoding="utf-8"?>
-<p:sld xmlns:a="http://schemas.openxmlformats.org/drawingml/2006/main" xmlns:r="http://schemas.openxmlformats.org/officeDocument/2006/relationships" xmlns:p="http://schemas.openxmlformats.org/presentationml/2006/main">
-  <p:cSld>
-    <p:spTree>
-      <p:nvGrpSpPr>
-        <p:cNvPr id="1" name=""/>
-        <p:cNvGrpSpPr/>
-        <p:nvPr/>
-      </p:nvGrpSpPr>
-      <p:grpSpPr>
-        <a:xfrm>
-          <a:off x="0" y="0"/>
-          <a:ext cx="0" cy="0"/>
-          <a:chOff x="0" y="0"/>
-          <a:chExt cx="0" cy="0"/>
-        </a:xfrm>
-      </p:grpSpPr>
-      <p:sp>
-        <p:nvSpPr>
-          <p:cNvPr id="2" name="Content Placeholder 1"/>
-          <p:cNvSpPr>
-            <a:spLocks noGrp="1"/>
-          </p:cNvSpPr>
-          <p:nvPr>
-            <p:ph idx="1"/>
-          </p:nvPr>
-        </p:nvSpPr>
-        <p:spPr/>
-        <p:txBody>
-          <a:bodyPr/>
-          <a:lstStyle/>
-          <a:p>
-            <a:pPr marL="0" indent="0">
-              <a:buNone/>
-            </a:pPr>
-            <a:r>
-              <a:rPr lang="en-US" i="1" dirty="0" smtClean="0"/>
-              <a:t>SOA Predictive Analytics Exam for ASA’s</a:t>
-            </a:r>
-          </a:p>
-          <a:p>
-            <a:pPr marL="0" indent="0">
-              <a:buNone/>
-            </a:pPr>
-            <a:endParaRPr lang="en-US" i="1" dirty="0" smtClean="0"/>
-          </a:p>
-          <a:p>
-            <a:pPr marL="0" indent="0">
-              <a:buNone/>
-            </a:pPr>
-            <a:endParaRPr lang="en-US" i="1" dirty="0"/>
-          </a:p>
-          <a:p>
-            <a:pPr marL="0" indent="0">
-              <a:buNone/>
-            </a:pPr>
-            <a:endParaRPr lang="en-US" i="1" dirty="0"/>
-          </a:p>
-          <a:p>
-            <a:pPr>
-              <a:buFont typeface="Wingdings" panose="05000000000000000000" pitchFamily="2" charset="2"/>
-              <a:buChar char="§"/>
-            </a:pPr>
-            <a:endParaRPr lang="en-US" i="1" dirty="0" smtClean="0"/>
-          </a:p>
-          <a:p>
-            <a:pPr>
-              <a:buFont typeface="Wingdings" panose="05000000000000000000" pitchFamily="2" charset="2"/>
-              <a:buChar char="§"/>
-            </a:pPr>
-            <a:endParaRPr lang="en-US" i="1" dirty="0"/>
-          </a:p>
-          <a:p>
-            <a:pPr marL="0" indent="0">
-              <a:buNone/>
-            </a:pPr>
-            <a:endParaRPr lang="en-US" i="1" dirty="0" smtClean="0"/>
-          </a:p>
-          <a:p>
-            <a:pPr>
-              <a:buFont typeface="Wingdings" panose="05000000000000000000" pitchFamily="2" charset="2"/>
-              <a:buChar char="§"/>
-            </a:pPr>
-            <a:endParaRPr lang="en-US" i="1" dirty="0" smtClean="0"/>
-          </a:p>
-          <a:p>
-            <a:pPr>
-              <a:buFont typeface="Wingdings" panose="05000000000000000000" pitchFamily="2" charset="2"/>
-              <a:buChar char="§"/>
-            </a:pPr>
-            <a:endParaRPr lang="en-US" i="1" dirty="0"/>
-          </a:p>
-          <a:p>
-            <a:pPr>
-              <a:buFont typeface="Wingdings" panose="05000000000000000000" pitchFamily="2" charset="2"/>
-              <a:buChar char="§"/>
-            </a:pPr>
-            <a:endParaRPr lang="en-US" i="1" dirty="0" smtClean="0"/>
-          </a:p>
-          <a:p>
-            <a:pPr>
-              <a:buFont typeface="Wingdings" panose="05000000000000000000" pitchFamily="2" charset="2"/>
-              <a:buChar char="§"/>
-            </a:pPr>
-            <a:r>
-              <a:rPr lang="en-US" i="1" dirty="0" smtClean="0"/>
-              <a:t>Big picture:</a:t>
-            </a:r>
-          </a:p>
-          <a:p>
-            <a:pPr lvl="1">
-              <a:buFont typeface="Wingdings" panose="05000000000000000000" pitchFamily="2" charset="2"/>
-              <a:buChar char="§"/>
-            </a:pPr>
-            <a:r>
-              <a:rPr lang="en-US" i="1" dirty="0" smtClean="0"/>
-              <a:t>At Lincoln you are going to have an influx of interns with these skills! </a:t>
-            </a:r>
-            <a:endParaRPr lang="en-US" i="1" dirty="0"/>
-          </a:p>
-          <a:p>
-            <a:pPr>
-              <a:buFont typeface="Wingdings" panose="05000000000000000000" pitchFamily="2" charset="2"/>
-              <a:buChar char="§"/>
-            </a:pPr>
-            <a:endParaRPr lang="en-US" i="1" dirty="0" smtClean="0"/>
-          </a:p>
-          <a:p>
-            <a:pPr lvl="1">
-              <a:buFont typeface="Wingdings" panose="05000000000000000000" pitchFamily="2" charset="2"/>
-              <a:buChar char="§"/>
-            </a:pPr>
-            <a:endParaRPr lang="en-US" i="1" dirty="0" smtClean="0"/>
-          </a:p>
-          <a:p>
-            <a:pPr lvl="1">
-              <a:buFont typeface="Wingdings" panose="05000000000000000000" pitchFamily="2" charset="2"/>
-              <a:buChar char="§"/>
-            </a:pPr>
-            <a:endParaRPr lang="en-US" i="1" dirty="0"/>
-          </a:p>
-          <a:p>
-            <a:pPr lvl="1">
-              <a:buFont typeface="Wingdings" panose="05000000000000000000" pitchFamily="2" charset="2"/>
-              <a:buChar char="§"/>
-            </a:pPr>
-            <a:endParaRPr lang="en-US" dirty="0" smtClean="0"/>
-          </a:p>
-        </p:txBody>
-      </p:sp>
-      <p:sp>
-        <p:nvSpPr>
-          <p:cNvPr id="3" name="Slide Number Placeholder 2"/>
-          <p:cNvSpPr>
-            <a:spLocks noGrp="1"/>
-          </p:cNvSpPr>
-          <p:nvPr>
-            <p:ph type="sldNum" sz="quarter" idx="4294967295"/>
-          </p:nvPr>
-        </p:nvSpPr>
-        <p:spPr>
-          <a:xfrm>
-            <a:off x="8366760" y="6465572"/>
-            <a:ext cx="457200" cy="182880"/>
-          </a:xfrm>
-        </p:spPr>
-        <p:txBody>
-          <a:bodyPr/>
-          <a:lstStyle/>
-          <a:p>
-            <a:fld id="{E49B4C36-CA85-496D-A067-FC602A1FD8AC}" type="slidenum">
-              <a:rPr lang="en-US" smtClean="0"/>
-              <a:t>20</a:t>
-            </a:fld>
-            <a:endParaRPr lang="en-US"/>
-          </a:p>
-        </p:txBody>
-      </p:sp>
-      <p:sp>
-        <p:nvSpPr>
-          <p:cNvPr id="4" name="Title 3"/>
-          <p:cNvSpPr>
-            <a:spLocks noGrp="1"/>
-          </p:cNvSpPr>
-          <p:nvPr>
-            <p:ph type="title"/>
-          </p:nvPr>
-        </p:nvSpPr>
-        <p:spPr/>
-        <p:txBody>
-          <a:bodyPr/>
-          <a:lstStyle/>
-          <a:p>
-            <a:r>
-              <a:rPr lang="en-US" dirty="0" smtClean="0"/>
-              <a:t>Why do I care so much?</a:t>
-            </a:r>
-            <a:endParaRPr lang="en-US" dirty="0"/>
-          </a:p>
-        </p:txBody>
-      </p:sp>
-      <p:pic>
-        <p:nvPicPr>
-          <p:cNvPr id="5" name="Picture 4"/>
-          <p:cNvPicPr>
-            <a:picLocks noChangeAspect="1"/>
-          </p:cNvPicPr>
-          <p:nvPr/>
-        </p:nvPicPr>
-        <p:blipFill>
-          <a:blip r:embed="rId2">
-            <a:extLst>
-              <a:ext uri="{28A0092B-C50C-407E-A947-70E740481C1C}">
-                <a14:useLocalDpi xmlns:a14="http://schemas.microsoft.com/office/drawing/2010/main" val="0"/>
-              </a:ext>
-            </a:extLst>
-          </a:blip>
-          <a:stretch>
-            <a:fillRect/>
-          </a:stretch>
-        </p:blipFill>
-        <p:spPr>
-          <a:xfrm>
-            <a:off x="381000" y="1676400"/>
-            <a:ext cx="8159796" cy="2819400"/>
-          </a:xfrm>
-          <a:prstGeom prst="rect">
-            <a:avLst/>
-          </a:prstGeom>
-        </p:spPr>
-      </p:pic>
-    </p:spTree>
-    <p:extLst>
-      <p:ext uri="{BB962C8B-B14F-4D97-AF65-F5344CB8AC3E}">
-        <p14:creationId xmlns:p14="http://schemas.microsoft.com/office/powerpoint/2010/main" val="3349773694"/>
-      </p:ext>
-    </p:extLst>
-  </p:cSld>
-  <p:clrMapOvr>
-    <a:masterClrMapping/>
-  </p:clrMapOvr>
-  <p:timing>
-    <p:tnLst>
-      <p:par>
-        <p:cTn id="1" dur="indefinite" restart="never" nodeType="tmRoot"/>
-      </p:par>
-    </p:tnLst>
-  </p:timing>
-</p:sld>
-</file>
-
-<file path=ppt/slides/slide21.xml><?xml version="1.0" encoding="utf-8"?>
-<p:sld xmlns:a="http://schemas.openxmlformats.org/drawingml/2006/main" xmlns:r="http://schemas.openxmlformats.org/officeDocument/2006/relationships" xmlns:p="http://schemas.openxmlformats.org/presentationml/2006/main">
-  <p:cSld>
-    <p:spTree>
-      <p:nvGrpSpPr>
-        <p:cNvPr id="1" name=""/>
-        <p:cNvGrpSpPr/>
-        <p:nvPr/>
-      </p:nvGrpSpPr>
-      <p:grpSpPr>
-        <a:xfrm>
-          <a:off x="0" y="0"/>
-          <a:ext cx="0" cy="0"/>
-          <a:chOff x="0" y="0"/>
-          <a:chExt cx="0" cy="0"/>
-        </a:xfrm>
-      </p:grpSpPr>
-      <p:sp>
-        <p:nvSpPr>
-          <p:cNvPr id="2" name="Content Placeholder 1"/>
-          <p:cNvSpPr>
-            <a:spLocks noGrp="1"/>
-          </p:cNvSpPr>
-          <p:nvPr>
-            <p:ph idx="1"/>
-          </p:nvPr>
-        </p:nvSpPr>
-        <p:spPr/>
-        <p:txBody>
-          <a:bodyPr/>
-          <a:lstStyle/>
-          <a:p>
-            <a:pPr marL="0" indent="0">
-              <a:buNone/>
-            </a:pPr>
-            <a:r>
-              <a:rPr lang="en-US" i="1" dirty="0" smtClean="0"/>
-              <a:t>Resources</a:t>
-            </a:r>
-          </a:p>
-          <a:p>
-            <a:pPr marL="0" indent="0">
-              <a:buNone/>
-            </a:pPr>
-            <a:endParaRPr lang="en-US" i="1" dirty="0" smtClean="0"/>
-          </a:p>
-          <a:p>
-            <a:pPr>
-              <a:spcAft>
-                <a:spcPts val="0"/>
-              </a:spcAft>
-              <a:buFont typeface="Wingdings" panose="05000000000000000000" pitchFamily="2" charset="2"/>
-              <a:buChar char="§"/>
-            </a:pPr>
-            <a:r>
-              <a:rPr lang="en-US" dirty="0" smtClean="0"/>
-              <a:t>R Basics Talk – Import, Manipulate, Visualize</a:t>
-            </a:r>
-          </a:p>
-          <a:p>
-            <a:pPr>
-              <a:spcAft>
-                <a:spcPts val="0"/>
-              </a:spcAft>
-              <a:buFont typeface="Wingdings" panose="05000000000000000000" pitchFamily="2" charset="2"/>
-              <a:buChar char="§"/>
-            </a:pPr>
-            <a:endParaRPr lang="en-US" dirty="0"/>
-          </a:p>
-          <a:p>
-            <a:pPr>
-              <a:spcAft>
-                <a:spcPts val="0"/>
-              </a:spcAft>
-              <a:buFont typeface="Wingdings" panose="05000000000000000000" pitchFamily="2" charset="2"/>
-              <a:buChar char="§"/>
-            </a:pPr>
-            <a:r>
-              <a:rPr lang="en-US" dirty="0" smtClean="0"/>
-              <a:t>R 4 Data Science – http://r4ds.had.co.nz/</a:t>
-            </a:r>
-            <a:endParaRPr lang="en-US" dirty="0"/>
-          </a:p>
-          <a:p>
-            <a:pPr marL="0" indent="0">
-              <a:buNone/>
-            </a:pPr>
-            <a:endParaRPr lang="en-US" i="1" dirty="0" smtClean="0"/>
-          </a:p>
-          <a:p>
-            <a:pPr lvl="1">
-              <a:buFont typeface="Wingdings" panose="05000000000000000000" pitchFamily="2" charset="2"/>
-              <a:buChar char="§"/>
-            </a:pPr>
-            <a:endParaRPr lang="en-US" i="1" dirty="0" smtClean="0"/>
-          </a:p>
-          <a:p>
-            <a:pPr lvl="1">
-              <a:buFont typeface="Wingdings" panose="05000000000000000000" pitchFamily="2" charset="2"/>
-              <a:buChar char="§"/>
-            </a:pPr>
-            <a:endParaRPr lang="en-US" i="1" dirty="0"/>
-          </a:p>
-          <a:p>
-            <a:pPr lvl="1">
-              <a:buFont typeface="Wingdings" panose="05000000000000000000" pitchFamily="2" charset="2"/>
-              <a:buChar char="§"/>
-            </a:pPr>
-            <a:endParaRPr lang="en-US" dirty="0" smtClean="0"/>
-          </a:p>
-        </p:txBody>
-      </p:sp>
-      <p:sp>
-        <p:nvSpPr>
-          <p:cNvPr id="3" name="Slide Number Placeholder 2"/>
-          <p:cNvSpPr>
-            <a:spLocks noGrp="1"/>
-          </p:cNvSpPr>
-          <p:nvPr>
-            <p:ph type="sldNum" sz="quarter" idx="4294967295"/>
-          </p:nvPr>
-        </p:nvSpPr>
-        <p:spPr>
-          <a:xfrm>
-            <a:off x="8366760" y="6465572"/>
-            <a:ext cx="457200" cy="182880"/>
-          </a:xfrm>
-        </p:spPr>
-        <p:txBody>
-          <a:bodyPr/>
-          <a:lstStyle/>
-          <a:p>
-            <a:fld id="{E49B4C36-CA85-496D-A067-FC602A1FD8AC}" type="slidenum">
-              <a:rPr lang="en-US" smtClean="0"/>
-              <a:t>21</a:t>
-            </a:fld>
-            <a:endParaRPr lang="en-US"/>
-          </a:p>
-        </p:txBody>
-      </p:sp>
-      <p:sp>
-        <p:nvSpPr>
-          <p:cNvPr id="4" name="Title 3"/>
-          <p:cNvSpPr>
-            <a:spLocks noGrp="1"/>
-          </p:cNvSpPr>
-          <p:nvPr>
-            <p:ph type="title"/>
-          </p:nvPr>
-        </p:nvSpPr>
-        <p:spPr/>
-        <p:txBody>
-          <a:bodyPr/>
-          <a:lstStyle/>
-          <a:p>
-            <a:r>
-              <a:rPr lang="en-US" dirty="0" smtClean="0"/>
-              <a:t>To learn more</a:t>
-            </a:r>
-            <a:endParaRPr lang="en-US" dirty="0"/>
-          </a:p>
-        </p:txBody>
-      </p:sp>
-      <p:pic>
-        <p:nvPicPr>
-          <p:cNvPr id="6" name="Picture 5"/>
-          <p:cNvPicPr>
-            <a:picLocks noChangeAspect="1"/>
-          </p:cNvPicPr>
-          <p:nvPr/>
-        </p:nvPicPr>
-        <p:blipFill>
-          <a:blip r:embed="rId2">
-            <a:extLst>
-              <a:ext uri="{28A0092B-C50C-407E-A947-70E740481C1C}">
-                <a14:useLocalDpi xmlns:a14="http://schemas.microsoft.com/office/drawing/2010/main" val="0"/>
-              </a:ext>
-            </a:extLst>
-          </a:blip>
-          <a:stretch>
-            <a:fillRect/>
-          </a:stretch>
-        </p:blipFill>
-        <p:spPr>
-          <a:xfrm>
-            <a:off x="1780413" y="3276600"/>
-            <a:ext cx="5458587" cy="2524478"/>
-          </a:xfrm>
-          <a:prstGeom prst="rect">
-            <a:avLst/>
-          </a:prstGeom>
-        </p:spPr>
-      </p:pic>
-    </p:spTree>
-    <p:extLst>
-      <p:ext uri="{BB962C8B-B14F-4D97-AF65-F5344CB8AC3E}">
-        <p14:creationId xmlns:p14="http://schemas.microsoft.com/office/powerpoint/2010/main" val="1985653065"/>
-      </p:ext>
-    </p:extLst>
-  </p:cSld>
-  <p:clrMapOvr>
-    <a:masterClrMapping/>
-  </p:clrMapOvr>
-  <p:timing>
-    <p:tnLst>
-      <p:par>
-        <p:cTn id="1" dur="indefinite" restart="never" nodeType="tmRoot"/>
-      </p:par>
-    </p:tnLst>
-  </p:timing>
-</p:sld>
-</file>
-
 <file path=ppt/slides/slide3.xml><?xml version="1.0" encoding="utf-8"?>
 <p:sld xmlns:a="http://schemas.openxmlformats.org/drawingml/2006/main" xmlns:r="http://schemas.openxmlformats.org/officeDocument/2006/relationships" xmlns:p="http://schemas.openxmlformats.org/presentationml/2006/main">
   <p:cSld>
@@ -11419,15 +10549,7 @@
             </a:pPr>
             <a:r>
               <a:rPr lang="en-US" dirty="0" smtClean="0"/>
-              <a:t>Visualizing </a:t>
-            </a:r>
-            <a:r>
-              <a:rPr lang="en-US" dirty="0" smtClean="0"/>
-              <a:t>cash </a:t>
-            </a:r>
-            <a:r>
-              <a:rPr lang="en-US" dirty="0" smtClean="0"/>
-              <a:t>flows</a:t>
+              <a:t>Visualizing cash flows</a:t>
             </a:r>
           </a:p>
           <a:p>
@@ -11443,7 +10565,6 @@
               <a:rPr lang="en-US" dirty="0" smtClean="0"/>
               <a:t>data</a:t>
             </a:r>
-            <a:endParaRPr lang="en-US" dirty="0" smtClean="0"/>
           </a:p>
           <a:p>
             <a:pPr marL="228600" lvl="1" indent="0">
@@ -11998,11 +11119,7 @@
             </a:pPr>
             <a:r>
               <a:rPr lang="en-US" dirty="0" smtClean="0"/>
-              <a:t>Visualize ALFA cash flow projection </a:t>
-            </a:r>
-            <a:r>
-              <a:rPr lang="en-US" dirty="0" smtClean="0"/>
-              <a:t>data</a:t>
+              <a:t>Visualize ALFA cash flow projection data</a:t>
             </a:r>
           </a:p>
           <a:p>
@@ -12513,639 +11630,6 @@
 </file>
 
 <file path=ppt/slides/slide6.xml><?xml version="1.0" encoding="utf-8"?>
-<p:sld xmlns:a="http://schemas.openxmlformats.org/drawingml/2006/main" xmlns:r="http://schemas.openxmlformats.org/officeDocument/2006/relationships" xmlns:p="http://schemas.openxmlformats.org/presentationml/2006/main" show="0">
-  <p:cSld>
-    <p:spTree>
-      <p:nvGrpSpPr>
-        <p:cNvPr id="1" name=""/>
-        <p:cNvGrpSpPr/>
-        <p:nvPr/>
-      </p:nvGrpSpPr>
-      <p:grpSpPr>
-        <a:xfrm>
-          <a:off x="0" y="0"/>
-          <a:ext cx="0" cy="0"/>
-          <a:chOff x="0" y="0"/>
-          <a:chExt cx="0" cy="0"/>
-        </a:xfrm>
-      </p:grpSpPr>
-      <p:sp>
-        <p:nvSpPr>
-          <p:cNvPr id="2" name="Content Placeholder 1"/>
-          <p:cNvSpPr>
-            <a:spLocks noGrp="1"/>
-          </p:cNvSpPr>
-          <p:nvPr>
-            <p:ph idx="1"/>
-          </p:nvPr>
-        </p:nvSpPr>
-        <p:spPr/>
-        <p:txBody>
-          <a:bodyPr/>
-          <a:lstStyle/>
-          <a:p>
-            <a:pPr marL="0" indent="0">
-              <a:buNone/>
-            </a:pPr>
-            <a:r>
-              <a:rPr lang="en-US" i="1" dirty="0" smtClean="0"/>
-              <a:t>Visualizing book value and yield changes</a:t>
-            </a:r>
-            <a:endParaRPr lang="en-US" i="1" dirty="0" smtClean="0"/>
-          </a:p>
-          <a:p>
-            <a:pPr marL="0" indent="0">
-              <a:buNone/>
-            </a:pPr>
-            <a:endParaRPr lang="en-US" i="1" dirty="0"/>
-          </a:p>
-          <a:p>
-            <a:pPr>
-              <a:spcAft>
-                <a:spcPts val="0"/>
-              </a:spcAft>
-              <a:buFont typeface="Wingdings" panose="05000000000000000000" pitchFamily="2" charset="2"/>
-              <a:buChar char="§"/>
-            </a:pPr>
-            <a:r>
-              <a:rPr lang="en-US" i="1" dirty="0" smtClean="0"/>
-              <a:t>Project:</a:t>
-            </a:r>
-          </a:p>
-          <a:p>
-            <a:pPr lvl="1">
-              <a:spcAft>
-                <a:spcPts val="0"/>
-              </a:spcAft>
-              <a:buFont typeface="Wingdings" panose="05000000000000000000" pitchFamily="2" charset="2"/>
-              <a:buChar char="§"/>
-            </a:pPr>
-            <a:endParaRPr lang="en-US" i="1" dirty="0"/>
-          </a:p>
-          <a:p>
-            <a:pPr lvl="1">
-              <a:spcAft>
-                <a:spcPts val="0"/>
-              </a:spcAft>
-              <a:buFont typeface="Wingdings" panose="05000000000000000000" pitchFamily="2" charset="2"/>
-              <a:buChar char="§"/>
-            </a:pPr>
-            <a:r>
-              <a:rPr lang="en-US" dirty="0" smtClean="0"/>
-              <a:t>Visualize 50 years of forecasted book value and yield data for a set of 60 Lincoln portfolios</a:t>
-            </a:r>
-          </a:p>
-          <a:p>
-            <a:pPr lvl="1">
-              <a:buFont typeface="Wingdings" panose="05000000000000000000" pitchFamily="2" charset="2"/>
-              <a:buChar char="§"/>
-            </a:pPr>
-            <a:endParaRPr lang="en-US" dirty="0"/>
-          </a:p>
-          <a:p>
-            <a:pPr lvl="1">
-              <a:buFont typeface="Wingdings" panose="05000000000000000000" pitchFamily="2" charset="2"/>
-              <a:buChar char="§"/>
-            </a:pPr>
-            <a:r>
-              <a:rPr lang="en-US" dirty="0" smtClean="0"/>
-              <a:t>Create an automated process for cleaning, performing calculations, and loading the data into the dashboard</a:t>
-            </a:r>
-          </a:p>
-          <a:p>
-            <a:pPr lvl="1">
-              <a:buFont typeface="Wingdings" panose="05000000000000000000" pitchFamily="2" charset="2"/>
-              <a:buChar char="§"/>
-            </a:pPr>
-            <a:endParaRPr lang="en-US" dirty="0"/>
-          </a:p>
-          <a:p>
-            <a:pPr lvl="1">
-              <a:buFont typeface="Wingdings" panose="05000000000000000000" pitchFamily="2" charset="2"/>
-              <a:buChar char="§"/>
-            </a:pPr>
-            <a:r>
-              <a:rPr lang="en-US" dirty="0" smtClean="0"/>
-              <a:t>Make the analysis easy to run next quarter with new data</a:t>
-            </a:r>
-          </a:p>
-          <a:p>
-            <a:pPr lvl="1">
-              <a:buFont typeface="Wingdings" panose="05000000000000000000" pitchFamily="2" charset="2"/>
-              <a:buChar char="§"/>
-            </a:pPr>
-            <a:endParaRPr lang="en-US" dirty="0"/>
-          </a:p>
-        </p:txBody>
-      </p:sp>
-      <p:sp>
-        <p:nvSpPr>
-          <p:cNvPr id="3" name="Slide Number Placeholder 2"/>
-          <p:cNvSpPr>
-            <a:spLocks noGrp="1"/>
-          </p:cNvSpPr>
-          <p:nvPr>
-            <p:ph type="sldNum" sz="quarter" idx="4294967295"/>
-          </p:nvPr>
-        </p:nvSpPr>
-        <p:spPr>
-          <a:xfrm>
-            <a:off x="8366760" y="6465572"/>
-            <a:ext cx="457200" cy="182880"/>
-          </a:xfrm>
-        </p:spPr>
-        <p:txBody>
-          <a:bodyPr/>
-          <a:lstStyle/>
-          <a:p>
-            <a:fld id="{E49B4C36-CA85-496D-A067-FC602A1FD8AC}" type="slidenum">
-              <a:rPr lang="en-US" smtClean="0"/>
-              <a:t>6</a:t>
-            </a:fld>
-            <a:endParaRPr lang="en-US"/>
-          </a:p>
-        </p:txBody>
-      </p:sp>
-      <p:sp>
-        <p:nvSpPr>
-          <p:cNvPr id="4" name="Title 3"/>
-          <p:cNvSpPr>
-            <a:spLocks noGrp="1"/>
-          </p:cNvSpPr>
-          <p:nvPr>
-            <p:ph type="title"/>
-          </p:nvPr>
-        </p:nvSpPr>
-        <p:spPr/>
-        <p:txBody>
-          <a:bodyPr/>
-          <a:lstStyle/>
-          <a:p>
-            <a:r>
-              <a:rPr lang="en-US" dirty="0" smtClean="0"/>
-              <a:t>dashboards</a:t>
-            </a:r>
-            <a:endParaRPr lang="en-US" dirty="0"/>
-          </a:p>
-        </p:txBody>
-      </p:sp>
-    </p:spTree>
-    <p:extLst>
-      <p:ext uri="{BB962C8B-B14F-4D97-AF65-F5344CB8AC3E}">
-        <p14:creationId xmlns:p14="http://schemas.microsoft.com/office/powerpoint/2010/main" val="503487146"/>
-      </p:ext>
-    </p:extLst>
-  </p:cSld>
-  <p:clrMapOvr>
-    <a:masterClrMapping/>
-  </p:clrMapOvr>
-  <mc:AlternateContent xmlns:mc="http://schemas.openxmlformats.org/markup-compatibility/2006">
-    <mc:Choice xmlns:p14="http://schemas.microsoft.com/office/powerpoint/2010/main" Requires="p14">
-      <p:transition spd="slow" p14:dur="2000"/>
-    </mc:Choice>
-    <mc:Fallback>
-      <p:transition spd="slow"/>
-    </mc:Fallback>
-  </mc:AlternateContent>
-  <p:timing>
-    <p:tnLst>
-      <p:par>
-        <p:cTn id="1" dur="indefinite" restart="never" nodeType="tmRoot"/>
-      </p:par>
-    </p:tnLst>
-  </p:timing>
-</p:sld>
-</file>
-
-<file path=ppt/slides/slide7.xml><?xml version="1.0" encoding="utf-8"?>
-<p:sld xmlns:a="http://schemas.openxmlformats.org/drawingml/2006/main" xmlns:r="http://schemas.openxmlformats.org/officeDocument/2006/relationships" xmlns:p="http://schemas.openxmlformats.org/presentationml/2006/main" show="0">
-  <p:cSld>
-    <p:spTree>
-      <p:nvGrpSpPr>
-        <p:cNvPr id="1" name=""/>
-        <p:cNvGrpSpPr/>
-        <p:nvPr/>
-      </p:nvGrpSpPr>
-      <p:grpSpPr>
-        <a:xfrm>
-          <a:off x="0" y="0"/>
-          <a:ext cx="0" cy="0"/>
-          <a:chOff x="0" y="0"/>
-          <a:chExt cx="0" cy="0"/>
-        </a:xfrm>
-      </p:grpSpPr>
-      <p:sp>
-        <p:nvSpPr>
-          <p:cNvPr id="2" name="Content Placeholder 1"/>
-          <p:cNvSpPr>
-            <a:spLocks noGrp="1"/>
-          </p:cNvSpPr>
-          <p:nvPr>
-            <p:ph idx="1"/>
-          </p:nvPr>
-        </p:nvSpPr>
-        <p:spPr/>
-        <p:txBody>
-          <a:bodyPr/>
-          <a:lstStyle/>
-          <a:p>
-            <a:pPr marL="0" indent="0">
-              <a:buNone/>
-            </a:pPr>
-            <a:r>
-              <a:rPr lang="en-US" i="1" dirty="0"/>
-              <a:t>Visualizing book value and yield changes</a:t>
-            </a:r>
-          </a:p>
-          <a:p>
-            <a:pPr marL="0" indent="0">
-              <a:buNone/>
-            </a:pPr>
-            <a:endParaRPr lang="en-US" i="1" dirty="0"/>
-          </a:p>
-          <a:p>
-            <a:pPr lvl="1">
-              <a:spcAft>
-                <a:spcPts val="0"/>
-              </a:spcAft>
-              <a:buFont typeface="Wingdings" panose="05000000000000000000" pitchFamily="2" charset="2"/>
-              <a:buChar char="§"/>
-            </a:pPr>
-            <a:endParaRPr lang="en-US" i="1" dirty="0"/>
-          </a:p>
-          <a:p>
-            <a:pPr lvl="1">
-              <a:buFont typeface="Wingdings" panose="05000000000000000000" pitchFamily="2" charset="2"/>
-              <a:buChar char="§"/>
-            </a:pPr>
-            <a:endParaRPr lang="en-US" dirty="0"/>
-          </a:p>
-        </p:txBody>
-      </p:sp>
-      <p:sp>
-        <p:nvSpPr>
-          <p:cNvPr id="3" name="Slide Number Placeholder 2"/>
-          <p:cNvSpPr>
-            <a:spLocks noGrp="1"/>
-          </p:cNvSpPr>
-          <p:nvPr>
-            <p:ph type="sldNum" sz="quarter" idx="4294967295"/>
-          </p:nvPr>
-        </p:nvSpPr>
-        <p:spPr>
-          <a:xfrm>
-            <a:off x="8366760" y="6465572"/>
-            <a:ext cx="457200" cy="182880"/>
-          </a:xfrm>
-        </p:spPr>
-        <p:txBody>
-          <a:bodyPr/>
-          <a:lstStyle/>
-          <a:p>
-            <a:fld id="{E49B4C36-CA85-496D-A067-FC602A1FD8AC}" type="slidenum">
-              <a:rPr lang="en-US" smtClean="0"/>
-              <a:t>7</a:t>
-            </a:fld>
-            <a:endParaRPr lang="en-US"/>
-          </a:p>
-        </p:txBody>
-      </p:sp>
-      <p:sp>
-        <p:nvSpPr>
-          <p:cNvPr id="4" name="Title 3"/>
-          <p:cNvSpPr>
-            <a:spLocks noGrp="1"/>
-          </p:cNvSpPr>
-          <p:nvPr>
-            <p:ph type="title"/>
-          </p:nvPr>
-        </p:nvSpPr>
-        <p:spPr/>
-        <p:txBody>
-          <a:bodyPr/>
-          <a:lstStyle/>
-          <a:p>
-            <a:r>
-              <a:rPr lang="en-US" dirty="0" smtClean="0"/>
-              <a:t>dashboards</a:t>
-            </a:r>
-            <a:endParaRPr lang="en-US" dirty="0"/>
-          </a:p>
-        </p:txBody>
-      </p:sp>
-      <p:pic>
-        <p:nvPicPr>
-          <p:cNvPr id="1026" name="Picture 2" descr="C:\Users\mdbva5\Desktop\slides\final-presentation\data-compare.PNG"/>
-          <p:cNvPicPr>
-            <a:picLocks noChangeArrowheads="1"/>
-          </p:cNvPicPr>
-          <p:nvPr/>
-        </p:nvPicPr>
-        <p:blipFill>
-          <a:blip r:embed="rId2">
-            <a:extLst>
-              <a:ext uri="{28A0092B-C50C-407E-A947-70E740481C1C}">
-                <a14:useLocalDpi xmlns:a14="http://schemas.microsoft.com/office/drawing/2010/main" val="0"/>
-              </a:ext>
-            </a:extLst>
-          </a:blip>
-          <a:srcRect/>
-          <a:stretch>
-            <a:fillRect/>
-          </a:stretch>
-        </p:blipFill>
-        <p:spPr bwMode="auto">
-          <a:xfrm>
-            <a:off x="320040" y="1688591"/>
-            <a:ext cx="8458200" cy="4239649"/>
-          </a:xfrm>
-          <a:prstGeom prst="rect">
-            <a:avLst/>
-          </a:prstGeom>
-          <a:noFill/>
-          <a:extLst>
-            <a:ext uri="{909E8E84-426E-40DD-AFC4-6F175D3DCCD1}">
-              <a14:hiddenFill xmlns:a14="http://schemas.microsoft.com/office/drawing/2010/main">
-                <a:solidFill>
-                  <a:srgbClr val="FFFFFF"/>
-                </a:solidFill>
-              </a14:hiddenFill>
-            </a:ext>
-          </a:extLst>
-        </p:spPr>
-      </p:pic>
-    </p:spTree>
-    <p:extLst>
-      <p:ext uri="{BB962C8B-B14F-4D97-AF65-F5344CB8AC3E}">
-        <p14:creationId xmlns:p14="http://schemas.microsoft.com/office/powerpoint/2010/main" val="3951058766"/>
-      </p:ext>
-    </p:extLst>
-  </p:cSld>
-  <p:clrMapOvr>
-    <a:masterClrMapping/>
-  </p:clrMapOvr>
-  <mc:AlternateContent xmlns:mc="http://schemas.openxmlformats.org/markup-compatibility/2006">
-    <mc:Choice xmlns:p14="http://schemas.microsoft.com/office/powerpoint/2010/main" Requires="p14">
-      <p:transition spd="slow" p14:dur="2000"/>
-    </mc:Choice>
-    <mc:Fallback>
-      <p:transition spd="slow"/>
-    </mc:Fallback>
-  </mc:AlternateContent>
-  <p:timing>
-    <p:tnLst>
-      <p:par>
-        <p:cTn id="1" dur="indefinite" restart="never" nodeType="tmRoot"/>
-      </p:par>
-    </p:tnLst>
-  </p:timing>
-</p:sld>
-</file>
-
-<file path=ppt/slides/slide8.xml><?xml version="1.0" encoding="utf-8"?>
-<p:sld xmlns:a="http://schemas.openxmlformats.org/drawingml/2006/main" xmlns:r="http://schemas.openxmlformats.org/officeDocument/2006/relationships" xmlns:p="http://schemas.openxmlformats.org/presentationml/2006/main" show="0">
-  <p:cSld>
-    <p:spTree>
-      <p:nvGrpSpPr>
-        <p:cNvPr id="1" name=""/>
-        <p:cNvGrpSpPr/>
-        <p:nvPr/>
-      </p:nvGrpSpPr>
-      <p:grpSpPr>
-        <a:xfrm>
-          <a:off x="0" y="0"/>
-          <a:ext cx="0" cy="0"/>
-          <a:chOff x="0" y="0"/>
-          <a:chExt cx="0" cy="0"/>
-        </a:xfrm>
-      </p:grpSpPr>
-      <p:sp>
-        <p:nvSpPr>
-          <p:cNvPr id="2" name="Content Placeholder 1"/>
-          <p:cNvSpPr>
-            <a:spLocks noGrp="1"/>
-          </p:cNvSpPr>
-          <p:nvPr>
-            <p:ph idx="1"/>
-          </p:nvPr>
-        </p:nvSpPr>
-        <p:spPr/>
-        <p:txBody>
-          <a:bodyPr/>
-          <a:lstStyle/>
-          <a:p>
-            <a:pPr marL="0" indent="0">
-              <a:buNone/>
-            </a:pPr>
-            <a:r>
-              <a:rPr lang="en-US" i="1" dirty="0"/>
-              <a:t>Visualizing book value and yield changes</a:t>
-            </a:r>
-          </a:p>
-          <a:p>
-            <a:pPr marL="0" indent="0">
-              <a:buNone/>
-            </a:pPr>
-            <a:endParaRPr lang="en-US" i="1" dirty="0"/>
-          </a:p>
-          <a:p>
-            <a:pPr>
-              <a:spcAft>
-                <a:spcPts val="0"/>
-              </a:spcAft>
-              <a:buFont typeface="Wingdings" panose="05000000000000000000" pitchFamily="2" charset="2"/>
-              <a:buChar char="§"/>
-            </a:pPr>
-            <a:r>
-              <a:rPr lang="en-US" i="1" dirty="0" smtClean="0"/>
-              <a:t>Benefits:</a:t>
-            </a:r>
-          </a:p>
-          <a:p>
-            <a:pPr lvl="1">
-              <a:spcAft>
-                <a:spcPts val="0"/>
-              </a:spcAft>
-              <a:buFont typeface="Wingdings" panose="05000000000000000000" pitchFamily="2" charset="2"/>
-              <a:buChar char="§"/>
-            </a:pPr>
-            <a:endParaRPr lang="en-US" i="1" dirty="0"/>
-          </a:p>
-          <a:p>
-            <a:pPr lvl="1">
-              <a:spcAft>
-                <a:spcPts val="0"/>
-              </a:spcAft>
-              <a:buFont typeface="Wingdings" panose="05000000000000000000" pitchFamily="2" charset="2"/>
-              <a:buChar char="§"/>
-            </a:pPr>
-            <a:r>
-              <a:rPr lang="en-US" i="1" dirty="0" smtClean="0"/>
-              <a:t>Very little work</a:t>
-            </a:r>
-          </a:p>
-          <a:p>
-            <a:pPr lvl="2">
-              <a:spcAft>
-                <a:spcPts val="0"/>
-              </a:spcAft>
-              <a:buFont typeface="Wingdings" panose="05000000000000000000" pitchFamily="2" charset="2"/>
-              <a:buChar char="§"/>
-            </a:pPr>
-            <a:endParaRPr lang="en-US" i="1" dirty="0"/>
-          </a:p>
-          <a:p>
-            <a:pPr lvl="3">
-              <a:spcAft>
-                <a:spcPts val="0"/>
-              </a:spcAft>
-              <a:buFont typeface="Wingdings" panose="05000000000000000000" pitchFamily="2" charset="2"/>
-              <a:buChar char="§"/>
-            </a:pPr>
-            <a:r>
-              <a:rPr lang="en-US" dirty="0" smtClean="0"/>
-              <a:t>Raw output from ALFA is dumped in a folder each quarter</a:t>
-            </a:r>
-          </a:p>
-          <a:p>
-            <a:pPr lvl="1">
-              <a:spcAft>
-                <a:spcPts val="0"/>
-              </a:spcAft>
-              <a:buFont typeface="Wingdings" panose="05000000000000000000" pitchFamily="2" charset="2"/>
-              <a:buChar char="§"/>
-            </a:pPr>
-            <a:endParaRPr lang="en-US" dirty="0" smtClean="0"/>
-          </a:p>
-          <a:p>
-            <a:pPr lvl="1">
-              <a:spcAft>
-                <a:spcPts val="0"/>
-              </a:spcAft>
-              <a:buFont typeface="Wingdings" panose="05000000000000000000" pitchFamily="2" charset="2"/>
-              <a:buChar char="§"/>
-            </a:pPr>
-            <a:r>
-              <a:rPr lang="en-US" i="1" dirty="0" smtClean="0"/>
-              <a:t>Maintain history </a:t>
-            </a:r>
-            <a:endParaRPr lang="en-US" dirty="0"/>
-          </a:p>
-          <a:p>
-            <a:pPr lvl="1">
-              <a:spcAft>
-                <a:spcPts val="0"/>
-              </a:spcAft>
-              <a:buFont typeface="Wingdings" panose="05000000000000000000" pitchFamily="2" charset="2"/>
-              <a:buChar char="§"/>
-            </a:pPr>
-            <a:endParaRPr lang="en-US" dirty="0" smtClean="0"/>
-          </a:p>
-          <a:p>
-            <a:pPr lvl="3">
-              <a:spcAft>
-                <a:spcPts val="0"/>
-              </a:spcAft>
-              <a:buFont typeface="Wingdings" panose="05000000000000000000" pitchFamily="2" charset="2"/>
-              <a:buChar char="§"/>
-            </a:pPr>
-            <a:r>
-              <a:rPr lang="en-US" dirty="0" smtClean="0"/>
-              <a:t>Compare multiple years of projections as opposed to just two</a:t>
-            </a:r>
-          </a:p>
-          <a:p>
-            <a:pPr lvl="1">
-              <a:spcAft>
-                <a:spcPts val="0"/>
-              </a:spcAft>
-              <a:buFont typeface="Wingdings" panose="05000000000000000000" pitchFamily="2" charset="2"/>
-              <a:buChar char="§"/>
-            </a:pPr>
-            <a:endParaRPr lang="en-US" dirty="0"/>
-          </a:p>
-        </p:txBody>
-      </p:sp>
-      <p:sp>
-        <p:nvSpPr>
-          <p:cNvPr id="3" name="Slide Number Placeholder 2"/>
-          <p:cNvSpPr>
-            <a:spLocks noGrp="1"/>
-          </p:cNvSpPr>
-          <p:nvPr>
-            <p:ph type="sldNum" sz="quarter" idx="4294967295"/>
-          </p:nvPr>
-        </p:nvSpPr>
-        <p:spPr>
-          <a:xfrm>
-            <a:off x="8366760" y="6465572"/>
-            <a:ext cx="457200" cy="182880"/>
-          </a:xfrm>
-        </p:spPr>
-        <p:txBody>
-          <a:bodyPr/>
-          <a:lstStyle/>
-          <a:p>
-            <a:fld id="{E49B4C36-CA85-496D-A067-FC602A1FD8AC}" type="slidenum">
-              <a:rPr lang="en-US" smtClean="0"/>
-              <a:t>8</a:t>
-            </a:fld>
-            <a:endParaRPr lang="en-US"/>
-          </a:p>
-        </p:txBody>
-      </p:sp>
-      <p:sp>
-        <p:nvSpPr>
-          <p:cNvPr id="4" name="Title 3"/>
-          <p:cNvSpPr>
-            <a:spLocks noGrp="1"/>
-          </p:cNvSpPr>
-          <p:nvPr>
-            <p:ph type="title"/>
-          </p:nvPr>
-        </p:nvSpPr>
-        <p:spPr/>
-        <p:txBody>
-          <a:bodyPr/>
-          <a:lstStyle/>
-          <a:p>
-            <a:r>
-              <a:rPr lang="en-US" dirty="0" smtClean="0"/>
-              <a:t>dashboards</a:t>
-            </a:r>
-            <a:endParaRPr lang="en-US" dirty="0"/>
-          </a:p>
-        </p:txBody>
-      </p:sp>
-    </p:spTree>
-    <p:extLst>
-      <p:ext uri="{BB962C8B-B14F-4D97-AF65-F5344CB8AC3E}">
-        <p14:creationId xmlns:p14="http://schemas.microsoft.com/office/powerpoint/2010/main" val="571037121"/>
-      </p:ext>
-    </p:extLst>
-  </p:cSld>
-  <p:clrMapOvr>
-    <a:masterClrMapping/>
-  </p:clrMapOvr>
-  <mc:AlternateContent xmlns:mc="http://schemas.openxmlformats.org/markup-compatibility/2006">
-    <mc:Choice xmlns:p14="http://schemas.microsoft.com/office/powerpoint/2010/main" Requires="p14">
-      <p:transition spd="slow" p14:dur="2000"/>
-    </mc:Choice>
-    <mc:Fallback>
-      <p:transition spd="slow"/>
-    </mc:Fallback>
-  </mc:AlternateContent>
-  <p:timing>
-    <p:tnLst>
-      <p:par>
-        <p:cTn id="1" dur="indefinite" restart="never" nodeType="tmRoot"/>
-      </p:par>
-    </p:tnLst>
-  </p:timing>
-</p:sld>
-</file>
-
-<file path=ppt/slides/slide9.xml><?xml version="1.0" encoding="utf-8"?>
 <p:sld xmlns:a="http://schemas.openxmlformats.org/drawingml/2006/main" xmlns:r="http://schemas.openxmlformats.org/officeDocument/2006/relationships" xmlns:p="http://schemas.openxmlformats.org/presentationml/2006/main">
   <p:cSld>
     <p:spTree>
@@ -13234,7 +11718,7 @@
           <a:p>
             <a:fld id="{E49B4C36-CA85-496D-A067-FC602A1FD8AC}" type="slidenum">
               <a:rPr lang="en-US" smtClean="0"/>
-              <a:t>9</a:t>
+              <a:t>6</a:t>
             </a:fld>
             <a:endParaRPr lang="en-US"/>
           </a:p>
@@ -13391,6 +11875,873 @@
     <p:extLst>
       <p:ext uri="{BB962C8B-B14F-4D97-AF65-F5344CB8AC3E}">
         <p14:creationId xmlns:p14="http://schemas.microsoft.com/office/powerpoint/2010/main" val="4015479969"/>
+      </p:ext>
+    </p:extLst>
+  </p:cSld>
+  <p:clrMapOvr>
+    <a:masterClrMapping/>
+  </p:clrMapOvr>
+  <p:timing>
+    <p:tnLst>
+      <p:par>
+        <p:cTn id="1" dur="indefinite" restart="never" nodeType="tmRoot"/>
+      </p:par>
+    </p:tnLst>
+  </p:timing>
+</p:sld>
+</file>
+
+<file path=ppt/slides/slide7.xml><?xml version="1.0" encoding="utf-8"?>
+<p:sld xmlns:a="http://schemas.openxmlformats.org/drawingml/2006/main" xmlns:r="http://schemas.openxmlformats.org/officeDocument/2006/relationships" xmlns:p="http://schemas.openxmlformats.org/presentationml/2006/main">
+  <p:cSld>
+    <p:spTree>
+      <p:nvGrpSpPr>
+        <p:cNvPr id="1" name=""/>
+        <p:cNvGrpSpPr/>
+        <p:nvPr/>
+      </p:nvGrpSpPr>
+      <p:grpSpPr>
+        <a:xfrm>
+          <a:off x="0" y="0"/>
+          <a:ext cx="0" cy="0"/>
+          <a:chOff x="0" y="0"/>
+          <a:chExt cx="0" cy="0"/>
+        </a:xfrm>
+      </p:grpSpPr>
+      <p:sp>
+        <p:nvSpPr>
+          <p:cNvPr id="2" name="Content Placeholder 1"/>
+          <p:cNvSpPr>
+            <a:spLocks noGrp="1"/>
+          </p:cNvSpPr>
+          <p:nvPr>
+            <p:ph idx="1"/>
+          </p:nvPr>
+        </p:nvSpPr>
+        <p:spPr/>
+        <p:txBody>
+          <a:bodyPr/>
+          <a:lstStyle/>
+          <a:p>
+            <a:pPr marL="0" indent="0">
+              <a:buNone/>
+            </a:pPr>
+            <a:r>
+              <a:rPr lang="en-US" i="1" dirty="0" smtClean="0"/>
+              <a:t>Waterfall graphs – Let R do the work for you</a:t>
+            </a:r>
+          </a:p>
+          <a:p>
+            <a:pPr marL="228600" lvl="1" indent="0">
+              <a:buNone/>
+            </a:pPr>
+            <a:endParaRPr lang="en-US" dirty="0"/>
+          </a:p>
+          <a:p>
+            <a:pPr lvl="1">
+              <a:buFont typeface="Wingdings" panose="05000000000000000000" pitchFamily="2" charset="2"/>
+              <a:buChar char="§"/>
+            </a:pPr>
+            <a:r>
+              <a:rPr lang="en-US" dirty="0" smtClean="0"/>
+              <a:t>Pass in Excel data that looks like this:</a:t>
+            </a:r>
+          </a:p>
+          <a:p>
+            <a:pPr lvl="1">
+              <a:buFont typeface="Wingdings" panose="05000000000000000000" pitchFamily="2" charset="2"/>
+              <a:buChar char="§"/>
+            </a:pPr>
+            <a:endParaRPr lang="en-US" dirty="0"/>
+          </a:p>
+          <a:p>
+            <a:pPr lvl="1">
+              <a:buFont typeface="Wingdings" panose="05000000000000000000" pitchFamily="2" charset="2"/>
+              <a:buChar char="§"/>
+            </a:pPr>
+            <a:endParaRPr lang="en-US" dirty="0" smtClean="0"/>
+          </a:p>
+          <a:p>
+            <a:pPr lvl="1">
+              <a:buFont typeface="Wingdings" panose="05000000000000000000" pitchFamily="2" charset="2"/>
+              <a:buChar char="§"/>
+            </a:pPr>
+            <a:endParaRPr lang="en-US" dirty="0"/>
+          </a:p>
+          <a:p>
+            <a:pPr lvl="1">
+              <a:buFont typeface="Wingdings" panose="05000000000000000000" pitchFamily="2" charset="2"/>
+              <a:buChar char="§"/>
+            </a:pPr>
+            <a:endParaRPr lang="en-US" dirty="0" smtClean="0"/>
+          </a:p>
+          <a:p>
+            <a:pPr lvl="1">
+              <a:buFont typeface="Wingdings" panose="05000000000000000000" pitchFamily="2" charset="2"/>
+              <a:buChar char="§"/>
+            </a:pPr>
+            <a:endParaRPr lang="en-US" dirty="0"/>
+          </a:p>
+          <a:p>
+            <a:pPr lvl="1">
+              <a:buFont typeface="Wingdings" panose="05000000000000000000" pitchFamily="2" charset="2"/>
+              <a:buChar char="§"/>
+            </a:pPr>
+            <a:endParaRPr lang="en-US" dirty="0" smtClean="0"/>
+          </a:p>
+          <a:p>
+            <a:pPr lvl="1">
+              <a:buFont typeface="Wingdings" panose="05000000000000000000" pitchFamily="2" charset="2"/>
+              <a:buChar char="§"/>
+            </a:pPr>
+            <a:endParaRPr lang="en-US" dirty="0"/>
+          </a:p>
+          <a:p>
+            <a:pPr lvl="1">
+              <a:buFont typeface="Wingdings" panose="05000000000000000000" pitchFamily="2" charset="2"/>
+              <a:buChar char="§"/>
+            </a:pPr>
+            <a:endParaRPr lang="en-US" dirty="0" smtClean="0"/>
+          </a:p>
+          <a:p>
+            <a:pPr lvl="1">
+              <a:buFont typeface="Wingdings" panose="05000000000000000000" pitchFamily="2" charset="2"/>
+              <a:buChar char="§"/>
+            </a:pPr>
+            <a:endParaRPr lang="en-US" dirty="0"/>
+          </a:p>
+          <a:p>
+            <a:pPr lvl="1">
+              <a:buFont typeface="Wingdings" panose="05000000000000000000" pitchFamily="2" charset="2"/>
+              <a:buChar char="§"/>
+            </a:pPr>
+            <a:r>
+              <a:rPr lang="en-US" dirty="0" smtClean="0"/>
+              <a:t>Call the waterfall function:   </a:t>
+            </a:r>
+            <a:r>
+              <a:rPr lang="en-US" dirty="0" err="1" smtClean="0">
+                <a:latin typeface="Aparajita" panose="020B0604020202020204" pitchFamily="34" charset="0"/>
+                <a:cs typeface="Aparajita" panose="020B0604020202020204" pitchFamily="34" charset="0"/>
+              </a:rPr>
+              <a:t>lfg_waterfall</a:t>
+            </a:r>
+            <a:r>
+              <a:rPr lang="en-US" i="1" dirty="0" smtClean="0">
+                <a:latin typeface="Aparajita" panose="020B0604020202020204" pitchFamily="34" charset="0"/>
+                <a:cs typeface="Aparajita" panose="020B0604020202020204" pitchFamily="34" charset="0"/>
+              </a:rPr>
+              <a:t>(</a:t>
+            </a:r>
+            <a:r>
+              <a:rPr lang="en-US" i="1" dirty="0" err="1" smtClean="0">
+                <a:latin typeface="Aparajita" panose="020B0604020202020204" pitchFamily="34" charset="0"/>
+                <a:cs typeface="Aparajita" panose="020B0604020202020204" pitchFamily="34" charset="0"/>
+              </a:rPr>
+              <a:t>excel_data</a:t>
+            </a:r>
+            <a:r>
+              <a:rPr lang="en-US" dirty="0" smtClean="0">
+                <a:latin typeface="Aparajita" panose="020B0604020202020204" pitchFamily="34" charset="0"/>
+                <a:cs typeface="Aparajita" panose="020B0604020202020204" pitchFamily="34" charset="0"/>
+              </a:rPr>
+              <a:t>)</a:t>
+            </a:r>
+          </a:p>
+          <a:p>
+            <a:pPr marL="228600" lvl="1" indent="0">
+              <a:buNone/>
+            </a:pPr>
+            <a:endParaRPr lang="en-US" dirty="0"/>
+          </a:p>
+        </p:txBody>
+      </p:sp>
+      <p:sp>
+        <p:nvSpPr>
+          <p:cNvPr id="3" name="Slide Number Placeholder 2"/>
+          <p:cNvSpPr>
+            <a:spLocks noGrp="1"/>
+          </p:cNvSpPr>
+          <p:nvPr>
+            <p:ph type="sldNum" sz="quarter" idx="4294967295"/>
+          </p:nvPr>
+        </p:nvSpPr>
+        <p:spPr>
+          <a:xfrm>
+            <a:off x="8366760" y="6465572"/>
+            <a:ext cx="457200" cy="182880"/>
+          </a:xfrm>
+        </p:spPr>
+        <p:txBody>
+          <a:bodyPr/>
+          <a:lstStyle/>
+          <a:p>
+            <a:fld id="{E49B4C36-CA85-496D-A067-FC602A1FD8AC}" type="slidenum">
+              <a:rPr lang="en-US" smtClean="0"/>
+              <a:t>7</a:t>
+            </a:fld>
+            <a:endParaRPr lang="en-US"/>
+          </a:p>
+        </p:txBody>
+      </p:sp>
+      <p:sp>
+        <p:nvSpPr>
+          <p:cNvPr id="4" name="Title 3"/>
+          <p:cNvSpPr>
+            <a:spLocks noGrp="1"/>
+          </p:cNvSpPr>
+          <p:nvPr>
+            <p:ph type="title"/>
+          </p:nvPr>
+        </p:nvSpPr>
+        <p:spPr/>
+        <p:txBody>
+          <a:bodyPr/>
+          <a:lstStyle/>
+          <a:p>
+            <a:r>
+              <a:rPr lang="en-US" dirty="0" smtClean="0"/>
+              <a:t>Visualizations</a:t>
+            </a:r>
+            <a:endParaRPr lang="en-US" dirty="0"/>
+          </a:p>
+        </p:txBody>
+      </p:sp>
+      <p:pic>
+        <p:nvPicPr>
+          <p:cNvPr id="10" name="Picture 9"/>
+          <p:cNvPicPr>
+            <a:picLocks noChangeAspect="1"/>
+          </p:cNvPicPr>
+          <p:nvPr/>
+        </p:nvPicPr>
+        <p:blipFill>
+          <a:blip r:embed="rId2">
+            <a:extLst>
+              <a:ext uri="{28A0092B-C50C-407E-A947-70E740481C1C}">
+                <a14:useLocalDpi xmlns:a14="http://schemas.microsoft.com/office/drawing/2010/main" val="0"/>
+              </a:ext>
+            </a:extLst>
+          </a:blip>
+          <a:stretch>
+            <a:fillRect/>
+          </a:stretch>
+        </p:blipFill>
+        <p:spPr>
+          <a:xfrm>
+            <a:off x="2133600" y="2410687"/>
+            <a:ext cx="4549180" cy="2697301"/>
+          </a:xfrm>
+          <a:prstGeom prst="rect">
+            <a:avLst/>
+          </a:prstGeom>
+        </p:spPr>
+      </p:pic>
+    </p:spTree>
+    <p:extLst>
+      <p:ext uri="{BB962C8B-B14F-4D97-AF65-F5344CB8AC3E}">
+        <p14:creationId xmlns:p14="http://schemas.microsoft.com/office/powerpoint/2010/main" val="3366750866"/>
+      </p:ext>
+    </p:extLst>
+  </p:cSld>
+  <p:clrMapOvr>
+    <a:masterClrMapping/>
+  </p:clrMapOvr>
+  <p:timing>
+    <p:tnLst>
+      <p:par>
+        <p:cTn id="1" dur="indefinite" restart="never" nodeType="tmRoot"/>
+      </p:par>
+    </p:tnLst>
+  </p:timing>
+</p:sld>
+</file>
+
+<file path=ppt/slides/slide8.xml><?xml version="1.0" encoding="utf-8"?>
+<p:sld xmlns:a="http://schemas.openxmlformats.org/drawingml/2006/main" xmlns:r="http://schemas.openxmlformats.org/officeDocument/2006/relationships" xmlns:p="http://schemas.openxmlformats.org/presentationml/2006/main">
+  <p:cSld>
+    <p:spTree>
+      <p:nvGrpSpPr>
+        <p:cNvPr id="1" name=""/>
+        <p:cNvGrpSpPr/>
+        <p:nvPr/>
+      </p:nvGrpSpPr>
+      <p:grpSpPr>
+        <a:xfrm>
+          <a:off x="0" y="0"/>
+          <a:ext cx="0" cy="0"/>
+          <a:chOff x="0" y="0"/>
+          <a:chExt cx="0" cy="0"/>
+        </a:xfrm>
+      </p:grpSpPr>
+      <p:sp>
+        <p:nvSpPr>
+          <p:cNvPr id="2" name="Content Placeholder 1"/>
+          <p:cNvSpPr>
+            <a:spLocks noGrp="1"/>
+          </p:cNvSpPr>
+          <p:nvPr>
+            <p:ph idx="1"/>
+          </p:nvPr>
+        </p:nvSpPr>
+        <p:spPr/>
+        <p:txBody>
+          <a:bodyPr/>
+          <a:lstStyle/>
+          <a:p>
+            <a:pPr marL="0" indent="0">
+              <a:buNone/>
+            </a:pPr>
+            <a:r>
+              <a:rPr lang="en-US" i="1" dirty="0" smtClean="0"/>
+              <a:t>Waterfall graphs – Let R do the work for you</a:t>
+            </a:r>
+          </a:p>
+          <a:p>
+            <a:pPr marL="228600" lvl="1" indent="0">
+              <a:buNone/>
+            </a:pPr>
+            <a:endParaRPr lang="en-US" dirty="0"/>
+          </a:p>
+          <a:p>
+            <a:pPr lvl="1">
+              <a:buFont typeface="Wingdings" panose="05000000000000000000" pitchFamily="2" charset="2"/>
+              <a:buChar char="§"/>
+            </a:pPr>
+            <a:r>
+              <a:rPr lang="en-US" dirty="0" smtClean="0"/>
+              <a:t>Instantly get results like this</a:t>
+            </a:r>
+          </a:p>
+          <a:p>
+            <a:pPr marL="228600" lvl="1" indent="0">
+              <a:buNone/>
+            </a:pPr>
+            <a:endParaRPr lang="en-US" dirty="0"/>
+          </a:p>
+        </p:txBody>
+      </p:sp>
+      <p:sp>
+        <p:nvSpPr>
+          <p:cNvPr id="3" name="Slide Number Placeholder 2"/>
+          <p:cNvSpPr>
+            <a:spLocks noGrp="1"/>
+          </p:cNvSpPr>
+          <p:nvPr>
+            <p:ph type="sldNum" sz="quarter" idx="4294967295"/>
+          </p:nvPr>
+        </p:nvSpPr>
+        <p:spPr>
+          <a:xfrm>
+            <a:off x="8366760" y="6465572"/>
+            <a:ext cx="457200" cy="182880"/>
+          </a:xfrm>
+        </p:spPr>
+        <p:txBody>
+          <a:bodyPr/>
+          <a:lstStyle/>
+          <a:p>
+            <a:fld id="{E49B4C36-CA85-496D-A067-FC602A1FD8AC}" type="slidenum">
+              <a:rPr lang="en-US" smtClean="0"/>
+              <a:t>8</a:t>
+            </a:fld>
+            <a:endParaRPr lang="en-US"/>
+          </a:p>
+        </p:txBody>
+      </p:sp>
+      <p:sp>
+        <p:nvSpPr>
+          <p:cNvPr id="4" name="Title 3"/>
+          <p:cNvSpPr>
+            <a:spLocks noGrp="1"/>
+          </p:cNvSpPr>
+          <p:nvPr>
+            <p:ph type="title"/>
+          </p:nvPr>
+        </p:nvSpPr>
+        <p:spPr/>
+        <p:txBody>
+          <a:bodyPr/>
+          <a:lstStyle/>
+          <a:p>
+            <a:r>
+              <a:rPr lang="en-US" dirty="0" smtClean="0"/>
+              <a:t>Visualizations</a:t>
+            </a:r>
+            <a:endParaRPr lang="en-US" dirty="0"/>
+          </a:p>
+        </p:txBody>
+      </p:sp>
+      <p:pic>
+        <p:nvPicPr>
+          <p:cNvPr id="6" name="Picture 5"/>
+          <p:cNvPicPr>
+            <a:picLocks noChangeAspect="1"/>
+          </p:cNvPicPr>
+          <p:nvPr/>
+        </p:nvPicPr>
+        <p:blipFill>
+          <a:blip r:embed="rId2" cstate="print">
+            <a:extLst>
+              <a:ext uri="{28A0092B-C50C-407E-A947-70E740481C1C}">
+                <a14:useLocalDpi xmlns:a14="http://schemas.microsoft.com/office/drawing/2010/main" val="0"/>
+              </a:ext>
+            </a:extLst>
+          </a:blip>
+          <a:stretch>
+            <a:fillRect/>
+          </a:stretch>
+        </p:blipFill>
+        <p:spPr>
+          <a:xfrm>
+            <a:off x="838200" y="2500745"/>
+            <a:ext cx="7239000" cy="3290455"/>
+          </a:xfrm>
+          <a:prstGeom prst="rect">
+            <a:avLst/>
+          </a:prstGeom>
+        </p:spPr>
+      </p:pic>
+    </p:spTree>
+    <p:extLst>
+      <p:ext uri="{BB962C8B-B14F-4D97-AF65-F5344CB8AC3E}">
+        <p14:creationId xmlns:p14="http://schemas.microsoft.com/office/powerpoint/2010/main" val="4065466066"/>
+      </p:ext>
+    </p:extLst>
+  </p:cSld>
+  <p:clrMapOvr>
+    <a:masterClrMapping/>
+  </p:clrMapOvr>
+  <p:timing>
+    <p:tnLst>
+      <p:par>
+        <p:cTn id="1" dur="indefinite" restart="never" nodeType="tmRoot"/>
+      </p:par>
+    </p:tnLst>
+  </p:timing>
+</p:sld>
+</file>
+
+<file path=ppt/slides/slide9.xml><?xml version="1.0" encoding="utf-8"?>
+<p:sld xmlns:a="http://schemas.openxmlformats.org/drawingml/2006/main" xmlns:r="http://schemas.openxmlformats.org/officeDocument/2006/relationships" xmlns:p="http://schemas.openxmlformats.org/presentationml/2006/main">
+  <p:cSld>
+    <p:spTree>
+      <p:nvGrpSpPr>
+        <p:cNvPr id="1" name=""/>
+        <p:cNvGrpSpPr/>
+        <p:nvPr/>
+      </p:nvGrpSpPr>
+      <p:grpSpPr>
+        <a:xfrm>
+          <a:off x="0" y="0"/>
+          <a:ext cx="0" cy="0"/>
+          <a:chOff x="0" y="0"/>
+          <a:chExt cx="0" cy="0"/>
+        </a:xfrm>
+      </p:grpSpPr>
+      <p:sp>
+        <p:nvSpPr>
+          <p:cNvPr id="2" name="Content Placeholder 1"/>
+          <p:cNvSpPr>
+            <a:spLocks noGrp="1"/>
+          </p:cNvSpPr>
+          <p:nvPr>
+            <p:ph idx="1"/>
+          </p:nvPr>
+        </p:nvSpPr>
+        <p:spPr/>
+        <p:txBody>
+          <a:bodyPr/>
+          <a:lstStyle/>
+          <a:p>
+            <a:pPr marL="0" indent="0">
+              <a:buNone/>
+            </a:pPr>
+            <a:r>
+              <a:rPr lang="en-US" i="1" dirty="0" smtClean="0"/>
+              <a:t>IRR calculations</a:t>
+            </a:r>
+          </a:p>
+          <a:p>
+            <a:pPr marL="0" indent="0">
+              <a:buNone/>
+            </a:pPr>
+            <a:endParaRPr lang="en-US" i="1" dirty="0"/>
+          </a:p>
+          <a:p>
+            <a:pPr>
+              <a:spcAft>
+                <a:spcPts val="0"/>
+              </a:spcAft>
+              <a:buFont typeface="Wingdings" panose="05000000000000000000" pitchFamily="2" charset="2"/>
+              <a:buChar char="§"/>
+            </a:pPr>
+            <a:r>
+              <a:rPr lang="en-US" i="1" dirty="0" smtClean="0"/>
+              <a:t>Project:</a:t>
+            </a:r>
+          </a:p>
+          <a:p>
+            <a:pPr lvl="1">
+              <a:spcAft>
+                <a:spcPts val="0"/>
+              </a:spcAft>
+              <a:buFont typeface="Wingdings" panose="05000000000000000000" pitchFamily="2" charset="2"/>
+              <a:buChar char="§"/>
+            </a:pPr>
+            <a:endParaRPr lang="en-US" i="1" dirty="0" smtClean="0"/>
+          </a:p>
+          <a:p>
+            <a:pPr lvl="1">
+              <a:buFont typeface="Wingdings" panose="05000000000000000000" pitchFamily="2" charset="2"/>
+              <a:buChar char="§"/>
+            </a:pPr>
+            <a:r>
+              <a:rPr lang="en-US" dirty="0" smtClean="0"/>
+              <a:t>Calculate IRR for 2400 potential economic scenarios </a:t>
+            </a:r>
+          </a:p>
+          <a:p>
+            <a:pPr lvl="3">
+              <a:spcBef>
+                <a:spcPts val="600"/>
+              </a:spcBef>
+              <a:buFont typeface="Wingdings" panose="05000000000000000000" pitchFamily="2" charset="2"/>
+              <a:buChar char="§"/>
+            </a:pPr>
+            <a:r>
+              <a:rPr lang="en-US" dirty="0" smtClean="0"/>
+              <a:t>40 years of predicted distributable earnings per scenario (cash flows)</a:t>
+            </a:r>
+          </a:p>
+          <a:p>
+            <a:pPr lvl="3">
+              <a:spcBef>
+                <a:spcPts val="600"/>
+              </a:spcBef>
+              <a:spcAft>
+                <a:spcPts val="0"/>
+              </a:spcAft>
+              <a:buFont typeface="Wingdings" panose="05000000000000000000" pitchFamily="2" charset="2"/>
+              <a:buChar char="§"/>
+            </a:pPr>
+            <a:r>
+              <a:rPr lang="en-US" dirty="0" smtClean="0"/>
+              <a:t>1 GAAP Equity value per product (initial investment)</a:t>
+            </a:r>
+          </a:p>
+          <a:p>
+            <a:pPr lvl="1">
+              <a:spcAft>
+                <a:spcPts val="0"/>
+              </a:spcAft>
+              <a:buFont typeface="Wingdings" panose="05000000000000000000" pitchFamily="2" charset="2"/>
+              <a:buChar char="§"/>
+            </a:pPr>
+            <a:endParaRPr lang="en-US" dirty="0" smtClean="0"/>
+          </a:p>
+          <a:p>
+            <a:pPr lvl="1">
+              <a:spcAft>
+                <a:spcPts val="0"/>
+              </a:spcAft>
+              <a:buFont typeface="Wingdings" panose="05000000000000000000" pitchFamily="2" charset="2"/>
+              <a:buChar char="§"/>
+            </a:pPr>
+            <a:r>
+              <a:rPr lang="en-US" dirty="0" smtClean="0"/>
+              <a:t>Too many conditions for Excel’s IRR function. Goal Seek?</a:t>
+            </a:r>
+          </a:p>
+          <a:p>
+            <a:pPr marL="228600" lvl="1" indent="0">
+              <a:spcAft>
+                <a:spcPts val="0"/>
+              </a:spcAft>
+              <a:buNone/>
+            </a:pPr>
+            <a:endParaRPr lang="en-US" dirty="0"/>
+          </a:p>
+          <a:p>
+            <a:pPr lvl="1">
+              <a:buFont typeface="Wingdings" panose="05000000000000000000" pitchFamily="2" charset="2"/>
+              <a:buChar char="§"/>
+            </a:pPr>
+            <a:endParaRPr lang="en-US" i="1" dirty="0" smtClean="0"/>
+          </a:p>
+          <a:p>
+            <a:pPr lvl="1">
+              <a:buFont typeface="Wingdings" panose="05000000000000000000" pitchFamily="2" charset="2"/>
+              <a:buChar char="§"/>
+            </a:pPr>
+            <a:endParaRPr lang="en-US" i="1" dirty="0"/>
+          </a:p>
+          <a:p>
+            <a:pPr lvl="1">
+              <a:buFont typeface="Wingdings" panose="05000000000000000000" pitchFamily="2" charset="2"/>
+              <a:buChar char="§"/>
+            </a:pPr>
+            <a:endParaRPr lang="en-US" dirty="0" smtClean="0"/>
+          </a:p>
+        </p:txBody>
+      </p:sp>
+      <p:sp>
+        <p:nvSpPr>
+          <p:cNvPr id="3" name="Slide Number Placeholder 2"/>
+          <p:cNvSpPr>
+            <a:spLocks noGrp="1"/>
+          </p:cNvSpPr>
+          <p:nvPr>
+            <p:ph type="sldNum" sz="quarter" idx="4294967295"/>
+          </p:nvPr>
+        </p:nvSpPr>
+        <p:spPr>
+          <a:xfrm>
+            <a:off x="8366760" y="6465572"/>
+            <a:ext cx="457200" cy="182880"/>
+          </a:xfrm>
+        </p:spPr>
+        <p:txBody>
+          <a:bodyPr/>
+          <a:lstStyle/>
+          <a:p>
+            <a:fld id="{E49B4C36-CA85-496D-A067-FC602A1FD8AC}" type="slidenum">
+              <a:rPr lang="en-US" smtClean="0"/>
+              <a:t>9</a:t>
+            </a:fld>
+            <a:endParaRPr lang="en-US"/>
+          </a:p>
+        </p:txBody>
+      </p:sp>
+      <p:sp>
+        <p:nvSpPr>
+          <p:cNvPr id="4" name="Title 3"/>
+          <p:cNvSpPr>
+            <a:spLocks noGrp="1"/>
+          </p:cNvSpPr>
+          <p:nvPr>
+            <p:ph type="title"/>
+          </p:nvPr>
+        </p:nvSpPr>
+        <p:spPr/>
+        <p:txBody>
+          <a:bodyPr/>
+          <a:lstStyle/>
+          <a:p>
+            <a:r>
+              <a:rPr lang="en-US" dirty="0" smtClean="0"/>
+              <a:t>speed</a:t>
+            </a:r>
+            <a:endParaRPr lang="en-US" dirty="0"/>
+          </a:p>
+        </p:txBody>
+      </p:sp>
+      <p:sp>
+        <p:nvSpPr>
+          <p:cNvPr id="5" name="Rounded Rectangle 4"/>
+          <p:cNvSpPr/>
+          <p:nvPr/>
+        </p:nvSpPr>
+        <p:spPr>
+          <a:xfrm>
+            <a:off x="6934200" y="5105400"/>
+            <a:ext cx="2057400" cy="381000"/>
+          </a:xfrm>
+          <a:prstGeom prst="roundRect">
+            <a:avLst/>
+          </a:prstGeom>
+          <a:solidFill>
+            <a:srgbClr val="98002E"/>
+          </a:solidFill>
+          <a:ln>
+            <a:noFill/>
+          </a:ln>
+          <a:effectLst/>
+        </p:spPr>
+        <p:style>
+          <a:lnRef idx="1">
+            <a:schemeClr val="accent1"/>
+          </a:lnRef>
+          <a:fillRef idx="3">
+            <a:schemeClr val="accent1"/>
+          </a:fillRef>
+          <a:effectRef idx="2">
+            <a:schemeClr val="accent1"/>
+          </a:effectRef>
+          <a:fontRef idx="minor">
+            <a:schemeClr val="lt1"/>
+          </a:fontRef>
+        </p:style>
+        <p:txBody>
+          <a:bodyPr rtlCol="0" anchor="ctr"/>
+          <a:lstStyle/>
+          <a:p>
+            <a:pPr algn="ctr"/>
+            <a:r>
+              <a:rPr lang="en-US" sz="1600" dirty="0" smtClean="0"/>
+              <a:t>40 years of earnings</a:t>
+            </a:r>
+            <a:endParaRPr lang="en-US" sz="1600" dirty="0"/>
+          </a:p>
+        </p:txBody>
+      </p:sp>
+      <p:sp>
+        <p:nvSpPr>
+          <p:cNvPr id="6" name="Rounded Rectangle 5"/>
+          <p:cNvSpPr/>
+          <p:nvPr/>
+        </p:nvSpPr>
+        <p:spPr>
+          <a:xfrm>
+            <a:off x="4648200" y="5105400"/>
+            <a:ext cx="2057400" cy="381000"/>
+          </a:xfrm>
+          <a:prstGeom prst="roundRect">
+            <a:avLst/>
+          </a:prstGeom>
+          <a:solidFill>
+            <a:srgbClr val="98002E"/>
+          </a:solidFill>
+          <a:ln>
+            <a:noFill/>
+          </a:ln>
+          <a:effectLst/>
+        </p:spPr>
+        <p:style>
+          <a:lnRef idx="1">
+            <a:schemeClr val="accent1"/>
+          </a:lnRef>
+          <a:fillRef idx="3">
+            <a:schemeClr val="accent1"/>
+          </a:fillRef>
+          <a:effectRef idx="2">
+            <a:schemeClr val="accent1"/>
+          </a:effectRef>
+          <a:fontRef idx="minor">
+            <a:schemeClr val="lt1"/>
+          </a:fontRef>
+        </p:style>
+        <p:txBody>
+          <a:bodyPr rtlCol="0" anchor="ctr"/>
+          <a:lstStyle/>
+          <a:p>
+            <a:pPr algn="ctr"/>
+            <a:r>
+              <a:rPr lang="en-US" sz="1600" dirty="0" smtClean="0"/>
+              <a:t>GAAP Equity Value</a:t>
+            </a:r>
+            <a:endParaRPr lang="en-US" sz="1600" dirty="0"/>
+          </a:p>
+        </p:txBody>
+      </p:sp>
+      <p:sp>
+        <p:nvSpPr>
+          <p:cNvPr id="26" name="U-Turn Arrow 25"/>
+          <p:cNvSpPr/>
+          <p:nvPr/>
+        </p:nvSpPr>
+        <p:spPr>
+          <a:xfrm flipH="1">
+            <a:off x="5562600" y="4724400"/>
+            <a:ext cx="2438400" cy="381000"/>
+          </a:xfrm>
+          <a:prstGeom prst="uturnArrow">
+            <a:avLst>
+              <a:gd name="adj1" fmla="val 25000"/>
+              <a:gd name="adj2" fmla="val 25000"/>
+              <a:gd name="adj3" fmla="val 25000"/>
+              <a:gd name="adj4" fmla="val 43750"/>
+              <a:gd name="adj5" fmla="val 100000"/>
+            </a:avLst>
+          </a:prstGeom>
+          <a:solidFill>
+            <a:srgbClr val="377193"/>
+          </a:solidFill>
+          <a:ln>
+            <a:noFill/>
+          </a:ln>
+          <a:effectLst/>
+        </p:spPr>
+        <p:style>
+          <a:lnRef idx="1">
+            <a:schemeClr val="accent1"/>
+          </a:lnRef>
+          <a:fillRef idx="3">
+            <a:schemeClr val="accent1"/>
+          </a:fillRef>
+          <a:effectRef idx="2">
+            <a:schemeClr val="accent1"/>
+          </a:effectRef>
+          <a:fontRef idx="minor">
+            <a:schemeClr val="lt1"/>
+          </a:fontRef>
+        </p:style>
+        <p:txBody>
+          <a:bodyPr rtlCol="0" anchor="ctr"/>
+          <a:lstStyle/>
+          <a:p>
+            <a:pPr algn="ctr"/>
+            <a:endParaRPr lang="en-US">
+              <a:solidFill>
+                <a:schemeClr val="tx1"/>
+              </a:solidFill>
+            </a:endParaRPr>
+          </a:p>
+        </p:txBody>
+      </p:sp>
+      <p:sp>
+        <p:nvSpPr>
+          <p:cNvPr id="28" name="Rounded Rectangle 27"/>
+          <p:cNvSpPr/>
+          <p:nvPr/>
+        </p:nvSpPr>
+        <p:spPr>
+          <a:xfrm>
+            <a:off x="6501384" y="4403366"/>
+            <a:ext cx="609600" cy="342900"/>
+          </a:xfrm>
+          <a:prstGeom prst="roundRect">
+            <a:avLst/>
+          </a:prstGeom>
+          <a:solidFill>
+            <a:srgbClr val="377193"/>
+          </a:solidFill>
+          <a:ln>
+            <a:noFill/>
+          </a:ln>
+          <a:effectLst/>
+        </p:spPr>
+        <p:style>
+          <a:lnRef idx="1">
+            <a:schemeClr val="accent1"/>
+          </a:lnRef>
+          <a:fillRef idx="3">
+            <a:schemeClr val="accent1"/>
+          </a:fillRef>
+          <a:effectRef idx="2">
+            <a:schemeClr val="accent1"/>
+          </a:effectRef>
+          <a:fontRef idx="minor">
+            <a:schemeClr val="lt1"/>
+          </a:fontRef>
+        </p:style>
+        <p:txBody>
+          <a:bodyPr rtlCol="0" anchor="ctr"/>
+          <a:lstStyle/>
+          <a:p>
+            <a:pPr algn="ctr"/>
+            <a:r>
+              <a:rPr lang="en-US" sz="1600" dirty="0" smtClean="0"/>
+              <a:t>IRR</a:t>
+            </a:r>
+            <a:endParaRPr lang="en-US" sz="1600" dirty="0"/>
+          </a:p>
+        </p:txBody>
+      </p:sp>
+    </p:spTree>
+    <p:extLst>
+      <p:ext uri="{BB962C8B-B14F-4D97-AF65-F5344CB8AC3E}">
+        <p14:creationId xmlns:p14="http://schemas.microsoft.com/office/powerpoint/2010/main" val="986279708"/>
       </p:ext>
     </p:extLst>
   </p:cSld>
